--- a/Hackthon(Presentation_Pitch).pptx
+++ b/Hackthon(Presentation_Pitch).pptx
@@ -8,9 +8,9 @@
     <p:notesMasterId r:id="rId5"/>
   </p:notesMasterIdLst>
   <p:sldIdLst>
-    <p:sldId id="256" r:id="rId2"/>
-    <p:sldId id="257" r:id="rId3"/>
-    <p:sldId id="258" r:id="rId4"/>
+    <p:sldId id="258" r:id="rId2"/>
+    <p:sldId id="259" r:id="rId3"/>
+    <p:sldId id="260" r:id="rId4"/>
   </p:sldIdLst>
   <p:sldSz cx="12192000" cy="6858000"/>
   <p:notesSz cx="6858000" cy="9144000"/>
@@ -864,1058 +864,7 @@
 </dgm:colorsDef>
 </file>
 
-<file path=ppt/diagrams/colors2.xml><?xml version="1.0" encoding="utf-8"?>
-<dgm:colorsDef xmlns:dgm="http://schemas.openxmlformats.org/drawingml/2006/diagram" xmlns:a="http://schemas.openxmlformats.org/drawingml/2006/main" uniqueId="urn:microsoft.com/office/officeart/2005/8/colors/accent1_2">
-  <dgm:title val=""/>
-  <dgm:desc val=""/>
-  <dgm:catLst>
-    <dgm:cat type="accent1" pri="11200"/>
-  </dgm:catLst>
-  <dgm:styleLbl name="node0">
-    <dgm:fillClrLst meth="repeat">
-      <a:schemeClr val="accent1"/>
-    </dgm:fillClrLst>
-    <dgm:linClrLst meth="repeat">
-      <a:schemeClr val="lt1"/>
-    </dgm:linClrLst>
-    <dgm:effectClrLst/>
-    <dgm:txLinClrLst/>
-    <dgm:txFillClrLst/>
-    <dgm:txEffectClrLst/>
-  </dgm:styleLbl>
-  <dgm:styleLbl name="alignNode1">
-    <dgm:fillClrLst meth="repeat">
-      <a:schemeClr val="accent1"/>
-    </dgm:fillClrLst>
-    <dgm:linClrLst meth="repeat">
-      <a:schemeClr val="accent1"/>
-    </dgm:linClrLst>
-    <dgm:effectClrLst/>
-    <dgm:txLinClrLst/>
-    <dgm:txFillClrLst/>
-    <dgm:txEffectClrLst/>
-  </dgm:styleLbl>
-  <dgm:styleLbl name="node1">
-    <dgm:fillClrLst meth="repeat">
-      <a:schemeClr val="accent1"/>
-    </dgm:fillClrLst>
-    <dgm:linClrLst meth="repeat">
-      <a:schemeClr val="lt1"/>
-    </dgm:linClrLst>
-    <dgm:effectClrLst/>
-    <dgm:txLinClrLst/>
-    <dgm:txFillClrLst/>
-    <dgm:txEffectClrLst/>
-  </dgm:styleLbl>
-  <dgm:styleLbl name="lnNode1">
-    <dgm:fillClrLst meth="repeat">
-      <a:schemeClr val="accent1"/>
-    </dgm:fillClrLst>
-    <dgm:linClrLst meth="repeat">
-      <a:schemeClr val="lt1"/>
-    </dgm:linClrLst>
-    <dgm:effectClrLst/>
-    <dgm:txLinClrLst/>
-    <dgm:txFillClrLst/>
-    <dgm:txEffectClrLst/>
-  </dgm:styleLbl>
-  <dgm:styleLbl name="vennNode1">
-    <dgm:fillClrLst meth="repeat">
-      <a:schemeClr val="accent1">
-        <a:alpha val="50000"/>
-      </a:schemeClr>
-    </dgm:fillClrLst>
-    <dgm:linClrLst meth="repeat">
-      <a:schemeClr val="lt1"/>
-    </dgm:linClrLst>
-    <dgm:effectClrLst/>
-    <dgm:txLinClrLst/>
-    <dgm:txFillClrLst/>
-    <dgm:txEffectClrLst/>
-  </dgm:styleLbl>
-  <dgm:styleLbl name="node2">
-    <dgm:fillClrLst meth="repeat">
-      <a:schemeClr val="accent1"/>
-    </dgm:fillClrLst>
-    <dgm:linClrLst meth="repeat">
-      <a:schemeClr val="lt1"/>
-    </dgm:linClrLst>
-    <dgm:effectClrLst/>
-    <dgm:txLinClrLst/>
-    <dgm:txFillClrLst/>
-    <dgm:txEffectClrLst/>
-  </dgm:styleLbl>
-  <dgm:styleLbl name="node3">
-    <dgm:fillClrLst meth="repeat">
-      <a:schemeClr val="accent1"/>
-    </dgm:fillClrLst>
-    <dgm:linClrLst meth="repeat">
-      <a:schemeClr val="lt1"/>
-    </dgm:linClrLst>
-    <dgm:effectClrLst/>
-    <dgm:txLinClrLst/>
-    <dgm:txFillClrLst/>
-    <dgm:txEffectClrLst/>
-  </dgm:styleLbl>
-  <dgm:styleLbl name="node4">
-    <dgm:fillClrLst meth="repeat">
-      <a:schemeClr val="accent1"/>
-    </dgm:fillClrLst>
-    <dgm:linClrLst meth="repeat">
-      <a:schemeClr val="lt1"/>
-    </dgm:linClrLst>
-    <dgm:effectClrLst/>
-    <dgm:txLinClrLst/>
-    <dgm:txFillClrLst/>
-    <dgm:txEffectClrLst/>
-  </dgm:styleLbl>
-  <dgm:styleLbl name="fgImgPlace1">
-    <dgm:fillClrLst meth="repeat">
-      <a:schemeClr val="accent1">
-        <a:tint val="50000"/>
-      </a:schemeClr>
-    </dgm:fillClrLst>
-    <dgm:linClrLst meth="repeat">
-      <a:schemeClr val="lt1"/>
-    </dgm:linClrLst>
-    <dgm:effectClrLst/>
-    <dgm:txLinClrLst/>
-    <dgm:txFillClrLst meth="repeat">
-      <a:schemeClr val="lt1"/>
-    </dgm:txFillClrLst>
-    <dgm:txEffectClrLst/>
-  </dgm:styleLbl>
-  <dgm:styleLbl name="alignImgPlace1">
-    <dgm:fillClrLst meth="repeat">
-      <a:schemeClr val="accent1">
-        <a:tint val="50000"/>
-      </a:schemeClr>
-    </dgm:fillClrLst>
-    <dgm:linClrLst meth="repeat">
-      <a:schemeClr val="lt1"/>
-    </dgm:linClrLst>
-    <dgm:effectClrLst/>
-    <dgm:txLinClrLst/>
-    <dgm:txFillClrLst meth="repeat">
-      <a:schemeClr val="lt1"/>
-    </dgm:txFillClrLst>
-    <dgm:txEffectClrLst/>
-  </dgm:styleLbl>
-  <dgm:styleLbl name="bgImgPlace1">
-    <dgm:fillClrLst meth="repeat">
-      <a:schemeClr val="accent1">
-        <a:tint val="50000"/>
-      </a:schemeClr>
-    </dgm:fillClrLst>
-    <dgm:linClrLst meth="repeat">
-      <a:schemeClr val="lt1"/>
-    </dgm:linClrLst>
-    <dgm:effectClrLst/>
-    <dgm:txLinClrLst/>
-    <dgm:txFillClrLst meth="repeat">
-      <a:schemeClr val="lt1"/>
-    </dgm:txFillClrLst>
-    <dgm:txEffectClrLst/>
-  </dgm:styleLbl>
-  <dgm:styleLbl name="sibTrans2D1">
-    <dgm:fillClrLst meth="repeat">
-      <a:schemeClr val="accent1">
-        <a:tint val="60000"/>
-      </a:schemeClr>
-    </dgm:fillClrLst>
-    <dgm:linClrLst meth="repeat">
-      <a:schemeClr val="accent1">
-        <a:tint val="60000"/>
-      </a:schemeClr>
-    </dgm:linClrLst>
-    <dgm:effectClrLst/>
-    <dgm:txLinClrLst/>
-    <dgm:txFillClrLst/>
-    <dgm:txEffectClrLst/>
-  </dgm:styleLbl>
-  <dgm:styleLbl name="fgSibTrans2D1">
-    <dgm:fillClrLst meth="repeat">
-      <a:schemeClr val="accent1">
-        <a:tint val="60000"/>
-      </a:schemeClr>
-    </dgm:fillClrLst>
-    <dgm:linClrLst meth="repeat">
-      <a:schemeClr val="accent1">
-        <a:tint val="60000"/>
-      </a:schemeClr>
-    </dgm:linClrLst>
-    <dgm:effectClrLst/>
-    <dgm:txLinClrLst/>
-    <dgm:txFillClrLst/>
-    <dgm:txEffectClrLst/>
-  </dgm:styleLbl>
-  <dgm:styleLbl name="bgSibTrans2D1">
-    <dgm:fillClrLst meth="repeat">
-      <a:schemeClr val="accent1">
-        <a:tint val="60000"/>
-      </a:schemeClr>
-    </dgm:fillClrLst>
-    <dgm:linClrLst meth="repeat">
-      <a:schemeClr val="accent1">
-        <a:tint val="60000"/>
-      </a:schemeClr>
-    </dgm:linClrLst>
-    <dgm:effectClrLst/>
-    <dgm:txLinClrLst/>
-    <dgm:txFillClrLst/>
-    <dgm:txEffectClrLst/>
-  </dgm:styleLbl>
-  <dgm:styleLbl name="sibTrans1D1">
-    <dgm:fillClrLst meth="repeat">
-      <a:schemeClr val="accent1"/>
-    </dgm:fillClrLst>
-    <dgm:linClrLst meth="repeat">
-      <a:schemeClr val="accent1"/>
-    </dgm:linClrLst>
-    <dgm:effectClrLst/>
-    <dgm:txLinClrLst/>
-    <dgm:txFillClrLst meth="repeat">
-      <a:schemeClr val="tx1"/>
-    </dgm:txFillClrLst>
-    <dgm:txEffectClrLst/>
-  </dgm:styleLbl>
-  <dgm:styleLbl name="callout">
-    <dgm:fillClrLst meth="repeat">
-      <a:schemeClr val="accent1"/>
-    </dgm:fillClrLst>
-    <dgm:linClrLst meth="repeat">
-      <a:schemeClr val="accent1">
-        <a:tint val="50000"/>
-      </a:schemeClr>
-    </dgm:linClrLst>
-    <dgm:effectClrLst/>
-    <dgm:txLinClrLst/>
-    <dgm:txFillClrLst meth="repeat">
-      <a:schemeClr val="tx1"/>
-    </dgm:txFillClrLst>
-    <dgm:txEffectClrLst/>
-  </dgm:styleLbl>
-  <dgm:styleLbl name="asst0">
-    <dgm:fillClrLst meth="repeat">
-      <a:schemeClr val="accent1"/>
-    </dgm:fillClrLst>
-    <dgm:linClrLst meth="repeat">
-      <a:schemeClr val="lt1"/>
-    </dgm:linClrLst>
-    <dgm:effectClrLst/>
-    <dgm:txLinClrLst/>
-    <dgm:txFillClrLst/>
-    <dgm:txEffectClrLst/>
-  </dgm:styleLbl>
-  <dgm:styleLbl name="asst1">
-    <dgm:fillClrLst meth="repeat">
-      <a:schemeClr val="accent1"/>
-    </dgm:fillClrLst>
-    <dgm:linClrLst meth="repeat">
-      <a:schemeClr val="lt1"/>
-    </dgm:linClrLst>
-    <dgm:effectClrLst/>
-    <dgm:txLinClrLst/>
-    <dgm:txFillClrLst/>
-    <dgm:txEffectClrLst/>
-  </dgm:styleLbl>
-  <dgm:styleLbl name="asst2">
-    <dgm:fillClrLst meth="repeat">
-      <a:schemeClr val="accent1"/>
-    </dgm:fillClrLst>
-    <dgm:linClrLst meth="repeat">
-      <a:schemeClr val="lt1"/>
-    </dgm:linClrLst>
-    <dgm:effectClrLst/>
-    <dgm:txLinClrLst/>
-    <dgm:txFillClrLst/>
-    <dgm:txEffectClrLst/>
-  </dgm:styleLbl>
-  <dgm:styleLbl name="asst3">
-    <dgm:fillClrLst meth="repeat">
-      <a:schemeClr val="accent1"/>
-    </dgm:fillClrLst>
-    <dgm:linClrLst meth="repeat">
-      <a:schemeClr val="lt1"/>
-    </dgm:linClrLst>
-    <dgm:effectClrLst/>
-    <dgm:txLinClrLst/>
-    <dgm:txFillClrLst/>
-    <dgm:txEffectClrLst/>
-  </dgm:styleLbl>
-  <dgm:styleLbl name="asst4">
-    <dgm:fillClrLst meth="repeat">
-      <a:schemeClr val="accent1"/>
-    </dgm:fillClrLst>
-    <dgm:linClrLst meth="repeat">
-      <a:schemeClr val="lt1"/>
-    </dgm:linClrLst>
-    <dgm:effectClrLst/>
-    <dgm:txLinClrLst/>
-    <dgm:txFillClrLst/>
-    <dgm:txEffectClrLst/>
-  </dgm:styleLbl>
-  <dgm:styleLbl name="parChTrans2D1">
-    <dgm:fillClrLst meth="repeat">
-      <a:schemeClr val="accent1">
-        <a:tint val="60000"/>
-      </a:schemeClr>
-    </dgm:fillClrLst>
-    <dgm:linClrLst meth="repeat">
-      <a:schemeClr val="accent1">
-        <a:tint val="60000"/>
-      </a:schemeClr>
-    </dgm:linClrLst>
-    <dgm:effectClrLst/>
-    <dgm:txLinClrLst/>
-    <dgm:txFillClrLst meth="repeat">
-      <a:schemeClr val="lt1"/>
-    </dgm:txFillClrLst>
-    <dgm:txEffectClrLst/>
-  </dgm:styleLbl>
-  <dgm:styleLbl name="parChTrans2D2">
-    <dgm:fillClrLst meth="repeat">
-      <a:schemeClr val="accent1"/>
-    </dgm:fillClrLst>
-    <dgm:linClrLst meth="repeat">
-      <a:schemeClr val="accent1"/>
-    </dgm:linClrLst>
-    <dgm:effectClrLst/>
-    <dgm:txLinClrLst/>
-    <dgm:txFillClrLst meth="repeat">
-      <a:schemeClr val="lt1"/>
-    </dgm:txFillClrLst>
-    <dgm:txEffectClrLst/>
-  </dgm:styleLbl>
-  <dgm:styleLbl name="parChTrans2D3">
-    <dgm:fillClrLst meth="repeat">
-      <a:schemeClr val="accent1"/>
-    </dgm:fillClrLst>
-    <dgm:linClrLst meth="repeat">
-      <a:schemeClr val="accent1"/>
-    </dgm:linClrLst>
-    <dgm:effectClrLst/>
-    <dgm:txLinClrLst/>
-    <dgm:txFillClrLst meth="repeat">
-      <a:schemeClr val="lt1"/>
-    </dgm:txFillClrLst>
-    <dgm:txEffectClrLst/>
-  </dgm:styleLbl>
-  <dgm:styleLbl name="parChTrans2D4">
-    <dgm:fillClrLst meth="repeat">
-      <a:schemeClr val="accent1"/>
-    </dgm:fillClrLst>
-    <dgm:linClrLst meth="repeat">
-      <a:schemeClr val="accent1"/>
-    </dgm:linClrLst>
-    <dgm:effectClrLst/>
-    <dgm:txLinClrLst/>
-    <dgm:txFillClrLst meth="repeat">
-      <a:schemeClr val="lt1"/>
-    </dgm:txFillClrLst>
-    <dgm:txEffectClrLst/>
-  </dgm:styleLbl>
-  <dgm:styleLbl name="parChTrans1D1">
-    <dgm:fillClrLst meth="repeat">
-      <a:schemeClr val="accent1"/>
-    </dgm:fillClrLst>
-    <dgm:linClrLst meth="repeat">
-      <a:schemeClr val="accent1">
-        <a:shade val="60000"/>
-      </a:schemeClr>
-    </dgm:linClrLst>
-    <dgm:effectClrLst/>
-    <dgm:txLinClrLst/>
-    <dgm:txFillClrLst meth="repeat">
-      <a:schemeClr val="tx1"/>
-    </dgm:txFillClrLst>
-    <dgm:txEffectClrLst/>
-  </dgm:styleLbl>
-  <dgm:styleLbl name="parChTrans1D2">
-    <dgm:fillClrLst meth="repeat">
-      <a:schemeClr val="accent1"/>
-    </dgm:fillClrLst>
-    <dgm:linClrLst meth="repeat">
-      <a:schemeClr val="accent1">
-        <a:shade val="60000"/>
-      </a:schemeClr>
-    </dgm:linClrLst>
-    <dgm:effectClrLst/>
-    <dgm:txLinClrLst/>
-    <dgm:txFillClrLst meth="repeat">
-      <a:schemeClr val="tx1"/>
-    </dgm:txFillClrLst>
-    <dgm:txEffectClrLst/>
-  </dgm:styleLbl>
-  <dgm:styleLbl name="parChTrans1D3">
-    <dgm:fillClrLst meth="repeat">
-      <a:schemeClr val="accent1"/>
-    </dgm:fillClrLst>
-    <dgm:linClrLst meth="repeat">
-      <a:schemeClr val="accent1">
-        <a:shade val="80000"/>
-      </a:schemeClr>
-    </dgm:linClrLst>
-    <dgm:effectClrLst/>
-    <dgm:txLinClrLst/>
-    <dgm:txFillClrLst meth="repeat">
-      <a:schemeClr val="tx1"/>
-    </dgm:txFillClrLst>
-    <dgm:txEffectClrLst/>
-  </dgm:styleLbl>
-  <dgm:styleLbl name="parChTrans1D4">
-    <dgm:fillClrLst meth="repeat">
-      <a:schemeClr val="accent1"/>
-    </dgm:fillClrLst>
-    <dgm:linClrLst meth="repeat">
-      <a:schemeClr val="accent1">
-        <a:shade val="80000"/>
-      </a:schemeClr>
-    </dgm:linClrLst>
-    <dgm:effectClrLst/>
-    <dgm:txLinClrLst/>
-    <dgm:txFillClrLst meth="repeat">
-      <a:schemeClr val="tx1"/>
-    </dgm:txFillClrLst>
-    <dgm:txEffectClrLst/>
-  </dgm:styleLbl>
-  <dgm:styleLbl name="fgAcc1">
-    <dgm:fillClrLst meth="repeat">
-      <a:schemeClr val="lt1">
-        <a:alpha val="90000"/>
-      </a:schemeClr>
-    </dgm:fillClrLst>
-    <dgm:linClrLst meth="repeat">
-      <a:schemeClr val="accent1"/>
-    </dgm:linClrLst>
-    <dgm:effectClrLst/>
-    <dgm:txLinClrLst/>
-    <dgm:txFillClrLst meth="repeat">
-      <a:schemeClr val="dk1"/>
-    </dgm:txFillClrLst>
-    <dgm:txEffectClrLst/>
-  </dgm:styleLbl>
-  <dgm:styleLbl name="conFgAcc1">
-    <dgm:fillClrLst meth="repeat">
-      <a:schemeClr val="lt1">
-        <a:alpha val="90000"/>
-      </a:schemeClr>
-    </dgm:fillClrLst>
-    <dgm:linClrLst meth="repeat">
-      <a:schemeClr val="accent1"/>
-    </dgm:linClrLst>
-    <dgm:effectClrLst/>
-    <dgm:txLinClrLst/>
-    <dgm:txFillClrLst meth="repeat">
-      <a:schemeClr val="dk1"/>
-    </dgm:txFillClrLst>
-    <dgm:txEffectClrLst/>
-  </dgm:styleLbl>
-  <dgm:styleLbl name="alignAcc1">
-    <dgm:fillClrLst meth="repeat">
-      <a:schemeClr val="lt1">
-        <a:alpha val="90000"/>
-      </a:schemeClr>
-    </dgm:fillClrLst>
-    <dgm:linClrLst meth="repeat">
-      <a:schemeClr val="accent1"/>
-    </dgm:linClrLst>
-    <dgm:effectClrLst/>
-    <dgm:txLinClrLst/>
-    <dgm:txFillClrLst meth="repeat">
-      <a:schemeClr val="dk1"/>
-    </dgm:txFillClrLst>
-    <dgm:txEffectClrLst/>
-  </dgm:styleLbl>
-  <dgm:styleLbl name="trAlignAcc1">
-    <dgm:fillClrLst meth="repeat">
-      <a:schemeClr val="lt1">
-        <a:alpha val="40000"/>
-      </a:schemeClr>
-    </dgm:fillClrLst>
-    <dgm:linClrLst meth="repeat">
-      <a:schemeClr val="accent1"/>
-    </dgm:linClrLst>
-    <dgm:effectClrLst/>
-    <dgm:txLinClrLst/>
-    <dgm:txFillClrLst meth="repeat">
-      <a:schemeClr val="dk1"/>
-    </dgm:txFillClrLst>
-    <dgm:txEffectClrLst/>
-  </dgm:styleLbl>
-  <dgm:styleLbl name="bgAcc1">
-    <dgm:fillClrLst meth="repeat">
-      <a:schemeClr val="lt1">
-        <a:alpha val="90000"/>
-      </a:schemeClr>
-    </dgm:fillClrLst>
-    <dgm:linClrLst meth="repeat">
-      <a:schemeClr val="accent1"/>
-    </dgm:linClrLst>
-    <dgm:effectClrLst/>
-    <dgm:txLinClrLst/>
-    <dgm:txFillClrLst meth="repeat">
-      <a:schemeClr val="dk1"/>
-    </dgm:txFillClrLst>
-    <dgm:txEffectClrLst/>
-  </dgm:styleLbl>
-  <dgm:styleLbl name="solidFgAcc1">
-    <dgm:fillClrLst meth="repeat">
-      <a:schemeClr val="lt1"/>
-    </dgm:fillClrLst>
-    <dgm:linClrLst meth="repeat">
-      <a:schemeClr val="accent1"/>
-    </dgm:linClrLst>
-    <dgm:effectClrLst/>
-    <dgm:txLinClrLst/>
-    <dgm:txFillClrLst meth="repeat">
-      <a:schemeClr val="dk1"/>
-    </dgm:txFillClrLst>
-    <dgm:txEffectClrLst/>
-  </dgm:styleLbl>
-  <dgm:styleLbl name="solidAlignAcc1">
-    <dgm:fillClrLst meth="repeat">
-      <a:schemeClr val="lt1"/>
-    </dgm:fillClrLst>
-    <dgm:linClrLst meth="repeat">
-      <a:schemeClr val="accent1"/>
-    </dgm:linClrLst>
-    <dgm:effectClrLst/>
-    <dgm:txLinClrLst/>
-    <dgm:txFillClrLst meth="repeat">
-      <a:schemeClr val="dk1"/>
-    </dgm:txFillClrLst>
-    <dgm:txEffectClrLst/>
-  </dgm:styleLbl>
-  <dgm:styleLbl name="solidBgAcc1">
-    <dgm:fillClrLst meth="repeat">
-      <a:schemeClr val="lt1"/>
-    </dgm:fillClrLst>
-    <dgm:linClrLst meth="repeat">
-      <a:schemeClr val="accent1"/>
-    </dgm:linClrLst>
-    <dgm:effectClrLst/>
-    <dgm:txLinClrLst/>
-    <dgm:txFillClrLst meth="repeat">
-      <a:schemeClr val="dk1"/>
-    </dgm:txFillClrLst>
-    <dgm:txEffectClrLst/>
-  </dgm:styleLbl>
-  <dgm:styleLbl name="fgAccFollowNode1">
-    <dgm:fillClrLst meth="repeat">
-      <a:schemeClr val="accent1">
-        <a:alpha val="90000"/>
-        <a:tint val="40000"/>
-      </a:schemeClr>
-    </dgm:fillClrLst>
-    <dgm:linClrLst meth="repeat">
-      <a:schemeClr val="accent1">
-        <a:alpha val="90000"/>
-        <a:tint val="40000"/>
-      </a:schemeClr>
-    </dgm:linClrLst>
-    <dgm:effectClrLst/>
-    <dgm:txLinClrLst/>
-    <dgm:txFillClrLst meth="repeat">
-      <a:schemeClr val="dk1"/>
-    </dgm:txFillClrLst>
-    <dgm:txEffectClrLst/>
-  </dgm:styleLbl>
-  <dgm:styleLbl name="alignAccFollowNode1">
-    <dgm:fillClrLst meth="repeat">
-      <a:schemeClr val="accent1">
-        <a:alpha val="90000"/>
-        <a:tint val="40000"/>
-      </a:schemeClr>
-    </dgm:fillClrLst>
-    <dgm:linClrLst meth="repeat">
-      <a:schemeClr val="accent1">
-        <a:alpha val="90000"/>
-        <a:tint val="40000"/>
-      </a:schemeClr>
-    </dgm:linClrLst>
-    <dgm:effectClrLst/>
-    <dgm:txLinClrLst/>
-    <dgm:txFillClrLst meth="repeat">
-      <a:schemeClr val="dk1"/>
-    </dgm:txFillClrLst>
-    <dgm:txEffectClrLst/>
-  </dgm:styleLbl>
-  <dgm:styleLbl name="bgAccFollowNode1">
-    <dgm:fillClrLst meth="repeat">
-      <a:schemeClr val="accent1">
-        <a:alpha val="90000"/>
-        <a:tint val="40000"/>
-      </a:schemeClr>
-    </dgm:fillClrLst>
-    <dgm:linClrLst meth="repeat">
-      <a:schemeClr val="accent1">
-        <a:alpha val="90000"/>
-        <a:tint val="40000"/>
-      </a:schemeClr>
-    </dgm:linClrLst>
-    <dgm:effectClrLst/>
-    <dgm:txLinClrLst/>
-    <dgm:txFillClrLst meth="repeat">
-      <a:schemeClr val="dk1"/>
-    </dgm:txFillClrLst>
-    <dgm:txEffectClrLst/>
-  </dgm:styleLbl>
-  <dgm:styleLbl name="fgAcc0">
-    <dgm:fillClrLst meth="repeat">
-      <a:schemeClr val="lt1">
-        <a:alpha val="90000"/>
-      </a:schemeClr>
-    </dgm:fillClrLst>
-    <dgm:linClrLst meth="repeat">
-      <a:schemeClr val="accent1"/>
-    </dgm:linClrLst>
-    <dgm:effectClrLst/>
-    <dgm:txLinClrLst/>
-    <dgm:txFillClrLst meth="repeat">
-      <a:schemeClr val="dk1"/>
-    </dgm:txFillClrLst>
-    <dgm:txEffectClrLst/>
-  </dgm:styleLbl>
-  <dgm:styleLbl name="fgAcc2">
-    <dgm:fillClrLst meth="repeat">
-      <a:schemeClr val="lt1">
-        <a:alpha val="90000"/>
-      </a:schemeClr>
-    </dgm:fillClrLst>
-    <dgm:linClrLst meth="repeat">
-      <a:schemeClr val="accent1"/>
-    </dgm:linClrLst>
-    <dgm:effectClrLst/>
-    <dgm:txLinClrLst/>
-    <dgm:txFillClrLst meth="repeat">
-      <a:schemeClr val="dk1"/>
-    </dgm:txFillClrLst>
-    <dgm:txEffectClrLst/>
-  </dgm:styleLbl>
-  <dgm:styleLbl name="fgAcc3">
-    <dgm:fillClrLst meth="repeat">
-      <a:schemeClr val="lt1">
-        <a:alpha val="90000"/>
-      </a:schemeClr>
-    </dgm:fillClrLst>
-    <dgm:linClrLst meth="repeat">
-      <a:schemeClr val="accent1"/>
-    </dgm:linClrLst>
-    <dgm:effectClrLst/>
-    <dgm:txLinClrLst/>
-    <dgm:txFillClrLst meth="repeat">
-      <a:schemeClr val="dk1"/>
-    </dgm:txFillClrLst>
-    <dgm:txEffectClrLst/>
-  </dgm:styleLbl>
-  <dgm:styleLbl name="fgAcc4">
-    <dgm:fillClrLst meth="repeat">
-      <a:schemeClr val="lt1">
-        <a:alpha val="90000"/>
-      </a:schemeClr>
-    </dgm:fillClrLst>
-    <dgm:linClrLst meth="repeat">
-      <a:schemeClr val="accent1"/>
-    </dgm:linClrLst>
-    <dgm:effectClrLst/>
-    <dgm:txLinClrLst/>
-    <dgm:txFillClrLst meth="repeat">
-      <a:schemeClr val="dk1"/>
-    </dgm:txFillClrLst>
-    <dgm:txEffectClrLst/>
-  </dgm:styleLbl>
-  <dgm:styleLbl name="bgShp">
-    <dgm:fillClrLst meth="repeat">
-      <a:schemeClr val="accent1">
-        <a:tint val="40000"/>
-      </a:schemeClr>
-    </dgm:fillClrLst>
-    <dgm:linClrLst meth="repeat">
-      <a:schemeClr val="accent1"/>
-    </dgm:linClrLst>
-    <dgm:effectClrLst/>
-    <dgm:txLinClrLst/>
-    <dgm:txFillClrLst meth="repeat">
-      <a:schemeClr val="dk1"/>
-    </dgm:txFillClrLst>
-    <dgm:txEffectClrLst/>
-  </dgm:styleLbl>
-  <dgm:styleLbl name="dkBgShp">
-    <dgm:fillClrLst meth="repeat">
-      <a:schemeClr val="accent1">
-        <a:shade val="80000"/>
-      </a:schemeClr>
-    </dgm:fillClrLst>
-    <dgm:linClrLst meth="repeat">
-      <a:schemeClr val="accent1"/>
-    </dgm:linClrLst>
-    <dgm:effectClrLst/>
-    <dgm:txLinClrLst/>
-    <dgm:txFillClrLst meth="repeat">
-      <a:schemeClr val="lt1"/>
-    </dgm:txFillClrLst>
-    <dgm:txEffectClrLst/>
-  </dgm:styleLbl>
-  <dgm:styleLbl name="trBgShp">
-    <dgm:fillClrLst meth="repeat">
-      <a:schemeClr val="accent1">
-        <a:tint val="50000"/>
-        <a:alpha val="40000"/>
-      </a:schemeClr>
-    </dgm:fillClrLst>
-    <dgm:linClrLst meth="repeat">
-      <a:schemeClr val="accent1"/>
-    </dgm:linClrLst>
-    <dgm:effectClrLst/>
-    <dgm:txLinClrLst/>
-    <dgm:txFillClrLst meth="repeat">
-      <a:schemeClr val="lt1"/>
-    </dgm:txFillClrLst>
-    <dgm:txEffectClrLst/>
-  </dgm:styleLbl>
-  <dgm:styleLbl name="fgShp">
-    <dgm:fillClrLst meth="repeat">
-      <a:schemeClr val="accent1">
-        <a:tint val="60000"/>
-      </a:schemeClr>
-    </dgm:fillClrLst>
-    <dgm:linClrLst meth="repeat">
-      <a:schemeClr val="lt1"/>
-    </dgm:linClrLst>
-    <dgm:effectClrLst/>
-    <dgm:txLinClrLst/>
-    <dgm:txFillClrLst meth="repeat">
-      <a:schemeClr val="dk1"/>
-    </dgm:txFillClrLst>
-    <dgm:txEffectClrLst/>
-  </dgm:styleLbl>
-  <dgm:styleLbl name="revTx">
-    <dgm:fillClrLst meth="repeat">
-      <a:schemeClr val="lt1">
-        <a:alpha val="0"/>
-      </a:schemeClr>
-    </dgm:fillClrLst>
-    <dgm:linClrLst meth="repeat">
-      <a:schemeClr val="dk1">
-        <a:alpha val="0"/>
-      </a:schemeClr>
-    </dgm:linClrLst>
-    <dgm:effectClrLst/>
-    <dgm:txLinClrLst/>
-    <dgm:txFillClrLst meth="repeat">
-      <a:schemeClr val="tx1"/>
-    </dgm:txFillClrLst>
-    <dgm:txEffectClrLst/>
-  </dgm:styleLbl>
-</dgm:colorsDef>
-</file>
-
 <file path=ppt/diagrams/data1.xml><?xml version="1.0" encoding="utf-8"?>
-<dgm:dataModel xmlns:dgm="http://schemas.openxmlformats.org/drawingml/2006/diagram" xmlns:a="http://schemas.openxmlformats.org/drawingml/2006/main">
-  <dgm:ptLst>
-    <dgm:pt modelId="{9A8E5181-CE91-4551-8C55-0A17D961A782}" type="doc">
-      <dgm:prSet loTypeId="urn:microsoft.com/office/officeart/2011/layout/CircleProcess" loCatId="process" qsTypeId="urn:microsoft.com/office/officeart/2005/8/quickstyle/simple1" qsCatId="simple" csTypeId="urn:microsoft.com/office/officeart/2005/8/colors/accent1_2" csCatId="accent1" phldr="1"/>
-      <dgm:spPr/>
-      <dgm:t>
-        <a:bodyPr/>
-        <a:lstStyle/>
-        <a:p>
-          <a:endParaRPr lang="en-US"/>
-        </a:p>
-      </dgm:t>
-    </dgm:pt>
-    <dgm:pt modelId="{DD257C28-8597-44EF-BC9E-F5B26BA6052D}">
-      <dgm:prSet phldrT="[Text]"/>
-      <dgm:spPr/>
-      <dgm:t>
-        <a:bodyPr/>
-        <a:lstStyle/>
-        <a:p>
-          <a:r>
-            <a:rPr lang="en-US" dirty="0" smtClean="0">
-              <a:solidFill>
-                <a:schemeClr val="bg1"/>
-              </a:solidFill>
-            </a:rPr>
-            <a:t>Pre-Process Data (Select Key Values)</a:t>
-          </a:r>
-          <a:endParaRPr lang="en-US" dirty="0">
-            <a:solidFill>
-              <a:schemeClr val="bg1"/>
-            </a:solidFill>
-          </a:endParaRPr>
-        </a:p>
-      </dgm:t>
-    </dgm:pt>
-    <dgm:pt modelId="{D24E3CD7-C2C1-4E92-8696-9F893CA6B456}" type="parTrans" cxnId="{27DB9DFC-CFBD-48F1-886E-DC212638B819}">
-      <dgm:prSet/>
-      <dgm:spPr/>
-      <dgm:t>
-        <a:bodyPr/>
-        <a:lstStyle/>
-        <a:p>
-          <a:endParaRPr lang="en-US"/>
-        </a:p>
-      </dgm:t>
-    </dgm:pt>
-    <dgm:pt modelId="{986190D7-5304-403B-B741-B59C4774ACA3}" type="sibTrans" cxnId="{27DB9DFC-CFBD-48F1-886E-DC212638B819}">
-      <dgm:prSet/>
-      <dgm:spPr/>
-      <dgm:t>
-        <a:bodyPr/>
-        <a:lstStyle/>
-        <a:p>
-          <a:endParaRPr lang="en-US"/>
-        </a:p>
-      </dgm:t>
-    </dgm:pt>
-    <dgm:pt modelId="{77E37B13-3F1A-4BD4-8AD4-96349B4329E4}">
-      <dgm:prSet phldrT="[Text]"/>
-      <dgm:spPr/>
-      <dgm:t>
-        <a:bodyPr/>
-        <a:lstStyle/>
-        <a:p>
-          <a:r>
-            <a:rPr lang="en-US" dirty="0" smtClean="0">
-              <a:solidFill>
-                <a:schemeClr val="bg1"/>
-              </a:solidFill>
-            </a:rPr>
-            <a:t>Test Statistical Models (ARIMA, SRIMA)</a:t>
-          </a:r>
-          <a:endParaRPr lang="en-US" dirty="0">
-            <a:solidFill>
-              <a:schemeClr val="bg1"/>
-            </a:solidFill>
-          </a:endParaRPr>
-        </a:p>
-      </dgm:t>
-    </dgm:pt>
-    <dgm:pt modelId="{89D073A5-4402-40D3-B1C8-B0717133D8A9}" type="parTrans" cxnId="{0A57607D-A872-4526-8659-CC49F7977195}">
-      <dgm:prSet/>
-      <dgm:spPr/>
-      <dgm:t>
-        <a:bodyPr/>
-        <a:lstStyle/>
-        <a:p>
-          <a:endParaRPr lang="en-US"/>
-        </a:p>
-      </dgm:t>
-    </dgm:pt>
-    <dgm:pt modelId="{0C2885B4-5BFA-4D25-9C7B-079A4FB3AE84}" type="sibTrans" cxnId="{0A57607D-A872-4526-8659-CC49F7977195}">
-      <dgm:prSet/>
-      <dgm:spPr/>
-      <dgm:t>
-        <a:bodyPr/>
-        <a:lstStyle/>
-        <a:p>
-          <a:endParaRPr lang="en-US"/>
-        </a:p>
-      </dgm:t>
-    </dgm:pt>
-    <dgm:pt modelId="{6E28A035-0CEB-4FE2-A736-E9FE923A558C}">
-      <dgm:prSet phldrT="[Text]"/>
-      <dgm:spPr/>
-      <dgm:t>
-        <a:bodyPr/>
-        <a:lstStyle/>
-        <a:p>
-          <a:r>
-            <a:rPr lang="en-US" dirty="0" smtClean="0">
-              <a:solidFill>
-                <a:schemeClr val="bg1"/>
-              </a:solidFill>
-            </a:rPr>
-            <a:t>Choose Best Model to generate Time Series</a:t>
-          </a:r>
-          <a:endParaRPr lang="en-US" dirty="0">
-            <a:solidFill>
-              <a:schemeClr val="bg1"/>
-            </a:solidFill>
-          </a:endParaRPr>
-        </a:p>
-      </dgm:t>
-    </dgm:pt>
-    <dgm:pt modelId="{066FD0A3-C955-4B4E-9360-9E88F62DA3ED}" type="parTrans" cxnId="{50FAA3AA-D1CF-41DA-A283-876CAD020E62}">
-      <dgm:prSet/>
-      <dgm:spPr/>
-      <dgm:t>
-        <a:bodyPr/>
-        <a:lstStyle/>
-        <a:p>
-          <a:endParaRPr lang="en-US"/>
-        </a:p>
-      </dgm:t>
-    </dgm:pt>
-    <dgm:pt modelId="{B4345B7D-99F4-4637-9483-8808528EE4BC}" type="sibTrans" cxnId="{50FAA3AA-D1CF-41DA-A283-876CAD020E62}">
-      <dgm:prSet/>
-      <dgm:spPr/>
-      <dgm:t>
-        <a:bodyPr/>
-        <a:lstStyle/>
-        <a:p>
-          <a:endParaRPr lang="en-US"/>
-        </a:p>
-      </dgm:t>
-    </dgm:pt>
-    <dgm:pt modelId="{3A769AC2-79D6-4ACE-B8D4-56CEEC215C3C}" type="pres">
-      <dgm:prSet presAssocID="{9A8E5181-CE91-4551-8C55-0A17D961A782}" presName="Name0" presStyleCnt="0">
-        <dgm:presLayoutVars>
-          <dgm:chMax val="11"/>
-          <dgm:chPref val="11"/>
-          <dgm:dir/>
-          <dgm:resizeHandles/>
-        </dgm:presLayoutVars>
-      </dgm:prSet>
-      <dgm:spPr/>
-    </dgm:pt>
-    <dgm:pt modelId="{68E5589C-94F8-493E-996D-6FE2126B9D4B}" type="pres">
-      <dgm:prSet presAssocID="{6E28A035-0CEB-4FE2-A736-E9FE923A558C}" presName="Accent3" presStyleCnt="0"/>
-      <dgm:spPr/>
-    </dgm:pt>
-    <dgm:pt modelId="{C551A7B8-0210-441A-8B70-01A49239516A}" type="pres">
-      <dgm:prSet presAssocID="{6E28A035-0CEB-4FE2-A736-E9FE923A558C}" presName="Accent" presStyleLbl="node1" presStyleIdx="0" presStyleCnt="3"/>
-      <dgm:spPr/>
-    </dgm:pt>
-    <dgm:pt modelId="{DA9275DB-7FFF-46B3-BBEA-39B933B01F76}" type="pres">
-      <dgm:prSet presAssocID="{6E28A035-0CEB-4FE2-A736-E9FE923A558C}" presName="ParentBackground3" presStyleCnt="0"/>
-      <dgm:spPr/>
-    </dgm:pt>
-    <dgm:pt modelId="{F82CA913-418F-42F2-A6ED-6E3EFD6BCDB0}" type="pres">
-      <dgm:prSet presAssocID="{6E28A035-0CEB-4FE2-A736-E9FE923A558C}" presName="ParentBackground" presStyleLbl="fgAcc1" presStyleIdx="0" presStyleCnt="3"/>
-      <dgm:spPr/>
-    </dgm:pt>
-    <dgm:pt modelId="{5E01B10D-64BA-4B49-9597-69B6BF00A847}" type="pres">
-      <dgm:prSet presAssocID="{6E28A035-0CEB-4FE2-A736-E9FE923A558C}" presName="Parent3" presStyleLbl="revTx" presStyleIdx="0" presStyleCnt="0">
-        <dgm:presLayoutVars>
-          <dgm:chMax val="1"/>
-          <dgm:chPref val="1"/>
-          <dgm:bulletEnabled val="1"/>
-        </dgm:presLayoutVars>
-      </dgm:prSet>
-      <dgm:spPr/>
-    </dgm:pt>
-    <dgm:pt modelId="{0AAC2249-9B0D-459D-8808-0C88839B8EB3}" type="pres">
-      <dgm:prSet presAssocID="{77E37B13-3F1A-4BD4-8AD4-96349B4329E4}" presName="Accent2" presStyleCnt="0"/>
-      <dgm:spPr/>
-    </dgm:pt>
-    <dgm:pt modelId="{C5E91882-2B3D-4537-80CD-9A110229E461}" type="pres">
-      <dgm:prSet presAssocID="{77E37B13-3F1A-4BD4-8AD4-96349B4329E4}" presName="Accent" presStyleLbl="node1" presStyleIdx="1" presStyleCnt="3"/>
-      <dgm:spPr/>
-    </dgm:pt>
-    <dgm:pt modelId="{CC6BE0FD-0240-4024-BE0F-22488CCCDEC3}" type="pres">
-      <dgm:prSet presAssocID="{77E37B13-3F1A-4BD4-8AD4-96349B4329E4}" presName="ParentBackground2" presStyleCnt="0"/>
-      <dgm:spPr/>
-    </dgm:pt>
-    <dgm:pt modelId="{1707A258-7A60-47F9-9157-7146DC15B14F}" type="pres">
-      <dgm:prSet presAssocID="{77E37B13-3F1A-4BD4-8AD4-96349B4329E4}" presName="ParentBackground" presStyleLbl="fgAcc1" presStyleIdx="1" presStyleCnt="3"/>
-      <dgm:spPr/>
-      <dgm:t>
-        <a:bodyPr/>
-        <a:lstStyle/>
-        <a:p>
-          <a:endParaRPr lang="en-US"/>
-        </a:p>
-      </dgm:t>
-    </dgm:pt>
-    <dgm:pt modelId="{29CA95C9-80A4-4FE6-9C9A-1494E36A5534}" type="pres">
-      <dgm:prSet presAssocID="{77E37B13-3F1A-4BD4-8AD4-96349B4329E4}" presName="Parent2" presStyleLbl="revTx" presStyleIdx="0" presStyleCnt="0">
-        <dgm:presLayoutVars>
-          <dgm:chMax val="1"/>
-          <dgm:chPref val="1"/>
-          <dgm:bulletEnabled val="1"/>
-        </dgm:presLayoutVars>
-      </dgm:prSet>
-      <dgm:spPr/>
-      <dgm:t>
-        <a:bodyPr/>
-        <a:lstStyle/>
-        <a:p>
-          <a:endParaRPr lang="en-US"/>
-        </a:p>
-      </dgm:t>
-    </dgm:pt>
-    <dgm:pt modelId="{5F13D612-AD21-466D-AD71-7984F22AB2B0}" type="pres">
-      <dgm:prSet presAssocID="{DD257C28-8597-44EF-BC9E-F5B26BA6052D}" presName="Accent1" presStyleCnt="0"/>
-      <dgm:spPr/>
-    </dgm:pt>
-    <dgm:pt modelId="{1BA2CEE3-29EE-400B-A325-CE3164BF0ADB}" type="pres">
-      <dgm:prSet presAssocID="{DD257C28-8597-44EF-BC9E-F5B26BA6052D}" presName="Accent" presStyleLbl="node1" presStyleIdx="2" presStyleCnt="3"/>
-      <dgm:spPr/>
-    </dgm:pt>
-    <dgm:pt modelId="{42E848C9-ECF2-4DDA-A366-8C2B36D7D1A7}" type="pres">
-      <dgm:prSet presAssocID="{DD257C28-8597-44EF-BC9E-F5B26BA6052D}" presName="ParentBackground1" presStyleCnt="0"/>
-      <dgm:spPr/>
-    </dgm:pt>
-    <dgm:pt modelId="{30AF3E3F-387F-41F4-80B5-3E9AF0DDA822}" type="pres">
-      <dgm:prSet presAssocID="{DD257C28-8597-44EF-BC9E-F5B26BA6052D}" presName="ParentBackground" presStyleLbl="fgAcc1" presStyleIdx="2" presStyleCnt="3"/>
-      <dgm:spPr/>
-      <dgm:t>
-        <a:bodyPr/>
-        <a:lstStyle/>
-        <a:p>
-          <a:endParaRPr lang="en-US"/>
-        </a:p>
-      </dgm:t>
-    </dgm:pt>
-    <dgm:pt modelId="{E53871BC-F035-438F-93A7-4DA565D5C14C}" type="pres">
-      <dgm:prSet presAssocID="{DD257C28-8597-44EF-BC9E-F5B26BA6052D}" presName="Parent1" presStyleLbl="revTx" presStyleIdx="0" presStyleCnt="0">
-        <dgm:presLayoutVars>
-          <dgm:chMax val="1"/>
-          <dgm:chPref val="1"/>
-          <dgm:bulletEnabled val="1"/>
-        </dgm:presLayoutVars>
-      </dgm:prSet>
-      <dgm:spPr/>
-      <dgm:t>
-        <a:bodyPr/>
-        <a:lstStyle/>
-        <a:p>
-          <a:endParaRPr lang="en-US"/>
-        </a:p>
-      </dgm:t>
-    </dgm:pt>
-  </dgm:ptLst>
-  <dgm:cxnLst>
-    <dgm:cxn modelId="{849C11FC-E418-4A81-B8C3-5E6F481F7EA6}" type="presOf" srcId="{77E37B13-3F1A-4BD4-8AD4-96349B4329E4}" destId="{1707A258-7A60-47F9-9157-7146DC15B14F}" srcOrd="0" destOrd="0" presId="urn:microsoft.com/office/officeart/2011/layout/CircleProcess"/>
-    <dgm:cxn modelId="{2EA4E0CD-27C3-4380-B481-4C7BC55A73D1}" type="presOf" srcId="{DD257C28-8597-44EF-BC9E-F5B26BA6052D}" destId="{E53871BC-F035-438F-93A7-4DA565D5C14C}" srcOrd="1" destOrd="0" presId="urn:microsoft.com/office/officeart/2011/layout/CircleProcess"/>
-    <dgm:cxn modelId="{C4D22A54-9654-444F-A87D-3BA1144DAD66}" type="presOf" srcId="{9A8E5181-CE91-4551-8C55-0A17D961A782}" destId="{3A769AC2-79D6-4ACE-B8D4-56CEEC215C3C}" srcOrd="0" destOrd="0" presId="urn:microsoft.com/office/officeart/2011/layout/CircleProcess"/>
-    <dgm:cxn modelId="{374FD8AD-63D1-4EAC-A9C7-0198C7D3A35A}" type="presOf" srcId="{77E37B13-3F1A-4BD4-8AD4-96349B4329E4}" destId="{29CA95C9-80A4-4FE6-9C9A-1494E36A5534}" srcOrd="1" destOrd="0" presId="urn:microsoft.com/office/officeart/2011/layout/CircleProcess"/>
-    <dgm:cxn modelId="{461FDD98-1FC3-4F01-A3B6-335605D82833}" type="presOf" srcId="{DD257C28-8597-44EF-BC9E-F5B26BA6052D}" destId="{30AF3E3F-387F-41F4-80B5-3E9AF0DDA822}" srcOrd="0" destOrd="0" presId="urn:microsoft.com/office/officeart/2011/layout/CircleProcess"/>
-    <dgm:cxn modelId="{27DB9DFC-CFBD-48F1-886E-DC212638B819}" srcId="{9A8E5181-CE91-4551-8C55-0A17D961A782}" destId="{DD257C28-8597-44EF-BC9E-F5B26BA6052D}" srcOrd="0" destOrd="0" parTransId="{D24E3CD7-C2C1-4E92-8696-9F893CA6B456}" sibTransId="{986190D7-5304-403B-B741-B59C4774ACA3}"/>
-    <dgm:cxn modelId="{0A57607D-A872-4526-8659-CC49F7977195}" srcId="{9A8E5181-CE91-4551-8C55-0A17D961A782}" destId="{77E37B13-3F1A-4BD4-8AD4-96349B4329E4}" srcOrd="1" destOrd="0" parTransId="{89D073A5-4402-40D3-B1C8-B0717133D8A9}" sibTransId="{0C2885B4-5BFA-4D25-9C7B-079A4FB3AE84}"/>
-    <dgm:cxn modelId="{50FAA3AA-D1CF-41DA-A283-876CAD020E62}" srcId="{9A8E5181-CE91-4551-8C55-0A17D961A782}" destId="{6E28A035-0CEB-4FE2-A736-E9FE923A558C}" srcOrd="2" destOrd="0" parTransId="{066FD0A3-C955-4B4E-9360-9E88F62DA3ED}" sibTransId="{B4345B7D-99F4-4637-9483-8808528EE4BC}"/>
-    <dgm:cxn modelId="{7372C6CE-6C69-4789-A0C6-9791CDE61B6C}" type="presOf" srcId="{6E28A035-0CEB-4FE2-A736-E9FE923A558C}" destId="{5E01B10D-64BA-4B49-9597-69B6BF00A847}" srcOrd="1" destOrd="0" presId="urn:microsoft.com/office/officeart/2011/layout/CircleProcess"/>
-    <dgm:cxn modelId="{B7EE91C6-B9AE-49FF-A093-5E1DDB1C9E2A}" type="presOf" srcId="{6E28A035-0CEB-4FE2-A736-E9FE923A558C}" destId="{F82CA913-418F-42F2-A6ED-6E3EFD6BCDB0}" srcOrd="0" destOrd="0" presId="urn:microsoft.com/office/officeart/2011/layout/CircleProcess"/>
-    <dgm:cxn modelId="{B46E9B84-198E-4C9B-BECB-833F406B1332}" type="presParOf" srcId="{3A769AC2-79D6-4ACE-B8D4-56CEEC215C3C}" destId="{68E5589C-94F8-493E-996D-6FE2126B9D4B}" srcOrd="0" destOrd="0" presId="urn:microsoft.com/office/officeart/2011/layout/CircleProcess"/>
-    <dgm:cxn modelId="{6B90A7DC-4BD7-4A3D-90BD-B6E694D4EEA2}" type="presParOf" srcId="{68E5589C-94F8-493E-996D-6FE2126B9D4B}" destId="{C551A7B8-0210-441A-8B70-01A49239516A}" srcOrd="0" destOrd="0" presId="urn:microsoft.com/office/officeart/2011/layout/CircleProcess"/>
-    <dgm:cxn modelId="{D1ECE800-A3DD-405F-BA9E-569585F384E4}" type="presParOf" srcId="{3A769AC2-79D6-4ACE-B8D4-56CEEC215C3C}" destId="{DA9275DB-7FFF-46B3-BBEA-39B933B01F76}" srcOrd="1" destOrd="0" presId="urn:microsoft.com/office/officeart/2011/layout/CircleProcess"/>
-    <dgm:cxn modelId="{2FAF207D-7557-4355-8B53-6D05BAB867B9}" type="presParOf" srcId="{DA9275DB-7FFF-46B3-BBEA-39B933B01F76}" destId="{F82CA913-418F-42F2-A6ED-6E3EFD6BCDB0}" srcOrd="0" destOrd="0" presId="urn:microsoft.com/office/officeart/2011/layout/CircleProcess"/>
-    <dgm:cxn modelId="{87A7C12A-C071-4CE3-BD75-503F083E6068}" type="presParOf" srcId="{3A769AC2-79D6-4ACE-B8D4-56CEEC215C3C}" destId="{5E01B10D-64BA-4B49-9597-69B6BF00A847}" srcOrd="2" destOrd="0" presId="urn:microsoft.com/office/officeart/2011/layout/CircleProcess"/>
-    <dgm:cxn modelId="{9D8442B4-CC1C-4162-B2CF-F1551F28AAC0}" type="presParOf" srcId="{3A769AC2-79D6-4ACE-B8D4-56CEEC215C3C}" destId="{0AAC2249-9B0D-459D-8808-0C88839B8EB3}" srcOrd="3" destOrd="0" presId="urn:microsoft.com/office/officeart/2011/layout/CircleProcess"/>
-    <dgm:cxn modelId="{0D12D9E7-558D-44C4-97BE-B148DF266BD9}" type="presParOf" srcId="{0AAC2249-9B0D-459D-8808-0C88839B8EB3}" destId="{C5E91882-2B3D-4537-80CD-9A110229E461}" srcOrd="0" destOrd="0" presId="urn:microsoft.com/office/officeart/2011/layout/CircleProcess"/>
-    <dgm:cxn modelId="{78F7CD73-DA58-49C2-9995-2E4761CECCBF}" type="presParOf" srcId="{3A769AC2-79D6-4ACE-B8D4-56CEEC215C3C}" destId="{CC6BE0FD-0240-4024-BE0F-22488CCCDEC3}" srcOrd="4" destOrd="0" presId="urn:microsoft.com/office/officeart/2011/layout/CircleProcess"/>
-    <dgm:cxn modelId="{B379DE3E-4528-4217-9A51-27B604C04D48}" type="presParOf" srcId="{CC6BE0FD-0240-4024-BE0F-22488CCCDEC3}" destId="{1707A258-7A60-47F9-9157-7146DC15B14F}" srcOrd="0" destOrd="0" presId="urn:microsoft.com/office/officeart/2011/layout/CircleProcess"/>
-    <dgm:cxn modelId="{9FE149BE-16AE-44C8-8BCB-E163920E912B}" type="presParOf" srcId="{3A769AC2-79D6-4ACE-B8D4-56CEEC215C3C}" destId="{29CA95C9-80A4-4FE6-9C9A-1494E36A5534}" srcOrd="5" destOrd="0" presId="urn:microsoft.com/office/officeart/2011/layout/CircleProcess"/>
-    <dgm:cxn modelId="{38105CAB-9640-4AF1-B6E7-1C6E01419402}" type="presParOf" srcId="{3A769AC2-79D6-4ACE-B8D4-56CEEC215C3C}" destId="{5F13D612-AD21-466D-AD71-7984F22AB2B0}" srcOrd="6" destOrd="0" presId="urn:microsoft.com/office/officeart/2011/layout/CircleProcess"/>
-    <dgm:cxn modelId="{A1C51675-C7F0-47AB-88B7-32D80691C48B}" type="presParOf" srcId="{5F13D612-AD21-466D-AD71-7984F22AB2B0}" destId="{1BA2CEE3-29EE-400B-A325-CE3164BF0ADB}" srcOrd="0" destOrd="0" presId="urn:microsoft.com/office/officeart/2011/layout/CircleProcess"/>
-    <dgm:cxn modelId="{38862709-57B7-42C1-B460-D9D8A61CD751}" type="presParOf" srcId="{3A769AC2-79D6-4ACE-B8D4-56CEEC215C3C}" destId="{42E848C9-ECF2-4DDA-A366-8C2B36D7D1A7}" srcOrd="7" destOrd="0" presId="urn:microsoft.com/office/officeart/2011/layout/CircleProcess"/>
-    <dgm:cxn modelId="{AF3E90A4-2671-42D5-859D-F3D2F5A9BCEE}" type="presParOf" srcId="{42E848C9-ECF2-4DDA-A366-8C2B36D7D1A7}" destId="{30AF3E3F-387F-41F4-80B5-3E9AF0DDA822}" srcOrd="0" destOrd="0" presId="urn:microsoft.com/office/officeart/2011/layout/CircleProcess"/>
-    <dgm:cxn modelId="{C9BB4E31-A0C4-4164-9FEF-1230522F7030}" type="presParOf" srcId="{3A769AC2-79D6-4ACE-B8D4-56CEEC215C3C}" destId="{E53871BC-F035-438F-93A7-4DA565D5C14C}" srcOrd="8" destOrd="0" presId="urn:microsoft.com/office/officeart/2011/layout/CircleProcess"/>
-  </dgm:cxnLst>
-  <dgm:bg/>
-  <dgm:whole/>
-  <dgm:extLst>
-    <a:ext uri="http://schemas.microsoft.com/office/drawing/2008/diagram">
-      <dsp:dataModelExt xmlns:dsp="http://schemas.microsoft.com/office/drawing/2008/diagram" relId="rId6" minVer="http://schemas.openxmlformats.org/drawingml/2006/diagram"/>
-    </a:ext>
-  </dgm:extLst>
-</dgm:dataModel>
-</file>
-
-<file path=ppt/diagrams/data2.xml><?xml version="1.0" encoding="utf-8"?>
 <dgm:dataModel xmlns:dgm="http://schemas.openxmlformats.org/drawingml/2006/diagram" xmlns:a="http://schemas.openxmlformats.org/drawingml/2006/main">
   <dgm:ptLst>
     <dgm:pt modelId="{D904B931-B703-4849-A258-A704E73216E3}" type="doc">
@@ -1952,7 +901,23 @@
                 <a:schemeClr val="bg1"/>
               </a:solidFill>
             </a:rPr>
-            <a:t>To built framework that may reduce our cost</a:t>
+            <a:t>To built framework that </a:t>
+          </a:r>
+          <a:r>
+            <a:rPr lang="en-US" dirty="0" smtClean="0">
+              <a:solidFill>
+                <a:schemeClr val="bg1"/>
+              </a:solidFill>
+            </a:rPr>
+            <a:t>will </a:t>
+          </a:r>
+          <a:r>
+            <a:rPr lang="en-US" dirty="0" smtClean="0">
+              <a:solidFill>
+                <a:schemeClr val="bg1"/>
+              </a:solidFill>
+            </a:rPr>
+            <a:t>reduce our cost</a:t>
           </a:r>
           <a:endParaRPr lang="en-US" dirty="0">
             <a:solidFill>
@@ -2104,6 +1069,13 @@
         </dgm:presLayoutVars>
       </dgm:prSet>
       <dgm:spPr/>
+      <dgm:t>
+        <a:bodyPr/>
+        <a:lstStyle/>
+        <a:p>
+          <a:endParaRPr lang="en-US"/>
+        </a:p>
+      </dgm:t>
     </dgm:pt>
     <dgm:pt modelId="{A21BA57C-74CF-4642-97F5-CF86F43C9B2B}" type="pres">
       <dgm:prSet presAssocID="{44BDF9A3-2CE8-477E-9F09-3569383521E9}" presName="Accent3" presStyleCnt="0"/>
@@ -2264,421 +1236,6 @@
 </file>
 
 <file path=ppt/diagrams/drawing1.xml><?xml version="1.0" encoding="utf-8"?>
-<dsp:drawing xmlns:dgm="http://schemas.openxmlformats.org/drawingml/2006/diagram" xmlns:dsp="http://schemas.microsoft.com/office/drawing/2008/diagram" xmlns:a="http://schemas.openxmlformats.org/drawingml/2006/main">
-  <dsp:spTree>
-    <dsp:nvGrpSpPr>
-      <dsp:cNvPr id="0" name=""/>
-      <dsp:cNvGrpSpPr/>
-    </dsp:nvGrpSpPr>
-    <dsp:grpSpPr/>
-    <dsp:sp modelId="{C551A7B8-0210-441A-8B70-01A49239516A}">
-      <dsp:nvSpPr>
-        <dsp:cNvPr id="0" name=""/>
-        <dsp:cNvSpPr/>
-      </dsp:nvSpPr>
-      <dsp:spPr>
-        <a:xfrm>
-          <a:off x="6388790" y="785042"/>
-          <a:ext cx="2079557" cy="2079942"/>
-        </a:xfrm>
-        <a:prstGeom prst="ellipse">
-          <a:avLst/>
-        </a:prstGeom>
-        <a:solidFill>
-          <a:schemeClr val="accent1">
-            <a:hueOff val="0"/>
-            <a:satOff val="0"/>
-            <a:lumOff val="0"/>
-            <a:alphaOff val="0"/>
-          </a:schemeClr>
-        </a:solidFill>
-        <a:ln w="19050" cap="rnd" cmpd="sng" algn="ctr">
-          <a:solidFill>
-            <a:schemeClr val="lt1">
-              <a:hueOff val="0"/>
-              <a:satOff val="0"/>
-              <a:lumOff val="0"/>
-              <a:alphaOff val="0"/>
-            </a:schemeClr>
-          </a:solidFill>
-          <a:prstDash val="solid"/>
-        </a:ln>
-        <a:effectLst/>
-      </dsp:spPr>
-      <dsp:style>
-        <a:lnRef idx="2">
-          <a:scrgbClr r="0" g="0" b="0"/>
-        </a:lnRef>
-        <a:fillRef idx="1">
-          <a:scrgbClr r="0" g="0" b="0"/>
-        </a:fillRef>
-        <a:effectRef idx="0">
-          <a:scrgbClr r="0" g="0" b="0"/>
-        </a:effectRef>
-        <a:fontRef idx="minor">
-          <a:schemeClr val="lt1"/>
-        </a:fontRef>
-      </dsp:style>
-    </dsp:sp>
-    <dsp:sp modelId="{F82CA913-418F-42F2-A6ED-6E3EFD6BCDB0}">
-      <dsp:nvSpPr>
-        <dsp:cNvPr id="0" name=""/>
-        <dsp:cNvSpPr/>
-      </dsp:nvSpPr>
-      <dsp:spPr>
-        <a:xfrm>
-          <a:off x="6457838" y="854385"/>
-          <a:ext cx="1941461" cy="1941255"/>
-        </a:xfrm>
-        <a:prstGeom prst="ellipse">
-          <a:avLst/>
-        </a:prstGeom>
-        <a:solidFill>
-          <a:schemeClr val="lt1">
-            <a:alpha val="90000"/>
-            <a:hueOff val="0"/>
-            <a:satOff val="0"/>
-            <a:lumOff val="0"/>
-            <a:alphaOff val="0"/>
-          </a:schemeClr>
-        </a:solidFill>
-        <a:ln w="19050" cap="rnd" cmpd="sng" algn="ctr">
-          <a:solidFill>
-            <a:schemeClr val="accent1">
-              <a:hueOff val="0"/>
-              <a:satOff val="0"/>
-              <a:lumOff val="0"/>
-              <a:alphaOff val="0"/>
-            </a:schemeClr>
-          </a:solidFill>
-          <a:prstDash val="solid"/>
-        </a:ln>
-        <a:effectLst/>
-      </dsp:spPr>
-      <dsp:style>
-        <a:lnRef idx="2">
-          <a:scrgbClr r="0" g="0" b="0"/>
-        </a:lnRef>
-        <a:fillRef idx="1">
-          <a:scrgbClr r="0" g="0" b="0"/>
-        </a:fillRef>
-        <a:effectRef idx="0">
-          <a:scrgbClr r="0" g="0" b="0"/>
-        </a:effectRef>
-        <a:fontRef idx="minor"/>
-      </dsp:style>
-      <dsp:txBody>
-        <a:bodyPr spcFirstLastPara="0" vert="horz" wrap="square" lIns="24130" tIns="24130" rIns="24130" bIns="24130" numCol="1" spcCol="1270" anchor="ctr" anchorCtr="0">
-          <a:noAutofit/>
-        </a:bodyPr>
-        <a:lstStyle/>
-        <a:p>
-          <a:pPr lvl="0" algn="ctr" defTabSz="844550">
-            <a:lnSpc>
-              <a:spcPct val="90000"/>
-            </a:lnSpc>
-            <a:spcBef>
-              <a:spcPct val="0"/>
-            </a:spcBef>
-            <a:spcAft>
-              <a:spcPct val="35000"/>
-            </a:spcAft>
-          </a:pPr>
-          <a:r>
-            <a:rPr lang="en-US" sz="1900" kern="1200" dirty="0" smtClean="0">
-              <a:solidFill>
-                <a:schemeClr val="bg1"/>
-              </a:solidFill>
-            </a:rPr>
-            <a:t>Choose Best Model to generate Time Series</a:t>
-          </a:r>
-          <a:endParaRPr lang="en-US" sz="1900" kern="1200" dirty="0">
-            <a:solidFill>
-              <a:schemeClr val="bg1"/>
-            </a:solidFill>
-          </a:endParaRPr>
-        </a:p>
-      </dsp:txBody>
-      <dsp:txXfrm>
-        <a:off x="6735383" y="1131760"/>
-        <a:ext cx="1386371" cy="1386506"/>
-      </dsp:txXfrm>
-    </dsp:sp>
-    <dsp:sp modelId="{C5E91882-2B3D-4537-80CD-9A110229E461}">
-      <dsp:nvSpPr>
-        <dsp:cNvPr id="0" name=""/>
-        <dsp:cNvSpPr/>
-      </dsp:nvSpPr>
-      <dsp:spPr>
-        <a:xfrm rot="2700000">
-          <a:off x="4242012" y="787556"/>
-          <a:ext cx="2074548" cy="2074548"/>
-        </a:xfrm>
-        <a:prstGeom prst="teardrop">
-          <a:avLst>
-            <a:gd name="adj" fmla="val 100000"/>
-          </a:avLst>
-        </a:prstGeom>
-        <a:solidFill>
-          <a:schemeClr val="accent1">
-            <a:hueOff val="0"/>
-            <a:satOff val="0"/>
-            <a:lumOff val="0"/>
-            <a:alphaOff val="0"/>
-          </a:schemeClr>
-        </a:solidFill>
-        <a:ln w="19050" cap="rnd" cmpd="sng" algn="ctr">
-          <a:solidFill>
-            <a:schemeClr val="lt1">
-              <a:hueOff val="0"/>
-              <a:satOff val="0"/>
-              <a:lumOff val="0"/>
-              <a:alphaOff val="0"/>
-            </a:schemeClr>
-          </a:solidFill>
-          <a:prstDash val="solid"/>
-        </a:ln>
-        <a:effectLst/>
-      </dsp:spPr>
-      <dsp:style>
-        <a:lnRef idx="2">
-          <a:scrgbClr r="0" g="0" b="0"/>
-        </a:lnRef>
-        <a:fillRef idx="1">
-          <a:scrgbClr r="0" g="0" b="0"/>
-        </a:fillRef>
-        <a:effectRef idx="0">
-          <a:scrgbClr r="0" g="0" b="0"/>
-        </a:effectRef>
-        <a:fontRef idx="minor">
-          <a:schemeClr val="lt1"/>
-        </a:fontRef>
-      </dsp:style>
-    </dsp:sp>
-    <dsp:sp modelId="{1707A258-7A60-47F9-9157-7146DC15B14F}">
-      <dsp:nvSpPr>
-        <dsp:cNvPr id="0" name=""/>
-        <dsp:cNvSpPr/>
-      </dsp:nvSpPr>
-      <dsp:spPr>
-        <a:xfrm>
-          <a:off x="4308555" y="854385"/>
-          <a:ext cx="1941461" cy="1941255"/>
-        </a:xfrm>
-        <a:prstGeom prst="ellipse">
-          <a:avLst/>
-        </a:prstGeom>
-        <a:solidFill>
-          <a:schemeClr val="lt1">
-            <a:alpha val="90000"/>
-            <a:hueOff val="0"/>
-            <a:satOff val="0"/>
-            <a:lumOff val="0"/>
-            <a:alphaOff val="0"/>
-          </a:schemeClr>
-        </a:solidFill>
-        <a:ln w="19050" cap="rnd" cmpd="sng" algn="ctr">
-          <a:solidFill>
-            <a:schemeClr val="accent1">
-              <a:hueOff val="0"/>
-              <a:satOff val="0"/>
-              <a:lumOff val="0"/>
-              <a:alphaOff val="0"/>
-            </a:schemeClr>
-          </a:solidFill>
-          <a:prstDash val="solid"/>
-        </a:ln>
-        <a:effectLst/>
-      </dsp:spPr>
-      <dsp:style>
-        <a:lnRef idx="2">
-          <a:scrgbClr r="0" g="0" b="0"/>
-        </a:lnRef>
-        <a:fillRef idx="1">
-          <a:scrgbClr r="0" g="0" b="0"/>
-        </a:fillRef>
-        <a:effectRef idx="0">
-          <a:scrgbClr r="0" g="0" b="0"/>
-        </a:effectRef>
-        <a:fontRef idx="minor"/>
-      </dsp:style>
-      <dsp:txBody>
-        <a:bodyPr spcFirstLastPara="0" vert="horz" wrap="square" lIns="24130" tIns="24130" rIns="24130" bIns="24130" numCol="1" spcCol="1270" anchor="ctr" anchorCtr="0">
-          <a:noAutofit/>
-        </a:bodyPr>
-        <a:lstStyle/>
-        <a:p>
-          <a:pPr lvl="0" algn="ctr" defTabSz="844550">
-            <a:lnSpc>
-              <a:spcPct val="90000"/>
-            </a:lnSpc>
-            <a:spcBef>
-              <a:spcPct val="0"/>
-            </a:spcBef>
-            <a:spcAft>
-              <a:spcPct val="35000"/>
-            </a:spcAft>
-          </a:pPr>
-          <a:r>
-            <a:rPr lang="en-US" sz="1900" kern="1200" dirty="0" smtClean="0">
-              <a:solidFill>
-                <a:schemeClr val="bg1"/>
-              </a:solidFill>
-            </a:rPr>
-            <a:t>Test Statistical Models (ARIMA, SRIMA)</a:t>
-          </a:r>
-          <a:endParaRPr lang="en-US" sz="1900" kern="1200" dirty="0">
-            <a:solidFill>
-              <a:schemeClr val="bg1"/>
-            </a:solidFill>
-          </a:endParaRPr>
-        </a:p>
-      </dsp:txBody>
-      <dsp:txXfrm>
-        <a:off x="4586101" y="1131760"/>
-        <a:ext cx="1386371" cy="1386506"/>
-      </dsp:txXfrm>
-    </dsp:sp>
-    <dsp:sp modelId="{1BA2CEE3-29EE-400B-A325-CE3164BF0ADB}">
-      <dsp:nvSpPr>
-        <dsp:cNvPr id="0" name=""/>
-        <dsp:cNvSpPr/>
-      </dsp:nvSpPr>
-      <dsp:spPr>
-        <a:xfrm rot="2700000">
-          <a:off x="2092730" y="787556"/>
-          <a:ext cx="2074548" cy="2074548"/>
-        </a:xfrm>
-        <a:prstGeom prst="teardrop">
-          <a:avLst>
-            <a:gd name="adj" fmla="val 100000"/>
-          </a:avLst>
-        </a:prstGeom>
-        <a:solidFill>
-          <a:schemeClr val="accent1">
-            <a:hueOff val="0"/>
-            <a:satOff val="0"/>
-            <a:lumOff val="0"/>
-            <a:alphaOff val="0"/>
-          </a:schemeClr>
-        </a:solidFill>
-        <a:ln w="19050" cap="rnd" cmpd="sng" algn="ctr">
-          <a:solidFill>
-            <a:schemeClr val="lt1">
-              <a:hueOff val="0"/>
-              <a:satOff val="0"/>
-              <a:lumOff val="0"/>
-              <a:alphaOff val="0"/>
-            </a:schemeClr>
-          </a:solidFill>
-          <a:prstDash val="solid"/>
-        </a:ln>
-        <a:effectLst/>
-      </dsp:spPr>
-      <dsp:style>
-        <a:lnRef idx="2">
-          <a:scrgbClr r="0" g="0" b="0"/>
-        </a:lnRef>
-        <a:fillRef idx="1">
-          <a:scrgbClr r="0" g="0" b="0"/>
-        </a:fillRef>
-        <a:effectRef idx="0">
-          <a:scrgbClr r="0" g="0" b="0"/>
-        </a:effectRef>
-        <a:fontRef idx="minor">
-          <a:schemeClr val="lt1"/>
-        </a:fontRef>
-      </dsp:style>
-    </dsp:sp>
-    <dsp:sp modelId="{30AF3E3F-387F-41F4-80B5-3E9AF0DDA822}">
-      <dsp:nvSpPr>
-        <dsp:cNvPr id="0" name=""/>
-        <dsp:cNvSpPr/>
-      </dsp:nvSpPr>
-      <dsp:spPr>
-        <a:xfrm>
-          <a:off x="2159273" y="854385"/>
-          <a:ext cx="1941461" cy="1941255"/>
-        </a:xfrm>
-        <a:prstGeom prst="ellipse">
-          <a:avLst/>
-        </a:prstGeom>
-        <a:solidFill>
-          <a:schemeClr val="lt1">
-            <a:alpha val="90000"/>
-            <a:hueOff val="0"/>
-            <a:satOff val="0"/>
-            <a:lumOff val="0"/>
-            <a:alphaOff val="0"/>
-          </a:schemeClr>
-        </a:solidFill>
-        <a:ln w="19050" cap="rnd" cmpd="sng" algn="ctr">
-          <a:solidFill>
-            <a:schemeClr val="accent1">
-              <a:hueOff val="0"/>
-              <a:satOff val="0"/>
-              <a:lumOff val="0"/>
-              <a:alphaOff val="0"/>
-            </a:schemeClr>
-          </a:solidFill>
-          <a:prstDash val="solid"/>
-        </a:ln>
-        <a:effectLst/>
-      </dsp:spPr>
-      <dsp:style>
-        <a:lnRef idx="2">
-          <a:scrgbClr r="0" g="0" b="0"/>
-        </a:lnRef>
-        <a:fillRef idx="1">
-          <a:scrgbClr r="0" g="0" b="0"/>
-        </a:fillRef>
-        <a:effectRef idx="0">
-          <a:scrgbClr r="0" g="0" b="0"/>
-        </a:effectRef>
-        <a:fontRef idx="minor"/>
-      </dsp:style>
-      <dsp:txBody>
-        <a:bodyPr spcFirstLastPara="0" vert="horz" wrap="square" lIns="24130" tIns="24130" rIns="24130" bIns="24130" numCol="1" spcCol="1270" anchor="ctr" anchorCtr="0">
-          <a:noAutofit/>
-        </a:bodyPr>
-        <a:lstStyle/>
-        <a:p>
-          <a:pPr lvl="0" algn="ctr" defTabSz="844550">
-            <a:lnSpc>
-              <a:spcPct val="90000"/>
-            </a:lnSpc>
-            <a:spcBef>
-              <a:spcPct val="0"/>
-            </a:spcBef>
-            <a:spcAft>
-              <a:spcPct val="35000"/>
-            </a:spcAft>
-          </a:pPr>
-          <a:r>
-            <a:rPr lang="en-US" sz="1900" kern="1200" dirty="0" smtClean="0">
-              <a:solidFill>
-                <a:schemeClr val="bg1"/>
-              </a:solidFill>
-            </a:rPr>
-            <a:t>Pre-Process Data (Select Key Values)</a:t>
-          </a:r>
-          <a:endParaRPr lang="en-US" sz="1900" kern="1200" dirty="0">
-            <a:solidFill>
-              <a:schemeClr val="bg1"/>
-            </a:solidFill>
-          </a:endParaRPr>
-        </a:p>
-      </dsp:txBody>
-      <dsp:txXfrm>
-        <a:off x="2436818" y="1131760"/>
-        <a:ext cx="1386371" cy="1386506"/>
-      </dsp:txXfrm>
-    </dsp:sp>
-  </dsp:spTree>
-</dsp:drawing>
-</file>
-
-<file path=ppt/diagrams/drawing2.xml><?xml version="1.0" encoding="utf-8"?>
 <dsp:drawing xmlns:dgm="http://schemas.openxmlformats.org/drawingml/2006/diagram" xmlns:dsp="http://schemas.microsoft.com/office/drawing/2008/diagram" xmlns:a="http://schemas.openxmlformats.org/drawingml/2006/main">
   <dsp:spTree>
     <dsp:nvGrpSpPr>
@@ -3138,7 +1695,23 @@
                 <a:schemeClr val="bg1"/>
               </a:solidFill>
             </a:rPr>
-            <a:t>To built framework that may reduce our cost</a:t>
+            <a:t>To built framework that </a:t>
+          </a:r>
+          <a:r>
+            <a:rPr lang="en-US" sz="1800" kern="1200" dirty="0" smtClean="0">
+              <a:solidFill>
+                <a:schemeClr val="bg1"/>
+              </a:solidFill>
+            </a:rPr>
+            <a:t>will </a:t>
+          </a:r>
+          <a:r>
+            <a:rPr lang="en-US" sz="1800" kern="1200" dirty="0" smtClean="0">
+              <a:solidFill>
+                <a:schemeClr val="bg1"/>
+              </a:solidFill>
+            </a:rPr>
+            <a:t>reduce our cost</a:t>
           </a:r>
           <a:endParaRPr lang="en-US" sz="1800" kern="1200" dirty="0">
             <a:solidFill>
@@ -3157,4503 +1730,6 @@
 </file>
 
 <file path=ppt/diagrams/layout1.xml><?xml version="1.0" encoding="utf-8"?>
-<dgm:layoutDef xmlns:dgm="http://schemas.openxmlformats.org/drawingml/2006/diagram" xmlns:a="http://schemas.openxmlformats.org/drawingml/2006/main" uniqueId="urn:microsoft.com/office/officeart/2011/layout/CircleProcess">
-  <dgm:title val="Circle Process"/>
-  <dgm:desc val="Use to show sequential steps in a process. Limited to eleven Level 1 shapes with an unlimited number of Level 2 shapes. Works best with small amounts of text. Unused text does not appear, but remains available if you switch layouts."/>
-  <dgm:catLst>
-    <dgm:cat type="process" pri="8500"/>
-    <dgm:cat type="officeonline" pri="8500"/>
-  </dgm:catLst>
-  <dgm:sampData>
-    <dgm:dataModel>
-      <dgm:ptLst>
-        <dgm:pt modelId="0" type="doc"/>
-        <dgm:pt modelId="10">
-          <dgm:prSet phldr="1"/>
-        </dgm:pt>
-        <dgm:pt modelId="20">
-          <dgm:prSet phldr="1"/>
-        </dgm:pt>
-        <dgm:pt modelId="30">
-          <dgm:prSet phldr="1"/>
-        </dgm:pt>
-      </dgm:ptLst>
-      <dgm:cxnLst>
-        <dgm:cxn modelId="40" srcId="0" destId="10" srcOrd="0" destOrd="0"/>
-        <dgm:cxn modelId="50" srcId="0" destId="20" srcOrd="1" destOrd="0"/>
-        <dgm:cxn modelId="60" srcId="0" destId="30" srcOrd="2" destOrd="0"/>
-      </dgm:cxnLst>
-      <dgm:bg/>
-      <dgm:whole/>
-    </dgm:dataModel>
-  </dgm:sampData>
-  <dgm:styleData>
-    <dgm:dataModel>
-      <dgm:ptLst>
-        <dgm:pt modelId="0" type="doc"/>
-        <dgm:pt modelId="10">
-          <dgm:prSet phldr="1"/>
-        </dgm:pt>
-        <dgm:pt modelId="20">
-          <dgm:prSet phldr="1"/>
-        </dgm:pt>
-      </dgm:ptLst>
-      <dgm:cxnLst>
-        <dgm:cxn modelId="30" srcId="0" destId="10" srcOrd="0" destOrd="0"/>
-        <dgm:cxn modelId="40" srcId="0" destId="20" srcOrd="1" destOrd="0"/>
-      </dgm:cxnLst>
-      <dgm:bg/>
-      <dgm:whole/>
-    </dgm:dataModel>
-  </dgm:styleData>
-  <dgm:clrData>
-    <dgm:dataModel>
-      <dgm:ptLst>
-        <dgm:pt modelId="0" type="doc"/>
-        <dgm:pt modelId="10">
-          <dgm:prSet phldr="1"/>
-        </dgm:pt>
-        <dgm:pt modelId="20">
-          <dgm:prSet phldr="1"/>
-        </dgm:pt>
-        <dgm:pt modelId="30">
-          <dgm:prSet phldr="1"/>
-        </dgm:pt>
-        <dgm:pt modelId="40">
-          <dgm:prSet phldr="1"/>
-        </dgm:pt>
-      </dgm:ptLst>
-      <dgm:cxnLst>
-        <dgm:cxn modelId="50" srcId="0" destId="10" srcOrd="0" destOrd="0"/>
-        <dgm:cxn modelId="60" srcId="0" destId="20" srcOrd="1" destOrd="0"/>
-        <dgm:cxn modelId="70" srcId="0" destId="30" srcOrd="2" destOrd="0"/>
-        <dgm:cxn modelId="80" srcId="0" destId="40" srcOrd="3" destOrd="0"/>
-      </dgm:cxnLst>
-      <dgm:bg/>
-      <dgm:whole/>
-    </dgm:dataModel>
-  </dgm:clrData>
-  <dgm:layoutNode name="Name0">
-    <dgm:varLst>
-      <dgm:chMax val="11"/>
-      <dgm:chPref val="11"/>
-      <dgm:dir/>
-      <dgm:resizeHandles/>
-    </dgm:varLst>
-    <dgm:shape xmlns:r="http://schemas.openxmlformats.org/officeDocument/2006/relationships" r:blip="">
-      <dgm:adjLst/>
-    </dgm:shape>
-    <dgm:choose name="Name1">
-      <dgm:if name="Name2" func="var" arg="dir" op="equ" val="norm">
-        <dgm:choose name="Name3">
-          <dgm:if name="Name4" axis="ch" ptType="node" func="cnt" op="equ" val="1">
-            <dgm:alg type="composite">
-              <dgm:param type="ar" val="0.6383"/>
-            </dgm:alg>
-            <dgm:constrLst>
-              <dgm:constr type="primFontSz" for="des" forName="Child1" val="65"/>
-              <dgm:constr type="primFontSz" for="des" forName="Parent1" val="65"/>
-              <dgm:constr type="primFontSz" for="des" forName="Child1" refType="primFontSz" refFor="des" refForName="Parent1" op="lte"/>
-              <dgm:constr type="l" for="ch" forName="Parent1" refType="w" fact="0.1667"/>
-              <dgm:constr type="t" for="ch" forName="Parent1" refType="h" fact="0.1064"/>
-              <dgm:constr type="w" for="ch" forName="Parent1" refType="w" fact="0.6667"/>
-              <dgm:constr type="h" for="ch" forName="Parent1" refType="h" fact="0.4255"/>
-              <dgm:constr type="l" for="ch" forName="Accent1" refType="w" fact="0"/>
-              <dgm:constr type="t" for="ch" forName="Accent1" refType="h" fact="0"/>
-              <dgm:constr type="w" for="ch" forName="Accent1" refType="w"/>
-              <dgm:constr type="h" for="ch" forName="Accent1" refType="h" fact="0.6383"/>
-              <dgm:constr type="l" for="ch" forName="ParentBackground1" refType="w" fact="0.0333"/>
-              <dgm:constr type="t" for="ch" forName="ParentBackground1" refType="h" fact="0.0213"/>
-              <dgm:constr type="w" for="ch" forName="ParentBackground1" refType="w" fact="0.9333"/>
-              <dgm:constr type="h" for="ch" forName="ParentBackground1" refType="h" fact="0.5957"/>
-              <dgm:constr type="l" for="ch" forName="Child1" refType="w" fact="0.0333"/>
-              <dgm:constr type="t" for="ch" forName="Child1" refType="h" fact="0.6574"/>
-              <dgm:constr type="w" for="ch" forName="Child1" refType="w" fact="0.9333"/>
-              <dgm:constr type="h" for="ch" forName="Child1" refType="h" fact="0.3426"/>
-            </dgm:constrLst>
-          </dgm:if>
-          <dgm:if name="Name5" axis="ch" ptType="node" func="cnt" op="equ" val="2">
-            <dgm:alg type="composite">
-              <dgm:param type="ar" val="1.2659"/>
-            </dgm:alg>
-            <dgm:constrLst>
-              <dgm:constr type="primFontSz" for="des" forName="Child1" val="65"/>
-              <dgm:constr type="primFontSz" for="des" forName="Parent1" val="65"/>
-              <dgm:constr type="primFontSz" for="des" forName="Child1" refType="primFontSz" refFor="des" refForName="Parent1" op="lte"/>
-              <dgm:constr type="primFontSz" for="des" forName="Child2" refType="primFontSz" refFor="des" refForName="Parent1" op="lte"/>
-              <dgm:constr type="primFontSz" for="des" forName="Child1" refType="primFontSz" refFor="des" refForName="Parent2" op="lte"/>
-              <dgm:constr type="primFontSz" for="des" forName="Child2" refType="primFontSz" refFor="des" refForName="Parent2" op="lte"/>
-              <dgm:constr type="primFontSz" for="des" forName="Parent2" refType="primFontSz" refFor="des" refForName="Parent1" op="equ"/>
-              <dgm:constr type="primFontSz" for="des" forName="Child2" refType="primFontSz" refFor="des" refForName="Child1" op="equ"/>
-              <dgm:constr type="l" for="ch" forName="Parent2" refType="w" fact="0.6249"/>
-              <dgm:constr type="t" for="ch" forName="Parent2" refType="h" fact="0.2022"/>
-              <dgm:constr type="w" for="ch" forName="Parent2" refType="w" fact="0.3001"/>
-              <dgm:constr type="h" for="ch" forName="Parent2" refType="h" fact="0.3799"/>
-              <dgm:constr type="l" for="ch" forName="Parent1" refType="w" fact="0.1597"/>
-              <dgm:constr type="t" for="ch" forName="Parent1" refType="h" fact="0.2022"/>
-              <dgm:constr type="w" for="ch" forName="Parent1" refType="w" fact="0.3001"/>
-              <dgm:constr type="h" for="ch" forName="Parent1" refType="h" fact="0.3799"/>
-              <dgm:constr type="l" for="ch" forName="Accent2" refType="w" fact="0.5498"/>
-              <dgm:constr type="t" for="ch" forName="Accent2" refType="h" fact="0.1072"/>
-              <dgm:constr type="w" for="ch" forName="Accent2" refType="w" fact="0.4502"/>
-              <dgm:constr type="h" for="ch" forName="Accent2" refType="h" fact="0.5699"/>
-              <dgm:constr type="l" for="ch" forName="ParentBackground2" refType="w" fact="0.5648"/>
-              <dgm:constr type="t" for="ch" forName="ParentBackground2" refType="h" fact="0.1262"/>
-              <dgm:constr type="w" for="ch" forName="ParentBackground2" refType="w" fact="0.4201"/>
-              <dgm:constr type="h" for="ch" forName="ParentBackground2" refType="h" fact="0.5319"/>
-              <dgm:constr type="l" for="ch" forName="Child2" refType="w" fact="0.5648"/>
-              <dgm:constr type="t" for="ch" forName="Child2" refType="h" fact="0.6876"/>
-              <dgm:constr type="w" for="ch" forName="Child2" refType="w" fact="0.4201"/>
-              <dgm:constr type="h" for="ch" forName="Child2" refType="h" fact="0.3124"/>
-              <dgm:constr type="l" for="ch" forName="Accent1" refType="w" fact="-0.0086"/>
-              <dgm:constr type="t" for="ch" forName="Accent1" refType="h" fact="-0.0109"/>
-              <dgm:constr type="w" for="ch" forName="Accent1" refType="w" fact="0.6367"/>
-              <dgm:constr type="h" for="ch" forName="Accent1" refType="h" fact="0.806"/>
-              <dgm:constr type="l" for="ch" forName="ParentBackground1" refType="w" fact="0.0997"/>
-              <dgm:constr type="t" for="ch" forName="ParentBackground1" refType="h" fact="0.1262"/>
-              <dgm:constr type="w" for="ch" forName="ParentBackground1" refType="w" fact="0.4201"/>
-              <dgm:constr type="h" for="ch" forName="ParentBackground1" refType="h" fact="0.5319"/>
-              <dgm:constr type="l" for="ch" forName="Child1" refType="w" fact="0.0997"/>
-              <dgm:constr type="t" for="ch" forName="Child1" refType="h" fact="0.6876"/>
-              <dgm:constr type="w" for="ch" forName="Child1" refType="w" fact="0.4201"/>
-              <dgm:constr type="h" for="ch" forName="Child1" refType="h" fact="0.3124"/>
-            </dgm:constrLst>
-          </dgm:if>
-          <dgm:if name="Name6" axis="ch" ptType="node" func="cnt" op="equ" val="3">
-            <dgm:alg type="composite">
-              <dgm:param type="ar" val="1.8548"/>
-            </dgm:alg>
-            <dgm:constrLst>
-              <dgm:constr type="primFontSz" for="des" forName="Child1" val="65"/>
-              <dgm:constr type="primFontSz" for="des" forName="Parent1" val="65"/>
-              <dgm:constr type="primFontSz" for="des" forName="Child1" refType="primFontSz" refFor="des" refForName="Parent1" op="lte"/>
-              <dgm:constr type="primFontSz" for="des" forName="Child2" refType="primFontSz" refFor="des" refForName="Parent1" op="lte"/>
-              <dgm:constr type="primFontSz" for="des" forName="Child3" refType="primFontSz" refFor="des" refForName="Parent1" op="lte"/>
-              <dgm:constr type="primFontSz" for="des" forName="Child1" refType="primFontSz" refFor="des" refForName="Parent2" op="lte"/>
-              <dgm:constr type="primFontSz" for="des" forName="Child2" refType="primFontSz" refFor="des" refForName="Parent2" op="lte"/>
-              <dgm:constr type="primFontSz" for="des" forName="Child3" refType="primFontSz" refFor="des" refForName="Parent2" op="lte"/>
-              <dgm:constr type="primFontSz" for="des" forName="Child1" refType="primFontSz" refFor="des" refForName="Parent3" op="lte"/>
-              <dgm:constr type="primFontSz" for="des" forName="Child2" refType="primFontSz" refFor="des" refForName="Parent3" op="lte"/>
-              <dgm:constr type="primFontSz" for="des" forName="Child3" refType="primFontSz" refFor="des" refForName="Parent3" op="lte"/>
-              <dgm:constr type="primFontSz" for="des" forName="Parent2" refType="primFontSz" refFor="des" refForName="Parent1" op="equ"/>
-              <dgm:constr type="primFontSz" for="des" forName="Parent3" refType="primFontSz" refFor="des" refForName="Parent1" op="equ"/>
-              <dgm:constr type="primFontSz" for="des" forName="Child2" refType="primFontSz" refFor="des" refForName="Child1" op="equ"/>
-              <dgm:constr type="primFontSz" for="des" forName="Child3" refType="primFontSz" refFor="des" refForName="Child1" op="equ"/>
-              <dgm:constr type="l" for="ch" forName="Parent3" refType="w" fact="0.744"/>
-              <dgm:constr type="t" for="ch" forName="Parent3" refType="h" fact="0.2022"/>
-              <dgm:constr type="w" for="ch" forName="Parent3" refType="w" fact="0.2048"/>
-              <dgm:constr type="h" for="ch" forName="Parent3" refType="h" fact="0.3799"/>
-              <dgm:constr type="l" for="ch" forName="Parent2" refType="w" fact="0.4265"/>
-              <dgm:constr type="t" for="ch" forName="Parent2" refType="h" fact="0.2022"/>
-              <dgm:constr type="w" for="ch" forName="Parent2" refType="w" fact="0.2048"/>
-              <dgm:constr type="h" for="ch" forName="Parent2" refType="h" fact="0.3799"/>
-              <dgm:constr type="l" for="ch" forName="Parent1" refType="w" fact="0.109"/>
-              <dgm:constr type="t" for="ch" forName="Parent1" refType="h" fact="0.2022"/>
-              <dgm:constr type="w" for="ch" forName="Parent1" refType="w" fact="0.2048"/>
-              <dgm:constr type="h" for="ch" forName="Parent1" refType="h" fact="0.3799"/>
-              <dgm:constr type="l" for="ch" forName="Accent3" refType="w" fact="0.6928"/>
-              <dgm:constr type="t" for="ch" forName="Accent3" refType="h" fact="0.1072"/>
-              <dgm:constr type="w" for="ch" forName="Accent3" refType="w" fact="0.3072"/>
-              <dgm:constr type="h" for="ch" forName="Accent3" refType="h" fact="0.5699"/>
-              <dgm:constr type="l" for="ch" forName="ParentBackground3" refType="w" fact="0.703"/>
-              <dgm:constr type="t" for="ch" forName="ParentBackground3" refType="h" fact="0.1262"/>
-              <dgm:constr type="w" for="ch" forName="ParentBackground3" refType="w" fact="0.2868"/>
-              <dgm:constr type="h" for="ch" forName="ParentBackground3" refType="h" fact="0.5319"/>
-              <dgm:constr type="l" for="ch" forName="Child3" refType="w" fact="0.703"/>
-              <dgm:constr type="t" for="ch" forName="Child3" refType="h" fact="0.6876"/>
-              <dgm:constr type="w" for="ch" forName="Child3" refType="w" fact="0.2868"/>
-              <dgm:constr type="h" for="ch" forName="Child3" refType="h" fact="0.3124"/>
-              <dgm:constr type="l" for="ch" forName="Accent2" refType="w" fact="0.3122"/>
-              <dgm:constr type="t" for="ch" forName="Accent2" refType="h" fact="-0.0109"/>
-              <dgm:constr type="w" for="ch" forName="Accent2" refType="w" fact="0.4334"/>
-              <dgm:constr type="h" for="ch" forName="Accent2" refType="h" fact="0.806"/>
-              <dgm:constr type="l" for="ch" forName="ParentBackground2" refType="w" fact="0.3855"/>
-              <dgm:constr type="t" for="ch" forName="ParentBackground2" refType="h" fact="0.1262"/>
-              <dgm:constr type="w" for="ch" forName="ParentBackground2" refType="w" fact="0.2868"/>
-              <dgm:constr type="h" for="ch" forName="ParentBackground2" refType="h" fact="0.5319"/>
-              <dgm:constr type="l" for="ch" forName="Child2" refType="w" fact="0.3855"/>
-              <dgm:constr type="t" for="ch" forName="Child2" refType="h" fact="0.6876"/>
-              <dgm:constr type="w" for="ch" forName="Child2" refType="w" fact="0.2868"/>
-              <dgm:constr type="h" for="ch" forName="Child2" refType="h" fact="0.3124"/>
-              <dgm:constr type="l" for="ch" forName="Accent1" refType="w" fact="-0.0053"/>
-              <dgm:constr type="t" for="ch" forName="Accent1" refType="h" fact="-0.0109"/>
-              <dgm:constr type="w" for="ch" forName="Accent1" refType="w" fact="0.4334"/>
-              <dgm:constr type="h" for="ch" forName="Accent1" refType="h" fact="0.806"/>
-              <dgm:constr type="l" for="ch" forName="ParentBackground1" refType="w" fact="0.068"/>
-              <dgm:constr type="t" for="ch" forName="ParentBackground1" refType="h" fact="0.1262"/>
-              <dgm:constr type="w" for="ch" forName="ParentBackground1" refType="w" fact="0.2868"/>
-              <dgm:constr type="h" for="ch" forName="ParentBackground1" refType="h" fact="0.5319"/>
-              <dgm:constr type="l" for="ch" forName="Child1" refType="w" fact="0.068"/>
-              <dgm:constr type="t" for="ch" forName="Child1" refType="h" fact="0.6876"/>
-              <dgm:constr type="w" for="ch" forName="Child1" refType="w" fact="0.2868"/>
-              <dgm:constr type="h" for="ch" forName="Child1" refType="h" fact="0.3124"/>
-            </dgm:constrLst>
-          </dgm:if>
-          <dgm:if name="Name7" axis="ch" ptType="node" func="cnt" op="equ" val="4">
-            <dgm:alg type="composite">
-              <dgm:param type="ar" val="2.4437"/>
-            </dgm:alg>
-            <dgm:constrLst>
-              <dgm:constr type="primFontSz" for="des" forName="Child1" val="65"/>
-              <dgm:constr type="primFontSz" for="des" forName="Parent1" val="65"/>
-              <dgm:constr type="primFontSz" for="des" forName="Child1" refType="primFontSz" refFor="des" refForName="Parent1" op="lte"/>
-              <dgm:constr type="primFontSz" for="des" forName="Child2" refType="primFontSz" refFor="des" refForName="Parent1" op="lte"/>
-              <dgm:constr type="primFontSz" for="des" forName="Child3" refType="primFontSz" refFor="des" refForName="Parent1" op="lte"/>
-              <dgm:constr type="primFontSz" for="des" forName="Child4" refType="primFontSz" refFor="des" refForName="Parent1" op="lte"/>
-              <dgm:constr type="primFontSz" for="des" forName="Child1" refType="primFontSz" refFor="des" refForName="Parent2" op="lte"/>
-              <dgm:constr type="primFontSz" for="des" forName="Child2" refType="primFontSz" refFor="des" refForName="Parent2" op="lte"/>
-              <dgm:constr type="primFontSz" for="des" forName="Child3" refType="primFontSz" refFor="des" refForName="Parent2" op="lte"/>
-              <dgm:constr type="primFontSz" for="des" forName="Child4" refType="primFontSz" refFor="des" refForName="Parent2" op="lte"/>
-              <dgm:constr type="primFontSz" for="des" forName="Child1" refType="primFontSz" refFor="des" refForName="Parent3" op="lte"/>
-              <dgm:constr type="primFontSz" for="des" forName="Child2" refType="primFontSz" refFor="des" refForName="Parent3" op="lte"/>
-              <dgm:constr type="primFontSz" for="des" forName="Child3" refType="primFontSz" refFor="des" refForName="Parent3" op="lte"/>
-              <dgm:constr type="primFontSz" for="des" forName="Child4" refType="primFontSz" refFor="des" refForName="Parent3" op="lte"/>
-              <dgm:constr type="primFontSz" for="des" forName="Child1" refType="primFontSz" refFor="des" refForName="Parent4" op="lte"/>
-              <dgm:constr type="primFontSz" for="des" forName="Child2" refType="primFontSz" refFor="des" refForName="Parent4" op="lte"/>
-              <dgm:constr type="primFontSz" for="des" forName="Child3" refType="primFontSz" refFor="des" refForName="Parent4" op="lte"/>
-              <dgm:constr type="primFontSz" for="des" forName="Child4" refType="primFontSz" refFor="des" refForName="Parent4" op="lte"/>
-              <dgm:constr type="primFontSz" for="des" forName="Parent2" refType="primFontSz" refFor="des" refForName="Parent1" op="equ"/>
-              <dgm:constr type="primFontSz" for="des" forName="Parent3" refType="primFontSz" refFor="des" refForName="Parent1" op="equ"/>
-              <dgm:constr type="primFontSz" for="des" forName="Parent4" refType="primFontSz" refFor="des" refForName="Parent1" op="equ"/>
-              <dgm:constr type="primFontSz" for="des" forName="Child2" refType="primFontSz" refFor="des" refForName="Child1" op="equ"/>
-              <dgm:constr type="primFontSz" for="des" forName="Child3" refType="primFontSz" refFor="des" refForName="Child1" op="equ"/>
-              <dgm:constr type="primFontSz" for="des" forName="Child4" refType="primFontSz" refFor="des" refForName="Child1" op="equ"/>
-              <dgm:constr type="l" for="ch" forName="Parent4" refType="w" fact="0.8057"/>
-              <dgm:constr type="t" for="ch" forName="Parent4" refType="h" fact="0.2022"/>
-              <dgm:constr type="w" for="ch" forName="Parent4" refType="w" fact="0.1555"/>
-              <dgm:constr type="h" for="ch" forName="Parent4" refType="h" fact="0.3799"/>
-              <dgm:constr type="l" for="ch" forName="Parent3" refType="w" fact="0.5647"/>
-              <dgm:constr type="t" for="ch" forName="Parent3" refType="h" fact="0.2022"/>
-              <dgm:constr type="w" for="ch" forName="Parent3" refType="w" fact="0.1555"/>
-              <dgm:constr type="h" for="ch" forName="Parent3" refType="h" fact="0.3799"/>
-              <dgm:constr type="l" for="ch" forName="Parent2" refType="w" fact="0.3237"/>
-              <dgm:constr type="t" for="ch" forName="Parent2" refType="h" fact="0.2022"/>
-              <dgm:constr type="w" for="ch" forName="Parent2" refType="w" fact="0.1555"/>
-              <dgm:constr type="h" for="ch" forName="Parent2" refType="h" fact="0.3799"/>
-              <dgm:constr type="l" for="ch" forName="Parent1" refType="w" fact="0.0827"/>
-              <dgm:constr type="t" for="ch" forName="Parent1" refType="h" fact="0.2022"/>
-              <dgm:constr type="w" for="ch" forName="Parent1" refType="w" fact="0.1555"/>
-              <dgm:constr type="h" for="ch" forName="Parent1" refType="h" fact="0.3799"/>
-              <dgm:constr type="l" for="ch" forName="Accent4" refType="w" fact="0.7668"/>
-              <dgm:constr type="t" for="ch" forName="Accent4" refType="h" fact="0.1072"/>
-              <dgm:constr type="w" for="ch" forName="Accent4" refType="w" fact="0.2332"/>
-              <dgm:constr type="h" for="ch" forName="Accent4" refType="h" fact="0.5699"/>
-              <dgm:constr type="l" for="ch" forName="ParentBackground4" refType="w" fact="0.7746"/>
-              <dgm:constr type="t" for="ch" forName="ParentBackground4" refType="h" fact="0.1262"/>
-              <dgm:constr type="w" for="ch" forName="ParentBackground4" refType="w" fact="0.2177"/>
-              <dgm:constr type="h" for="ch" forName="ParentBackground4" refType="h" fact="0.5319"/>
-              <dgm:constr type="l" for="ch" forName="Child4" refType="w" fact="0.7746"/>
-              <dgm:constr type="t" for="ch" forName="Child4" refType="h" fact="0.6876"/>
-              <dgm:constr type="w" for="ch" forName="Child4" refType="w" fact="0.2177"/>
-              <dgm:constr type="h" for="ch" forName="Child4" refType="h" fact="0.3124"/>
-              <dgm:constr type="l" for="ch" forName="Accent3" refType="w" fact="0.4765"/>
-              <dgm:constr type="t" for="ch" forName="Accent3" refType="h" fact="-0.0109"/>
-              <dgm:constr type="w" for="ch" forName="Accent3" refType="w" fact="0.3298"/>
-              <dgm:constr type="h" for="ch" forName="Accent3" refType="h" fact="0.806"/>
-              <dgm:constr type="l" for="ch" forName="ParentBackground3" refType="w" fact="0.5336"/>
-              <dgm:constr type="t" for="ch" forName="ParentBackground3" refType="h" fact="0.1262"/>
-              <dgm:constr type="w" for="ch" forName="ParentBackground3" refType="w" fact="0.2177"/>
-              <dgm:constr type="h" for="ch" forName="ParentBackground3" refType="h" fact="0.5319"/>
-              <dgm:constr type="l" for="ch" forName="Child3" refType="w" fact="0.5336"/>
-              <dgm:constr type="t" for="ch" forName="Child3" refType="h" fact="0.6876"/>
-              <dgm:constr type="w" for="ch" forName="Child3" refType="w" fact="0.2177"/>
-              <dgm:constr type="h" for="ch" forName="Child3" refType="h" fact="0.3124"/>
-              <dgm:constr type="l" for="ch" forName="Accent2" refType="w" fact="0.2365"/>
-              <dgm:constr type="t" for="ch" forName="Accent2" refType="h" fact="-0.0109"/>
-              <dgm:constr type="w" for="ch" forName="Accent2" refType="w" fact="0.3298"/>
-              <dgm:constr type="h" for="ch" forName="Accent2" refType="h" fact="0.806"/>
-              <dgm:constr type="l" for="ch" forName="ParentBackground2" refType="w" fact="0.2926"/>
-              <dgm:constr type="t" for="ch" forName="ParentBackground2" refType="h" fact="0.1262"/>
-              <dgm:constr type="w" for="ch" forName="ParentBackground2" refType="w" fact="0.2177"/>
-              <dgm:constr type="h" for="ch" forName="ParentBackground2" refType="h" fact="0.5319"/>
-              <dgm:constr type="l" for="ch" forName="Child2" refType="w" fact="0.2926"/>
-              <dgm:constr type="t" for="ch" forName="Child2" refType="h" fact="0.6876"/>
-              <dgm:constr type="w" for="ch" forName="Child2" refType="w" fact="0.2177"/>
-              <dgm:constr type="h" for="ch" forName="Child2" refType="h" fact="0.3124"/>
-              <dgm:constr type="l" for="ch" forName="Accent1" refType="w" fact="-0.0045"/>
-              <dgm:constr type="t" for="ch" forName="Accent1" refType="h" fact="-0.0109"/>
-              <dgm:constr type="w" for="ch" forName="Accent1" refType="w" fact="0.3298"/>
-              <dgm:constr type="h" for="ch" forName="Accent1" refType="h" fact="0.806"/>
-              <dgm:constr type="l" for="ch" forName="ParentBackground1" refType="w" fact="0.0516"/>
-              <dgm:constr type="t" for="ch" forName="ParentBackground1" refType="h" fact="0.1262"/>
-              <dgm:constr type="w" for="ch" forName="ParentBackground1" refType="w" fact="0.2177"/>
-              <dgm:constr type="h" for="ch" forName="ParentBackground1" refType="h" fact="0.5319"/>
-              <dgm:constr type="l" for="ch" forName="Child1" refType="w" fact="0.0516"/>
-              <dgm:constr type="t" for="ch" forName="Child1" refType="h" fact="0.6876"/>
-              <dgm:constr type="w" for="ch" forName="Child1" refType="w" fact="0.2177"/>
-              <dgm:constr type="h" for="ch" forName="Child1" refType="h" fact="0.3124"/>
-            </dgm:constrLst>
-          </dgm:if>
-          <dgm:if name="Name8" axis="ch" ptType="node" func="cnt" op="equ" val="5">
-            <dgm:alg type="composite">
-              <dgm:param type="ar" val="3.0325"/>
-            </dgm:alg>
-            <dgm:constrLst>
-              <dgm:constr type="primFontSz" for="des" forName="Child1" val="65"/>
-              <dgm:constr type="primFontSz" for="des" forName="Parent1" val="65"/>
-              <dgm:constr type="primFontSz" for="des" forName="Child1" refType="primFontSz" refFor="des" refForName="Parent1" op="lte"/>
-              <dgm:constr type="primFontSz" for="des" forName="Child2" refType="primFontSz" refFor="des" refForName="Parent1" op="lte"/>
-              <dgm:constr type="primFontSz" for="des" forName="Child3" refType="primFontSz" refFor="des" refForName="Parent1" op="lte"/>
-              <dgm:constr type="primFontSz" for="des" forName="Child4" refType="primFontSz" refFor="des" refForName="Parent1" op="lte"/>
-              <dgm:constr type="primFontSz" for="des" forName="Child5" refType="primFontSz" refFor="des" refForName="Parent1" op="lte"/>
-              <dgm:constr type="primFontSz" for="des" forName="Child1" refType="primFontSz" refFor="des" refForName="Parent2" op="lte"/>
-              <dgm:constr type="primFontSz" for="des" forName="Child2" refType="primFontSz" refFor="des" refForName="Parent2" op="lte"/>
-              <dgm:constr type="primFontSz" for="des" forName="Child3" refType="primFontSz" refFor="des" refForName="Parent2" op="lte"/>
-              <dgm:constr type="primFontSz" for="des" forName="Child4" refType="primFontSz" refFor="des" refForName="Parent2" op="lte"/>
-              <dgm:constr type="primFontSz" for="des" forName="Child5" refType="primFontSz" refFor="des" refForName="Parent2" op="lte"/>
-              <dgm:constr type="primFontSz" for="des" forName="Child1" refType="primFontSz" refFor="des" refForName="Parent3" op="lte"/>
-              <dgm:constr type="primFontSz" for="des" forName="Child2" refType="primFontSz" refFor="des" refForName="Parent3" op="lte"/>
-              <dgm:constr type="primFontSz" for="des" forName="Child3" refType="primFontSz" refFor="des" refForName="Parent3" op="lte"/>
-              <dgm:constr type="primFontSz" for="des" forName="Child4" refType="primFontSz" refFor="des" refForName="Parent3" op="lte"/>
-              <dgm:constr type="primFontSz" for="des" forName="Child5" refType="primFontSz" refFor="des" refForName="Parent3" op="lte"/>
-              <dgm:constr type="primFontSz" for="des" forName="Child1" refType="primFontSz" refFor="des" refForName="Parent4" op="lte"/>
-              <dgm:constr type="primFontSz" for="des" forName="Child2" refType="primFontSz" refFor="des" refForName="Parent4" op="lte"/>
-              <dgm:constr type="primFontSz" for="des" forName="Child3" refType="primFontSz" refFor="des" refForName="Parent4" op="lte"/>
-              <dgm:constr type="primFontSz" for="des" forName="Child4" refType="primFontSz" refFor="des" refForName="Parent4" op="lte"/>
-              <dgm:constr type="primFontSz" for="des" forName="Child5" refType="primFontSz" refFor="des" refForName="Parent4" op="lte"/>
-              <dgm:constr type="primFontSz" for="des" forName="Child1" refType="primFontSz" refFor="des" refForName="Parent5" op="lte"/>
-              <dgm:constr type="primFontSz" for="des" forName="Child2" refType="primFontSz" refFor="des" refForName="Parent5" op="lte"/>
-              <dgm:constr type="primFontSz" for="des" forName="Child3" refType="primFontSz" refFor="des" refForName="Parent5" op="lte"/>
-              <dgm:constr type="primFontSz" for="des" forName="Child4" refType="primFontSz" refFor="des" refForName="Parent5" op="lte"/>
-              <dgm:constr type="primFontSz" for="des" forName="Child5" refType="primFontSz" refFor="des" refForName="Parent5" op="lte"/>
-              <dgm:constr type="primFontSz" for="des" forName="Parent2" refType="primFontSz" refFor="des" refForName="Parent1" op="equ"/>
-              <dgm:constr type="primFontSz" for="des" forName="Parent3" refType="primFontSz" refFor="des" refForName="Parent1" op="equ"/>
-              <dgm:constr type="primFontSz" for="des" forName="Parent4" refType="primFontSz" refFor="des" refForName="Parent1" op="equ"/>
-              <dgm:constr type="primFontSz" for="des" forName="Parent5" refType="primFontSz" refFor="des" refForName="Parent1" op="equ"/>
-              <dgm:constr type="primFontSz" for="des" forName="Child2" refType="primFontSz" refFor="des" refForName="Child1" op="equ"/>
-              <dgm:constr type="primFontSz" for="des" forName="Child3" refType="primFontSz" refFor="des" refForName="Child1" op="equ"/>
-              <dgm:constr type="primFontSz" for="des" forName="Child4" refType="primFontSz" refFor="des" refForName="Child1" op="equ"/>
-              <dgm:constr type="primFontSz" for="des" forName="Child5" refType="primFontSz" refFor="des" refForName="Child1" op="equ"/>
-              <dgm:constr type="l" for="ch" forName="Parent5" refType="w" fact="0.8434"/>
-              <dgm:constr type="t" for="ch" forName="Parent5" refType="h" fact="0.2022"/>
-              <dgm:constr type="w" for="ch" forName="Parent5" refType="w" fact="0.1253"/>
-              <dgm:constr type="h" for="ch" forName="Parent5" refType="h" fact="0.3799"/>
-              <dgm:constr type="l" for="ch" forName="Parent4" refType="w" fact="0.6492"/>
-              <dgm:constr type="t" for="ch" forName="Parent4" refType="h" fact="0.2022"/>
-              <dgm:constr type="w" for="ch" forName="Parent4" refType="w" fact="0.1253"/>
-              <dgm:constr type="h" for="ch" forName="Parent4" refType="h" fact="0.3799"/>
-              <dgm:constr type="l" for="ch" forName="Parent3" refType="w" fact="0.455"/>
-              <dgm:constr type="t" for="ch" forName="Parent3" refType="h" fact="0.2022"/>
-              <dgm:constr type="w" for="ch" forName="Parent3" refType="w" fact="0.1253"/>
-              <dgm:constr type="h" for="ch" forName="Parent3" refType="h" fact="0.3799"/>
-              <dgm:constr type="l" for="ch" forName="Parent2" refType="w" fact="0.2609"/>
-              <dgm:constr type="t" for="ch" forName="Parent2" refType="h" fact="0.2022"/>
-              <dgm:constr type="w" for="ch" forName="Parent2" refType="w" fact="0.1253"/>
-              <dgm:constr type="h" for="ch" forName="Parent2" refType="h" fact="0.3799"/>
-              <dgm:constr type="l" for="ch" forName="Parent1" refType="w" fact="0.0667"/>
-              <dgm:constr type="t" for="ch" forName="Parent1" refType="h" fact="0.2022"/>
-              <dgm:constr type="w" for="ch" forName="Parent1" refType="w" fact="0.1253"/>
-              <dgm:constr type="h" for="ch" forName="Parent1" refType="h" fact="0.3799"/>
-              <dgm:constr type="l" for="ch" forName="Accent5" refType="w" fact="0.8121"/>
-              <dgm:constr type="t" for="ch" forName="Accent5" refType="h" fact="0.1072"/>
-              <dgm:constr type="w" for="ch" forName="Accent5" refType="w" fact="0.1879"/>
-              <dgm:constr type="h" for="ch" forName="Accent5" refType="h" fact="0.5699"/>
-              <dgm:constr type="l" for="ch" forName="ParentBackground5" refType="w" fact="0.8183"/>
-              <dgm:constr type="t" for="ch" forName="ParentBackground5" refType="h" fact="0.1262"/>
-              <dgm:constr type="w" for="ch" forName="ParentBackground5" refType="w" fact="0.1754"/>
-              <dgm:constr type="h" for="ch" forName="ParentBackground5" refType="h" fact="0.5319"/>
-              <dgm:constr type="l" for="ch" forName="Child5" refType="w" fact="0.8183"/>
-              <dgm:constr type="t" for="ch" forName="Child5" refType="h" fact="0.6876"/>
-              <dgm:constr type="w" for="ch" forName="Child5" refType="w" fact="0.1754"/>
-              <dgm:constr type="h" for="ch" forName="Child5" refType="h" fact="0.3124"/>
-              <dgm:constr type="l" for="ch" forName="Accent4" refType="w" fact="0.5789"/>
-              <dgm:constr type="t" for="ch" forName="Accent4" refType="h" fact="-0.0109"/>
-              <dgm:constr type="w" for="ch" forName="Accent4" refType="w" fact="0.2657"/>
-              <dgm:constr type="h" for="ch" forName="Accent4" refType="h" fact="0.806"/>
-              <dgm:constr type="l" for="ch" forName="ParentBackground4" refType="w" fact="0.6242"/>
-              <dgm:constr type="t" for="ch" forName="ParentBackground4" refType="h" fact="0.1262"/>
-              <dgm:constr type="w" for="ch" forName="ParentBackground4" refType="w" fact="0.1754"/>
-              <dgm:constr type="h" for="ch" forName="ParentBackground4" refType="h" fact="0.5319"/>
-              <dgm:constr type="l" for="ch" forName="Child4" refType="w" fact="0.6242"/>
-              <dgm:constr type="t" for="ch" forName="Child4" refType="h" fact="0.6876"/>
-              <dgm:constr type="w" for="ch" forName="Child4" refType="w" fact="0.1754"/>
-              <dgm:constr type="h" for="ch" forName="Child4" refType="h" fact="0.3124"/>
-              <dgm:constr type="l" for="ch" forName="Accent3" refType="w" fact="0.3848"/>
-              <dgm:constr type="t" for="ch" forName="Accent3" refType="h" fact="-0.0109"/>
-              <dgm:constr type="w" for="ch" forName="Accent3" refType="w" fact="0.2657"/>
-              <dgm:constr type="h" for="ch" forName="Accent3" refType="h" fact="0.806"/>
-              <dgm:constr type="l" for="ch" forName="ParentBackground3" refType="w" fact="0.43"/>
-              <dgm:constr type="t" for="ch" forName="ParentBackground3" refType="h" fact="0.1262"/>
-              <dgm:constr type="w" for="ch" forName="ParentBackground3" refType="w" fact="0.1754"/>
-              <dgm:constr type="h" for="ch" forName="ParentBackground3" refType="h" fact="0.5319"/>
-              <dgm:constr type="l" for="ch" forName="Child3" refType="w" fact="0.43"/>
-              <dgm:constr type="t" for="ch" forName="Child3" refType="h" fact="0.6876"/>
-              <dgm:constr type="w" for="ch" forName="Child3" refType="w" fact="0.1754"/>
-              <dgm:constr type="h" for="ch" forName="Child3" refType="h" fact="0.3124"/>
-              <dgm:constr type="l" for="ch" forName="Accent2" refType="w" fact="0.1906"/>
-              <dgm:constr type="t" for="ch" forName="Accent2" refType="h" fact="-0.0109"/>
-              <dgm:constr type="w" for="ch" forName="Accent2" refType="w" fact="0.2657"/>
-              <dgm:constr type="h" for="ch" forName="Accent2" refType="h" fact="0.806"/>
-              <dgm:constr type="l" for="ch" forName="ParentBackground2" refType="w" fact="0.2358"/>
-              <dgm:constr type="t" for="ch" forName="ParentBackground2" refType="h" fact="0.1262"/>
-              <dgm:constr type="w" for="ch" forName="ParentBackground2" refType="w" fact="0.1754"/>
-              <dgm:constr type="h" for="ch" forName="ParentBackground2" refType="h" fact="0.5319"/>
-              <dgm:constr type="l" for="ch" forName="Child2" refType="w" fact="0.2358"/>
-              <dgm:constr type="t" for="ch" forName="Child2" refType="h" fact="0.6876"/>
-              <dgm:constr type="w" for="ch" forName="Child2" refType="w" fact="0.1754"/>
-              <dgm:constr type="h" for="ch" forName="Child2" refType="h" fact="0.3124"/>
-              <dgm:constr type="l" for="ch" forName="Accent1" refType="w" fact="-0.0036"/>
-              <dgm:constr type="t" for="ch" forName="Accent1" refType="h" fact="-0.0109"/>
-              <dgm:constr type="w" for="ch" forName="Accent1" refType="w" fact="0.2657"/>
-              <dgm:constr type="h" for="ch" forName="Accent1" refType="h" fact="0.806"/>
-              <dgm:constr type="l" for="ch" forName="ParentBackground1" refType="w" fact="0.0416"/>
-              <dgm:constr type="t" for="ch" forName="ParentBackground1" refType="h" fact="0.1262"/>
-              <dgm:constr type="w" for="ch" forName="ParentBackground1" refType="w" fact="0.1754"/>
-              <dgm:constr type="h" for="ch" forName="ParentBackground1" refType="h" fact="0.5319"/>
-              <dgm:constr type="l" for="ch" forName="Child1" refType="w" fact="0.0416"/>
-              <dgm:constr type="t" for="ch" forName="Child1" refType="h" fact="0.6876"/>
-              <dgm:constr type="w" for="ch" forName="Child1" refType="w" fact="0.1754"/>
-              <dgm:constr type="h" for="ch" forName="Child1" refType="h" fact="0.3124"/>
-            </dgm:constrLst>
-          </dgm:if>
-          <dgm:if name="Name9" axis="ch" ptType="node" func="cnt" op="equ" val="6">
-            <dgm:alg type="composite">
-              <dgm:param type="ar" val="3.6214"/>
-            </dgm:alg>
-            <dgm:constrLst>
-              <dgm:constr type="primFontSz" for="des" forName="Child1" val="65"/>
-              <dgm:constr type="primFontSz" for="des" forName="Parent1" val="65"/>
-              <dgm:constr type="primFontSz" for="des" forName="Child1" refType="primFontSz" refFor="des" refForName="Parent1" op="lte"/>
-              <dgm:constr type="primFontSz" for="des" forName="Child2" refType="primFontSz" refFor="des" refForName="Parent1" op="lte"/>
-              <dgm:constr type="primFontSz" for="des" forName="Child3" refType="primFontSz" refFor="des" refForName="Parent1" op="lte"/>
-              <dgm:constr type="primFontSz" for="des" forName="Child4" refType="primFontSz" refFor="des" refForName="Parent1" op="lte"/>
-              <dgm:constr type="primFontSz" for="des" forName="Child5" refType="primFontSz" refFor="des" refForName="Parent1" op="lte"/>
-              <dgm:constr type="primFontSz" for="des" forName="Child6" refType="primFontSz" refFor="des" refForName="Parent1" op="lte"/>
-              <dgm:constr type="primFontSz" for="des" forName="Child1" refType="primFontSz" refFor="des" refForName="Parent2" op="lte"/>
-              <dgm:constr type="primFontSz" for="des" forName="Child2" refType="primFontSz" refFor="des" refForName="Parent2" op="lte"/>
-              <dgm:constr type="primFontSz" for="des" forName="Child3" refType="primFontSz" refFor="des" refForName="Parent2" op="lte"/>
-              <dgm:constr type="primFontSz" for="des" forName="Child4" refType="primFontSz" refFor="des" refForName="Parent2" op="lte"/>
-              <dgm:constr type="primFontSz" for="des" forName="Child5" refType="primFontSz" refFor="des" refForName="Parent2" op="lte"/>
-              <dgm:constr type="primFontSz" for="des" forName="Child6" refType="primFontSz" refFor="des" refForName="Parent2" op="lte"/>
-              <dgm:constr type="primFontSz" for="des" forName="Child1" refType="primFontSz" refFor="des" refForName="Parent3" op="lte"/>
-              <dgm:constr type="primFontSz" for="des" forName="Child2" refType="primFontSz" refFor="des" refForName="Parent3" op="lte"/>
-              <dgm:constr type="primFontSz" for="des" forName="Child3" refType="primFontSz" refFor="des" refForName="Parent3" op="lte"/>
-              <dgm:constr type="primFontSz" for="des" forName="Child4" refType="primFontSz" refFor="des" refForName="Parent3" op="lte"/>
-              <dgm:constr type="primFontSz" for="des" forName="Child5" refType="primFontSz" refFor="des" refForName="Parent3" op="lte"/>
-              <dgm:constr type="primFontSz" for="des" forName="Child6" refType="primFontSz" refFor="des" refForName="Parent3" op="lte"/>
-              <dgm:constr type="primFontSz" for="des" forName="Child1" refType="primFontSz" refFor="des" refForName="Parent4" op="lte"/>
-              <dgm:constr type="primFontSz" for="des" forName="Child2" refType="primFontSz" refFor="des" refForName="Parent4" op="lte"/>
-              <dgm:constr type="primFontSz" for="des" forName="Child3" refType="primFontSz" refFor="des" refForName="Parent4" op="lte"/>
-              <dgm:constr type="primFontSz" for="des" forName="Child4" refType="primFontSz" refFor="des" refForName="Parent4" op="lte"/>
-              <dgm:constr type="primFontSz" for="des" forName="Child5" refType="primFontSz" refFor="des" refForName="Parent4" op="lte"/>
-              <dgm:constr type="primFontSz" for="des" forName="Child6" refType="primFontSz" refFor="des" refForName="Parent4" op="lte"/>
-              <dgm:constr type="primFontSz" for="des" forName="Child1" refType="primFontSz" refFor="des" refForName="Parent5" op="lte"/>
-              <dgm:constr type="primFontSz" for="des" forName="Child2" refType="primFontSz" refFor="des" refForName="Parent5" op="lte"/>
-              <dgm:constr type="primFontSz" for="des" forName="Child3" refType="primFontSz" refFor="des" refForName="Parent5" op="lte"/>
-              <dgm:constr type="primFontSz" for="des" forName="Child4" refType="primFontSz" refFor="des" refForName="Parent5" op="lte"/>
-              <dgm:constr type="primFontSz" for="des" forName="Child5" refType="primFontSz" refFor="des" refForName="Parent5" op="lte"/>
-              <dgm:constr type="primFontSz" for="des" forName="Child6" refType="primFontSz" refFor="des" refForName="Parent5" op="lte"/>
-              <dgm:constr type="primFontSz" for="des" forName="Child1" refType="primFontSz" refFor="des" refForName="Parent6" op="lte"/>
-              <dgm:constr type="primFontSz" for="des" forName="Child2" refType="primFontSz" refFor="des" refForName="Parent6" op="lte"/>
-              <dgm:constr type="primFontSz" for="des" forName="Child3" refType="primFontSz" refFor="des" refForName="Parent6" op="lte"/>
-              <dgm:constr type="primFontSz" for="des" forName="Child4" refType="primFontSz" refFor="des" refForName="Parent6" op="lte"/>
-              <dgm:constr type="primFontSz" for="des" forName="Child5" refType="primFontSz" refFor="des" refForName="Parent6" op="lte"/>
-              <dgm:constr type="primFontSz" for="des" forName="Child6" refType="primFontSz" refFor="des" refForName="Parent6" op="lte"/>
-              <dgm:constr type="primFontSz" for="des" forName="Parent2" refType="primFontSz" refFor="des" refForName="Parent1" op="equ"/>
-              <dgm:constr type="primFontSz" for="des" forName="Parent3" refType="primFontSz" refFor="des" refForName="Parent1" op="equ"/>
-              <dgm:constr type="primFontSz" for="des" forName="Parent4" refType="primFontSz" refFor="des" refForName="Parent1" op="equ"/>
-              <dgm:constr type="primFontSz" for="des" forName="Parent5" refType="primFontSz" refFor="des" refForName="Parent1" op="equ"/>
-              <dgm:constr type="primFontSz" for="des" forName="Parent6" refType="primFontSz" refFor="des" refForName="Parent1" op="equ"/>
-              <dgm:constr type="primFontSz" for="des" forName="Child2" refType="primFontSz" refFor="des" refForName="Child1" op="equ"/>
-              <dgm:constr type="primFontSz" for="des" forName="Child3" refType="primFontSz" refFor="des" refForName="Child1" op="equ"/>
-              <dgm:constr type="primFontSz" for="des" forName="Child4" refType="primFontSz" refFor="des" refForName="Child1" op="equ"/>
-              <dgm:constr type="primFontSz" for="des" forName="Child5" refType="primFontSz" refFor="des" refForName="Child1" op="equ"/>
-              <dgm:constr type="primFontSz" for="des" forName="Child6" refType="primFontSz" refFor="des" refForName="Child1" op="equ"/>
-              <dgm:constr type="l" for="ch" forName="Parent6" refType="w" fact="0.8689"/>
-              <dgm:constr type="t" for="ch" forName="Parent6" refType="h" fact="0.2022"/>
-              <dgm:constr type="w" for="ch" forName="Parent6" refType="w" fact="0.1049"/>
-              <dgm:constr type="h" for="ch" forName="Parent6" refType="h" fact="0.3799"/>
-              <dgm:constr type="l" for="ch" forName="Parent5" refType="w" fact="0.7063"/>
-              <dgm:constr type="t" for="ch" forName="Parent5" refType="h" fact="0.2022"/>
-              <dgm:constr type="w" for="ch" forName="Parent5" refType="w" fact="0.1049"/>
-              <dgm:constr type="h" for="ch" forName="Parent5" refType="h" fact="0.3799"/>
-              <dgm:constr type="l" for="ch" forName="Parent4" refType="w" fact="0.5437"/>
-              <dgm:constr type="t" for="ch" forName="Parent4" refType="h" fact="0.2022"/>
-              <dgm:constr type="w" for="ch" forName="Parent4" refType="w" fact="0.1049"/>
-              <dgm:constr type="h" for="ch" forName="Parent4" refType="h" fact="0.3799"/>
-              <dgm:constr type="l" for="ch" forName="Parent3" refType="w" fact="0.381"/>
-              <dgm:constr type="t" for="ch" forName="Parent3" refType="h" fact="0.2022"/>
-              <dgm:constr type="w" for="ch" forName="Parent3" refType="w" fact="0.1049"/>
-              <dgm:constr type="h" for="ch" forName="Parent3" refType="h" fact="0.3799"/>
-              <dgm:constr type="l" for="ch" forName="Parent2" refType="w" fact="0.2184"/>
-              <dgm:constr type="t" for="ch" forName="Parent2" refType="h" fact="0.2022"/>
-              <dgm:constr type="w" for="ch" forName="Parent2" refType="w" fact="0.1049"/>
-              <dgm:constr type="h" for="ch" forName="Parent2" refType="h" fact="0.3799"/>
-              <dgm:constr type="l" for="ch" forName="Parent1" refType="w" fact="0.0558"/>
-              <dgm:constr type="t" for="ch" forName="Parent1" refType="h" fact="0.2022"/>
-              <dgm:constr type="w" for="ch" forName="Parent1" refType="w" fact="0.1049"/>
-              <dgm:constr type="h" for="ch" forName="Parent1" refType="h" fact="0.3799"/>
-              <dgm:constr type="l" for="ch" forName="Accent6" refType="w" fact="0.8426"/>
-              <dgm:constr type="t" for="ch" forName="Accent6" refType="h" fact="0.1072"/>
-              <dgm:constr type="w" for="ch" forName="Accent6" refType="w" fact="0.1574"/>
-              <dgm:constr type="h" for="ch" forName="Accent6" refType="h" fact="0.5699"/>
-              <dgm:constr type="l" for="ch" forName="ParentBackground6" refType="w" fact="0.8479"/>
-              <dgm:constr type="t" for="ch" forName="ParentBackground6" refType="h" fact="0.1262"/>
-              <dgm:constr type="w" for="ch" forName="ParentBackground6" refType="w" fact="0.1469"/>
-              <dgm:constr type="h" for="ch" forName="ParentBackground6" refType="h" fact="0.5319"/>
-              <dgm:constr type="l" for="ch" forName="Child6" refType="w" fact="0.8479"/>
-              <dgm:constr type="t" for="ch" forName="Child6" refType="h" fact="0.6876"/>
-              <dgm:constr type="w" for="ch" forName="Child6" refType="w" fact="0.1469"/>
-              <dgm:constr type="h" for="ch" forName="Child6" refType="h" fact="0.3124"/>
-              <dgm:constr type="l" for="ch" forName="Accent5" refType="w" fact="0.6474"/>
-              <dgm:constr type="t" for="ch" forName="Accent5" refType="h" fact="-0.0109"/>
-              <dgm:constr type="w" for="ch" forName="Accent5" refType="w" fact="0.2226"/>
-              <dgm:constr type="h" for="ch" forName="Accent5" refType="h" fact="0.806"/>
-              <dgm:constr type="l" for="ch" forName="ParentBackground5" refType="w" fact="0.6853"/>
-              <dgm:constr type="t" for="ch" forName="ParentBackground5" refType="h" fact="0.1262"/>
-              <dgm:constr type="w" for="ch" forName="ParentBackground5" refType="w" fact="0.1469"/>
-              <dgm:constr type="h" for="ch" forName="ParentBackground5" refType="h" fact="0.5319"/>
-              <dgm:constr type="l" for="ch" forName="Child5" refType="w" fact="0.6853"/>
-              <dgm:constr type="t" for="ch" forName="Child5" refType="h" fact="0.6876"/>
-              <dgm:constr type="w" for="ch" forName="Child5" refType="w" fact="0.1469"/>
-              <dgm:constr type="h" for="ch" forName="Child5" refType="h" fact="0.3124"/>
-              <dgm:constr type="l" for="ch" forName="Accent4" refType="w" fact="0.4848"/>
-              <dgm:constr type="t" for="ch" forName="Accent4" refType="h" fact="-0.0109"/>
-              <dgm:constr type="w" for="ch" forName="Accent4" refType="w" fact="0.2226"/>
-              <dgm:constr type="h" for="ch" forName="Accent4" refType="h" fact="0.806"/>
-              <dgm:constr type="l" for="ch" forName="ParentBackground4" refType="w" fact="0.5227"/>
-              <dgm:constr type="t" for="ch" forName="ParentBackground4" refType="h" fact="0.1262"/>
-              <dgm:constr type="w" for="ch" forName="ParentBackground4" refType="w" fact="0.1469"/>
-              <dgm:constr type="h" for="ch" forName="ParentBackground4" refType="h" fact="0.5319"/>
-              <dgm:constr type="l" for="ch" forName="Child4" refType="w" fact="0.5227"/>
-              <dgm:constr type="t" for="ch" forName="Child4" refType="h" fact="0.6876"/>
-              <dgm:constr type="w" for="ch" forName="Child4" refType="w" fact="0.1469"/>
-              <dgm:constr type="h" for="ch" forName="Child4" refType="h" fact="0.3124"/>
-              <dgm:constr type="l" for="ch" forName="Accent3" refType="w" fact="0.3222"/>
-              <dgm:constr type="t" for="ch" forName="Accent3" refType="h" fact="-0.0109"/>
-              <dgm:constr type="w" for="ch" forName="Accent3" refType="w" fact="0.2226"/>
-              <dgm:constr type="h" for="ch" forName="Accent3" refType="h" fact="0.806"/>
-              <dgm:constr type="l" for="ch" forName="ParentBackground3" refType="w" fact="0.3601"/>
-              <dgm:constr type="t" for="ch" forName="ParentBackground3" refType="h" fact="0.1262"/>
-              <dgm:constr type="w" for="ch" forName="ParentBackground3" refType="w" fact="0.1469"/>
-              <dgm:constr type="h" for="ch" forName="ParentBackground3" refType="h" fact="0.5319"/>
-              <dgm:constr type="l" for="ch" forName="Child3" refType="w" fact="0.3601"/>
-              <dgm:constr type="t" for="ch" forName="Child3" refType="h" fact="0.6876"/>
-              <dgm:constr type="w" for="ch" forName="Child3" refType="w" fact="0.1469"/>
-              <dgm:constr type="h" for="ch" forName="Child3" refType="h" fact="0.3124"/>
-              <dgm:constr type="l" for="ch" forName="Accent2" refType="w" fact="0.1596"/>
-              <dgm:constr type="t" for="ch" forName="Accent2" refType="h" fact="-0.0109"/>
-              <dgm:constr type="w" for="ch" forName="Accent2" refType="w" fact="0.2226"/>
-              <dgm:constr type="h" for="ch" forName="Accent2" refType="h" fact="0.806"/>
-              <dgm:constr type="l" for="ch" forName="ParentBackground2" refType="w" fact="0.1975"/>
-              <dgm:constr type="t" for="ch" forName="ParentBackground2" refType="h" fact="0.1262"/>
-              <dgm:constr type="w" for="ch" forName="ParentBackground2" refType="w" fact="0.1469"/>
-              <dgm:constr type="h" for="ch" forName="ParentBackground2" refType="h" fact="0.5319"/>
-              <dgm:constr type="l" for="ch" forName="Child2" refType="w" fact="0.1975"/>
-              <dgm:constr type="t" for="ch" forName="Child2" refType="h" fact="0.6876"/>
-              <dgm:constr type="w" for="ch" forName="Child2" refType="w" fact="0.1469"/>
-              <dgm:constr type="h" for="ch" forName="Child2" refType="h" fact="0.3124"/>
-              <dgm:constr type="l" for="ch" forName="Accent1" refType="w" fact="-0.003"/>
-              <dgm:constr type="t" for="ch" forName="Accent1" refType="h" fact="-0.0109"/>
-              <dgm:constr type="w" for="ch" forName="Accent1" refType="w" fact="0.2226"/>
-              <dgm:constr type="h" for="ch" forName="Accent1" refType="h" fact="0.806"/>
-              <dgm:constr type="l" for="ch" forName="ParentBackground1" refType="w" fact="0.0348"/>
-              <dgm:constr type="t" for="ch" forName="ParentBackground1" refType="h" fact="0.1262"/>
-              <dgm:constr type="w" for="ch" forName="ParentBackground1" refType="w" fact="0.1469"/>
-              <dgm:constr type="h" for="ch" forName="ParentBackground1" refType="h" fact="0.5319"/>
-              <dgm:constr type="l" for="ch" forName="Child1" refType="w" fact="0.0348"/>
-              <dgm:constr type="t" for="ch" forName="Child1" refType="h" fact="0.6876"/>
-              <dgm:constr type="w" for="ch" forName="Child1" refType="w" fact="0.1469"/>
-              <dgm:constr type="h" for="ch" forName="Child1" refType="h" fact="0.3124"/>
-            </dgm:constrLst>
-          </dgm:if>
-          <dgm:if name="Name10" axis="ch" ptType="node" func="cnt" op="equ" val="7">
-            <dgm:alg type="composite">
-              <dgm:param type="ar" val="4.2103"/>
-            </dgm:alg>
-            <dgm:constrLst>
-              <dgm:constr type="primFontSz" for="des" forName="Child1" val="65"/>
-              <dgm:constr type="primFontSz" for="des" forName="Parent1" val="65"/>
-              <dgm:constr type="primFontSz" for="des" forName="Child1" refType="primFontSz" refFor="des" refForName="Parent1" op="lte"/>
-              <dgm:constr type="primFontSz" for="des" forName="Child2" refType="primFontSz" refFor="des" refForName="Parent1" op="lte"/>
-              <dgm:constr type="primFontSz" for="des" forName="Child3" refType="primFontSz" refFor="des" refForName="Parent1" op="lte"/>
-              <dgm:constr type="primFontSz" for="des" forName="Child4" refType="primFontSz" refFor="des" refForName="Parent1" op="lte"/>
-              <dgm:constr type="primFontSz" for="des" forName="Child5" refType="primFontSz" refFor="des" refForName="Parent1" op="lte"/>
-              <dgm:constr type="primFontSz" for="des" forName="Child6" refType="primFontSz" refFor="des" refForName="Parent1" op="lte"/>
-              <dgm:constr type="primFontSz" for="des" forName="Child7" refType="primFontSz" refFor="des" refForName="Parent1" op="lte"/>
-              <dgm:constr type="primFontSz" for="des" forName="Child1" refType="primFontSz" refFor="des" refForName="Parent2" op="lte"/>
-              <dgm:constr type="primFontSz" for="des" forName="Child2" refType="primFontSz" refFor="des" refForName="Parent2" op="lte"/>
-              <dgm:constr type="primFontSz" for="des" forName="Child3" refType="primFontSz" refFor="des" refForName="Parent2" op="lte"/>
-              <dgm:constr type="primFontSz" for="des" forName="Child4" refType="primFontSz" refFor="des" refForName="Parent2" op="lte"/>
-              <dgm:constr type="primFontSz" for="des" forName="Child5" refType="primFontSz" refFor="des" refForName="Parent2" op="lte"/>
-              <dgm:constr type="primFontSz" for="des" forName="Child6" refType="primFontSz" refFor="des" refForName="Parent2" op="lte"/>
-              <dgm:constr type="primFontSz" for="des" forName="Child7" refType="primFontSz" refFor="des" refForName="Parent2" op="lte"/>
-              <dgm:constr type="primFontSz" for="des" forName="Child1" refType="primFontSz" refFor="des" refForName="Parent3" op="lte"/>
-              <dgm:constr type="primFontSz" for="des" forName="Child2" refType="primFontSz" refFor="des" refForName="Parent3" op="lte"/>
-              <dgm:constr type="primFontSz" for="des" forName="Child3" refType="primFontSz" refFor="des" refForName="Parent3" op="lte"/>
-              <dgm:constr type="primFontSz" for="des" forName="Child4" refType="primFontSz" refFor="des" refForName="Parent3" op="lte"/>
-              <dgm:constr type="primFontSz" for="des" forName="Child5" refType="primFontSz" refFor="des" refForName="Parent3" op="lte"/>
-              <dgm:constr type="primFontSz" for="des" forName="Child6" refType="primFontSz" refFor="des" refForName="Parent3" op="lte"/>
-              <dgm:constr type="primFontSz" for="des" forName="Child7" refType="primFontSz" refFor="des" refForName="Parent3" op="lte"/>
-              <dgm:constr type="primFontSz" for="des" forName="Child1" refType="primFontSz" refFor="des" refForName="Parent4" op="lte"/>
-              <dgm:constr type="primFontSz" for="des" forName="Child2" refType="primFontSz" refFor="des" refForName="Parent4" op="lte"/>
-              <dgm:constr type="primFontSz" for="des" forName="Child3" refType="primFontSz" refFor="des" refForName="Parent4" op="lte"/>
-              <dgm:constr type="primFontSz" for="des" forName="Child4" refType="primFontSz" refFor="des" refForName="Parent4" op="lte"/>
-              <dgm:constr type="primFontSz" for="des" forName="Child5" refType="primFontSz" refFor="des" refForName="Parent4" op="lte"/>
-              <dgm:constr type="primFontSz" for="des" forName="Child6" refType="primFontSz" refFor="des" refForName="Parent4" op="lte"/>
-              <dgm:constr type="primFontSz" for="des" forName="Child7" refType="primFontSz" refFor="des" refForName="Parent4" op="lte"/>
-              <dgm:constr type="primFontSz" for="des" forName="Child1" refType="primFontSz" refFor="des" refForName="Parent5" op="lte"/>
-              <dgm:constr type="primFontSz" for="des" forName="Child2" refType="primFontSz" refFor="des" refForName="Parent5" op="lte"/>
-              <dgm:constr type="primFontSz" for="des" forName="Child3" refType="primFontSz" refFor="des" refForName="Parent5" op="lte"/>
-              <dgm:constr type="primFontSz" for="des" forName="Child4" refType="primFontSz" refFor="des" refForName="Parent5" op="lte"/>
-              <dgm:constr type="primFontSz" for="des" forName="Child5" refType="primFontSz" refFor="des" refForName="Parent5" op="lte"/>
-              <dgm:constr type="primFontSz" for="des" forName="Child6" refType="primFontSz" refFor="des" refForName="Parent5" op="lte"/>
-              <dgm:constr type="primFontSz" for="des" forName="Child7" refType="primFontSz" refFor="des" refForName="Parent5" op="lte"/>
-              <dgm:constr type="primFontSz" for="des" forName="Child1" refType="primFontSz" refFor="des" refForName="Parent6" op="lte"/>
-              <dgm:constr type="primFontSz" for="des" forName="Child2" refType="primFontSz" refFor="des" refForName="Parent6" op="lte"/>
-              <dgm:constr type="primFontSz" for="des" forName="Child3" refType="primFontSz" refFor="des" refForName="Parent6" op="lte"/>
-              <dgm:constr type="primFontSz" for="des" forName="Child4" refType="primFontSz" refFor="des" refForName="Parent6" op="lte"/>
-              <dgm:constr type="primFontSz" for="des" forName="Child5" refType="primFontSz" refFor="des" refForName="Parent6" op="lte"/>
-              <dgm:constr type="primFontSz" for="des" forName="Child6" refType="primFontSz" refFor="des" refForName="Parent6" op="lte"/>
-              <dgm:constr type="primFontSz" for="des" forName="Child7" refType="primFontSz" refFor="des" refForName="Parent6" op="lte"/>
-              <dgm:constr type="primFontSz" for="des" forName="Child1" refType="primFontSz" refFor="des" refForName="Parent7" op="lte"/>
-              <dgm:constr type="primFontSz" for="des" forName="Child2" refType="primFontSz" refFor="des" refForName="Parent7" op="lte"/>
-              <dgm:constr type="primFontSz" for="des" forName="Child3" refType="primFontSz" refFor="des" refForName="Parent7" op="lte"/>
-              <dgm:constr type="primFontSz" for="des" forName="Child4" refType="primFontSz" refFor="des" refForName="Parent7" op="lte"/>
-              <dgm:constr type="primFontSz" for="des" forName="Child5" refType="primFontSz" refFor="des" refForName="Parent7" op="lte"/>
-              <dgm:constr type="primFontSz" for="des" forName="Child6" refType="primFontSz" refFor="des" refForName="Parent7" op="lte"/>
-              <dgm:constr type="primFontSz" for="des" forName="Child7" refType="primFontSz" refFor="des" refForName="Parent7" op="lte"/>
-              <dgm:constr type="primFontSz" for="des" forName="Parent2" refType="primFontSz" refFor="des" refForName="Parent1" op="equ"/>
-              <dgm:constr type="primFontSz" for="des" forName="Parent3" refType="primFontSz" refFor="des" refForName="Parent1" op="equ"/>
-              <dgm:constr type="primFontSz" for="des" forName="Parent4" refType="primFontSz" refFor="des" refForName="Parent1" op="equ"/>
-              <dgm:constr type="primFontSz" for="des" forName="Parent5" refType="primFontSz" refFor="des" refForName="Parent1" op="equ"/>
-              <dgm:constr type="primFontSz" for="des" forName="Parent6" refType="primFontSz" refFor="des" refForName="Parent1" op="equ"/>
-              <dgm:constr type="primFontSz" for="des" forName="Parent7" refType="primFontSz" refFor="des" refForName="Parent1" op="equ"/>
-              <dgm:constr type="primFontSz" for="des" forName="Child2" refType="primFontSz" refFor="des" refForName="Child1" op="equ"/>
-              <dgm:constr type="primFontSz" for="des" forName="Child3" refType="primFontSz" refFor="des" refForName="Child1" op="equ"/>
-              <dgm:constr type="primFontSz" for="des" forName="Child4" refType="primFontSz" refFor="des" refForName="Child1" op="equ"/>
-              <dgm:constr type="primFontSz" for="des" forName="Child5" refType="primFontSz" refFor="des" refForName="Child1" op="equ"/>
-              <dgm:constr type="primFontSz" for="des" forName="Child6" refType="primFontSz" refFor="des" refForName="Child1" op="equ"/>
-              <dgm:constr type="primFontSz" for="des" forName="Child7" refType="primFontSz" refFor="des" refForName="Child1" op="equ"/>
-              <dgm:constr type="l" for="ch" forName="Parent7" refType="w" fact="0.8872"/>
-              <dgm:constr type="t" for="ch" forName="Parent7" refType="h" fact="0.2022"/>
-              <dgm:constr type="w" for="ch" forName="Parent7" refType="w" fact="0.0902"/>
-              <dgm:constr type="h" for="ch" forName="Parent7" refType="h" fact="0.3799"/>
-              <dgm:constr type="l" for="ch" forName="Parent6" refType="w" fact="0.7473"/>
-              <dgm:constr type="t" for="ch" forName="Parent6" refType="h" fact="0.2022"/>
-              <dgm:constr type="w" for="ch" forName="Parent6" refType="w" fact="0.0902"/>
-              <dgm:constr type="h" for="ch" forName="Parent6" refType="h" fact="0.3799"/>
-              <dgm:constr type="l" for="ch" forName="Parent5" refType="w" fact="0.6075"/>
-              <dgm:constr type="t" for="ch" forName="Parent5" refType="h" fact="0.2022"/>
-              <dgm:constr type="w" for="ch" forName="Parent5" refType="w" fact="0.0902"/>
-              <dgm:constr type="h" for="ch" forName="Parent5" refType="h" fact="0.3799"/>
-              <dgm:constr type="l" for="ch" forName="Parent4" refType="w" fact="0.4676"/>
-              <dgm:constr type="t" for="ch" forName="Parent4" refType="h" fact="0.2022"/>
-              <dgm:constr type="w" for="ch" forName="Parent4" refType="w" fact="0.0902"/>
-              <dgm:constr type="h" for="ch" forName="Parent4" refType="h" fact="0.3799"/>
-              <dgm:constr type="l" for="ch" forName="Parent3" refType="w" fact="0.3277"/>
-              <dgm:constr type="t" for="ch" forName="Parent3" refType="h" fact="0.2022"/>
-              <dgm:constr type="w" for="ch" forName="Parent3" refType="w" fact="0.0902"/>
-              <dgm:constr type="h" for="ch" forName="Parent3" refType="h" fact="0.3799"/>
-              <dgm:constr type="l" for="ch" forName="Parent2" refType="w" fact="0.1879"/>
-              <dgm:constr type="t" for="ch" forName="Parent2" refType="h" fact="0.2022"/>
-              <dgm:constr type="w" for="ch" forName="Parent2" refType="w" fact="0.0902"/>
-              <dgm:constr type="h" for="ch" forName="Parent2" refType="h" fact="0.3799"/>
-              <dgm:constr type="l" for="ch" forName="Parent1" refType="w" fact="0.048"/>
-              <dgm:constr type="t" for="ch" forName="Parent1" refType="h" fact="0.2022"/>
-              <dgm:constr type="w" for="ch" forName="Parent1" refType="w" fact="0.0902"/>
-              <dgm:constr type="h" for="ch" forName="Parent1" refType="h" fact="0.3799"/>
-              <dgm:constr type="l" for="ch" forName="Accent7" refType="w" fact="0.8646"/>
-              <dgm:constr type="t" for="ch" forName="Accent7" refType="h" fact="0.1072"/>
-              <dgm:constr type="w" for="ch" forName="Accent7" refType="w" fact="0.1354"/>
-              <dgm:constr type="h" for="ch" forName="Accent7" refType="h" fact="0.5699"/>
-              <dgm:constr type="l" for="ch" forName="ParentBackground7" refType="w" fact="0.8692"/>
-              <dgm:constr type="t" for="ch" forName="ParentBackground7" refType="h" fact="0.1262"/>
-              <dgm:constr type="w" for="ch" forName="ParentBackground7" refType="w" fact="0.1263"/>
-              <dgm:constr type="h" for="ch" forName="ParentBackground7" refType="h" fact="0.5319"/>
-              <dgm:constr type="l" for="ch" forName="Child7" refType="w" fact="0.8692"/>
-              <dgm:constr type="t" for="ch" forName="Child7" refType="h" fact="0.6876"/>
-              <dgm:constr type="w" for="ch" forName="Child7" refType="w" fact="0.1263"/>
-              <dgm:constr type="h" for="ch" forName="Child7" refType="h" fact="0.3124"/>
-              <dgm:constr type="l" for="ch" forName="Accent6" refType="w" fact="0.6967"/>
-              <dgm:constr type="t" for="ch" forName="Accent6" refType="h" fact="-0.0109"/>
-              <dgm:constr type="w" for="ch" forName="Accent6" refType="w" fact="0.1915"/>
-              <dgm:constr type="h" for="ch" forName="Accent6" refType="h" fact="0.806"/>
-              <dgm:constr type="l" for="ch" forName="ParentBackground6" refType="w" fact="0.7293"/>
-              <dgm:constr type="t" for="ch" forName="ParentBackground6" refType="h" fact="0.1262"/>
-              <dgm:constr type="w" for="ch" forName="ParentBackground6" refType="w" fact="0.1263"/>
-              <dgm:constr type="h" for="ch" forName="ParentBackground6" refType="h" fact="0.5319"/>
-              <dgm:constr type="l" for="ch" forName="Child6" refType="w" fact="0.7293"/>
-              <dgm:constr type="t" for="ch" forName="Child6" refType="h" fact="0.6876"/>
-              <dgm:constr type="w" for="ch" forName="Child6" refType="w" fact="0.1263"/>
-              <dgm:constr type="h" for="ch" forName="Child6" refType="h" fact="0.3124"/>
-              <dgm:constr type="l" for="ch" forName="Accent5" refType="w" fact="0.5569"/>
-              <dgm:constr type="t" for="ch" forName="Accent5" refType="h" fact="-0.0109"/>
-              <dgm:constr type="w" for="ch" forName="Accent5" refType="w" fact="0.1915"/>
-              <dgm:constr type="h" for="ch" forName="Accent5" refType="h" fact="0.806"/>
-              <dgm:constr type="l" for="ch" forName="ParentBackground5" refType="w" fact="0.5894"/>
-              <dgm:constr type="t" for="ch" forName="ParentBackground5" refType="h" fact="0.1262"/>
-              <dgm:constr type="w" for="ch" forName="ParentBackground5" refType="w" fact="0.1263"/>
-              <dgm:constr type="h" for="ch" forName="ParentBackground5" refType="h" fact="0.5319"/>
-              <dgm:constr type="l" for="ch" forName="Child5" refType="w" fact="0.5894"/>
-              <dgm:constr type="t" for="ch" forName="Child5" refType="h" fact="0.6876"/>
-              <dgm:constr type="w" for="ch" forName="Child5" refType="w" fact="0.1263"/>
-              <dgm:constr type="h" for="ch" forName="Child5" refType="h" fact="0.3124"/>
-              <dgm:constr type="l" for="ch" forName="Accent4" refType="w" fact="0.417"/>
-              <dgm:constr type="t" for="ch" forName="Accent4" refType="h" fact="-0.0109"/>
-              <dgm:constr type="w" for="ch" forName="Accent4" refType="w" fact="0.1915"/>
-              <dgm:constr type="h" for="ch" forName="Accent4" refType="h" fact="0.806"/>
-              <dgm:constr type="l" for="ch" forName="ParentBackground4" refType="w" fact="0.4496"/>
-              <dgm:constr type="t" for="ch" forName="ParentBackground4" refType="h" fact="0.1262"/>
-              <dgm:constr type="w" for="ch" forName="ParentBackground4" refType="w" fact="0.1263"/>
-              <dgm:constr type="h" for="ch" forName="ParentBackground4" refType="h" fact="0.5319"/>
-              <dgm:constr type="l" for="ch" forName="Child4" refType="w" fact="0.4496"/>
-              <dgm:constr type="t" for="ch" forName="Child4" refType="h" fact="0.6876"/>
-              <dgm:constr type="w" for="ch" forName="Child4" refType="w" fact="0.1263"/>
-              <dgm:constr type="h" for="ch" forName="Child4" refType="h" fact="0.3124"/>
-              <dgm:constr type="l" for="ch" forName="Accent3" refType="w" fact="0.2771"/>
-              <dgm:constr type="t" for="ch" forName="Accent3" refType="h" fact="-0.0109"/>
-              <dgm:constr type="w" for="ch" forName="Accent3" refType="w" fact="0.1915"/>
-              <dgm:constr type="h" for="ch" forName="Accent3" refType="h" fact="0.806"/>
-              <dgm:constr type="l" for="ch" forName="ParentBackground3" refType="w" fact="0.3097"/>
-              <dgm:constr type="t" for="ch" forName="ParentBackground3" refType="h" fact="0.1262"/>
-              <dgm:constr type="w" for="ch" forName="ParentBackground3" refType="w" fact="0.1263"/>
-              <dgm:constr type="h" for="ch" forName="ParentBackground3" refType="h" fact="0.5319"/>
-              <dgm:constr type="l" for="ch" forName="Child3" refType="w" fact="0.3097"/>
-              <dgm:constr type="t" for="ch" forName="Child3" refType="h" fact="0.6876"/>
-              <dgm:constr type="w" for="ch" forName="Child3" refType="w" fact="0.1263"/>
-              <dgm:constr type="h" for="ch" forName="Child3" refType="h" fact="0.3124"/>
-              <dgm:constr type="l" for="ch" forName="Accent2" refType="w" fact="0.1373"/>
-              <dgm:constr type="t" for="ch" forName="Accent2" refType="h" fact="-0.0109"/>
-              <dgm:constr type="w" for="ch" forName="Accent2" refType="w" fact="0.1915"/>
-              <dgm:constr type="h" for="ch" forName="Accent2" refType="h" fact="0.806"/>
-              <dgm:constr type="l" for="ch" forName="ParentBackground2" refType="w" fact="0.1698"/>
-              <dgm:constr type="t" for="ch" forName="ParentBackground2" refType="h" fact="0.1262"/>
-              <dgm:constr type="w" for="ch" forName="ParentBackground2" refType="w" fact="0.1263"/>
-              <dgm:constr type="h" for="ch" forName="ParentBackground2" refType="h" fact="0.5319"/>
-              <dgm:constr type="l" for="ch" forName="Child2" refType="w" fact="0.1698"/>
-              <dgm:constr type="t" for="ch" forName="Child2" refType="h" fact="0.6876"/>
-              <dgm:constr type="w" for="ch" forName="Child2" refType="w" fact="0.1263"/>
-              <dgm:constr type="h" for="ch" forName="Child2" refType="h" fact="0.3124"/>
-              <dgm:constr type="l" for="ch" forName="Accent1" refType="w" fact="-0.0026"/>
-              <dgm:constr type="t" for="ch" forName="Accent1" refType="h" fact="-0.0109"/>
-              <dgm:constr type="w" for="ch" forName="Accent1" refType="w" fact="0.1915"/>
-              <dgm:constr type="h" for="ch" forName="Accent1" refType="h" fact="0.806"/>
-              <dgm:constr type="l" for="ch" forName="ParentBackground1" refType="w" fact="0.03"/>
-              <dgm:constr type="t" for="ch" forName="ParentBackground1" refType="h" fact="0.1262"/>
-              <dgm:constr type="w" for="ch" forName="ParentBackground1" refType="w" fact="0.1263"/>
-              <dgm:constr type="h" for="ch" forName="ParentBackground1" refType="h" fact="0.5319"/>
-              <dgm:constr type="l" for="ch" forName="Child1" refType="w" fact="0.03"/>
-              <dgm:constr type="t" for="ch" forName="Child1" refType="h" fact="0.6876"/>
-              <dgm:constr type="w" for="ch" forName="Child1" refType="w" fact="0.1263"/>
-              <dgm:constr type="h" for="ch" forName="Child1" refType="h" fact="0.3124"/>
-            </dgm:constrLst>
-          </dgm:if>
-          <dgm:if name="Name11" axis="ch" ptType="node" func="cnt" op="equ" val="8">
-            <dgm:alg type="composite">
-              <dgm:param type="ar" val="4.7991"/>
-            </dgm:alg>
-            <dgm:constrLst>
-              <dgm:constr type="primFontSz" for="des" forName="Child1" val="65"/>
-              <dgm:constr type="primFontSz" for="des" forName="Parent1" val="65"/>
-              <dgm:constr type="primFontSz" for="des" forName="Child1" refType="primFontSz" refFor="des" refForName="Parent1" op="lte"/>
-              <dgm:constr type="primFontSz" for="des" forName="Child2" refType="primFontSz" refFor="des" refForName="Parent1" op="lte"/>
-              <dgm:constr type="primFontSz" for="des" forName="Child3" refType="primFontSz" refFor="des" refForName="Parent1" op="lte"/>
-              <dgm:constr type="primFontSz" for="des" forName="Child4" refType="primFontSz" refFor="des" refForName="Parent1" op="lte"/>
-              <dgm:constr type="primFontSz" for="des" forName="Child5" refType="primFontSz" refFor="des" refForName="Parent1" op="lte"/>
-              <dgm:constr type="primFontSz" for="des" forName="Child6" refType="primFontSz" refFor="des" refForName="Parent1" op="lte"/>
-              <dgm:constr type="primFontSz" for="des" forName="Child7" refType="primFontSz" refFor="des" refForName="Parent1" op="lte"/>
-              <dgm:constr type="primFontSz" for="des" forName="Child8" refType="primFontSz" refFor="des" refForName="Parent1" op="lte"/>
-              <dgm:constr type="primFontSz" for="des" forName="Child1" refType="primFontSz" refFor="des" refForName="Parent2" op="lte"/>
-              <dgm:constr type="primFontSz" for="des" forName="Child2" refType="primFontSz" refFor="des" refForName="Parent2" op="lte"/>
-              <dgm:constr type="primFontSz" for="des" forName="Child3" refType="primFontSz" refFor="des" refForName="Parent2" op="lte"/>
-              <dgm:constr type="primFontSz" for="des" forName="Child4" refType="primFontSz" refFor="des" refForName="Parent2" op="lte"/>
-              <dgm:constr type="primFontSz" for="des" forName="Child5" refType="primFontSz" refFor="des" refForName="Parent2" op="lte"/>
-              <dgm:constr type="primFontSz" for="des" forName="Child6" refType="primFontSz" refFor="des" refForName="Parent2" op="lte"/>
-              <dgm:constr type="primFontSz" for="des" forName="Child7" refType="primFontSz" refFor="des" refForName="Parent2" op="lte"/>
-              <dgm:constr type="primFontSz" for="des" forName="Child8" refType="primFontSz" refFor="des" refForName="Parent2" op="lte"/>
-              <dgm:constr type="primFontSz" for="des" forName="Child1" refType="primFontSz" refFor="des" refForName="Parent3" op="lte"/>
-              <dgm:constr type="primFontSz" for="des" forName="Child2" refType="primFontSz" refFor="des" refForName="Parent3" op="lte"/>
-              <dgm:constr type="primFontSz" for="des" forName="Child3" refType="primFontSz" refFor="des" refForName="Parent3" op="lte"/>
-              <dgm:constr type="primFontSz" for="des" forName="Child4" refType="primFontSz" refFor="des" refForName="Parent3" op="lte"/>
-              <dgm:constr type="primFontSz" for="des" forName="Child5" refType="primFontSz" refFor="des" refForName="Parent3" op="lte"/>
-              <dgm:constr type="primFontSz" for="des" forName="Child6" refType="primFontSz" refFor="des" refForName="Parent3" op="lte"/>
-              <dgm:constr type="primFontSz" for="des" forName="Child7" refType="primFontSz" refFor="des" refForName="Parent3" op="lte"/>
-              <dgm:constr type="primFontSz" for="des" forName="Child8" refType="primFontSz" refFor="des" refForName="Parent3" op="lte"/>
-              <dgm:constr type="primFontSz" for="des" forName="Child1" refType="primFontSz" refFor="des" refForName="Parent4" op="lte"/>
-              <dgm:constr type="primFontSz" for="des" forName="Child2" refType="primFontSz" refFor="des" refForName="Parent4" op="lte"/>
-              <dgm:constr type="primFontSz" for="des" forName="Child3" refType="primFontSz" refFor="des" refForName="Parent4" op="lte"/>
-              <dgm:constr type="primFontSz" for="des" forName="Child4" refType="primFontSz" refFor="des" refForName="Parent4" op="lte"/>
-              <dgm:constr type="primFontSz" for="des" forName="Child5" refType="primFontSz" refFor="des" refForName="Parent4" op="lte"/>
-              <dgm:constr type="primFontSz" for="des" forName="Child6" refType="primFontSz" refFor="des" refForName="Parent4" op="lte"/>
-              <dgm:constr type="primFontSz" for="des" forName="Child7" refType="primFontSz" refFor="des" refForName="Parent4" op="lte"/>
-              <dgm:constr type="primFontSz" for="des" forName="Child8" refType="primFontSz" refFor="des" refForName="Parent4" op="lte"/>
-              <dgm:constr type="primFontSz" for="des" forName="Child1" refType="primFontSz" refFor="des" refForName="Parent5" op="lte"/>
-              <dgm:constr type="primFontSz" for="des" forName="Child2" refType="primFontSz" refFor="des" refForName="Parent5" op="lte"/>
-              <dgm:constr type="primFontSz" for="des" forName="Child3" refType="primFontSz" refFor="des" refForName="Parent5" op="lte"/>
-              <dgm:constr type="primFontSz" for="des" forName="Child4" refType="primFontSz" refFor="des" refForName="Parent5" op="lte"/>
-              <dgm:constr type="primFontSz" for="des" forName="Child5" refType="primFontSz" refFor="des" refForName="Parent5" op="lte"/>
-              <dgm:constr type="primFontSz" for="des" forName="Child6" refType="primFontSz" refFor="des" refForName="Parent5" op="lte"/>
-              <dgm:constr type="primFontSz" for="des" forName="Child7" refType="primFontSz" refFor="des" refForName="Parent5" op="lte"/>
-              <dgm:constr type="primFontSz" for="des" forName="Child8" refType="primFontSz" refFor="des" refForName="Parent5" op="lte"/>
-              <dgm:constr type="primFontSz" for="des" forName="Child1" refType="primFontSz" refFor="des" refForName="Parent6" op="lte"/>
-              <dgm:constr type="primFontSz" for="des" forName="Child2" refType="primFontSz" refFor="des" refForName="Parent6" op="lte"/>
-              <dgm:constr type="primFontSz" for="des" forName="Child3" refType="primFontSz" refFor="des" refForName="Parent6" op="lte"/>
-              <dgm:constr type="primFontSz" for="des" forName="Child4" refType="primFontSz" refFor="des" refForName="Parent6" op="lte"/>
-              <dgm:constr type="primFontSz" for="des" forName="Child5" refType="primFontSz" refFor="des" refForName="Parent6" op="lte"/>
-              <dgm:constr type="primFontSz" for="des" forName="Child6" refType="primFontSz" refFor="des" refForName="Parent6" op="lte"/>
-              <dgm:constr type="primFontSz" for="des" forName="Child7" refType="primFontSz" refFor="des" refForName="Parent6" op="lte"/>
-              <dgm:constr type="primFontSz" for="des" forName="Child8" refType="primFontSz" refFor="des" refForName="Parent6" op="lte"/>
-              <dgm:constr type="primFontSz" for="des" forName="Child1" refType="primFontSz" refFor="des" refForName="Parent7" op="lte"/>
-              <dgm:constr type="primFontSz" for="des" forName="Child2" refType="primFontSz" refFor="des" refForName="Parent7" op="lte"/>
-              <dgm:constr type="primFontSz" for="des" forName="Child3" refType="primFontSz" refFor="des" refForName="Parent7" op="lte"/>
-              <dgm:constr type="primFontSz" for="des" forName="Child4" refType="primFontSz" refFor="des" refForName="Parent7" op="lte"/>
-              <dgm:constr type="primFontSz" for="des" forName="Child5" refType="primFontSz" refFor="des" refForName="Parent7" op="lte"/>
-              <dgm:constr type="primFontSz" for="des" forName="Child6" refType="primFontSz" refFor="des" refForName="Parent7" op="lte"/>
-              <dgm:constr type="primFontSz" for="des" forName="Child7" refType="primFontSz" refFor="des" refForName="Parent7" op="lte"/>
-              <dgm:constr type="primFontSz" for="des" forName="Child8" refType="primFontSz" refFor="des" refForName="Parent7" op="lte"/>
-              <dgm:constr type="primFontSz" for="des" forName="Child1" refType="primFontSz" refFor="des" refForName="Parent8" op="lte"/>
-              <dgm:constr type="primFontSz" for="des" forName="Child2" refType="primFontSz" refFor="des" refForName="Parent8" op="lte"/>
-              <dgm:constr type="primFontSz" for="des" forName="Child3" refType="primFontSz" refFor="des" refForName="Parent8" op="lte"/>
-              <dgm:constr type="primFontSz" for="des" forName="Child4" refType="primFontSz" refFor="des" refForName="Parent8" op="lte"/>
-              <dgm:constr type="primFontSz" for="des" forName="Child5" refType="primFontSz" refFor="des" refForName="Parent8" op="lte"/>
-              <dgm:constr type="primFontSz" for="des" forName="Child6" refType="primFontSz" refFor="des" refForName="Parent8" op="lte"/>
-              <dgm:constr type="primFontSz" for="des" forName="Child7" refType="primFontSz" refFor="des" refForName="Parent8" op="lte"/>
-              <dgm:constr type="primFontSz" for="des" forName="Child8" refType="primFontSz" refFor="des" refForName="Parent8" op="lte"/>
-              <dgm:constr type="primFontSz" for="des" forName="Parent2" refType="primFontSz" refFor="des" refForName="Parent1" op="equ"/>
-              <dgm:constr type="primFontSz" for="des" forName="Parent3" refType="primFontSz" refFor="des" refForName="Parent1" op="equ"/>
-              <dgm:constr type="primFontSz" for="des" forName="Parent4" refType="primFontSz" refFor="des" refForName="Parent1" op="equ"/>
-              <dgm:constr type="primFontSz" for="des" forName="Parent5" refType="primFontSz" refFor="des" refForName="Parent1" op="equ"/>
-              <dgm:constr type="primFontSz" for="des" forName="Parent6" refType="primFontSz" refFor="des" refForName="Parent1" op="equ"/>
-              <dgm:constr type="primFontSz" for="des" forName="Parent7" refType="primFontSz" refFor="des" refForName="Parent1" op="equ"/>
-              <dgm:constr type="primFontSz" for="des" forName="Parent8" refType="primFontSz" refFor="des" refForName="Parent1" op="equ"/>
-              <dgm:constr type="primFontSz" for="des" forName="Child2" refType="primFontSz" refFor="des" refForName="Child1" op="equ"/>
-              <dgm:constr type="primFontSz" for="des" forName="Child3" refType="primFontSz" refFor="des" refForName="Child1" op="equ"/>
-              <dgm:constr type="primFontSz" for="des" forName="Child4" refType="primFontSz" refFor="des" refForName="Child1" op="equ"/>
-              <dgm:constr type="primFontSz" for="des" forName="Child5" refType="primFontSz" refFor="des" refForName="Child1" op="equ"/>
-              <dgm:constr type="primFontSz" for="des" forName="Child6" refType="primFontSz" refFor="des" refForName="Child1" op="equ"/>
-              <dgm:constr type="primFontSz" for="des" forName="Child7" refType="primFontSz" refFor="des" refForName="Child1" op="equ"/>
-              <dgm:constr type="primFontSz" for="des" forName="Child8" refType="primFontSz" refFor="des" refForName="Child1" op="equ"/>
-              <dgm:constr type="l" for="ch" forName="Parent8" refType="w" fact="0.901"/>
-              <dgm:constr type="t" for="ch" forName="Parent8" refType="h" fact="0.2022"/>
-              <dgm:constr type="w" for="ch" forName="Parent8" refType="w" fact="0.0792"/>
-              <dgm:constr type="h" for="ch" forName="Parent8" refType="h" fact="0.3799"/>
-              <dgm:constr type="l" for="ch" forName="Parent7" refType="w" fact="0.7783"/>
-              <dgm:constr type="t" for="ch" forName="Parent7" refType="h" fact="0.2022"/>
-              <dgm:constr type="w" for="ch" forName="Parent7" refType="w" fact="0.0792"/>
-              <dgm:constr type="h" for="ch" forName="Parent7" refType="h" fact="0.3799"/>
-              <dgm:constr type="l" for="ch" forName="Parent6" refType="w" fact="0.6556"/>
-              <dgm:constr type="t" for="ch" forName="Parent6" refType="h" fact="0.2022"/>
-              <dgm:constr type="w" for="ch" forName="Parent6" refType="w" fact="0.0792"/>
-              <dgm:constr type="h" for="ch" forName="Parent6" refType="h" fact="0.3799"/>
-              <dgm:constr type="l" for="ch" forName="Parent5" refType="w" fact="0.5329"/>
-              <dgm:constr type="t" for="ch" forName="Parent5" refType="h" fact="0.2022"/>
-              <dgm:constr type="w" for="ch" forName="Parent5" refType="w" fact="0.0792"/>
-              <dgm:constr type="h" for="ch" forName="Parent5" refType="h" fact="0.3799"/>
-              <dgm:constr type="l" for="ch" forName="Parent4" refType="w" fact="0.4102"/>
-              <dgm:constr type="t" for="ch" forName="Parent4" refType="h" fact="0.2022"/>
-              <dgm:constr type="w" for="ch" forName="Parent4" refType="w" fact="0.0792"/>
-              <dgm:constr type="h" for="ch" forName="Parent4" refType="h" fact="0.3799"/>
-              <dgm:constr type="l" for="ch" forName="Parent3" refType="w" fact="0.2875"/>
-              <dgm:constr type="t" for="ch" forName="Parent3" refType="h" fact="0.2022"/>
-              <dgm:constr type="w" for="ch" forName="Parent3" refType="w" fact="0.0792"/>
-              <dgm:constr type="h" for="ch" forName="Parent3" refType="h" fact="0.3799"/>
-              <dgm:constr type="l" for="ch" forName="Parent2" refType="w" fact="0.1648"/>
-              <dgm:constr type="t" for="ch" forName="Parent2" refType="h" fact="0.2022"/>
-              <dgm:constr type="w" for="ch" forName="Parent2" refType="w" fact="0.0792"/>
-              <dgm:constr type="h" for="ch" forName="Parent2" refType="h" fact="0.3799"/>
-              <dgm:constr type="l" for="ch" forName="Parent1" refType="w" fact="0.0421"/>
-              <dgm:constr type="t" for="ch" forName="Parent1" refType="h" fact="0.2022"/>
-              <dgm:constr type="w" for="ch" forName="Parent1" refType="w" fact="0.0792"/>
-              <dgm:constr type="h" for="ch" forName="Parent1" refType="h" fact="0.3799"/>
-              <dgm:constr type="l" for="ch" forName="Accent8" refType="w" fact="0.8813"/>
-              <dgm:constr type="t" for="ch" forName="Accent8" refType="h" fact="0.1072"/>
-              <dgm:constr type="w" for="ch" forName="Accent8" refType="w" fact="0.1187"/>
-              <dgm:constr type="h" for="ch" forName="Accent8" refType="h" fact="0.5699"/>
-              <dgm:constr type="l" for="ch" forName="ParentBackground8" refType="w" fact="0.8852"/>
-              <dgm:constr type="t" for="ch" forName="ParentBackground8" refType="h" fact="0.1262"/>
-              <dgm:constr type="w" for="ch" forName="ParentBackground8" refType="w" fact="0.1108"/>
-              <dgm:constr type="h" for="ch" forName="ParentBackground8" refType="h" fact="0.5319"/>
-              <dgm:constr type="l" for="ch" forName="Child8" refType="w" fact="0.8852"/>
-              <dgm:constr type="t" for="ch" forName="Child8" refType="h" fact="0.6876"/>
-              <dgm:constr type="w" for="ch" forName="Child8" refType="w" fact="0.1108"/>
-              <dgm:constr type="h" for="ch" forName="Child8" refType="h" fact="0.3124"/>
-              <dgm:constr type="l" for="ch" forName="Accent7" refType="w" fact="0.7339"/>
-              <dgm:constr type="t" for="ch" forName="Accent7" refType="h" fact="-0.0109"/>
-              <dgm:constr type="w" for="ch" forName="Accent7" refType="w" fact="0.1679"/>
-              <dgm:constr type="h" for="ch" forName="Accent7" refType="h" fact="0.806"/>
-              <dgm:constr type="l" for="ch" forName="ParentBackground7" refType="w" fact="0.7625"/>
-              <dgm:constr type="t" for="ch" forName="ParentBackground7" refType="h" fact="0.1262"/>
-              <dgm:constr type="w" for="ch" forName="ParentBackground7" refType="w" fact="0.1108"/>
-              <dgm:constr type="h" for="ch" forName="ParentBackground7" refType="h" fact="0.5319"/>
-              <dgm:constr type="l" for="ch" forName="Child7" refType="w" fact="0.7625"/>
-              <dgm:constr type="t" for="ch" forName="Child7" refType="h" fact="0.6876"/>
-              <dgm:constr type="w" for="ch" forName="Child7" refType="w" fact="0.1108"/>
-              <dgm:constr type="h" for="ch" forName="Child7" refType="h" fact="0.3124"/>
-              <dgm:constr type="l" for="ch" forName="Accent6" refType="w" fact="0.6112"/>
-              <dgm:constr type="t" for="ch" forName="Accent6" refType="h" fact="-0.0109"/>
-              <dgm:constr type="w" for="ch" forName="Accent6" refType="w" fact="0.1679"/>
-              <dgm:constr type="h" for="ch" forName="Accent6" refType="h" fact="0.806"/>
-              <dgm:constr type="l" for="ch" forName="ParentBackground6" refType="w" fact="0.6398"/>
-              <dgm:constr type="t" for="ch" forName="ParentBackground6" refType="h" fact="0.1262"/>
-              <dgm:constr type="w" for="ch" forName="ParentBackground6" refType="w" fact="0.1108"/>
-              <dgm:constr type="h" for="ch" forName="ParentBackground6" refType="h" fact="0.5319"/>
-              <dgm:constr type="l" for="ch" forName="Child6" refType="w" fact="0.6398"/>
-              <dgm:constr type="t" for="ch" forName="Child6" refType="h" fact="0.6876"/>
-              <dgm:constr type="w" for="ch" forName="Child6" refType="w" fact="0.1108"/>
-              <dgm:constr type="h" for="ch" forName="Child6" refType="h" fact="0.3124"/>
-              <dgm:constr type="l" for="ch" forName="Accent5" refType="w" fact="0.4885"/>
-              <dgm:constr type="t" for="ch" forName="Accent5" refType="h" fact="-0.0109"/>
-              <dgm:constr type="w" for="ch" forName="Accent5" refType="w" fact="0.1679"/>
-              <dgm:constr type="h" for="ch" forName="Accent5" refType="h" fact="0.806"/>
-              <dgm:constr type="l" for="ch" forName="ParentBackground5" refType="w" fact="0.5171"/>
-              <dgm:constr type="t" for="ch" forName="ParentBackground5" refType="h" fact="0.1262"/>
-              <dgm:constr type="w" for="ch" forName="ParentBackground5" refType="w" fact="0.1108"/>
-              <dgm:constr type="h" for="ch" forName="ParentBackground5" refType="h" fact="0.5319"/>
-              <dgm:constr type="l" for="ch" forName="Child5" refType="w" fact="0.5171"/>
-              <dgm:constr type="t" for="ch" forName="Child5" refType="h" fact="0.6876"/>
-              <dgm:constr type="w" for="ch" forName="Child5" refType="w" fact="0.1108"/>
-              <dgm:constr type="h" for="ch" forName="Child5" refType="h" fact="0.3124"/>
-              <dgm:constr type="l" for="ch" forName="Accent4" refType="w" fact="0.3658"/>
-              <dgm:constr type="t" for="ch" forName="Accent4" refType="h" fact="-0.0109"/>
-              <dgm:constr type="w" for="ch" forName="Accent4" refType="w" fact="0.1679"/>
-              <dgm:constr type="h" for="ch" forName="Accent4" refType="h" fact="0.806"/>
-              <dgm:constr type="l" for="ch" forName="ParentBackground4" refType="w" fact="0.3944"/>
-              <dgm:constr type="t" for="ch" forName="ParentBackground4" refType="h" fact="0.1262"/>
-              <dgm:constr type="w" for="ch" forName="ParentBackground4" refType="w" fact="0.1108"/>
-              <dgm:constr type="h" for="ch" forName="ParentBackground4" refType="h" fact="0.5319"/>
-              <dgm:constr type="l" for="ch" forName="Child4" refType="w" fact="0.3944"/>
-              <dgm:constr type="t" for="ch" forName="Child4" refType="h" fact="0.6876"/>
-              <dgm:constr type="w" for="ch" forName="Child4" refType="w" fact="0.1108"/>
-              <dgm:constr type="h" for="ch" forName="Child4" refType="h" fact="0.3124"/>
-              <dgm:constr type="l" for="ch" forName="Accent3" refType="w" fact="0.2431"/>
-              <dgm:constr type="t" for="ch" forName="Accent3" refType="h" fact="-0.0109"/>
-              <dgm:constr type="w" for="ch" forName="Accent3" refType="w" fact="0.1679"/>
-              <dgm:constr type="h" for="ch" forName="Accent3" refType="h" fact="0.806"/>
-              <dgm:constr type="l" for="ch" forName="ParentBackground3" refType="w" fact="0.2717"/>
-              <dgm:constr type="t" for="ch" forName="ParentBackground3" refType="h" fact="0.1262"/>
-              <dgm:constr type="w" for="ch" forName="ParentBackground3" refType="w" fact="0.1108"/>
-              <dgm:constr type="h" for="ch" forName="ParentBackground3" refType="h" fact="0.5319"/>
-              <dgm:constr type="l" for="ch" forName="Child3" refType="w" fact="0.2717"/>
-              <dgm:constr type="t" for="ch" forName="Child3" refType="h" fact="0.6876"/>
-              <dgm:constr type="w" for="ch" forName="Child3" refType="w" fact="0.1108"/>
-              <dgm:constr type="h" for="ch" forName="Child3" refType="h" fact="0.3124"/>
-              <dgm:constr type="l" for="ch" forName="Accent2" refType="w" fact="0.1204"/>
-              <dgm:constr type="t" for="ch" forName="Accent2" refType="h" fact="-0.0109"/>
-              <dgm:constr type="w" for="ch" forName="Accent2" refType="w" fact="0.1679"/>
-              <dgm:constr type="h" for="ch" forName="Accent2" refType="h" fact="0.806"/>
-              <dgm:constr type="l" for="ch" forName="ParentBackground2" refType="w" fact="0.149"/>
-              <dgm:constr type="t" for="ch" forName="ParentBackground2" refType="h" fact="0.1262"/>
-              <dgm:constr type="w" for="ch" forName="ParentBackground2" refType="w" fact="0.1108"/>
-              <dgm:constr type="h" for="ch" forName="ParentBackground2" refType="h" fact="0.5319"/>
-              <dgm:constr type="l" for="ch" forName="Child2" refType="w" fact="0.149"/>
-              <dgm:constr type="t" for="ch" forName="Child2" refType="h" fact="0.6876"/>
-              <dgm:constr type="w" for="ch" forName="Child2" refType="w" fact="0.1108"/>
-              <dgm:constr type="h" for="ch" forName="Child2" refType="h" fact="0.3124"/>
-              <dgm:constr type="l" for="ch" forName="Accent1" refType="w" fact="-0.0023"/>
-              <dgm:constr type="t" for="ch" forName="Accent1" refType="h" fact="-0.0109"/>
-              <dgm:constr type="w" for="ch" forName="Accent1" refType="w" fact="0.1679"/>
-              <dgm:constr type="h" for="ch" forName="Accent1" refType="h" fact="0.806"/>
-              <dgm:constr type="l" for="ch" forName="ParentBackground1" refType="w" fact="0.0263"/>
-              <dgm:constr type="t" for="ch" forName="ParentBackground1" refType="h" fact="0.1262"/>
-              <dgm:constr type="w" for="ch" forName="ParentBackground1" refType="w" fact="0.1108"/>
-              <dgm:constr type="h" for="ch" forName="ParentBackground1" refType="h" fact="0.5319"/>
-              <dgm:constr type="l" for="ch" forName="Child1" refType="w" fact="0.0263"/>
-              <dgm:constr type="t" for="ch" forName="Child1" refType="h" fact="0.6876"/>
-              <dgm:constr type="w" for="ch" forName="Child1" refType="w" fact="0.1108"/>
-              <dgm:constr type="h" for="ch" forName="Child1" refType="h" fact="0.3124"/>
-            </dgm:constrLst>
-          </dgm:if>
-          <dgm:if name="Name12" axis="ch" ptType="node" func="cnt" op="equ" val="9">
-            <dgm:alg type="composite">
-              <dgm:param type="ar" val="5.388"/>
-            </dgm:alg>
-            <dgm:constrLst>
-              <dgm:constr type="primFontSz" for="des" forName="Child1" val="65"/>
-              <dgm:constr type="primFontSz" for="des" forName="Parent1" val="65"/>
-              <dgm:constr type="primFontSz" for="des" forName="Child1" refType="primFontSz" refFor="des" refForName="Parent1" op="lte"/>
-              <dgm:constr type="primFontSz" for="des" forName="Child2" refType="primFontSz" refFor="des" refForName="Parent1" op="lte"/>
-              <dgm:constr type="primFontSz" for="des" forName="Child3" refType="primFontSz" refFor="des" refForName="Parent1" op="lte"/>
-              <dgm:constr type="primFontSz" for="des" forName="Child4" refType="primFontSz" refFor="des" refForName="Parent1" op="lte"/>
-              <dgm:constr type="primFontSz" for="des" forName="Child5" refType="primFontSz" refFor="des" refForName="Parent1" op="lte"/>
-              <dgm:constr type="primFontSz" for="des" forName="Child6" refType="primFontSz" refFor="des" refForName="Parent1" op="lte"/>
-              <dgm:constr type="primFontSz" for="des" forName="Child7" refType="primFontSz" refFor="des" refForName="Parent1" op="lte"/>
-              <dgm:constr type="primFontSz" for="des" forName="Child8" refType="primFontSz" refFor="des" refForName="Parent1" op="lte"/>
-              <dgm:constr type="primFontSz" for="des" forName="Child9" refType="primFontSz" refFor="des" refForName="Parent1" op="lte"/>
-              <dgm:constr type="primFontSz" for="des" forName="Child1" refType="primFontSz" refFor="des" refForName="Parent2" op="lte"/>
-              <dgm:constr type="primFontSz" for="des" forName="Child2" refType="primFontSz" refFor="des" refForName="Parent2" op="lte"/>
-              <dgm:constr type="primFontSz" for="des" forName="Child3" refType="primFontSz" refFor="des" refForName="Parent2" op="lte"/>
-              <dgm:constr type="primFontSz" for="des" forName="Child4" refType="primFontSz" refFor="des" refForName="Parent2" op="lte"/>
-              <dgm:constr type="primFontSz" for="des" forName="Child5" refType="primFontSz" refFor="des" refForName="Parent2" op="lte"/>
-              <dgm:constr type="primFontSz" for="des" forName="Child6" refType="primFontSz" refFor="des" refForName="Parent2" op="lte"/>
-              <dgm:constr type="primFontSz" for="des" forName="Child7" refType="primFontSz" refFor="des" refForName="Parent2" op="lte"/>
-              <dgm:constr type="primFontSz" for="des" forName="Child8" refType="primFontSz" refFor="des" refForName="Parent2" op="lte"/>
-              <dgm:constr type="primFontSz" for="des" forName="Child9" refType="primFontSz" refFor="des" refForName="Parent2" op="lte"/>
-              <dgm:constr type="primFontSz" for="des" forName="Child1" refType="primFontSz" refFor="des" refForName="Parent3" op="lte"/>
-              <dgm:constr type="primFontSz" for="des" forName="Child2" refType="primFontSz" refFor="des" refForName="Parent3" op="lte"/>
-              <dgm:constr type="primFontSz" for="des" forName="Child3" refType="primFontSz" refFor="des" refForName="Parent3" op="lte"/>
-              <dgm:constr type="primFontSz" for="des" forName="Child4" refType="primFontSz" refFor="des" refForName="Parent3" op="lte"/>
-              <dgm:constr type="primFontSz" for="des" forName="Child5" refType="primFontSz" refFor="des" refForName="Parent3" op="lte"/>
-              <dgm:constr type="primFontSz" for="des" forName="Child6" refType="primFontSz" refFor="des" refForName="Parent3" op="lte"/>
-              <dgm:constr type="primFontSz" for="des" forName="Child7" refType="primFontSz" refFor="des" refForName="Parent3" op="lte"/>
-              <dgm:constr type="primFontSz" for="des" forName="Child8" refType="primFontSz" refFor="des" refForName="Parent3" op="lte"/>
-              <dgm:constr type="primFontSz" for="des" forName="Child9" refType="primFontSz" refFor="des" refForName="Parent3" op="lte"/>
-              <dgm:constr type="primFontSz" for="des" forName="Child1" refType="primFontSz" refFor="des" refForName="Parent4" op="lte"/>
-              <dgm:constr type="primFontSz" for="des" forName="Child2" refType="primFontSz" refFor="des" refForName="Parent4" op="lte"/>
-              <dgm:constr type="primFontSz" for="des" forName="Child3" refType="primFontSz" refFor="des" refForName="Parent4" op="lte"/>
-              <dgm:constr type="primFontSz" for="des" forName="Child4" refType="primFontSz" refFor="des" refForName="Parent4" op="lte"/>
-              <dgm:constr type="primFontSz" for="des" forName="Child5" refType="primFontSz" refFor="des" refForName="Parent4" op="lte"/>
-              <dgm:constr type="primFontSz" for="des" forName="Child6" refType="primFontSz" refFor="des" refForName="Parent4" op="lte"/>
-              <dgm:constr type="primFontSz" for="des" forName="Child7" refType="primFontSz" refFor="des" refForName="Parent4" op="lte"/>
-              <dgm:constr type="primFontSz" for="des" forName="Child8" refType="primFontSz" refFor="des" refForName="Parent4" op="lte"/>
-              <dgm:constr type="primFontSz" for="des" forName="Child9" refType="primFontSz" refFor="des" refForName="Parent4" op="lte"/>
-              <dgm:constr type="primFontSz" for="des" forName="Child1" refType="primFontSz" refFor="des" refForName="Parent5" op="lte"/>
-              <dgm:constr type="primFontSz" for="des" forName="Child2" refType="primFontSz" refFor="des" refForName="Parent5" op="lte"/>
-              <dgm:constr type="primFontSz" for="des" forName="Child3" refType="primFontSz" refFor="des" refForName="Parent5" op="lte"/>
-              <dgm:constr type="primFontSz" for="des" forName="Child4" refType="primFontSz" refFor="des" refForName="Parent5" op="lte"/>
-              <dgm:constr type="primFontSz" for="des" forName="Child5" refType="primFontSz" refFor="des" refForName="Parent5" op="lte"/>
-              <dgm:constr type="primFontSz" for="des" forName="Child6" refType="primFontSz" refFor="des" refForName="Parent5" op="lte"/>
-              <dgm:constr type="primFontSz" for="des" forName="Child7" refType="primFontSz" refFor="des" refForName="Parent5" op="lte"/>
-              <dgm:constr type="primFontSz" for="des" forName="Child8" refType="primFontSz" refFor="des" refForName="Parent5" op="lte"/>
-              <dgm:constr type="primFontSz" for="des" forName="Child9" refType="primFontSz" refFor="des" refForName="Parent5" op="lte"/>
-              <dgm:constr type="primFontSz" for="des" forName="Child1" refType="primFontSz" refFor="des" refForName="Parent6" op="lte"/>
-              <dgm:constr type="primFontSz" for="des" forName="Child2" refType="primFontSz" refFor="des" refForName="Parent6" op="lte"/>
-              <dgm:constr type="primFontSz" for="des" forName="Child3" refType="primFontSz" refFor="des" refForName="Parent6" op="lte"/>
-              <dgm:constr type="primFontSz" for="des" forName="Child4" refType="primFontSz" refFor="des" refForName="Parent6" op="lte"/>
-              <dgm:constr type="primFontSz" for="des" forName="Child5" refType="primFontSz" refFor="des" refForName="Parent6" op="lte"/>
-              <dgm:constr type="primFontSz" for="des" forName="Child6" refType="primFontSz" refFor="des" refForName="Parent6" op="lte"/>
-              <dgm:constr type="primFontSz" for="des" forName="Child7" refType="primFontSz" refFor="des" refForName="Parent6" op="lte"/>
-              <dgm:constr type="primFontSz" for="des" forName="Child8" refType="primFontSz" refFor="des" refForName="Parent6" op="lte"/>
-              <dgm:constr type="primFontSz" for="des" forName="Child9" refType="primFontSz" refFor="des" refForName="Parent6" op="lte"/>
-              <dgm:constr type="primFontSz" for="des" forName="Child1" refType="primFontSz" refFor="des" refForName="Parent7" op="lte"/>
-              <dgm:constr type="primFontSz" for="des" forName="Child2" refType="primFontSz" refFor="des" refForName="Parent7" op="lte"/>
-              <dgm:constr type="primFontSz" for="des" forName="Child3" refType="primFontSz" refFor="des" refForName="Parent7" op="lte"/>
-              <dgm:constr type="primFontSz" for="des" forName="Child4" refType="primFontSz" refFor="des" refForName="Parent7" op="lte"/>
-              <dgm:constr type="primFontSz" for="des" forName="Child5" refType="primFontSz" refFor="des" refForName="Parent7" op="lte"/>
-              <dgm:constr type="primFontSz" for="des" forName="Child6" refType="primFontSz" refFor="des" refForName="Parent7" op="lte"/>
-              <dgm:constr type="primFontSz" for="des" forName="Child7" refType="primFontSz" refFor="des" refForName="Parent7" op="lte"/>
-              <dgm:constr type="primFontSz" for="des" forName="Child8" refType="primFontSz" refFor="des" refForName="Parent7" op="lte"/>
-              <dgm:constr type="primFontSz" for="des" forName="Child9" refType="primFontSz" refFor="des" refForName="Parent7" op="lte"/>
-              <dgm:constr type="primFontSz" for="des" forName="Child1" refType="primFontSz" refFor="des" refForName="Parent8" op="lte"/>
-              <dgm:constr type="primFontSz" for="des" forName="Child2" refType="primFontSz" refFor="des" refForName="Parent8" op="lte"/>
-              <dgm:constr type="primFontSz" for="des" forName="Child3" refType="primFontSz" refFor="des" refForName="Parent8" op="lte"/>
-              <dgm:constr type="primFontSz" for="des" forName="Child4" refType="primFontSz" refFor="des" refForName="Parent8" op="lte"/>
-              <dgm:constr type="primFontSz" for="des" forName="Child5" refType="primFontSz" refFor="des" refForName="Parent8" op="lte"/>
-              <dgm:constr type="primFontSz" for="des" forName="Child6" refType="primFontSz" refFor="des" refForName="Parent8" op="lte"/>
-              <dgm:constr type="primFontSz" for="des" forName="Child7" refType="primFontSz" refFor="des" refForName="Parent8" op="lte"/>
-              <dgm:constr type="primFontSz" for="des" forName="Child8" refType="primFontSz" refFor="des" refForName="Parent8" op="lte"/>
-              <dgm:constr type="primFontSz" for="des" forName="Child9" refType="primFontSz" refFor="des" refForName="Parent8" op="lte"/>
-              <dgm:constr type="primFontSz" for="des" forName="Child1" refType="primFontSz" refFor="des" refForName="Parent9" op="lte"/>
-              <dgm:constr type="primFontSz" for="des" forName="Child2" refType="primFontSz" refFor="des" refForName="Parent9" op="lte"/>
-              <dgm:constr type="primFontSz" for="des" forName="Child3" refType="primFontSz" refFor="des" refForName="Parent9" op="lte"/>
-              <dgm:constr type="primFontSz" for="des" forName="Child4" refType="primFontSz" refFor="des" refForName="Parent9" op="lte"/>
-              <dgm:constr type="primFontSz" for="des" forName="Child5" refType="primFontSz" refFor="des" refForName="Parent9" op="lte"/>
-              <dgm:constr type="primFontSz" for="des" forName="Child6" refType="primFontSz" refFor="des" refForName="Parent9" op="lte"/>
-              <dgm:constr type="primFontSz" for="des" forName="Child7" refType="primFontSz" refFor="des" refForName="Parent9" op="lte"/>
-              <dgm:constr type="primFontSz" for="des" forName="Child8" refType="primFontSz" refFor="des" refForName="Parent9" op="lte"/>
-              <dgm:constr type="primFontSz" for="des" forName="Child9" refType="primFontSz" refFor="des" refForName="Parent9" op="lte"/>
-              <dgm:constr type="primFontSz" for="des" forName="Parent2" refType="primFontSz" refFor="des" refForName="Parent1" op="equ"/>
-              <dgm:constr type="primFontSz" for="des" forName="Parent3" refType="primFontSz" refFor="des" refForName="Parent1" op="equ"/>
-              <dgm:constr type="primFontSz" for="des" forName="Parent4" refType="primFontSz" refFor="des" refForName="Parent1" op="equ"/>
-              <dgm:constr type="primFontSz" for="des" forName="Parent5" refType="primFontSz" refFor="des" refForName="Parent1" op="equ"/>
-              <dgm:constr type="primFontSz" for="des" forName="Parent6" refType="primFontSz" refFor="des" refForName="Parent1" op="equ"/>
-              <dgm:constr type="primFontSz" for="des" forName="Parent7" refType="primFontSz" refFor="des" refForName="Parent1" op="equ"/>
-              <dgm:constr type="primFontSz" for="des" forName="Parent8" refType="primFontSz" refFor="des" refForName="Parent1" op="equ"/>
-              <dgm:constr type="primFontSz" for="des" forName="Parent9" refType="primFontSz" refFor="des" refForName="Parent1" op="equ"/>
-              <dgm:constr type="primFontSz" for="des" forName="Child2" refType="primFontSz" refFor="des" refForName="Child1" op="equ"/>
-              <dgm:constr type="primFontSz" for="des" forName="Child3" refType="primFontSz" refFor="des" refForName="Child1" op="equ"/>
-              <dgm:constr type="primFontSz" for="des" forName="Child4" refType="primFontSz" refFor="des" refForName="Child1" op="equ"/>
-              <dgm:constr type="primFontSz" for="des" forName="Child5" refType="primFontSz" refFor="des" refForName="Child1" op="equ"/>
-              <dgm:constr type="primFontSz" for="des" forName="Child6" refType="primFontSz" refFor="des" refForName="Child1" op="equ"/>
-              <dgm:constr type="primFontSz" for="des" forName="Child7" refType="primFontSz" refFor="des" refForName="Child1" op="equ"/>
-              <dgm:constr type="primFontSz" for="des" forName="Child8" refType="primFontSz" refFor="des" refForName="Child1" op="equ"/>
-              <dgm:constr type="primFontSz" for="des" forName="Child9" refType="primFontSz" refFor="des" refForName="Child1" op="equ"/>
-              <dgm:constr type="l" for="ch" forName="Parent9" refType="w" fact="0.9119"/>
-              <dgm:constr type="t" for="ch" forName="Parent9" refType="h" fact="0.2022"/>
-              <dgm:constr type="w" for="ch" forName="Parent9" refType="w" fact="0.0705"/>
-              <dgm:constr type="h" for="ch" forName="Parent9" refType="h" fact="0.3799"/>
-              <dgm:constr type="l" for="ch" forName="Parent8" refType="w" fact="0.8026"/>
-              <dgm:constr type="t" for="ch" forName="Parent8" refType="h" fact="0.2022"/>
-              <dgm:constr type="w" for="ch" forName="Parent8" refType="w" fact="0.0705"/>
-              <dgm:constr type="h" for="ch" forName="Parent8" refType="h" fact="0.3799"/>
-              <dgm:constr type="l" for="ch" forName="Parent7" refType="w" fact="0.6933"/>
-              <dgm:constr type="t" for="ch" forName="Parent7" refType="h" fact="0.2022"/>
-              <dgm:constr type="w" for="ch" forName="Parent7" refType="w" fact="0.0705"/>
-              <dgm:constr type="h" for="ch" forName="Parent7" refType="h" fact="0.3799"/>
-              <dgm:constr type="l" for="ch" forName="Parent6" refType="w" fact="0.584"/>
-              <dgm:constr type="t" for="ch" forName="Parent6" refType="h" fact="0.2022"/>
-              <dgm:constr type="w" for="ch" forName="Parent6" refType="w" fact="0.0705"/>
-              <dgm:constr type="h" for="ch" forName="Parent6" refType="h" fact="0.3799"/>
-              <dgm:constr type="l" for="ch" forName="Parent5" refType="w" fact="0.4747"/>
-              <dgm:constr type="t" for="ch" forName="Parent5" refType="h" fact="0.2022"/>
-              <dgm:constr type="w" for="ch" forName="Parent5" refType="w" fact="0.0705"/>
-              <dgm:constr type="h" for="ch" forName="Parent5" refType="h" fact="0.3799"/>
-              <dgm:constr type="l" for="ch" forName="Parent4" refType="w" fact="0.3654"/>
-              <dgm:constr type="t" for="ch" forName="Parent4" refType="h" fact="0.2022"/>
-              <dgm:constr type="w" for="ch" forName="Parent4" refType="w" fact="0.0705"/>
-              <dgm:constr type="h" for="ch" forName="Parent4" refType="h" fact="0.3799"/>
-              <dgm:constr type="l" for="ch" forName="Parent3" refType="w" fact="0.2561"/>
-              <dgm:constr type="t" for="ch" forName="Parent3" refType="h" fact="0.2022"/>
-              <dgm:constr type="w" for="ch" forName="Parent3" refType="w" fact="0.0705"/>
-              <dgm:constr type="h" for="ch" forName="Parent3" refType="h" fact="0.3799"/>
-              <dgm:constr type="l" for="ch" forName="Parent2" refType="w" fact="0.1468"/>
-              <dgm:constr type="t" for="ch" forName="Parent2" refType="h" fact="0.2022"/>
-              <dgm:constr type="w" for="ch" forName="Parent2" refType="w" fact="0.0705"/>
-              <dgm:constr type="h" for="ch" forName="Parent2" refType="h" fact="0.3799"/>
-              <dgm:constr type="l" for="ch" forName="Parent1" refType="w" fact="0.0375"/>
-              <dgm:constr type="t" for="ch" forName="Parent1" refType="h" fact="0.2022"/>
-              <dgm:constr type="w" for="ch" forName="Parent1" refType="w" fact="0.0705"/>
-              <dgm:constr type="h" for="ch" forName="Parent1" refType="h" fact="0.3799"/>
-              <dgm:constr type="l" for="ch" forName="Accent9" refType="w" fact="0.8942"/>
-              <dgm:constr type="t" for="ch" forName="Accent9" refType="h" fact="0.1072"/>
-              <dgm:constr type="w" for="ch" forName="Accent9" refType="w" fact="0.1058"/>
-              <dgm:constr type="h" for="ch" forName="Accent9" refType="h" fact="0.5699"/>
-              <dgm:constr type="l" for="ch" forName="ParentBackground9" refType="w" fact="0.8978"/>
-              <dgm:constr type="t" for="ch" forName="ParentBackground9" refType="h" fact="0.1262"/>
-              <dgm:constr type="w" for="ch" forName="ParentBackground9" refType="w" fact="0.0987"/>
-              <dgm:constr type="h" for="ch" forName="ParentBackground9" refType="h" fact="0.5319"/>
-              <dgm:constr type="l" for="ch" forName="Child9" refType="w" fact="0.8978"/>
-              <dgm:constr type="t" for="ch" forName="Child9" refType="h" fact="0.6876"/>
-              <dgm:constr type="w" for="ch" forName="Child9" refType="w" fact="0.0987"/>
-              <dgm:constr type="h" for="ch" forName="Child9" refType="h" fact="0.3124"/>
-              <dgm:constr type="l" for="ch" forName="Accent8" refType="w" fact="0.763"/>
-              <dgm:constr type="t" for="ch" forName="Accent8" refType="h" fact="-0.0109"/>
-              <dgm:constr type="w" for="ch" forName="Accent8" refType="w" fact="0.1496"/>
-              <dgm:constr type="h" for="ch" forName="Accent8" refType="h" fact="0.806"/>
-              <dgm:constr type="l" for="ch" forName="ParentBackground8" refType="w" fact="0.7885"/>
-              <dgm:constr type="t" for="ch" forName="ParentBackground8" refType="h" fact="0.1262"/>
-              <dgm:constr type="w" for="ch" forName="ParentBackground8" refType="w" fact="0.0987"/>
-              <dgm:constr type="h" for="ch" forName="ParentBackground8" refType="h" fact="0.5319"/>
-              <dgm:constr type="l" for="ch" forName="Child8" refType="w" fact="0.7885"/>
-              <dgm:constr type="t" for="ch" forName="Child8" refType="h" fact="0.6876"/>
-              <dgm:constr type="w" for="ch" forName="Child8" refType="w" fact="0.0987"/>
-              <dgm:constr type="h" for="ch" forName="Child8" refType="h" fact="0.3124"/>
-              <dgm:constr type="l" for="ch" forName="Accent7" refType="w" fact="0.6538"/>
-              <dgm:constr type="t" for="ch" forName="Accent7" refType="h" fact="-0.0109"/>
-              <dgm:constr type="w" for="ch" forName="Accent7" refType="w" fact="0.1496"/>
-              <dgm:constr type="h" for="ch" forName="Accent7" refType="h" fact="0.806"/>
-              <dgm:constr type="l" for="ch" forName="ParentBackground7" refType="w" fact="0.6792"/>
-              <dgm:constr type="t" for="ch" forName="ParentBackground7" refType="h" fact="0.1262"/>
-              <dgm:constr type="w" for="ch" forName="ParentBackground7" refType="w" fact="0.0987"/>
-              <dgm:constr type="h" for="ch" forName="ParentBackground7" refType="h" fact="0.5319"/>
-              <dgm:constr type="l" for="ch" forName="Child7" refType="w" fact="0.6792"/>
-              <dgm:constr type="t" for="ch" forName="Child7" refType="h" fact="0.6876"/>
-              <dgm:constr type="w" for="ch" forName="Child7" refType="w" fact="0.0987"/>
-              <dgm:constr type="h" for="ch" forName="Child7" refType="h" fact="0.3124"/>
-              <dgm:constr type="l" for="ch" forName="Accent6" refType="w" fact="0.5445"/>
-              <dgm:constr type="t" for="ch" forName="Accent6" refType="h" fact="-0.0109"/>
-              <dgm:constr type="w" for="ch" forName="Accent6" refType="w" fact="0.1496"/>
-              <dgm:constr type="h" for="ch" forName="Accent6" refType="h" fact="0.806"/>
-              <dgm:constr type="l" for="ch" forName="ParentBackground6" refType="w" fact="0.5699"/>
-              <dgm:constr type="t" for="ch" forName="ParentBackground6" refType="h" fact="0.1262"/>
-              <dgm:constr type="w" for="ch" forName="ParentBackground6" refType="w" fact="0.0987"/>
-              <dgm:constr type="h" for="ch" forName="ParentBackground6" refType="h" fact="0.5319"/>
-              <dgm:constr type="l" for="ch" forName="Child6" refType="w" fact="0.5699"/>
-              <dgm:constr type="t" for="ch" forName="Child6" refType="h" fact="0.6876"/>
-              <dgm:constr type="w" for="ch" forName="Child6" refType="w" fact="0.0987"/>
-              <dgm:constr type="h" for="ch" forName="Child6" refType="h" fact="0.3124"/>
-              <dgm:constr type="l" for="ch" forName="Accent5" refType="w" fact="0.4352"/>
-              <dgm:constr type="t" for="ch" forName="Accent5" refType="h" fact="-0.0109"/>
-              <dgm:constr type="w" for="ch" forName="Accent5" refType="w" fact="0.1496"/>
-              <dgm:constr type="h" for="ch" forName="Accent5" refType="h" fact="0.806"/>
-              <dgm:constr type="l" for="ch" forName="ParentBackground5" refType="w" fact="0.4606"/>
-              <dgm:constr type="t" for="ch" forName="ParentBackground5" refType="h" fact="0.1262"/>
-              <dgm:constr type="w" for="ch" forName="ParentBackground5" refType="w" fact="0.0987"/>
-              <dgm:constr type="h" for="ch" forName="ParentBackground5" refType="h" fact="0.5319"/>
-              <dgm:constr type="l" for="ch" forName="Child5" refType="w" fact="0.4606"/>
-              <dgm:constr type="t" for="ch" forName="Child5" refType="h" fact="0.6876"/>
-              <dgm:constr type="w" for="ch" forName="Child5" refType="w" fact="0.0987"/>
-              <dgm:constr type="h" for="ch" forName="Child5" refType="h" fact="0.3124"/>
-              <dgm:constr type="l" for="ch" forName="Accent4" refType="w" fact="0.3259"/>
-              <dgm:constr type="t" for="ch" forName="Accent4" refType="h" fact="-0.0109"/>
-              <dgm:constr type="w" for="ch" forName="Accent4" refType="w" fact="0.1496"/>
-              <dgm:constr type="h" for="ch" forName="Accent4" refType="h" fact="0.806"/>
-              <dgm:constr type="l" for="ch" forName="ParentBackground4" refType="w" fact="0.3513"/>
-              <dgm:constr type="t" for="ch" forName="ParentBackground4" refType="h" fact="0.1262"/>
-              <dgm:constr type="w" for="ch" forName="ParentBackground4" refType="w" fact="0.0987"/>
-              <dgm:constr type="h" for="ch" forName="ParentBackground4" refType="h" fact="0.5319"/>
-              <dgm:constr type="l" for="ch" forName="Child4" refType="w" fact="0.3513"/>
-              <dgm:constr type="t" for="ch" forName="Child4" refType="h" fact="0.6876"/>
-              <dgm:constr type="w" for="ch" forName="Child4" refType="w" fact="0.0987"/>
-              <dgm:constr type="h" for="ch" forName="Child4" refType="h" fact="0.3124"/>
-              <dgm:constr type="l" for="ch" forName="Accent3" refType="w" fact="0.2166"/>
-              <dgm:constr type="t" for="ch" forName="Accent3" refType="h" fact="-0.0109"/>
-              <dgm:constr type="w" for="ch" forName="Accent3" refType="w" fact="0.1496"/>
-              <dgm:constr type="h" for="ch" forName="Accent3" refType="h" fact="0.806"/>
-              <dgm:constr type="l" for="ch" forName="ParentBackground3" refType="w" fact="0.242"/>
-              <dgm:constr type="t" for="ch" forName="ParentBackground3" refType="h" fact="0.1262"/>
-              <dgm:constr type="w" for="ch" forName="ParentBackground3" refType="w" fact="0.0987"/>
-              <dgm:constr type="h" for="ch" forName="ParentBackground3" refType="h" fact="0.5319"/>
-              <dgm:constr type="l" for="ch" forName="Child3" refType="w" fact="0.242"/>
-              <dgm:constr type="t" for="ch" forName="Child3" refType="h" fact="0.6876"/>
-              <dgm:constr type="w" for="ch" forName="Child3" refType="w" fact="0.0987"/>
-              <dgm:constr type="h" for="ch" forName="Child3" refType="h" fact="0.3124"/>
-              <dgm:constr type="l" for="ch" forName="Accent2" refType="w" fact="0.1073"/>
-              <dgm:constr type="t" for="ch" forName="Accent2" refType="h" fact="-0.0109"/>
-              <dgm:constr type="w" for="ch" forName="Accent2" refType="w" fact="0.1496"/>
-              <dgm:constr type="h" for="ch" forName="Accent2" refType="h" fact="0.806"/>
-              <dgm:constr type="l" for="ch" forName="ParentBackground2" refType="w" fact="0.1327"/>
-              <dgm:constr type="t" for="ch" forName="ParentBackground2" refType="h" fact="0.1262"/>
-              <dgm:constr type="w" for="ch" forName="ParentBackground2" refType="w" fact="0.0987"/>
-              <dgm:constr type="h" for="ch" forName="ParentBackground2" refType="h" fact="0.5319"/>
-              <dgm:constr type="l" for="ch" forName="Child2" refType="w" fact="0.1327"/>
-              <dgm:constr type="t" for="ch" forName="Child2" refType="h" fact="0.6876"/>
-              <dgm:constr type="w" for="ch" forName="Child2" refType="w" fact="0.0987"/>
-              <dgm:constr type="h" for="ch" forName="Child2" refType="h" fact="0.3124"/>
-              <dgm:constr type="l" for="ch" forName="Accent1" refType="w" fact="-0.002"/>
-              <dgm:constr type="t" for="ch" forName="Accent1" refType="h" fact="-0.0109"/>
-              <dgm:constr type="w" for="ch" forName="Accent1" refType="w" fact="0.1496"/>
-              <dgm:constr type="h" for="ch" forName="Accent1" refType="h" fact="0.806"/>
-              <dgm:constr type="l" for="ch" forName="ParentBackground1" refType="w" fact="0.0234"/>
-              <dgm:constr type="t" for="ch" forName="ParentBackground1" refType="h" fact="0.1262"/>
-              <dgm:constr type="w" for="ch" forName="ParentBackground1" refType="w" fact="0.0987"/>
-              <dgm:constr type="h" for="ch" forName="ParentBackground1" refType="h" fact="0.5319"/>
-              <dgm:constr type="l" for="ch" forName="Child1" refType="w" fact="0.0234"/>
-              <dgm:constr type="t" for="ch" forName="Child1" refType="h" fact="0.6876"/>
-              <dgm:constr type="w" for="ch" forName="Child1" refType="w" fact="0.0987"/>
-              <dgm:constr type="h" for="ch" forName="Child1" refType="h" fact="0.3124"/>
-            </dgm:constrLst>
-          </dgm:if>
-          <dgm:if name="Name13" axis="ch" ptType="node" func="cnt" op="equ" val="10">
-            <dgm:alg type="composite">
-              <dgm:param type="ar" val="5.9769"/>
-            </dgm:alg>
-            <dgm:constrLst>
-              <dgm:constr type="primFontSz" for="des" forName="Child1" val="65"/>
-              <dgm:constr type="primFontSz" for="des" forName="Parent1" val="65"/>
-              <dgm:constr type="primFontSz" for="des" forName="Child1" refType="primFontSz" refFor="des" refForName="Parent1" op="lte"/>
-              <dgm:constr type="primFontSz" for="des" forName="Child2" refType="primFontSz" refFor="des" refForName="Parent1" op="lte"/>
-              <dgm:constr type="primFontSz" for="des" forName="Child3" refType="primFontSz" refFor="des" refForName="Parent1" op="lte"/>
-              <dgm:constr type="primFontSz" for="des" forName="Child4" refType="primFontSz" refFor="des" refForName="Parent1" op="lte"/>
-              <dgm:constr type="primFontSz" for="des" forName="Child5" refType="primFontSz" refFor="des" refForName="Parent1" op="lte"/>
-              <dgm:constr type="primFontSz" for="des" forName="Child6" refType="primFontSz" refFor="des" refForName="Parent1" op="lte"/>
-              <dgm:constr type="primFontSz" for="des" forName="Child7" refType="primFontSz" refFor="des" refForName="Parent1" op="lte"/>
-              <dgm:constr type="primFontSz" for="des" forName="Child8" refType="primFontSz" refFor="des" refForName="Parent1" op="lte"/>
-              <dgm:constr type="primFontSz" for="des" forName="Child9" refType="primFontSz" refFor="des" refForName="Parent1" op="lte"/>
-              <dgm:constr type="primFontSz" for="des" forName="Child10" refType="primFontSz" refFor="des" refForName="Parent1" op="lte"/>
-              <dgm:constr type="primFontSz" for="des" forName="Child1" refType="primFontSz" refFor="des" refForName="Parent2" op="lte"/>
-              <dgm:constr type="primFontSz" for="des" forName="Child2" refType="primFontSz" refFor="des" refForName="Parent2" op="lte"/>
-              <dgm:constr type="primFontSz" for="des" forName="Child3" refType="primFontSz" refFor="des" refForName="Parent2" op="lte"/>
-              <dgm:constr type="primFontSz" for="des" forName="Child4" refType="primFontSz" refFor="des" refForName="Parent2" op="lte"/>
-              <dgm:constr type="primFontSz" for="des" forName="Child5" refType="primFontSz" refFor="des" refForName="Parent2" op="lte"/>
-              <dgm:constr type="primFontSz" for="des" forName="Child6" refType="primFontSz" refFor="des" refForName="Parent2" op="lte"/>
-              <dgm:constr type="primFontSz" for="des" forName="Child7" refType="primFontSz" refFor="des" refForName="Parent2" op="lte"/>
-              <dgm:constr type="primFontSz" for="des" forName="Child8" refType="primFontSz" refFor="des" refForName="Parent2" op="lte"/>
-              <dgm:constr type="primFontSz" for="des" forName="Child9" refType="primFontSz" refFor="des" refForName="Parent2" op="lte"/>
-              <dgm:constr type="primFontSz" for="des" forName="Child10" refType="primFontSz" refFor="des" refForName="Parent2" op="lte"/>
-              <dgm:constr type="primFontSz" for="des" forName="Child1" refType="primFontSz" refFor="des" refForName="Parent3" op="lte"/>
-              <dgm:constr type="primFontSz" for="des" forName="Child2" refType="primFontSz" refFor="des" refForName="Parent3" op="lte"/>
-              <dgm:constr type="primFontSz" for="des" forName="Child3" refType="primFontSz" refFor="des" refForName="Parent3" op="lte"/>
-              <dgm:constr type="primFontSz" for="des" forName="Child4" refType="primFontSz" refFor="des" refForName="Parent3" op="lte"/>
-              <dgm:constr type="primFontSz" for="des" forName="Child5" refType="primFontSz" refFor="des" refForName="Parent3" op="lte"/>
-              <dgm:constr type="primFontSz" for="des" forName="Child6" refType="primFontSz" refFor="des" refForName="Parent3" op="lte"/>
-              <dgm:constr type="primFontSz" for="des" forName="Child7" refType="primFontSz" refFor="des" refForName="Parent3" op="lte"/>
-              <dgm:constr type="primFontSz" for="des" forName="Child8" refType="primFontSz" refFor="des" refForName="Parent3" op="lte"/>
-              <dgm:constr type="primFontSz" for="des" forName="Child9" refType="primFontSz" refFor="des" refForName="Parent3" op="lte"/>
-              <dgm:constr type="primFontSz" for="des" forName="Child10" refType="primFontSz" refFor="des" refForName="Parent3" op="lte"/>
-              <dgm:constr type="primFontSz" for="des" forName="Child1" refType="primFontSz" refFor="des" refForName="Parent4" op="lte"/>
-              <dgm:constr type="primFontSz" for="des" forName="Child2" refType="primFontSz" refFor="des" refForName="Parent4" op="lte"/>
-              <dgm:constr type="primFontSz" for="des" forName="Child3" refType="primFontSz" refFor="des" refForName="Parent4" op="lte"/>
-              <dgm:constr type="primFontSz" for="des" forName="Child4" refType="primFontSz" refFor="des" refForName="Parent4" op="lte"/>
-              <dgm:constr type="primFontSz" for="des" forName="Child5" refType="primFontSz" refFor="des" refForName="Parent4" op="lte"/>
-              <dgm:constr type="primFontSz" for="des" forName="Child6" refType="primFontSz" refFor="des" refForName="Parent4" op="lte"/>
-              <dgm:constr type="primFontSz" for="des" forName="Child7" refType="primFontSz" refFor="des" refForName="Parent4" op="lte"/>
-              <dgm:constr type="primFontSz" for="des" forName="Child8" refType="primFontSz" refFor="des" refForName="Parent4" op="lte"/>
-              <dgm:constr type="primFontSz" for="des" forName="Child9" refType="primFontSz" refFor="des" refForName="Parent4" op="lte"/>
-              <dgm:constr type="primFontSz" for="des" forName="Child10" refType="primFontSz" refFor="des" refForName="Parent4" op="lte"/>
-              <dgm:constr type="primFontSz" for="des" forName="Child1" refType="primFontSz" refFor="des" refForName="Parent5" op="lte"/>
-              <dgm:constr type="primFontSz" for="des" forName="Child2" refType="primFontSz" refFor="des" refForName="Parent5" op="lte"/>
-              <dgm:constr type="primFontSz" for="des" forName="Child3" refType="primFontSz" refFor="des" refForName="Parent5" op="lte"/>
-              <dgm:constr type="primFontSz" for="des" forName="Child4" refType="primFontSz" refFor="des" refForName="Parent5" op="lte"/>
-              <dgm:constr type="primFontSz" for="des" forName="Child5" refType="primFontSz" refFor="des" refForName="Parent5" op="lte"/>
-              <dgm:constr type="primFontSz" for="des" forName="Child6" refType="primFontSz" refFor="des" refForName="Parent5" op="lte"/>
-              <dgm:constr type="primFontSz" for="des" forName="Child7" refType="primFontSz" refFor="des" refForName="Parent5" op="lte"/>
-              <dgm:constr type="primFontSz" for="des" forName="Child8" refType="primFontSz" refFor="des" refForName="Parent5" op="lte"/>
-              <dgm:constr type="primFontSz" for="des" forName="Child9" refType="primFontSz" refFor="des" refForName="Parent5" op="lte"/>
-              <dgm:constr type="primFontSz" for="des" forName="Child10" refType="primFontSz" refFor="des" refForName="Parent5" op="lte"/>
-              <dgm:constr type="primFontSz" for="des" forName="Child1" refType="primFontSz" refFor="des" refForName="Parent6" op="lte"/>
-              <dgm:constr type="primFontSz" for="des" forName="Child2" refType="primFontSz" refFor="des" refForName="Parent6" op="lte"/>
-              <dgm:constr type="primFontSz" for="des" forName="Child3" refType="primFontSz" refFor="des" refForName="Parent6" op="lte"/>
-              <dgm:constr type="primFontSz" for="des" forName="Child4" refType="primFontSz" refFor="des" refForName="Parent6" op="lte"/>
-              <dgm:constr type="primFontSz" for="des" forName="Child5" refType="primFontSz" refFor="des" refForName="Parent6" op="lte"/>
-              <dgm:constr type="primFontSz" for="des" forName="Child6" refType="primFontSz" refFor="des" refForName="Parent6" op="lte"/>
-              <dgm:constr type="primFontSz" for="des" forName="Child7" refType="primFontSz" refFor="des" refForName="Parent6" op="lte"/>
-              <dgm:constr type="primFontSz" for="des" forName="Child8" refType="primFontSz" refFor="des" refForName="Parent6" op="lte"/>
-              <dgm:constr type="primFontSz" for="des" forName="Child9" refType="primFontSz" refFor="des" refForName="Parent6" op="lte"/>
-              <dgm:constr type="primFontSz" for="des" forName="Child10" refType="primFontSz" refFor="des" refForName="Parent7" op="lte"/>
-              <dgm:constr type="primFontSz" for="des" forName="Child1" refType="primFontSz" refFor="des" refForName="Parent7" op="lte"/>
-              <dgm:constr type="primFontSz" for="des" forName="Child2" refType="primFontSz" refFor="des" refForName="Parent7" op="lte"/>
-              <dgm:constr type="primFontSz" for="des" forName="Child3" refType="primFontSz" refFor="des" refForName="Parent7" op="lte"/>
-              <dgm:constr type="primFontSz" for="des" forName="Child4" refType="primFontSz" refFor="des" refForName="Parent7" op="lte"/>
-              <dgm:constr type="primFontSz" for="des" forName="Child5" refType="primFontSz" refFor="des" refForName="Parent7" op="lte"/>
-              <dgm:constr type="primFontSz" for="des" forName="Child6" refType="primFontSz" refFor="des" refForName="Parent7" op="lte"/>
-              <dgm:constr type="primFontSz" for="des" forName="Child7" refType="primFontSz" refFor="des" refForName="Parent7" op="lte"/>
-              <dgm:constr type="primFontSz" for="des" forName="Child8" refType="primFontSz" refFor="des" refForName="Parent7" op="lte"/>
-              <dgm:constr type="primFontSz" for="des" forName="Child9" refType="primFontSz" refFor="des" refForName="Parent7" op="lte"/>
-              <dgm:constr type="primFontSz" for="des" forName="Child10" refType="primFontSz" refFor="des" refForName="Parent7" op="lte"/>
-              <dgm:constr type="primFontSz" for="des" forName="Child1" refType="primFontSz" refFor="des" refForName="Parent8" op="lte"/>
-              <dgm:constr type="primFontSz" for="des" forName="Child2" refType="primFontSz" refFor="des" refForName="Parent8" op="lte"/>
-              <dgm:constr type="primFontSz" for="des" forName="Child3" refType="primFontSz" refFor="des" refForName="Parent8" op="lte"/>
-              <dgm:constr type="primFontSz" for="des" forName="Child4" refType="primFontSz" refFor="des" refForName="Parent8" op="lte"/>
-              <dgm:constr type="primFontSz" for="des" forName="Child5" refType="primFontSz" refFor="des" refForName="Parent8" op="lte"/>
-              <dgm:constr type="primFontSz" for="des" forName="Child6" refType="primFontSz" refFor="des" refForName="Parent8" op="lte"/>
-              <dgm:constr type="primFontSz" for="des" forName="Child7" refType="primFontSz" refFor="des" refForName="Parent8" op="lte"/>
-              <dgm:constr type="primFontSz" for="des" forName="Child8" refType="primFontSz" refFor="des" refForName="Parent8" op="lte"/>
-              <dgm:constr type="primFontSz" for="des" forName="Child9" refType="primFontSz" refFor="des" refForName="Parent8" op="lte"/>
-              <dgm:constr type="primFontSz" for="des" forName="Child10" refType="primFontSz" refFor="des" refForName="Parent8" op="lte"/>
-              <dgm:constr type="primFontSz" for="des" forName="Child1" refType="primFontSz" refFor="des" refForName="Parent9" op="lte"/>
-              <dgm:constr type="primFontSz" for="des" forName="Child2" refType="primFontSz" refFor="des" refForName="Parent9" op="lte"/>
-              <dgm:constr type="primFontSz" for="des" forName="Child3" refType="primFontSz" refFor="des" refForName="Parent9" op="lte"/>
-              <dgm:constr type="primFontSz" for="des" forName="Child4" refType="primFontSz" refFor="des" refForName="Parent9" op="lte"/>
-              <dgm:constr type="primFontSz" for="des" forName="Child5" refType="primFontSz" refFor="des" refForName="Parent9" op="lte"/>
-              <dgm:constr type="primFontSz" for="des" forName="Child6" refType="primFontSz" refFor="des" refForName="Parent9" op="lte"/>
-              <dgm:constr type="primFontSz" for="des" forName="Child7" refType="primFontSz" refFor="des" refForName="Parent9" op="lte"/>
-              <dgm:constr type="primFontSz" for="des" forName="Child8" refType="primFontSz" refFor="des" refForName="Parent9" op="lte"/>
-              <dgm:constr type="primFontSz" for="des" forName="Child9" refType="primFontSz" refFor="des" refForName="Parent9" op="lte"/>
-              <dgm:constr type="primFontSz" for="des" forName="Child10" refType="primFontSz" refFor="des" refForName="Parent9" op="lte"/>
-              <dgm:constr type="primFontSz" for="des" forName="Child1" refType="primFontSz" refFor="des" refForName="Parent10" op="lte"/>
-              <dgm:constr type="primFontSz" for="des" forName="Child2" refType="primFontSz" refFor="des" refForName="Parent10" op="lte"/>
-              <dgm:constr type="primFontSz" for="des" forName="Child3" refType="primFontSz" refFor="des" refForName="Parent10" op="lte"/>
-              <dgm:constr type="primFontSz" for="des" forName="Child4" refType="primFontSz" refFor="des" refForName="Parent10" op="lte"/>
-              <dgm:constr type="primFontSz" for="des" forName="Child5" refType="primFontSz" refFor="des" refForName="Parent10" op="lte"/>
-              <dgm:constr type="primFontSz" for="des" forName="Child6" refType="primFontSz" refFor="des" refForName="Parent10" op="lte"/>
-              <dgm:constr type="primFontSz" for="des" forName="Child7" refType="primFontSz" refFor="des" refForName="Parent10" op="lte"/>
-              <dgm:constr type="primFontSz" for="des" forName="Child8" refType="primFontSz" refFor="des" refForName="Parent10" op="lte"/>
-              <dgm:constr type="primFontSz" for="des" forName="Child9" refType="primFontSz" refFor="des" refForName="Parent10" op="lte"/>
-              <dgm:constr type="primFontSz" for="des" forName="Child10" refType="primFontSz" refFor="des" refForName="Parent10" op="lte"/>
-              <dgm:constr type="primFontSz" for="des" forName="Parent2" refType="primFontSz" refFor="des" refForName="Parent1" op="equ"/>
-              <dgm:constr type="primFontSz" for="des" forName="Parent3" refType="primFontSz" refFor="des" refForName="Parent1" op="equ"/>
-              <dgm:constr type="primFontSz" for="des" forName="Parent4" refType="primFontSz" refFor="des" refForName="Parent1" op="equ"/>
-              <dgm:constr type="primFontSz" for="des" forName="Parent5" refType="primFontSz" refFor="des" refForName="Parent1" op="equ"/>
-              <dgm:constr type="primFontSz" for="des" forName="Parent6" refType="primFontSz" refFor="des" refForName="Parent1" op="equ"/>
-              <dgm:constr type="primFontSz" for="des" forName="Parent7" refType="primFontSz" refFor="des" refForName="Parent1" op="equ"/>
-              <dgm:constr type="primFontSz" for="des" forName="Parent8" refType="primFontSz" refFor="des" refForName="Parent1" op="equ"/>
-              <dgm:constr type="primFontSz" for="des" forName="Parent9" refType="primFontSz" refFor="des" refForName="Parent1" op="equ"/>
-              <dgm:constr type="primFontSz" for="des" forName="Parent10" refType="primFontSz" refFor="des" refForName="Parent1" op="equ"/>
-              <dgm:constr type="primFontSz" for="des" forName="Child2" refType="primFontSz" refFor="des" refForName="Child1" op="equ"/>
-              <dgm:constr type="primFontSz" for="des" forName="Child3" refType="primFontSz" refFor="des" refForName="Child1" op="equ"/>
-              <dgm:constr type="primFontSz" for="des" forName="Child4" refType="primFontSz" refFor="des" refForName="Child1" op="equ"/>
-              <dgm:constr type="primFontSz" for="des" forName="Child5" refType="primFontSz" refFor="des" refForName="Child1" op="equ"/>
-              <dgm:constr type="primFontSz" for="des" forName="Child6" refType="primFontSz" refFor="des" refForName="Child1" op="equ"/>
-              <dgm:constr type="primFontSz" for="des" forName="Child7" refType="primFontSz" refFor="des" refForName="Child1" op="equ"/>
-              <dgm:constr type="primFontSz" for="des" forName="Child8" refType="primFontSz" refFor="des" refForName="Child1" op="equ"/>
-              <dgm:constr type="primFontSz" for="des" forName="Child9" refType="primFontSz" refFor="des" refForName="Child1" op="equ"/>
-              <dgm:constr type="primFontSz" for="des" forName="Child10" refType="primFontSz" refFor="des" refForName="Child1" op="equ"/>
-              <dgm:constr type="l" for="ch" forName="Parent10" refType="w" fact="0.9205"/>
-              <dgm:constr type="t" for="ch" forName="Parent10" refType="h" fact="0.2022"/>
-              <dgm:constr type="w" for="ch" forName="Parent10" refType="w" fact="0.0636"/>
-              <dgm:constr type="h" for="ch" forName="Parent10" refType="h" fact="0.3799"/>
-              <dgm:constr type="l" for="ch" forName="Parent9" refType="w" fact="0.822"/>
-              <dgm:constr type="t" for="ch" forName="Parent9" refType="h" fact="0.2022"/>
-              <dgm:constr type="w" for="ch" forName="Parent9" refType="w" fact="0.0636"/>
-              <dgm:constr type="h" for="ch" forName="Parent9" refType="h" fact="0.3799"/>
-              <dgm:constr type="l" for="ch" forName="Parent8" refType="w" fact="0.7235"/>
-              <dgm:constr type="t" for="ch" forName="Parent8" refType="h" fact="0.2022"/>
-              <dgm:constr type="w" for="ch" forName="Parent8" refType="w" fact="0.0636"/>
-              <dgm:constr type="h" for="ch" forName="Parent8" refType="h" fact="0.3799"/>
-              <dgm:constr type="l" for="ch" forName="Parent7" refType="w" fact="0.625"/>
-              <dgm:constr type="t" for="ch" forName="Parent7" refType="h" fact="0.2022"/>
-              <dgm:constr type="w" for="ch" forName="Parent7" refType="w" fact="0.0636"/>
-              <dgm:constr type="h" for="ch" forName="Parent7" refType="h" fact="0.3799"/>
-              <dgm:constr type="l" for="ch" forName="Parent6" refType="w" fact="0.5264"/>
-              <dgm:constr type="t" for="ch" forName="Parent6" refType="h" fact="0.2022"/>
-              <dgm:constr type="w" for="ch" forName="Parent6" refType="w" fact="0.0636"/>
-              <dgm:constr type="h" for="ch" forName="Parent6" refType="h" fact="0.3799"/>
-              <dgm:constr type="l" for="ch" forName="Parent5" refType="w" fact="0.4279"/>
-              <dgm:constr type="t" for="ch" forName="Parent5" refType="h" fact="0.2022"/>
-              <dgm:constr type="w" for="ch" forName="Parent5" refType="w" fact="0.0636"/>
-              <dgm:constr type="h" for="ch" forName="Parent5" refType="h" fact="0.3799"/>
-              <dgm:constr type="l" for="ch" forName="Parent4" refType="w" fact="0.3294"/>
-              <dgm:constr type="t" for="ch" forName="Parent4" refType="h" fact="0.2022"/>
-              <dgm:constr type="w" for="ch" forName="Parent4" refType="w" fact="0.0636"/>
-              <dgm:constr type="h" for="ch" forName="Parent4" refType="h" fact="0.3799"/>
-              <dgm:constr type="l" for="ch" forName="Parent3" refType="w" fact="0.2309"/>
-              <dgm:constr type="t" for="ch" forName="Parent3" refType="h" fact="0.2022"/>
-              <dgm:constr type="w" for="ch" forName="Parent3" refType="w" fact="0.0636"/>
-              <dgm:constr type="h" for="ch" forName="Parent3" refType="h" fact="0.3799"/>
-              <dgm:constr type="l" for="ch" forName="Parent2" refType="w" fact="0.1324"/>
-              <dgm:constr type="t" for="ch" forName="Parent2" refType="h" fact="0.2022"/>
-              <dgm:constr type="w" for="ch" forName="Parent2" refType="w" fact="0.0636"/>
-              <dgm:constr type="h" for="ch" forName="Parent2" refType="h" fact="0.3799"/>
-              <dgm:constr type="l" for="ch" forName="Parent1" refType="w" fact="0.0338"/>
-              <dgm:constr type="t" for="ch" forName="Parent1" refType="h" fact="0.2022"/>
-              <dgm:constr type="w" for="ch" forName="Parent1" refType="w" fact="0.0636"/>
-              <dgm:constr type="h" for="ch" forName="Parent1" refType="h" fact="0.3799"/>
-              <dgm:constr type="l" for="ch" forName="Accent10" refType="w" fact="0.9047"/>
-              <dgm:constr type="t" for="ch" forName="Accent10" refType="h" fact="0.1072"/>
-              <dgm:constr type="w" for="ch" forName="Accent10" refType="w" fact="0.0953"/>
-              <dgm:constr type="h" for="ch" forName="Accent10" refType="h" fact="0.5699"/>
-              <dgm:constr type="l" for="ch" forName="ParentBackground10" refType="w" fact="0.9078"/>
-              <dgm:constr type="t" for="ch" forName="ParentBackground10" refType="h" fact="0.1262"/>
-              <dgm:constr type="w" for="ch" forName="ParentBackground10" refType="w" fact="0.089"/>
-              <dgm:constr type="h" for="ch" forName="ParentBackground10" refType="h" fact="0.5319"/>
-              <dgm:constr type="l" for="ch" forName="Child10" refType="w" fact="0.9078"/>
-              <dgm:constr type="t" for="ch" forName="Child10" refType="h" fact="0.6876"/>
-              <dgm:constr type="w" for="ch" forName="Child10" refType="w" fact="0.089"/>
-              <dgm:constr type="h" for="ch" forName="Child10" refType="h" fact="0.3124"/>
-              <dgm:constr type="l" for="ch" forName="Accent9" refType="w" fact="0.7864"/>
-              <dgm:constr type="t" for="ch" forName="Accent9" refType="h" fact="-0.0109"/>
-              <dgm:constr type="w" for="ch" forName="Accent9" refType="w" fact="0.1348"/>
-              <dgm:constr type="h" for="ch" forName="Accent9" refType="h" fact="0.806"/>
-              <dgm:constr type="l" for="ch" forName="ParentBackground9" refType="w" fact="0.8093"/>
-              <dgm:constr type="t" for="ch" forName="ParentBackground9" refType="h" fact="0.1262"/>
-              <dgm:constr type="w" for="ch" forName="ParentBackground9" refType="w" fact="0.089"/>
-              <dgm:constr type="h" for="ch" forName="ParentBackground9" refType="h" fact="0.5319"/>
-              <dgm:constr type="l" for="ch" forName="Child9" refType="w" fact="0.8093"/>
-              <dgm:constr type="t" for="ch" forName="Child9" refType="h" fact="0.6876"/>
-              <dgm:constr type="w" for="ch" forName="Child9" refType="w" fact="0.089"/>
-              <dgm:constr type="h" for="ch" forName="Child9" refType="h" fact="0.3124"/>
-              <dgm:constr type="l" for="ch" forName="Accent8" refType="w" fact="0.6879"/>
-              <dgm:constr type="t" for="ch" forName="Accent8" refType="h" fact="-0.0109"/>
-              <dgm:constr type="w" for="ch" forName="Accent8" refType="w" fact="0.1348"/>
-              <dgm:constr type="h" for="ch" forName="Accent8" refType="h" fact="0.806"/>
-              <dgm:constr type="l" for="ch" forName="ParentBackground8" refType="w" fact="0.7108"/>
-              <dgm:constr type="t" for="ch" forName="ParentBackground8" refType="h" fact="0.1262"/>
-              <dgm:constr type="w" for="ch" forName="ParentBackground8" refType="w" fact="0.089"/>
-              <dgm:constr type="h" for="ch" forName="ParentBackground8" refType="h" fact="0.5319"/>
-              <dgm:constr type="l" for="ch" forName="Child8" refType="w" fact="0.7108"/>
-              <dgm:constr type="t" for="ch" forName="Child8" refType="h" fact="0.6876"/>
-              <dgm:constr type="w" for="ch" forName="Child8" refType="w" fact="0.089"/>
-              <dgm:constr type="h" for="ch" forName="Child8" refType="h" fact="0.3124"/>
-              <dgm:constr type="l" for="ch" forName="Accent7" refType="w" fact="0.5893"/>
-              <dgm:constr type="t" for="ch" forName="Accent7" refType="h" fact="-0.0109"/>
-              <dgm:constr type="w" for="ch" forName="Accent7" refType="w" fact="0.1348"/>
-              <dgm:constr type="h" for="ch" forName="Accent7" refType="h" fact="0.806"/>
-              <dgm:constr type="l" for="ch" forName="ParentBackground7" refType="w" fact="0.6123"/>
-              <dgm:constr type="t" for="ch" forName="ParentBackground7" refType="h" fact="0.1262"/>
-              <dgm:constr type="w" for="ch" forName="ParentBackground7" refType="w" fact="0.089"/>
-              <dgm:constr type="h" for="ch" forName="ParentBackground7" refType="h" fact="0.5319"/>
-              <dgm:constr type="l" for="ch" forName="Child7" refType="w" fact="0.6123"/>
-              <dgm:constr type="t" for="ch" forName="Child7" refType="h" fact="0.6876"/>
-              <dgm:constr type="w" for="ch" forName="Child7" refType="w" fact="0.089"/>
-              <dgm:constr type="h" for="ch" forName="Child7" refType="h" fact="0.3124"/>
-              <dgm:constr type="l" for="ch" forName="Accent6" refType="w" fact="0.4908"/>
-              <dgm:constr type="t" for="ch" forName="Accent6" refType="h" fact="-0.0109"/>
-              <dgm:constr type="w" for="ch" forName="Accent6" refType="w" fact="0.1348"/>
-              <dgm:constr type="h" for="ch" forName="Accent6" refType="h" fact="0.806"/>
-              <dgm:constr type="l" for="ch" forName="ParentBackground6" refType="w" fact="0.5137"/>
-              <dgm:constr type="t" for="ch" forName="ParentBackground6" refType="h" fact="0.1262"/>
-              <dgm:constr type="w" for="ch" forName="ParentBackground6" refType="w" fact="0.089"/>
-              <dgm:constr type="h" for="ch" forName="ParentBackground6" refType="h" fact="0.5319"/>
-              <dgm:constr type="l" for="ch" forName="Child6" refType="w" fact="0.5137"/>
-              <dgm:constr type="t" for="ch" forName="Child6" refType="h" fact="0.6876"/>
-              <dgm:constr type="w" for="ch" forName="Child6" refType="w" fact="0.089"/>
-              <dgm:constr type="h" for="ch" forName="Child6" refType="h" fact="0.3124"/>
-              <dgm:constr type="l" for="ch" forName="Accent5" refType="w" fact="0.3923"/>
-              <dgm:constr type="t" for="ch" forName="Accent5" refType="h" fact="-0.0109"/>
-              <dgm:constr type="w" for="ch" forName="Accent5" refType="w" fact="0.1348"/>
-              <dgm:constr type="h" for="ch" forName="Accent5" refType="h" fact="0.806"/>
-              <dgm:constr type="l" for="ch" forName="ParentBackground5" refType="w" fact="0.4152"/>
-              <dgm:constr type="t" for="ch" forName="ParentBackground5" refType="h" fact="0.1262"/>
-              <dgm:constr type="w" for="ch" forName="ParentBackground5" refType="w" fact="0.089"/>
-              <dgm:constr type="h" for="ch" forName="ParentBackground5" refType="h" fact="0.5319"/>
-              <dgm:constr type="l" for="ch" forName="Child5" refType="w" fact="0.4152"/>
-              <dgm:constr type="t" for="ch" forName="Child5" refType="h" fact="0.6876"/>
-              <dgm:constr type="w" for="ch" forName="Child5" refType="w" fact="0.089"/>
-              <dgm:constr type="h" for="ch" forName="Child5" refType="h" fact="0.3124"/>
-              <dgm:constr type="l" for="ch" forName="Accent4" refType="w" fact="0.2938"/>
-              <dgm:constr type="t" for="ch" forName="Accent4" refType="h" fact="-0.0109"/>
-              <dgm:constr type="w" for="ch" forName="Accent4" refType="w" fact="0.1348"/>
-              <dgm:constr type="h" for="ch" forName="Accent4" refType="h" fact="0.806"/>
-              <dgm:constr type="l" for="ch" forName="ParentBackground4" refType="w" fact="0.3167"/>
-              <dgm:constr type="t" for="ch" forName="ParentBackground4" refType="h" fact="0.1262"/>
-              <dgm:constr type="w" for="ch" forName="ParentBackground4" refType="w" fact="0.089"/>
-              <dgm:constr type="h" for="ch" forName="ParentBackground4" refType="h" fact="0.5319"/>
-              <dgm:constr type="l" for="ch" forName="Child4" refType="w" fact="0.3167"/>
-              <dgm:constr type="t" for="ch" forName="Child4" refType="h" fact="0.6876"/>
-              <dgm:constr type="w" for="ch" forName="Child4" refType="w" fact="0.089"/>
-              <dgm:constr type="h" for="ch" forName="Child4" refType="h" fact="0.3124"/>
-              <dgm:constr type="l" for="ch" forName="Accent3" refType="w" fact="0.1952"/>
-              <dgm:constr type="t" for="ch" forName="Accent3" refType="h" fact="-0.0109"/>
-              <dgm:constr type="w" for="ch" forName="Accent3" refType="w" fact="0.1348"/>
-              <dgm:constr type="h" for="ch" forName="Accent3" refType="h" fact="0.806"/>
-              <dgm:constr type="l" for="ch" forName="ParentBackground3" refType="w" fact="0.2182"/>
-              <dgm:constr type="t" for="ch" forName="ParentBackground3" refType="h" fact="0.1262"/>
-              <dgm:constr type="w" for="ch" forName="ParentBackground3" refType="w" fact="0.089"/>
-              <dgm:constr type="h" for="ch" forName="ParentBackground3" refType="h" fact="0.5319"/>
-              <dgm:constr type="l" for="ch" forName="Child3" refType="w" fact="0.2182"/>
-              <dgm:constr type="t" for="ch" forName="Child3" refType="h" fact="0.6876"/>
-              <dgm:constr type="w" for="ch" forName="Child3" refType="w" fact="0.089"/>
-              <dgm:constr type="h" for="ch" forName="Child3" refType="h" fact="0.3124"/>
-              <dgm:constr type="l" for="ch" forName="Accent2" refType="w" fact="0.0967"/>
-              <dgm:constr type="t" for="ch" forName="Accent2" refType="h" fact="-0.0109"/>
-              <dgm:constr type="w" for="ch" forName="Accent2" refType="w" fact="0.1348"/>
-              <dgm:constr type="h" for="ch" forName="Accent2" refType="h" fact="0.806"/>
-              <dgm:constr type="l" for="ch" forName="ParentBackground2" refType="w" fact="0.1196"/>
-              <dgm:constr type="t" for="ch" forName="ParentBackground2" refType="h" fact="0.1262"/>
-              <dgm:constr type="w" for="ch" forName="ParentBackground2" refType="w" fact="0.089"/>
-              <dgm:constr type="h" for="ch" forName="ParentBackground2" refType="h" fact="0.5319"/>
-              <dgm:constr type="l" for="ch" forName="Child2" refType="w" fact="0.1196"/>
-              <dgm:constr type="t" for="ch" forName="Child2" refType="h" fact="0.6876"/>
-              <dgm:constr type="w" for="ch" forName="Child2" refType="w" fact="0.089"/>
-              <dgm:constr type="h" for="ch" forName="Child2" refType="h" fact="0.3124"/>
-              <dgm:constr type="l" for="ch" forName="Accent1" refType="w" fact="-0.0018"/>
-              <dgm:constr type="t" for="ch" forName="Accent1" refType="h" fact="-0.0109"/>
-              <dgm:constr type="w" for="ch" forName="Accent1" refType="w" fact="0.1348"/>
-              <dgm:constr type="h" for="ch" forName="Accent1" refType="h" fact="0.806"/>
-              <dgm:constr type="l" for="ch" forName="ParentBackground1" refType="w" fact="0.0211"/>
-              <dgm:constr type="t" for="ch" forName="ParentBackground1" refType="h" fact="0.1262"/>
-              <dgm:constr type="w" for="ch" forName="ParentBackground1" refType="w" fact="0.089"/>
-              <dgm:constr type="h" for="ch" forName="ParentBackground1" refType="h" fact="0.5319"/>
-              <dgm:constr type="l" for="ch" forName="Child1" refType="w" fact="0.0211"/>
-              <dgm:constr type="t" for="ch" forName="Child1" refType="h" fact="0.6876"/>
-              <dgm:constr type="w" for="ch" forName="Child1" refType="w" fact="0.089"/>
-              <dgm:constr type="h" for="ch" forName="Child1" refType="h" fact="0.3124"/>
-            </dgm:constrLst>
-          </dgm:if>
-          <dgm:else name="Name14">
-            <dgm:alg type="composite">
-              <dgm:param type="ar" val="6.5658"/>
-            </dgm:alg>
-            <dgm:constrLst>
-              <dgm:constr type="primFontSz" for="des" forName="Child1" val="65"/>
-              <dgm:constr type="primFontSz" for="des" forName="Parent1" val="65"/>
-              <dgm:constr type="primFontSz" for="des" forName="Child1" refType="primFontSz" refFor="des" refForName="Parent1" op="lte"/>
-              <dgm:constr type="primFontSz" for="des" forName="Child2" refType="primFontSz" refFor="des" refForName="Parent1" op="lte"/>
-              <dgm:constr type="primFontSz" for="des" forName="Child3" refType="primFontSz" refFor="des" refForName="Parent1" op="lte"/>
-              <dgm:constr type="primFontSz" for="des" forName="Child4" refType="primFontSz" refFor="des" refForName="Parent1" op="lte"/>
-              <dgm:constr type="primFontSz" for="des" forName="Child5" refType="primFontSz" refFor="des" refForName="Parent1" op="lte"/>
-              <dgm:constr type="primFontSz" for="des" forName="Child6" refType="primFontSz" refFor="des" refForName="Parent1" op="lte"/>
-              <dgm:constr type="primFontSz" for="des" forName="Child7" refType="primFontSz" refFor="des" refForName="Parent1" op="lte"/>
-              <dgm:constr type="primFontSz" for="des" forName="Child8" refType="primFontSz" refFor="des" refForName="Parent1" op="lte"/>
-              <dgm:constr type="primFontSz" for="des" forName="Child9" refType="primFontSz" refFor="des" refForName="Parent1" op="lte"/>
-              <dgm:constr type="primFontSz" for="des" forName="Child10" refType="primFontSz" refFor="des" refForName="Parent1" op="lte"/>
-              <dgm:constr type="primFontSz" for="des" forName="Child11" refType="primFontSz" refFor="des" refForName="Parent1" op="lte"/>
-              <dgm:constr type="primFontSz" for="des" forName="Child1" refType="primFontSz" refFor="des" refForName="Parent2" op="lte"/>
-              <dgm:constr type="primFontSz" for="des" forName="Child2" refType="primFontSz" refFor="des" refForName="Parent2" op="lte"/>
-              <dgm:constr type="primFontSz" for="des" forName="Child3" refType="primFontSz" refFor="des" refForName="Parent2" op="lte"/>
-              <dgm:constr type="primFontSz" for="des" forName="Child4" refType="primFontSz" refFor="des" refForName="Parent2" op="lte"/>
-              <dgm:constr type="primFontSz" for="des" forName="Child5" refType="primFontSz" refFor="des" refForName="Parent2" op="lte"/>
-              <dgm:constr type="primFontSz" for="des" forName="Child6" refType="primFontSz" refFor="des" refForName="Parent2" op="lte"/>
-              <dgm:constr type="primFontSz" for="des" forName="Child7" refType="primFontSz" refFor="des" refForName="Parent2" op="lte"/>
-              <dgm:constr type="primFontSz" for="des" forName="Child8" refType="primFontSz" refFor="des" refForName="Parent2" op="lte"/>
-              <dgm:constr type="primFontSz" for="des" forName="Child9" refType="primFontSz" refFor="des" refForName="Parent2" op="lte"/>
-              <dgm:constr type="primFontSz" for="des" forName="Child10" refType="primFontSz" refFor="des" refForName="Parent2" op="lte"/>
-              <dgm:constr type="primFontSz" for="des" forName="Child11" refType="primFontSz" refFor="des" refForName="Parent2" op="lte"/>
-              <dgm:constr type="primFontSz" for="des" forName="Child1" refType="primFontSz" refFor="des" refForName="Parent3" op="lte"/>
-              <dgm:constr type="primFontSz" for="des" forName="Child2" refType="primFontSz" refFor="des" refForName="Parent3" op="lte"/>
-              <dgm:constr type="primFontSz" for="des" forName="Child3" refType="primFontSz" refFor="des" refForName="Parent3" op="lte"/>
-              <dgm:constr type="primFontSz" for="des" forName="Child4" refType="primFontSz" refFor="des" refForName="Parent3" op="lte"/>
-              <dgm:constr type="primFontSz" for="des" forName="Child5" refType="primFontSz" refFor="des" refForName="Parent3" op="lte"/>
-              <dgm:constr type="primFontSz" for="des" forName="Child6" refType="primFontSz" refFor="des" refForName="Parent3" op="lte"/>
-              <dgm:constr type="primFontSz" for="des" forName="Child7" refType="primFontSz" refFor="des" refForName="Parent3" op="lte"/>
-              <dgm:constr type="primFontSz" for="des" forName="Child8" refType="primFontSz" refFor="des" refForName="Parent3" op="lte"/>
-              <dgm:constr type="primFontSz" for="des" forName="Child9" refType="primFontSz" refFor="des" refForName="Parent3" op="lte"/>
-              <dgm:constr type="primFontSz" for="des" forName="Child10" refType="primFontSz" refFor="des" refForName="Parent3" op="lte"/>
-              <dgm:constr type="primFontSz" for="des" forName="Child11" refType="primFontSz" refFor="des" refForName="Parent3" op="lte"/>
-              <dgm:constr type="primFontSz" for="des" forName="Child1" refType="primFontSz" refFor="des" refForName="Parent4" op="lte"/>
-              <dgm:constr type="primFontSz" for="des" forName="Child2" refType="primFontSz" refFor="des" refForName="Parent4" op="lte"/>
-              <dgm:constr type="primFontSz" for="des" forName="Child3" refType="primFontSz" refFor="des" refForName="Parent4" op="lte"/>
-              <dgm:constr type="primFontSz" for="des" forName="Child4" refType="primFontSz" refFor="des" refForName="Parent4" op="lte"/>
-              <dgm:constr type="primFontSz" for="des" forName="Child5" refType="primFontSz" refFor="des" refForName="Parent4" op="lte"/>
-              <dgm:constr type="primFontSz" for="des" forName="Child6" refType="primFontSz" refFor="des" refForName="Parent4" op="lte"/>
-              <dgm:constr type="primFontSz" for="des" forName="Child7" refType="primFontSz" refFor="des" refForName="Parent4" op="lte"/>
-              <dgm:constr type="primFontSz" for="des" forName="Child8" refType="primFontSz" refFor="des" refForName="Parent4" op="lte"/>
-              <dgm:constr type="primFontSz" for="des" forName="Child9" refType="primFontSz" refFor="des" refForName="Parent4" op="lte"/>
-              <dgm:constr type="primFontSz" for="des" forName="Child10" refType="primFontSz" refFor="des" refForName="Parent4" op="lte"/>
-              <dgm:constr type="primFontSz" for="des" forName="Child11" refType="primFontSz" refFor="des" refForName="Parent4" op="lte"/>
-              <dgm:constr type="primFontSz" for="des" forName="Child1" refType="primFontSz" refFor="des" refForName="Parent5" op="lte"/>
-              <dgm:constr type="primFontSz" for="des" forName="Child2" refType="primFontSz" refFor="des" refForName="Parent5" op="lte"/>
-              <dgm:constr type="primFontSz" for="des" forName="Child3" refType="primFontSz" refFor="des" refForName="Parent5" op="lte"/>
-              <dgm:constr type="primFontSz" for="des" forName="Child4" refType="primFontSz" refFor="des" refForName="Parent5" op="lte"/>
-              <dgm:constr type="primFontSz" for="des" forName="Child5" refType="primFontSz" refFor="des" refForName="Parent5" op="lte"/>
-              <dgm:constr type="primFontSz" for="des" forName="Child6" refType="primFontSz" refFor="des" refForName="Parent5" op="lte"/>
-              <dgm:constr type="primFontSz" for="des" forName="Child7" refType="primFontSz" refFor="des" refForName="Parent5" op="lte"/>
-              <dgm:constr type="primFontSz" for="des" forName="Child8" refType="primFontSz" refFor="des" refForName="Parent5" op="lte"/>
-              <dgm:constr type="primFontSz" for="des" forName="Child9" refType="primFontSz" refFor="des" refForName="Parent5" op="lte"/>
-              <dgm:constr type="primFontSz" for="des" forName="Child10" refType="primFontSz" refFor="des" refForName="Parent5" op="lte"/>
-              <dgm:constr type="primFontSz" for="des" forName="Child11" refType="primFontSz" refFor="des" refForName="Parent5" op="lte"/>
-              <dgm:constr type="primFontSz" for="des" forName="Child1" refType="primFontSz" refFor="des" refForName="Parent6" op="lte"/>
-              <dgm:constr type="primFontSz" for="des" forName="Child2" refType="primFontSz" refFor="des" refForName="Parent6" op="lte"/>
-              <dgm:constr type="primFontSz" for="des" forName="Child3" refType="primFontSz" refFor="des" refForName="Parent6" op="lte"/>
-              <dgm:constr type="primFontSz" for="des" forName="Child4" refType="primFontSz" refFor="des" refForName="Parent6" op="lte"/>
-              <dgm:constr type="primFontSz" for="des" forName="Child5" refType="primFontSz" refFor="des" refForName="Parent6" op="lte"/>
-              <dgm:constr type="primFontSz" for="des" forName="Child6" refType="primFontSz" refFor="des" refForName="Parent6" op="lte"/>
-              <dgm:constr type="primFontSz" for="des" forName="Child7" refType="primFontSz" refFor="des" refForName="Parent6" op="lte"/>
-              <dgm:constr type="primFontSz" for="des" forName="Child8" refType="primFontSz" refFor="des" refForName="Parent6" op="lte"/>
-              <dgm:constr type="primFontSz" for="des" forName="Child9" refType="primFontSz" refFor="des" refForName="Parent6" op="lte"/>
-              <dgm:constr type="primFontSz" for="des" forName="Child10" refType="primFontSz" refFor="des" refForName="Parent6" op="lte"/>
-              <dgm:constr type="primFontSz" for="des" forName="Child11" refType="primFontSz" refFor="des" refForName="Parent6" op="lte"/>
-              <dgm:constr type="primFontSz" for="des" forName="Child1" refType="primFontSz" refFor="des" refForName="Parent7" op="lte"/>
-              <dgm:constr type="primFontSz" for="des" forName="Child2" refType="primFontSz" refFor="des" refForName="Parent7" op="lte"/>
-              <dgm:constr type="primFontSz" for="des" forName="Child3" refType="primFontSz" refFor="des" refForName="Parent7" op="lte"/>
-              <dgm:constr type="primFontSz" for="des" forName="Child4" refType="primFontSz" refFor="des" refForName="Parent7" op="lte"/>
-              <dgm:constr type="primFontSz" for="des" forName="Child5" refType="primFontSz" refFor="des" refForName="Parent7" op="lte"/>
-              <dgm:constr type="primFontSz" for="des" forName="Child6" refType="primFontSz" refFor="des" refForName="Parent7" op="lte"/>
-              <dgm:constr type="primFontSz" for="des" forName="Child7" refType="primFontSz" refFor="des" refForName="Parent7" op="lte"/>
-              <dgm:constr type="primFontSz" for="des" forName="Child8" refType="primFontSz" refFor="des" refForName="Parent7" op="lte"/>
-              <dgm:constr type="primFontSz" for="des" forName="Child9" refType="primFontSz" refFor="des" refForName="Parent7" op="lte"/>
-              <dgm:constr type="primFontSz" for="des" forName="Child10" refType="primFontSz" refFor="des" refForName="Parent7" op="lte"/>
-              <dgm:constr type="primFontSz" for="des" forName="Child11" refType="primFontSz" refFor="des" refForName="Parent7" op="lte"/>
-              <dgm:constr type="primFontSz" for="des" forName="Child1" refType="primFontSz" refFor="des" refForName="Parent8" op="lte"/>
-              <dgm:constr type="primFontSz" for="des" forName="Child2" refType="primFontSz" refFor="des" refForName="Parent8" op="lte"/>
-              <dgm:constr type="primFontSz" for="des" forName="Child3" refType="primFontSz" refFor="des" refForName="Parent8" op="lte"/>
-              <dgm:constr type="primFontSz" for="des" forName="Child4" refType="primFontSz" refFor="des" refForName="Parent8" op="lte"/>
-              <dgm:constr type="primFontSz" for="des" forName="Child5" refType="primFontSz" refFor="des" refForName="Parent8" op="lte"/>
-              <dgm:constr type="primFontSz" for="des" forName="Child6" refType="primFontSz" refFor="des" refForName="Parent8" op="lte"/>
-              <dgm:constr type="primFontSz" for="des" forName="Child7" refType="primFontSz" refFor="des" refForName="Parent8" op="lte"/>
-              <dgm:constr type="primFontSz" for="des" forName="Child8" refType="primFontSz" refFor="des" refForName="Parent8" op="lte"/>
-              <dgm:constr type="primFontSz" for="des" forName="Child9" refType="primFontSz" refFor="des" refForName="Parent8" op="lte"/>
-              <dgm:constr type="primFontSz" for="des" forName="Child10" refType="primFontSz" refFor="des" refForName="Parent8" op="lte"/>
-              <dgm:constr type="primFontSz" for="des" forName="Child11" refType="primFontSz" refFor="des" refForName="Parent8" op="lte"/>
-              <dgm:constr type="primFontSz" for="des" forName="Child1" refType="primFontSz" refFor="des" refForName="Parent9" op="lte"/>
-              <dgm:constr type="primFontSz" for="des" forName="Child2" refType="primFontSz" refFor="des" refForName="Parent9" op="lte"/>
-              <dgm:constr type="primFontSz" for="des" forName="Child3" refType="primFontSz" refFor="des" refForName="Parent9" op="lte"/>
-              <dgm:constr type="primFontSz" for="des" forName="Child4" refType="primFontSz" refFor="des" refForName="Parent9" op="lte"/>
-              <dgm:constr type="primFontSz" for="des" forName="Child5" refType="primFontSz" refFor="des" refForName="Parent9" op="lte"/>
-              <dgm:constr type="primFontSz" for="des" forName="Child6" refType="primFontSz" refFor="des" refForName="Parent9" op="lte"/>
-              <dgm:constr type="primFontSz" for="des" forName="Child7" refType="primFontSz" refFor="des" refForName="Parent9" op="lte"/>
-              <dgm:constr type="primFontSz" for="des" forName="Child8" refType="primFontSz" refFor="des" refForName="Parent9" op="lte"/>
-              <dgm:constr type="primFontSz" for="des" forName="Child9" refType="primFontSz" refFor="des" refForName="Parent9" op="lte"/>
-              <dgm:constr type="primFontSz" for="des" forName="Child10" refType="primFontSz" refFor="des" refForName="Parent9" op="lte"/>
-              <dgm:constr type="primFontSz" for="des" forName="Child11" refType="primFontSz" refFor="des" refForName="Parent9" op="lte"/>
-              <dgm:constr type="primFontSz" for="des" forName="Child1" refType="primFontSz" refFor="des" refForName="Parent10" op="lte"/>
-              <dgm:constr type="primFontSz" for="des" forName="Child2" refType="primFontSz" refFor="des" refForName="Parent10" op="lte"/>
-              <dgm:constr type="primFontSz" for="des" forName="Child3" refType="primFontSz" refFor="des" refForName="Parent10" op="lte"/>
-              <dgm:constr type="primFontSz" for="des" forName="Child4" refType="primFontSz" refFor="des" refForName="Parent10" op="lte"/>
-              <dgm:constr type="primFontSz" for="des" forName="Child5" refType="primFontSz" refFor="des" refForName="Parent10" op="lte"/>
-              <dgm:constr type="primFontSz" for="des" forName="Child6" refType="primFontSz" refFor="des" refForName="Parent10" op="lte"/>
-              <dgm:constr type="primFontSz" for="des" forName="Child7" refType="primFontSz" refFor="des" refForName="Parent10" op="lte"/>
-              <dgm:constr type="primFontSz" for="des" forName="Child8" refType="primFontSz" refFor="des" refForName="Parent10" op="lte"/>
-              <dgm:constr type="primFontSz" for="des" forName="Child9" refType="primFontSz" refFor="des" refForName="Parent10" op="lte"/>
-              <dgm:constr type="primFontSz" for="des" forName="Child10" refType="primFontSz" refFor="des" refForName="Parent10" op="lte"/>
-              <dgm:constr type="primFontSz" for="des" forName="Child11" refType="primFontSz" refFor="des" refForName="Parent10" op="lte"/>
-              <dgm:constr type="primFontSz" for="des" forName="Child1" refType="primFontSz" refFor="des" refForName="Parent11" op="lte"/>
-              <dgm:constr type="primFontSz" for="des" forName="Child2" refType="primFontSz" refFor="des" refForName="Parent11" op="lte"/>
-              <dgm:constr type="primFontSz" for="des" forName="Child3" refType="primFontSz" refFor="des" refForName="Parent11" op="lte"/>
-              <dgm:constr type="primFontSz" for="des" forName="Child4" refType="primFontSz" refFor="des" refForName="Parent11" op="lte"/>
-              <dgm:constr type="primFontSz" for="des" forName="Child5" refType="primFontSz" refFor="des" refForName="Parent11" op="lte"/>
-              <dgm:constr type="primFontSz" for="des" forName="Child6" refType="primFontSz" refFor="des" refForName="Parent11" op="lte"/>
-              <dgm:constr type="primFontSz" for="des" forName="Child7" refType="primFontSz" refFor="des" refForName="Parent11" op="lte"/>
-              <dgm:constr type="primFontSz" for="des" forName="Child8" refType="primFontSz" refFor="des" refForName="Parent11" op="lte"/>
-              <dgm:constr type="primFontSz" for="des" forName="Child9" refType="primFontSz" refFor="des" refForName="Parent11" op="lte"/>
-              <dgm:constr type="primFontSz" for="des" forName="Child10" refType="primFontSz" refFor="des" refForName="Parent11" op="lte"/>
-              <dgm:constr type="primFontSz" for="des" forName="Child11" refType="primFontSz" refFor="des" refForName="Parent11" op="lte"/>
-              <dgm:constr type="primFontSz" for="des" forName="Parent2" refType="primFontSz" refFor="des" refForName="Parent1" op="equ"/>
-              <dgm:constr type="primFontSz" for="des" forName="Parent3" refType="primFontSz" refFor="des" refForName="Parent1" op="equ"/>
-              <dgm:constr type="primFontSz" for="des" forName="Parent4" refType="primFontSz" refFor="des" refForName="Parent1" op="equ"/>
-              <dgm:constr type="primFontSz" for="des" forName="Parent5" refType="primFontSz" refFor="des" refForName="Parent1" op="equ"/>
-              <dgm:constr type="primFontSz" for="des" forName="Parent6" refType="primFontSz" refFor="des" refForName="Parent1" op="equ"/>
-              <dgm:constr type="primFontSz" for="des" forName="Parent7" refType="primFontSz" refFor="des" refForName="Parent1" op="equ"/>
-              <dgm:constr type="primFontSz" for="des" forName="Parent8" refType="primFontSz" refFor="des" refForName="Parent1" op="equ"/>
-              <dgm:constr type="primFontSz" for="des" forName="Parent9" refType="primFontSz" refFor="des" refForName="Parent1" op="equ"/>
-              <dgm:constr type="primFontSz" for="des" forName="Parent10" refType="primFontSz" refFor="des" refForName="Parent1" op="equ"/>
-              <dgm:constr type="primFontSz" for="des" forName="Parent11" refType="primFontSz" refFor="des" refForName="Parent1" op="equ"/>
-              <dgm:constr type="primFontSz" for="des" forName="Child2" refType="primFontSz" refFor="des" refForName="Child1" op="equ"/>
-              <dgm:constr type="primFontSz" for="des" forName="Child3" refType="primFontSz" refFor="des" refForName="Child1" op="equ"/>
-              <dgm:constr type="primFontSz" for="des" forName="Child4" refType="primFontSz" refFor="des" refForName="Child1" op="equ"/>
-              <dgm:constr type="primFontSz" for="des" forName="Child5" refType="primFontSz" refFor="des" refForName="Child1" op="equ"/>
-              <dgm:constr type="primFontSz" for="des" forName="Child6" refType="primFontSz" refFor="des" refForName="Child1" op="equ"/>
-              <dgm:constr type="primFontSz" for="des" forName="Child7" refType="primFontSz" refFor="des" refForName="Child1" op="equ"/>
-              <dgm:constr type="primFontSz" for="des" forName="Child8" refType="primFontSz" refFor="des" refForName="Child1" op="equ"/>
-              <dgm:constr type="primFontSz" for="des" forName="Child9" refType="primFontSz" refFor="des" refForName="Child1" op="equ"/>
-              <dgm:constr type="primFontSz" for="des" forName="Child10" refType="primFontSz" refFor="des" refForName="Child1" op="equ"/>
-              <dgm:constr type="primFontSz" for="des" forName="Child11" refType="primFontSz" refFor="des" refForName="Child1" op="equ"/>
-              <dgm:constr type="l" for="ch" forName="Parent11" refType="w" fact="0.9277"/>
-              <dgm:constr type="t" for="ch" forName="Parent11" refType="h" fact="0.2022"/>
-              <dgm:constr type="w" for="ch" forName="Parent11" refType="w" fact="0.0579"/>
-              <dgm:constr type="h" for="ch" forName="Parent11" refType="h" fact="0.3799"/>
-              <dgm:constr type="l" for="ch" forName="Parent10" refType="w" fact="0.838"/>
-              <dgm:constr type="t" for="ch" forName="Parent10" refType="h" fact="0.2022"/>
-              <dgm:constr type="w" for="ch" forName="Parent10" refType="w" fact="0.0579"/>
-              <dgm:constr type="h" for="ch" forName="Parent10" refType="h" fact="0.3799"/>
-              <dgm:constr type="l" for="ch" forName="Parent9" refType="w" fact="0.7483"/>
-              <dgm:constr type="t" for="ch" forName="Parent9" refType="h" fact="0.2022"/>
-              <dgm:constr type="w" for="ch" forName="Parent9" refType="w" fact="0.0579"/>
-              <dgm:constr type="h" for="ch" forName="Parent9" refType="h" fact="0.3799"/>
-              <dgm:constr type="l" for="ch" forName="Parent8" refType="w" fact="0.6586"/>
-              <dgm:constr type="t" for="ch" forName="Parent8" refType="h" fact="0.2022"/>
-              <dgm:constr type="w" for="ch" forName="Parent8" refType="w" fact="0.0579"/>
-              <dgm:constr type="h" for="ch" forName="Parent8" refType="h" fact="0.3799"/>
-              <dgm:constr type="l" for="ch" forName="Parent7" refType="w" fact="0.5689"/>
-              <dgm:constr type="t" for="ch" forName="Parent7" refType="h" fact="0.2022"/>
-              <dgm:constr type="w" for="ch" forName="Parent7" refType="w" fact="0.0579"/>
-              <dgm:constr type="h" for="ch" forName="Parent7" refType="h" fact="0.3799"/>
-              <dgm:constr type="l" for="ch" forName="Parent6" refType="w" fact="0.4792"/>
-              <dgm:constr type="t" for="ch" forName="Parent6" refType="h" fact="0.2022"/>
-              <dgm:constr type="w" for="ch" forName="Parent6" refType="w" fact="0.0579"/>
-              <dgm:constr type="h" for="ch" forName="Parent6" refType="h" fact="0.3799"/>
-              <dgm:constr type="l" for="ch" forName="Parent5" refType="w" fact="0.3895"/>
-              <dgm:constr type="t" for="ch" forName="Parent5" refType="h" fact="0.2022"/>
-              <dgm:constr type="w" for="ch" forName="Parent5" refType="w" fact="0.0579"/>
-              <dgm:constr type="h" for="ch" forName="Parent5" refType="h" fact="0.3799"/>
-              <dgm:constr type="l" for="ch" forName="Parent4" refType="w" fact="0.2999"/>
-              <dgm:constr type="t" for="ch" forName="Parent4" refType="h" fact="0.2022"/>
-              <dgm:constr type="w" for="ch" forName="Parent4" refType="w" fact="0.0579"/>
-              <dgm:constr type="h" for="ch" forName="Parent4" refType="h" fact="0.3799"/>
-              <dgm:constr type="l" for="ch" forName="Parent3" refType="w" fact="0.2102"/>
-              <dgm:constr type="t" for="ch" forName="Parent3" refType="h" fact="0.2022"/>
-              <dgm:constr type="w" for="ch" forName="Parent3" refType="w" fact="0.0579"/>
-              <dgm:constr type="h" for="ch" forName="Parent3" refType="h" fact="0.3799"/>
-              <dgm:constr type="l" for="ch" forName="Parent2" refType="w" fact="0.1205"/>
-              <dgm:constr type="t" for="ch" forName="Parent2" refType="h" fact="0.2022"/>
-              <dgm:constr type="w" for="ch" forName="Parent2" refType="w" fact="0.0579"/>
-              <dgm:constr type="h" for="ch" forName="Parent2" refType="h" fact="0.3799"/>
-              <dgm:constr type="l" for="ch" forName="Parent1" refType="w" fact="0.0308"/>
-              <dgm:constr type="t" for="ch" forName="Parent1" refType="h" fact="0.2022"/>
-              <dgm:constr type="w" for="ch" forName="Parent1" refType="w" fact="0.0579"/>
-              <dgm:constr type="h" for="ch" forName="Parent1" refType="h" fact="0.3799"/>
-              <dgm:constr type="l" for="ch" forName="Accent11" refType="w" fact="0.9132"/>
-              <dgm:constr type="t" for="ch" forName="Accent11" refType="h" fact="0.1072"/>
-              <dgm:constr type="w" for="ch" forName="Accent11" refType="w" fact="0.0868"/>
-              <dgm:constr type="h" for="ch" forName="Accent11" refType="h" fact="0.5699"/>
-              <dgm:constr type="l" for="ch" forName="ParentBackground11" refType="w" fact="0.9161"/>
-              <dgm:constr type="t" for="ch" forName="ParentBackground11" refType="h" fact="0.1262"/>
-              <dgm:constr type="w" for="ch" forName="ParentBackground11" refType="w" fact="0.081"/>
-              <dgm:constr type="h" for="ch" forName="ParentBackground11" refType="h" fact="0.5319"/>
-              <dgm:constr type="l" for="ch" forName="Child11" refType="w" fact="0.9161"/>
-              <dgm:constr type="t" for="ch" forName="Child11" refType="h" fact="0.6876"/>
-              <dgm:constr type="w" for="ch" forName="Child11" refType="w" fact="0.081"/>
-              <dgm:constr type="h" for="ch" forName="Child11" refType="h" fact="0.3124"/>
-              <dgm:constr type="l" for="ch" forName="Accent10" refType="w" fact="0.8055"/>
-              <dgm:constr type="t" for="ch" forName="Accent10" refType="h" fact="-0.0109"/>
-              <dgm:constr type="w" for="ch" forName="Accent10" refType="w" fact="0.1228"/>
-              <dgm:constr type="h" for="ch" forName="Accent10" refType="h" fact="0.806"/>
-              <dgm:constr type="l" for="ch" forName="ParentBackground10" refType="w" fact="0.8264"/>
-              <dgm:constr type="t" for="ch" forName="ParentBackground10" refType="h" fact="0.1262"/>
-              <dgm:constr type="w" for="ch" forName="ParentBackground10" refType="w" fact="0.081"/>
-              <dgm:constr type="h" for="ch" forName="ParentBackground10" refType="h" fact="0.5319"/>
-              <dgm:constr type="l" for="ch" forName="Child10" refType="w" fact="0.8264"/>
-              <dgm:constr type="t" for="ch" forName="Child10" refType="h" fact="0.6876"/>
-              <dgm:constr type="w" for="ch" forName="Child10" refType="w" fact="0.081"/>
-              <dgm:constr type="h" for="ch" forName="Child10" refType="h" fact="0.3124"/>
-              <dgm:constr type="l" for="ch" forName="Accent9" refType="w" fact="0.7158"/>
-              <dgm:constr type="t" for="ch" forName="Accent9" refType="h" fact="-0.0109"/>
-              <dgm:constr type="w" for="ch" forName="Accent9" refType="w" fact="0.1228"/>
-              <dgm:constr type="h" for="ch" forName="Accent9" refType="h" fact="0.806"/>
-              <dgm:constr type="l" for="ch" forName="ParentBackground9" refType="w" fact="0.7367"/>
-              <dgm:constr type="t" for="ch" forName="ParentBackground9" refType="h" fact="0.1262"/>
-              <dgm:constr type="w" for="ch" forName="ParentBackground9" refType="w" fact="0.081"/>
-              <dgm:constr type="h" for="ch" forName="ParentBackground9" refType="h" fact="0.5319"/>
-              <dgm:constr type="l" for="ch" forName="Child9" refType="w" fact="0.7367"/>
-              <dgm:constr type="t" for="ch" forName="Child9" refType="h" fact="0.6876"/>
-              <dgm:constr type="w" for="ch" forName="Child9" refType="w" fact="0.081"/>
-              <dgm:constr type="h" for="ch" forName="Child9" refType="h" fact="0.3124"/>
-              <dgm:constr type="l" for="ch" forName="Accent8" refType="w" fact="0.6261"/>
-              <dgm:constr type="t" for="ch" forName="Accent8" refType="h" fact="-0.0109"/>
-              <dgm:constr type="w" for="ch" forName="Accent8" refType="w" fact="0.1228"/>
-              <dgm:constr type="h" for="ch" forName="Accent8" refType="h" fact="0.806"/>
-              <dgm:constr type="l" for="ch" forName="ParentBackground8" refType="w" fact="0.647"/>
-              <dgm:constr type="t" for="ch" forName="ParentBackground8" refType="h" fact="0.1262"/>
-              <dgm:constr type="w" for="ch" forName="ParentBackground8" refType="w" fact="0.081"/>
-              <dgm:constr type="h" for="ch" forName="ParentBackground8" refType="h" fact="0.5319"/>
-              <dgm:constr type="l" for="ch" forName="Child8" refType="w" fact="0.647"/>
-              <dgm:constr type="t" for="ch" forName="Child8" refType="h" fact="0.6876"/>
-              <dgm:constr type="w" for="ch" forName="Child8" refType="w" fact="0.081"/>
-              <dgm:constr type="h" for="ch" forName="Child8" refType="h" fact="0.3124"/>
-              <dgm:constr type="l" for="ch" forName="Accent7" refType="w" fact="0.5364"/>
-              <dgm:constr type="t" for="ch" forName="Accent7" refType="h" fact="-0.0109"/>
-              <dgm:constr type="w" for="ch" forName="Accent7" refType="w" fact="0.1228"/>
-              <dgm:constr type="h" for="ch" forName="Accent7" refType="h" fact="0.806"/>
-              <dgm:constr type="l" for="ch" forName="ParentBackground7" refType="w" fact="0.5573"/>
-              <dgm:constr type="t" for="ch" forName="ParentBackground7" refType="h" fact="0.1262"/>
-              <dgm:constr type="w" for="ch" forName="ParentBackground7" refType="w" fact="0.081"/>
-              <dgm:constr type="h" for="ch" forName="ParentBackground7" refType="h" fact="0.5319"/>
-              <dgm:constr type="l" for="ch" forName="Child7" refType="w" fact="0.5573"/>
-              <dgm:constr type="t" for="ch" forName="Child7" refType="h" fact="0.6876"/>
-              <dgm:constr type="w" for="ch" forName="Child7" refType="w" fact="0.081"/>
-              <dgm:constr type="h" for="ch" forName="Child7" refType="h" fact="0.3124"/>
-              <dgm:constr type="l" for="ch" forName="Accent6" refType="w" fact="0.4467"/>
-              <dgm:constr type="t" for="ch" forName="Accent6" refType="h" fact="-0.0109"/>
-              <dgm:constr type="w" for="ch" forName="Accent6" refType="w" fact="0.1228"/>
-              <dgm:constr type="h" for="ch" forName="Accent6" refType="h" fact="0.806"/>
-              <dgm:constr type="l" for="ch" forName="ParentBackground6" refType="w" fact="0.4677"/>
-              <dgm:constr type="t" for="ch" forName="ParentBackground6" refType="h" fact="0.1262"/>
-              <dgm:constr type="w" for="ch" forName="ParentBackground6" refType="w" fact="0.081"/>
-              <dgm:constr type="h" for="ch" forName="ParentBackground6" refType="h" fact="0.5319"/>
-              <dgm:constr type="l" for="ch" forName="Child6" refType="w" fact="0.4677"/>
-              <dgm:constr type="t" for="ch" forName="Child6" refType="h" fact="0.6876"/>
-              <dgm:constr type="w" for="ch" forName="Child6" refType="w" fact="0.081"/>
-              <dgm:constr type="h" for="ch" forName="Child6" refType="h" fact="0.3124"/>
-              <dgm:constr type="l" for="ch" forName="Accent5" refType="w" fact="0.3571"/>
-              <dgm:constr type="t" for="ch" forName="Accent5" refType="h" fact="-0.0109"/>
-              <dgm:constr type="w" for="ch" forName="Accent5" refType="w" fact="0.1228"/>
-              <dgm:constr type="h" for="ch" forName="Accent5" refType="h" fact="0.806"/>
-              <dgm:constr type="l" for="ch" forName="ParentBackground5" refType="w" fact="0.378"/>
-              <dgm:constr type="t" for="ch" forName="ParentBackground5" refType="h" fact="0.1262"/>
-              <dgm:constr type="w" for="ch" forName="ParentBackground5" refType="w" fact="0.081"/>
-              <dgm:constr type="h" for="ch" forName="ParentBackground5" refType="h" fact="0.5319"/>
-              <dgm:constr type="l" for="ch" forName="Child5" refType="w" fact="0.378"/>
-              <dgm:constr type="t" for="ch" forName="Child5" refType="h" fact="0.6876"/>
-              <dgm:constr type="w" for="ch" forName="Child5" refType="w" fact="0.081"/>
-              <dgm:constr type="h" for="ch" forName="Child5" refType="h" fact="0.3124"/>
-              <dgm:constr type="l" for="ch" forName="Accent4" refType="w" fact="0.2674"/>
-              <dgm:constr type="t" for="ch" forName="Accent4" refType="h" fact="-0.0109"/>
-              <dgm:constr type="w" for="ch" forName="Accent4" refType="w" fact="0.1228"/>
-              <dgm:constr type="h" for="ch" forName="Accent4" refType="h" fact="0.806"/>
-              <dgm:constr type="l" for="ch" forName="ParentBackground4" refType="w" fact="0.2883"/>
-              <dgm:constr type="t" for="ch" forName="ParentBackground4" refType="h" fact="0.1262"/>
-              <dgm:constr type="w" for="ch" forName="ParentBackground4" refType="w" fact="0.081"/>
-              <dgm:constr type="h" for="ch" forName="ParentBackground4" refType="h" fact="0.5319"/>
-              <dgm:constr type="l" for="ch" forName="Child4" refType="w" fact="0.2883"/>
-              <dgm:constr type="t" for="ch" forName="Child4" refType="h" fact="0.6876"/>
-              <dgm:constr type="w" for="ch" forName="Child4" refType="w" fact="0.081"/>
-              <dgm:constr type="h" for="ch" forName="Child4" refType="h" fact="0.3124"/>
-              <dgm:constr type="l" for="ch" forName="Accent3" refType="w" fact="0.1777"/>
-              <dgm:constr type="t" for="ch" forName="Accent3" refType="h" fact="-0.0109"/>
-              <dgm:constr type="w" for="ch" forName="Accent3" refType="w" fact="0.1228"/>
-              <dgm:constr type="h" for="ch" forName="Accent3" refType="h" fact="0.806"/>
-              <dgm:constr type="l" for="ch" forName="ParentBackground3" refType="w" fact="0.1986"/>
-              <dgm:constr type="t" for="ch" forName="ParentBackground3" refType="h" fact="0.1262"/>
-              <dgm:constr type="w" for="ch" forName="ParentBackground3" refType="w" fact="0.081"/>
-              <dgm:constr type="h" for="ch" forName="ParentBackground3" refType="h" fact="0.5319"/>
-              <dgm:constr type="l" for="ch" forName="Child3" refType="w" fact="0.1986"/>
-              <dgm:constr type="t" for="ch" forName="Child3" refType="h" fact="0.6876"/>
-              <dgm:constr type="w" for="ch" forName="Child3" refType="w" fact="0.081"/>
-              <dgm:constr type="h" for="ch" forName="Child3" refType="h" fact="0.3124"/>
-              <dgm:constr type="l" for="ch" forName="Accent2" refType="w" fact="0.088"/>
-              <dgm:constr type="t" for="ch" forName="Accent2" refType="h" fact="-0.0109"/>
-              <dgm:constr type="w" for="ch" forName="Accent2" refType="w" fact="0.1228"/>
-              <dgm:constr type="h" for="ch" forName="Accent2" refType="h" fact="0.806"/>
-              <dgm:constr type="l" for="ch" forName="ParentBackground2" refType="w" fact="0.1089"/>
-              <dgm:constr type="t" for="ch" forName="ParentBackground2" refType="h" fact="0.1262"/>
-              <dgm:constr type="w" for="ch" forName="ParentBackground2" refType="w" fact="0.081"/>
-              <dgm:constr type="h" for="ch" forName="ParentBackground2" refType="h" fact="0.5319"/>
-              <dgm:constr type="l" for="ch" forName="Child2" refType="w" fact="0.1089"/>
-              <dgm:constr type="t" for="ch" forName="Child2" refType="h" fact="0.6876"/>
-              <dgm:constr type="w" for="ch" forName="Child2" refType="w" fact="0.081"/>
-              <dgm:constr type="h" for="ch" forName="Child2" refType="h" fact="0.3124"/>
-              <dgm:constr type="l" for="ch" forName="Accent1" refType="w" fact="-0.0017"/>
-              <dgm:constr type="t" for="ch" forName="Accent1" refType="h" fact="-0.0109"/>
-              <dgm:constr type="w" for="ch" forName="Accent1" refType="w" fact="0.1228"/>
-              <dgm:constr type="h" for="ch" forName="Accent1" refType="h" fact="0.806"/>
-              <dgm:constr type="l" for="ch" forName="ParentBackground1" refType="w" fact="0.0192"/>
-              <dgm:constr type="t" for="ch" forName="ParentBackground1" refType="h" fact="0.1262"/>
-              <dgm:constr type="w" for="ch" forName="ParentBackground1" refType="w" fact="0.081"/>
-              <dgm:constr type="h" for="ch" forName="ParentBackground1" refType="h" fact="0.5319"/>
-              <dgm:constr type="l" for="ch" forName="Child1" refType="w" fact="0.0192"/>
-              <dgm:constr type="t" for="ch" forName="Child1" refType="h" fact="0.6876"/>
-              <dgm:constr type="w" for="ch" forName="Child1" refType="w" fact="0.081"/>
-              <dgm:constr type="h" for="ch" forName="Child1" refType="h" fact="0.3124"/>
-            </dgm:constrLst>
-          </dgm:else>
-        </dgm:choose>
-      </dgm:if>
-      <dgm:else name="Name15">
-        <dgm:choose name="Name16">
-          <dgm:if name="Name17" axis="ch" ptType="node" func="cnt" op="equ" val="1">
-            <dgm:alg type="composite">
-              <dgm:param type="ar" val="0.6383"/>
-            </dgm:alg>
-            <dgm:constrLst>
-              <dgm:constr type="primFontSz" for="des" forName="Child1" val="65"/>
-              <dgm:constr type="primFontSz" for="des" forName="Parent1" val="65"/>
-              <dgm:constr type="primFontSz" for="des" forName="Child1" refType="primFontSz" refFor="des" refForName="Parent1" op="lte"/>
-              <dgm:constr type="l" for="ch" forName="Parent1" refType="w" fact="0.1667"/>
-              <dgm:constr type="t" for="ch" forName="Parent1" refType="h" fact="0.1064"/>
-              <dgm:constr type="w" for="ch" forName="Parent1" refType="w" fact="0.6667"/>
-              <dgm:constr type="h" for="ch" forName="Parent1" refType="h" fact="0.4255"/>
-              <dgm:constr type="l" for="ch" forName="Accent1" refType="w" fact="0"/>
-              <dgm:constr type="t" for="ch" forName="Accent1" refType="h" fact="0"/>
-              <dgm:constr type="w" for="ch" forName="Accent1" refType="w"/>
-              <dgm:constr type="h" for="ch" forName="Accent1" refType="h" fact="0.6383"/>
-              <dgm:constr type="l" for="ch" forName="ParentBackground1" refType="w" fact="0.0333"/>
-              <dgm:constr type="t" for="ch" forName="ParentBackground1" refType="h" fact="0.0213"/>
-              <dgm:constr type="w" for="ch" forName="ParentBackground1" refType="w" fact="0.9333"/>
-              <dgm:constr type="h" for="ch" forName="ParentBackground1" refType="h" fact="0.5957"/>
-              <dgm:constr type="l" for="ch" forName="Child1" refType="w" fact="0.0333"/>
-              <dgm:constr type="t" for="ch" forName="Child1" refType="h" fact="0.6574"/>
-              <dgm:constr type="w" for="ch" forName="Child1" refType="w" fact="0.9333"/>
-              <dgm:constr type="h" for="ch" forName="Child1" refType="h" fact="0.3426"/>
-            </dgm:constrLst>
-          </dgm:if>
-          <dgm:if name="Name18" axis="ch" ptType="node" func="cnt" op="equ" val="2">
-            <dgm:alg type="composite">
-              <dgm:param type="ar" val="1.2659"/>
-            </dgm:alg>
-            <dgm:constrLst>
-              <dgm:constr type="primFontSz" for="des" forName="Child1" val="65"/>
-              <dgm:constr type="primFontSz" for="des" forName="Parent1" val="65"/>
-              <dgm:constr type="primFontSz" for="des" forName="Child1" refType="primFontSz" refFor="des" refForName="Parent1" op="lte"/>
-              <dgm:constr type="primFontSz" for="des" forName="Child2" refType="primFontSz" refFor="des" refForName="Parent1" op="lte"/>
-              <dgm:constr type="primFontSz" for="des" forName="Child1" refType="primFontSz" refFor="des" refForName="Parent2" op="lte"/>
-              <dgm:constr type="primFontSz" for="des" forName="Child2" refType="primFontSz" refFor="des" refForName="Parent2" op="lte"/>
-              <dgm:constr type="primFontSz" for="des" forName="Parent2" refType="primFontSz" refFor="des" refForName="Parent1" op="equ"/>
-              <dgm:constr type="primFontSz" for="des" forName="Child2" refType="primFontSz" refFor="des" refForName="Child1" op="equ"/>
-              <dgm:constr type="r" for="ch" forName="Parent2" refType="w" fact="0.3751"/>
-              <dgm:constr type="t" for="ch" forName="Parent2" refType="h" fact="0.2022"/>
-              <dgm:constr type="w" for="ch" forName="Parent2" refType="w" fact="0.3001"/>
-              <dgm:constr type="h" for="ch" forName="Parent2" refType="h" fact="0.3799"/>
-              <dgm:constr type="r" for="ch" forName="Parent1" refType="w" fact="0.8403"/>
-              <dgm:constr type="t" for="ch" forName="Parent1" refType="h" fact="0.2022"/>
-              <dgm:constr type="w" for="ch" forName="Parent1" refType="w" fact="0.3001"/>
-              <dgm:constr type="h" for="ch" forName="Parent1" refType="h" fact="0.3799"/>
-              <dgm:constr type="r" for="ch" forName="Accent2" refType="w" fact="0.4502"/>
-              <dgm:constr type="t" for="ch" forName="Accent2" refType="h" fact="0.1072"/>
-              <dgm:constr type="w" for="ch" forName="Accent2" refType="w" fact="0.4502"/>
-              <dgm:constr type="h" for="ch" forName="Accent2" refType="h" fact="0.5699"/>
-              <dgm:constr type="r" for="ch" forName="ParentBackground2" refType="w" fact="0.4352"/>
-              <dgm:constr type="t" for="ch" forName="ParentBackground2" refType="h" fact="0.1262"/>
-              <dgm:constr type="w" for="ch" forName="ParentBackground2" refType="w" fact="0.4201"/>
-              <dgm:constr type="h" for="ch" forName="ParentBackground2" refType="h" fact="0.5319"/>
-              <dgm:constr type="r" for="ch" forName="Child2" refType="w" fact="0.4352"/>
-              <dgm:constr type="t" for="ch" forName="Child2" refType="h" fact="0.6876"/>
-              <dgm:constr type="w" for="ch" forName="Child2" refType="w" fact="0.4201"/>
-              <dgm:constr type="h" for="ch" forName="Child2" refType="h" fact="0.3124"/>
-              <dgm:constr type="r" for="ch" forName="Accent1" refType="w" fact="1.0086"/>
-              <dgm:constr type="t" for="ch" forName="Accent1" refType="h" fact="-0.0109"/>
-              <dgm:constr type="w" for="ch" forName="Accent1" refType="w" fact="0.6367"/>
-              <dgm:constr type="h" for="ch" forName="Accent1" refType="h" fact="0.806"/>
-              <dgm:constr type="r" for="ch" forName="ParentBackground1" refType="w" fact="0.9003"/>
-              <dgm:constr type="t" for="ch" forName="ParentBackground1" refType="h" fact="0.1262"/>
-              <dgm:constr type="w" for="ch" forName="ParentBackground1" refType="w" fact="0.4201"/>
-              <dgm:constr type="h" for="ch" forName="ParentBackground1" refType="h" fact="0.5319"/>
-              <dgm:constr type="r" for="ch" forName="Child1" refType="w" fact="0.9003"/>
-              <dgm:constr type="t" for="ch" forName="Child1" refType="h" fact="0.6876"/>
-              <dgm:constr type="w" for="ch" forName="Child1" refType="w" fact="0.4201"/>
-              <dgm:constr type="h" for="ch" forName="Child1" refType="h" fact="0.3124"/>
-            </dgm:constrLst>
-          </dgm:if>
-          <dgm:if name="Name19" axis="ch" ptType="node" func="cnt" op="equ" val="3">
-            <dgm:alg type="composite">
-              <dgm:param type="ar" val="1.8548"/>
-            </dgm:alg>
-            <dgm:constrLst>
-              <dgm:constr type="primFontSz" for="des" forName="Child1" val="65"/>
-              <dgm:constr type="primFontSz" for="des" forName="Parent1" val="65"/>
-              <dgm:constr type="primFontSz" for="des" forName="Child1" refType="primFontSz" refFor="des" refForName="Parent1" op="lte"/>
-              <dgm:constr type="primFontSz" for="des" forName="Child2" refType="primFontSz" refFor="des" refForName="Parent1" op="lte"/>
-              <dgm:constr type="primFontSz" for="des" forName="Child3" refType="primFontSz" refFor="des" refForName="Parent1" op="lte"/>
-              <dgm:constr type="primFontSz" for="des" forName="Child1" refType="primFontSz" refFor="des" refForName="Parent2" op="lte"/>
-              <dgm:constr type="primFontSz" for="des" forName="Child2" refType="primFontSz" refFor="des" refForName="Parent2" op="lte"/>
-              <dgm:constr type="primFontSz" for="des" forName="Child3" refType="primFontSz" refFor="des" refForName="Parent2" op="lte"/>
-              <dgm:constr type="primFontSz" for="des" forName="Child1" refType="primFontSz" refFor="des" refForName="Parent3" op="lte"/>
-              <dgm:constr type="primFontSz" for="des" forName="Child2" refType="primFontSz" refFor="des" refForName="Parent3" op="lte"/>
-              <dgm:constr type="primFontSz" for="des" forName="Child3" refType="primFontSz" refFor="des" refForName="Parent3" op="lte"/>
-              <dgm:constr type="primFontSz" for="des" forName="Parent2" refType="primFontSz" refFor="des" refForName="Parent1" op="equ"/>
-              <dgm:constr type="primFontSz" for="des" forName="Parent3" refType="primFontSz" refFor="des" refForName="Parent1" op="equ"/>
-              <dgm:constr type="primFontSz" for="des" forName="Child2" refType="primFontSz" refFor="des" refForName="Child1" op="equ"/>
-              <dgm:constr type="primFontSz" for="des" forName="Child3" refType="primFontSz" refFor="des" refForName="Child1" op="equ"/>
-              <dgm:constr type="r" for="ch" forName="Parent3" refType="w" fact="0.256"/>
-              <dgm:constr type="t" for="ch" forName="Parent3" refType="h" fact="0.2022"/>
-              <dgm:constr type="w" for="ch" forName="Parent3" refType="w" fact="0.2048"/>
-              <dgm:constr type="h" for="ch" forName="Parent3" refType="h" fact="0.3799"/>
-              <dgm:constr type="r" for="ch" forName="Parent2" refType="w" fact="0.5735"/>
-              <dgm:constr type="t" for="ch" forName="Parent2" refType="h" fact="0.2022"/>
-              <dgm:constr type="w" for="ch" forName="Parent2" refType="w" fact="0.2048"/>
-              <dgm:constr type="h" for="ch" forName="Parent2" refType="h" fact="0.3799"/>
-              <dgm:constr type="r" for="ch" forName="Parent1" refType="w" fact="0.891"/>
-              <dgm:constr type="t" for="ch" forName="Parent1" refType="h" fact="0.2022"/>
-              <dgm:constr type="w" for="ch" forName="Parent1" refType="w" fact="0.2048"/>
-              <dgm:constr type="h" for="ch" forName="Parent1" refType="h" fact="0.3799"/>
-              <dgm:constr type="r" for="ch" forName="Accent3" refType="w" fact="0.3072"/>
-              <dgm:constr type="t" for="ch" forName="Accent3" refType="h" fact="0.1072"/>
-              <dgm:constr type="w" for="ch" forName="Accent3" refType="w" fact="0.3072"/>
-              <dgm:constr type="h" for="ch" forName="Accent3" refType="h" fact="0.5699"/>
-              <dgm:constr type="r" for="ch" forName="ParentBackground3" refType="w" fact="0.297"/>
-              <dgm:constr type="t" for="ch" forName="ParentBackground3" refType="h" fact="0.1262"/>
-              <dgm:constr type="w" for="ch" forName="ParentBackground3" refType="w" fact="0.2868"/>
-              <dgm:constr type="h" for="ch" forName="ParentBackground3" refType="h" fact="0.5319"/>
-              <dgm:constr type="r" for="ch" forName="Child3" refType="w" fact="0.297"/>
-              <dgm:constr type="t" for="ch" forName="Child3" refType="h" fact="0.6876"/>
-              <dgm:constr type="w" for="ch" forName="Child3" refType="w" fact="0.2868"/>
-              <dgm:constr type="h" for="ch" forName="Child3" refType="h" fact="0.3124"/>
-              <dgm:constr type="r" for="ch" forName="Accent2" refType="w" fact="0.6878"/>
-              <dgm:constr type="t" for="ch" forName="Accent2" refType="h" fact="-0.0109"/>
-              <dgm:constr type="w" for="ch" forName="Accent2" refType="w" fact="0.4334"/>
-              <dgm:constr type="h" for="ch" forName="Accent2" refType="h" fact="0.806"/>
-              <dgm:constr type="r" for="ch" forName="ParentBackground2" refType="w" fact="0.6145"/>
-              <dgm:constr type="t" for="ch" forName="ParentBackground2" refType="h" fact="0.1262"/>
-              <dgm:constr type="w" for="ch" forName="ParentBackground2" refType="w" fact="0.2868"/>
-              <dgm:constr type="h" for="ch" forName="ParentBackground2" refType="h" fact="0.5319"/>
-              <dgm:constr type="r" for="ch" forName="Child2" refType="w" fact="0.6145"/>
-              <dgm:constr type="t" for="ch" forName="Child2" refType="h" fact="0.6876"/>
-              <dgm:constr type="w" for="ch" forName="Child2" refType="w" fact="0.2868"/>
-              <dgm:constr type="h" for="ch" forName="Child2" refType="h" fact="0.3124"/>
-              <dgm:constr type="r" for="ch" forName="Accent1" refType="w" fact="1.0053"/>
-              <dgm:constr type="t" for="ch" forName="Accent1" refType="h" fact="-0.0109"/>
-              <dgm:constr type="w" for="ch" forName="Accent1" refType="w" fact="0.4334"/>
-              <dgm:constr type="h" for="ch" forName="Accent1" refType="h" fact="0.806"/>
-              <dgm:constr type="r" for="ch" forName="ParentBackground1" refType="w" fact="0.932"/>
-              <dgm:constr type="t" for="ch" forName="ParentBackground1" refType="h" fact="0.1262"/>
-              <dgm:constr type="w" for="ch" forName="ParentBackground1" refType="w" fact="0.2868"/>
-              <dgm:constr type="h" for="ch" forName="ParentBackground1" refType="h" fact="0.5319"/>
-              <dgm:constr type="r" for="ch" forName="Child1" refType="w" fact="0.932"/>
-              <dgm:constr type="t" for="ch" forName="Child1" refType="h" fact="0.6876"/>
-              <dgm:constr type="w" for="ch" forName="Child1" refType="w" fact="0.2868"/>
-              <dgm:constr type="h" for="ch" forName="Child1" refType="h" fact="0.3124"/>
-            </dgm:constrLst>
-          </dgm:if>
-          <dgm:if name="Name20" axis="ch" ptType="node" func="cnt" op="equ" val="4">
-            <dgm:alg type="composite">
-              <dgm:param type="ar" val="2.4437"/>
-            </dgm:alg>
-            <dgm:constrLst>
-              <dgm:constr type="primFontSz" for="des" forName="Child1" val="65"/>
-              <dgm:constr type="primFontSz" for="des" forName="Parent1" val="65"/>
-              <dgm:constr type="primFontSz" for="des" forName="Child1" refType="primFontSz" refFor="des" refForName="Parent1" op="lte"/>
-              <dgm:constr type="primFontSz" for="des" forName="Child2" refType="primFontSz" refFor="des" refForName="Parent1" op="lte"/>
-              <dgm:constr type="primFontSz" for="des" forName="Child3" refType="primFontSz" refFor="des" refForName="Parent1" op="lte"/>
-              <dgm:constr type="primFontSz" for="des" forName="Child4" refType="primFontSz" refFor="des" refForName="Parent1" op="lte"/>
-              <dgm:constr type="primFontSz" for="des" forName="Child1" refType="primFontSz" refFor="des" refForName="Parent2" op="lte"/>
-              <dgm:constr type="primFontSz" for="des" forName="Child2" refType="primFontSz" refFor="des" refForName="Parent2" op="lte"/>
-              <dgm:constr type="primFontSz" for="des" forName="Child3" refType="primFontSz" refFor="des" refForName="Parent2" op="lte"/>
-              <dgm:constr type="primFontSz" for="des" forName="Child4" refType="primFontSz" refFor="des" refForName="Parent2" op="lte"/>
-              <dgm:constr type="primFontSz" for="des" forName="Child1" refType="primFontSz" refFor="des" refForName="Parent3" op="lte"/>
-              <dgm:constr type="primFontSz" for="des" forName="Child2" refType="primFontSz" refFor="des" refForName="Parent3" op="lte"/>
-              <dgm:constr type="primFontSz" for="des" forName="Child3" refType="primFontSz" refFor="des" refForName="Parent3" op="lte"/>
-              <dgm:constr type="primFontSz" for="des" forName="Child4" refType="primFontSz" refFor="des" refForName="Parent3" op="lte"/>
-              <dgm:constr type="primFontSz" for="des" forName="Child1" refType="primFontSz" refFor="des" refForName="Parent4" op="lte"/>
-              <dgm:constr type="primFontSz" for="des" forName="Child2" refType="primFontSz" refFor="des" refForName="Parent4" op="lte"/>
-              <dgm:constr type="primFontSz" for="des" forName="Child3" refType="primFontSz" refFor="des" refForName="Parent4" op="lte"/>
-              <dgm:constr type="primFontSz" for="des" forName="Child4" refType="primFontSz" refFor="des" refForName="Parent4" op="lte"/>
-              <dgm:constr type="primFontSz" for="des" forName="Parent2" refType="primFontSz" refFor="des" refForName="Parent1" op="equ"/>
-              <dgm:constr type="primFontSz" for="des" forName="Parent3" refType="primFontSz" refFor="des" refForName="Parent1" op="equ"/>
-              <dgm:constr type="primFontSz" for="des" forName="Parent4" refType="primFontSz" refFor="des" refForName="Parent1" op="equ"/>
-              <dgm:constr type="primFontSz" for="des" forName="Child2" refType="primFontSz" refFor="des" refForName="Child1" op="equ"/>
-              <dgm:constr type="primFontSz" for="des" forName="Child3" refType="primFontSz" refFor="des" refForName="Child1" op="equ"/>
-              <dgm:constr type="primFontSz" for="des" forName="Child4" refType="primFontSz" refFor="des" refForName="Child1" op="equ"/>
-              <dgm:constr type="r" for="ch" forName="Parent4" refType="w" fact="0.1943"/>
-              <dgm:constr type="t" for="ch" forName="Parent4" refType="h" fact="0.2022"/>
-              <dgm:constr type="w" for="ch" forName="Parent4" refType="w" fact="0.1555"/>
-              <dgm:constr type="h" for="ch" forName="Parent4" refType="h" fact="0.3799"/>
-              <dgm:constr type="r" for="ch" forName="Parent3" refType="w" fact="0.4353"/>
-              <dgm:constr type="t" for="ch" forName="Parent3" refType="h" fact="0.2022"/>
-              <dgm:constr type="w" for="ch" forName="Parent3" refType="w" fact="0.1555"/>
-              <dgm:constr type="h" for="ch" forName="Parent3" refType="h" fact="0.3799"/>
-              <dgm:constr type="r" for="ch" forName="Parent2" refType="w" fact="0.6763"/>
-              <dgm:constr type="t" for="ch" forName="Parent2" refType="h" fact="0.2022"/>
-              <dgm:constr type="w" for="ch" forName="Parent2" refType="w" fact="0.1555"/>
-              <dgm:constr type="h" for="ch" forName="Parent2" refType="h" fact="0.3799"/>
-              <dgm:constr type="r" for="ch" forName="Parent1" refType="w" fact="0.9173"/>
-              <dgm:constr type="t" for="ch" forName="Parent1" refType="h" fact="0.2022"/>
-              <dgm:constr type="w" for="ch" forName="Parent1" refType="w" fact="0.1555"/>
-              <dgm:constr type="h" for="ch" forName="Parent1" refType="h" fact="0.3799"/>
-              <dgm:constr type="r" for="ch" forName="Accent4" refType="w" fact="0.2332"/>
-              <dgm:constr type="t" for="ch" forName="Accent4" refType="h" fact="0.1072"/>
-              <dgm:constr type="w" for="ch" forName="Accent4" refType="w" fact="0.2332"/>
-              <dgm:constr type="h" for="ch" forName="Accent4" refType="h" fact="0.5699"/>
-              <dgm:constr type="r" for="ch" forName="ParentBackground4" refType="w" fact="0.2254"/>
-              <dgm:constr type="t" for="ch" forName="ParentBackground4" refType="h" fact="0.1262"/>
-              <dgm:constr type="w" for="ch" forName="ParentBackground4" refType="w" fact="0.2177"/>
-              <dgm:constr type="h" for="ch" forName="ParentBackground4" refType="h" fact="0.5319"/>
-              <dgm:constr type="r" for="ch" forName="Child4" refType="w" fact="0.2254"/>
-              <dgm:constr type="t" for="ch" forName="Child4" refType="h" fact="0.6876"/>
-              <dgm:constr type="w" for="ch" forName="Child4" refType="w" fact="0.2177"/>
-              <dgm:constr type="h" for="ch" forName="Child4" refType="h" fact="0.3124"/>
-              <dgm:constr type="r" for="ch" forName="Accent3" refType="w" fact="0.5235"/>
-              <dgm:constr type="t" for="ch" forName="Accent3" refType="h" fact="-0.0109"/>
-              <dgm:constr type="w" for="ch" forName="Accent3" refType="w" fact="0.3298"/>
-              <dgm:constr type="h" for="ch" forName="Accent3" refType="h" fact="0.806"/>
-              <dgm:constr type="r" for="ch" forName="ParentBackground3" refType="w" fact="0.4664"/>
-              <dgm:constr type="t" for="ch" forName="ParentBackground3" refType="h" fact="0.1262"/>
-              <dgm:constr type="w" for="ch" forName="ParentBackground3" refType="w" fact="0.2177"/>
-              <dgm:constr type="h" for="ch" forName="ParentBackground3" refType="h" fact="0.5319"/>
-              <dgm:constr type="r" for="ch" forName="Child3" refType="w" fact="0.4664"/>
-              <dgm:constr type="t" for="ch" forName="Child3" refType="h" fact="0.6876"/>
-              <dgm:constr type="w" for="ch" forName="Child3" refType="w" fact="0.2177"/>
-              <dgm:constr type="h" for="ch" forName="Child3" refType="h" fact="0.3124"/>
-              <dgm:constr type="r" for="ch" forName="Accent2" refType="w" fact="0.7635"/>
-              <dgm:constr type="t" for="ch" forName="Accent2" refType="h" fact="-0.0109"/>
-              <dgm:constr type="w" for="ch" forName="Accent2" refType="w" fact="0.3298"/>
-              <dgm:constr type="h" for="ch" forName="Accent2" refType="h" fact="0.806"/>
-              <dgm:constr type="r" for="ch" forName="ParentBackground2" refType="w" fact="0.7074"/>
-              <dgm:constr type="t" for="ch" forName="ParentBackground2" refType="h" fact="0.1262"/>
-              <dgm:constr type="w" for="ch" forName="ParentBackground2" refType="w" fact="0.2177"/>
-              <dgm:constr type="h" for="ch" forName="ParentBackground2" refType="h" fact="0.5319"/>
-              <dgm:constr type="r" for="ch" forName="Child2" refType="w" fact="0.7074"/>
-              <dgm:constr type="t" for="ch" forName="Child2" refType="h" fact="0.6876"/>
-              <dgm:constr type="w" for="ch" forName="Child2" refType="w" fact="0.2177"/>
-              <dgm:constr type="h" for="ch" forName="Child2" refType="h" fact="0.3124"/>
-              <dgm:constr type="r" for="ch" forName="Accent1" refType="w" fact="1.0045"/>
-              <dgm:constr type="t" for="ch" forName="Accent1" refType="h" fact="-0.0109"/>
-              <dgm:constr type="w" for="ch" forName="Accent1" refType="w" fact="0.3298"/>
-              <dgm:constr type="h" for="ch" forName="Accent1" refType="h" fact="0.806"/>
-              <dgm:constr type="r" for="ch" forName="ParentBackground1" refType="w" fact="0.9484"/>
-              <dgm:constr type="t" for="ch" forName="ParentBackground1" refType="h" fact="0.1262"/>
-              <dgm:constr type="w" for="ch" forName="ParentBackground1" refType="w" fact="0.2177"/>
-              <dgm:constr type="h" for="ch" forName="ParentBackground1" refType="h" fact="0.5319"/>
-              <dgm:constr type="r" for="ch" forName="Child1" refType="w" fact="0.9484"/>
-              <dgm:constr type="t" for="ch" forName="Child1" refType="h" fact="0.6876"/>
-              <dgm:constr type="w" for="ch" forName="Child1" refType="w" fact="0.2177"/>
-              <dgm:constr type="h" for="ch" forName="Child1" refType="h" fact="0.3124"/>
-            </dgm:constrLst>
-          </dgm:if>
-          <dgm:if name="Name21" axis="ch" ptType="node" func="cnt" op="equ" val="5">
-            <dgm:alg type="composite">
-              <dgm:param type="ar" val="3.0325"/>
-            </dgm:alg>
-            <dgm:constrLst>
-              <dgm:constr type="primFontSz" for="des" forName="Child1" val="65"/>
-              <dgm:constr type="primFontSz" for="des" forName="Parent1" val="65"/>
-              <dgm:constr type="primFontSz" for="des" forName="Child1" refType="primFontSz" refFor="des" refForName="Parent1" op="lte"/>
-              <dgm:constr type="primFontSz" for="des" forName="Child2" refType="primFontSz" refFor="des" refForName="Parent1" op="lte"/>
-              <dgm:constr type="primFontSz" for="des" forName="Child3" refType="primFontSz" refFor="des" refForName="Parent1" op="lte"/>
-              <dgm:constr type="primFontSz" for="des" forName="Child4" refType="primFontSz" refFor="des" refForName="Parent1" op="lte"/>
-              <dgm:constr type="primFontSz" for="des" forName="Child5" refType="primFontSz" refFor="des" refForName="Parent1" op="lte"/>
-              <dgm:constr type="primFontSz" for="des" forName="Child1" refType="primFontSz" refFor="des" refForName="Parent2" op="lte"/>
-              <dgm:constr type="primFontSz" for="des" forName="Child2" refType="primFontSz" refFor="des" refForName="Parent2" op="lte"/>
-              <dgm:constr type="primFontSz" for="des" forName="Child3" refType="primFontSz" refFor="des" refForName="Parent2" op="lte"/>
-              <dgm:constr type="primFontSz" for="des" forName="Child4" refType="primFontSz" refFor="des" refForName="Parent2" op="lte"/>
-              <dgm:constr type="primFontSz" for="des" forName="Child5" refType="primFontSz" refFor="des" refForName="Parent2" op="lte"/>
-              <dgm:constr type="primFontSz" for="des" forName="Child1" refType="primFontSz" refFor="des" refForName="Parent3" op="lte"/>
-              <dgm:constr type="primFontSz" for="des" forName="Child2" refType="primFontSz" refFor="des" refForName="Parent3" op="lte"/>
-              <dgm:constr type="primFontSz" for="des" forName="Child3" refType="primFontSz" refFor="des" refForName="Parent3" op="lte"/>
-              <dgm:constr type="primFontSz" for="des" forName="Child4" refType="primFontSz" refFor="des" refForName="Parent3" op="lte"/>
-              <dgm:constr type="primFontSz" for="des" forName="Child5" refType="primFontSz" refFor="des" refForName="Parent3" op="lte"/>
-              <dgm:constr type="primFontSz" for="des" forName="Child1" refType="primFontSz" refFor="des" refForName="Parent4" op="lte"/>
-              <dgm:constr type="primFontSz" for="des" forName="Child2" refType="primFontSz" refFor="des" refForName="Parent4" op="lte"/>
-              <dgm:constr type="primFontSz" for="des" forName="Child3" refType="primFontSz" refFor="des" refForName="Parent4" op="lte"/>
-              <dgm:constr type="primFontSz" for="des" forName="Child4" refType="primFontSz" refFor="des" refForName="Parent4" op="lte"/>
-              <dgm:constr type="primFontSz" for="des" forName="Child5" refType="primFontSz" refFor="des" refForName="Parent4" op="lte"/>
-              <dgm:constr type="primFontSz" for="des" forName="Child1" refType="primFontSz" refFor="des" refForName="Parent5" op="lte"/>
-              <dgm:constr type="primFontSz" for="des" forName="Child2" refType="primFontSz" refFor="des" refForName="Parent5" op="lte"/>
-              <dgm:constr type="primFontSz" for="des" forName="Child3" refType="primFontSz" refFor="des" refForName="Parent5" op="lte"/>
-              <dgm:constr type="primFontSz" for="des" forName="Child4" refType="primFontSz" refFor="des" refForName="Parent5" op="lte"/>
-              <dgm:constr type="primFontSz" for="des" forName="Child5" refType="primFontSz" refFor="des" refForName="Parent5" op="lte"/>
-              <dgm:constr type="primFontSz" for="des" forName="Parent2" refType="primFontSz" refFor="des" refForName="Parent1" op="equ"/>
-              <dgm:constr type="primFontSz" for="des" forName="Parent3" refType="primFontSz" refFor="des" refForName="Parent1" op="equ"/>
-              <dgm:constr type="primFontSz" for="des" forName="Parent4" refType="primFontSz" refFor="des" refForName="Parent1" op="equ"/>
-              <dgm:constr type="primFontSz" for="des" forName="Parent5" refType="primFontSz" refFor="des" refForName="Parent1" op="equ"/>
-              <dgm:constr type="primFontSz" for="des" forName="Child2" refType="primFontSz" refFor="des" refForName="Child1" op="equ"/>
-              <dgm:constr type="primFontSz" for="des" forName="Child3" refType="primFontSz" refFor="des" refForName="Child1" op="equ"/>
-              <dgm:constr type="primFontSz" for="des" forName="Child4" refType="primFontSz" refFor="des" refForName="Child1" op="equ"/>
-              <dgm:constr type="primFontSz" for="des" forName="Child5" refType="primFontSz" refFor="des" refForName="Child1" op="equ"/>
-              <dgm:constr type="r" for="ch" forName="Parent5" refType="w" fact="0.1566"/>
-              <dgm:constr type="t" for="ch" forName="Parent5" refType="h" fact="0.2022"/>
-              <dgm:constr type="w" for="ch" forName="Parent5" refType="w" fact="0.1253"/>
-              <dgm:constr type="h" for="ch" forName="Parent5" refType="h" fact="0.3799"/>
-              <dgm:constr type="r" for="ch" forName="Parent4" refType="w" fact="0.3508"/>
-              <dgm:constr type="t" for="ch" forName="Parent4" refType="h" fact="0.2022"/>
-              <dgm:constr type="w" for="ch" forName="Parent4" refType="w" fact="0.1253"/>
-              <dgm:constr type="h" for="ch" forName="Parent4" refType="h" fact="0.3799"/>
-              <dgm:constr type="r" for="ch" forName="Parent3" refType="w" fact="0.545"/>
-              <dgm:constr type="t" for="ch" forName="Parent3" refType="h" fact="0.2022"/>
-              <dgm:constr type="w" for="ch" forName="Parent3" refType="w" fact="0.1253"/>
-              <dgm:constr type="h" for="ch" forName="Parent3" refType="h" fact="0.3799"/>
-              <dgm:constr type="r" for="ch" forName="Parent2" refType="w" fact="0.7391"/>
-              <dgm:constr type="t" for="ch" forName="Parent2" refType="h" fact="0.2022"/>
-              <dgm:constr type="w" for="ch" forName="Parent2" refType="w" fact="0.1253"/>
-              <dgm:constr type="h" for="ch" forName="Parent2" refType="h" fact="0.3799"/>
-              <dgm:constr type="r" for="ch" forName="Parent1" refType="w" fact="0.9333"/>
-              <dgm:constr type="t" for="ch" forName="Parent1" refType="h" fact="0.2022"/>
-              <dgm:constr type="w" for="ch" forName="Parent1" refType="w" fact="0.1253"/>
-              <dgm:constr type="h" for="ch" forName="Parent1" refType="h" fact="0.3799"/>
-              <dgm:constr type="r" for="ch" forName="Accent5" refType="w" fact="0.1879"/>
-              <dgm:constr type="t" for="ch" forName="Accent5" refType="h" fact="0.1072"/>
-              <dgm:constr type="w" for="ch" forName="Accent5" refType="w" fact="0.1879"/>
-              <dgm:constr type="h" for="ch" forName="Accent5" refType="h" fact="0.5699"/>
-              <dgm:constr type="r" for="ch" forName="ParentBackground5" refType="w" fact="0.1817"/>
-              <dgm:constr type="t" for="ch" forName="ParentBackground5" refType="h" fact="0.1262"/>
-              <dgm:constr type="w" for="ch" forName="ParentBackground5" refType="w" fact="0.1754"/>
-              <dgm:constr type="h" for="ch" forName="ParentBackground5" refType="h" fact="0.5319"/>
-              <dgm:constr type="r" for="ch" forName="Child5" refType="w" fact="0.1817"/>
-              <dgm:constr type="t" for="ch" forName="Child5" refType="h" fact="0.6876"/>
-              <dgm:constr type="w" for="ch" forName="Child5" refType="w" fact="0.1754"/>
-              <dgm:constr type="h" for="ch" forName="Child5" refType="h" fact="0.3124"/>
-              <dgm:constr type="r" for="ch" forName="Accent4" refType="w" fact="0.4211"/>
-              <dgm:constr type="t" for="ch" forName="Accent4" refType="h" fact="-0.0109"/>
-              <dgm:constr type="w" for="ch" forName="Accent4" refType="w" fact="0.2657"/>
-              <dgm:constr type="h" for="ch" forName="Accent4" refType="h" fact="0.806"/>
-              <dgm:constr type="r" for="ch" forName="ParentBackground4" refType="w" fact="0.3758"/>
-              <dgm:constr type="t" for="ch" forName="ParentBackground4" refType="h" fact="0.1262"/>
-              <dgm:constr type="w" for="ch" forName="ParentBackground4" refType="w" fact="0.1754"/>
-              <dgm:constr type="h" for="ch" forName="ParentBackground4" refType="h" fact="0.5319"/>
-              <dgm:constr type="r" for="ch" forName="Child4" refType="w" fact="0.3758"/>
-              <dgm:constr type="t" for="ch" forName="Child4" refType="h" fact="0.6876"/>
-              <dgm:constr type="w" for="ch" forName="Child4" refType="w" fact="0.1754"/>
-              <dgm:constr type="h" for="ch" forName="Child4" refType="h" fact="0.3124"/>
-              <dgm:constr type="r" for="ch" forName="Accent3" refType="w" fact="0.6152"/>
-              <dgm:constr type="t" for="ch" forName="Accent3" refType="h" fact="-0.0109"/>
-              <dgm:constr type="w" for="ch" forName="Accent3" refType="w" fact="0.2657"/>
-              <dgm:constr type="h" for="ch" forName="Accent3" refType="h" fact="0.806"/>
-              <dgm:constr type="r" for="ch" forName="ParentBackground3" refType="w" fact="0.57"/>
-              <dgm:constr type="t" for="ch" forName="ParentBackground3" refType="h" fact="0.1262"/>
-              <dgm:constr type="w" for="ch" forName="ParentBackground3" refType="w" fact="0.1754"/>
-              <dgm:constr type="h" for="ch" forName="ParentBackground3" refType="h" fact="0.5319"/>
-              <dgm:constr type="r" for="ch" forName="Child3" refType="w" fact="0.57"/>
-              <dgm:constr type="t" for="ch" forName="Child3" refType="h" fact="0.6876"/>
-              <dgm:constr type="w" for="ch" forName="Child3" refType="w" fact="0.1754"/>
-              <dgm:constr type="h" for="ch" forName="Child3" refType="h" fact="0.3124"/>
-              <dgm:constr type="r" for="ch" forName="Accent2" refType="w" fact="0.8094"/>
-              <dgm:constr type="t" for="ch" forName="Accent2" refType="h" fact="-0.0109"/>
-              <dgm:constr type="w" for="ch" forName="Accent2" refType="w" fact="0.2657"/>
-              <dgm:constr type="h" for="ch" forName="Accent2" refType="h" fact="0.806"/>
-              <dgm:constr type="r" for="ch" forName="ParentBackground2" refType="w" fact="0.7642"/>
-              <dgm:constr type="t" for="ch" forName="ParentBackground2" refType="h" fact="0.1262"/>
-              <dgm:constr type="w" for="ch" forName="ParentBackground2" refType="w" fact="0.1754"/>
-              <dgm:constr type="h" for="ch" forName="ParentBackground2" refType="h" fact="0.5319"/>
-              <dgm:constr type="r" for="ch" forName="Child2" refType="w" fact="0.7642"/>
-              <dgm:constr type="t" for="ch" forName="Child2" refType="h" fact="0.6876"/>
-              <dgm:constr type="w" for="ch" forName="Child2" refType="w" fact="0.1754"/>
-              <dgm:constr type="h" for="ch" forName="Child2" refType="h" fact="0.3124"/>
-              <dgm:constr type="r" for="ch" forName="Accent1" refType="w" fact="1.0036"/>
-              <dgm:constr type="t" for="ch" forName="Accent1" refType="h" fact="-0.0109"/>
-              <dgm:constr type="w" for="ch" forName="Accent1" refType="w" fact="0.2657"/>
-              <dgm:constr type="h" for="ch" forName="Accent1" refType="h" fact="0.806"/>
-              <dgm:constr type="r" for="ch" forName="ParentBackground1" refType="w" fact="0.9584"/>
-              <dgm:constr type="t" for="ch" forName="ParentBackground1" refType="h" fact="0.1262"/>
-              <dgm:constr type="w" for="ch" forName="ParentBackground1" refType="w" fact="0.1754"/>
-              <dgm:constr type="h" for="ch" forName="ParentBackground1" refType="h" fact="0.5319"/>
-              <dgm:constr type="r" for="ch" forName="Child1" refType="w" fact="0.9584"/>
-              <dgm:constr type="t" for="ch" forName="Child1" refType="h" fact="0.6876"/>
-              <dgm:constr type="w" for="ch" forName="Child1" refType="w" fact="0.1754"/>
-              <dgm:constr type="h" for="ch" forName="Child1" refType="h" fact="0.3124"/>
-            </dgm:constrLst>
-          </dgm:if>
-          <dgm:if name="Name22" axis="ch" ptType="node" func="cnt" op="equ" val="6">
-            <dgm:alg type="composite">
-              <dgm:param type="ar" val="3.6214"/>
-            </dgm:alg>
-            <dgm:constrLst>
-              <dgm:constr type="primFontSz" for="des" forName="Child1" val="65"/>
-              <dgm:constr type="primFontSz" for="des" forName="Parent1" val="65"/>
-              <dgm:constr type="primFontSz" for="des" forName="Child1" refType="primFontSz" refFor="des" refForName="Parent1" op="lte"/>
-              <dgm:constr type="primFontSz" for="des" forName="Child2" refType="primFontSz" refFor="des" refForName="Parent1" op="lte"/>
-              <dgm:constr type="primFontSz" for="des" forName="Child3" refType="primFontSz" refFor="des" refForName="Parent1" op="lte"/>
-              <dgm:constr type="primFontSz" for="des" forName="Child4" refType="primFontSz" refFor="des" refForName="Parent1" op="lte"/>
-              <dgm:constr type="primFontSz" for="des" forName="Child5" refType="primFontSz" refFor="des" refForName="Parent1" op="lte"/>
-              <dgm:constr type="primFontSz" for="des" forName="Child6" refType="primFontSz" refFor="des" refForName="Parent1" op="lte"/>
-              <dgm:constr type="primFontSz" for="des" forName="Child1" refType="primFontSz" refFor="des" refForName="Parent2" op="lte"/>
-              <dgm:constr type="primFontSz" for="des" forName="Child2" refType="primFontSz" refFor="des" refForName="Parent2" op="lte"/>
-              <dgm:constr type="primFontSz" for="des" forName="Child3" refType="primFontSz" refFor="des" refForName="Parent2" op="lte"/>
-              <dgm:constr type="primFontSz" for="des" forName="Child4" refType="primFontSz" refFor="des" refForName="Parent2" op="lte"/>
-              <dgm:constr type="primFontSz" for="des" forName="Child5" refType="primFontSz" refFor="des" refForName="Parent2" op="lte"/>
-              <dgm:constr type="primFontSz" for="des" forName="Child6" refType="primFontSz" refFor="des" refForName="Parent2" op="lte"/>
-              <dgm:constr type="primFontSz" for="des" forName="Child1" refType="primFontSz" refFor="des" refForName="Parent3" op="lte"/>
-              <dgm:constr type="primFontSz" for="des" forName="Child2" refType="primFontSz" refFor="des" refForName="Parent3" op="lte"/>
-              <dgm:constr type="primFontSz" for="des" forName="Child3" refType="primFontSz" refFor="des" refForName="Parent3" op="lte"/>
-              <dgm:constr type="primFontSz" for="des" forName="Child4" refType="primFontSz" refFor="des" refForName="Parent3" op="lte"/>
-              <dgm:constr type="primFontSz" for="des" forName="Child5" refType="primFontSz" refFor="des" refForName="Parent3" op="lte"/>
-              <dgm:constr type="primFontSz" for="des" forName="Child6" refType="primFontSz" refFor="des" refForName="Parent3" op="lte"/>
-              <dgm:constr type="primFontSz" for="des" forName="Child1" refType="primFontSz" refFor="des" refForName="Parent4" op="lte"/>
-              <dgm:constr type="primFontSz" for="des" forName="Child2" refType="primFontSz" refFor="des" refForName="Parent4" op="lte"/>
-              <dgm:constr type="primFontSz" for="des" forName="Child3" refType="primFontSz" refFor="des" refForName="Parent4" op="lte"/>
-              <dgm:constr type="primFontSz" for="des" forName="Child4" refType="primFontSz" refFor="des" refForName="Parent4" op="lte"/>
-              <dgm:constr type="primFontSz" for="des" forName="Child5" refType="primFontSz" refFor="des" refForName="Parent4" op="lte"/>
-              <dgm:constr type="primFontSz" for="des" forName="Child6" refType="primFontSz" refFor="des" refForName="Parent4" op="lte"/>
-              <dgm:constr type="primFontSz" for="des" forName="Child1" refType="primFontSz" refFor="des" refForName="Parent5" op="lte"/>
-              <dgm:constr type="primFontSz" for="des" forName="Child2" refType="primFontSz" refFor="des" refForName="Parent5" op="lte"/>
-              <dgm:constr type="primFontSz" for="des" forName="Child3" refType="primFontSz" refFor="des" refForName="Parent5" op="lte"/>
-              <dgm:constr type="primFontSz" for="des" forName="Child4" refType="primFontSz" refFor="des" refForName="Parent5" op="lte"/>
-              <dgm:constr type="primFontSz" for="des" forName="Child5" refType="primFontSz" refFor="des" refForName="Parent5" op="lte"/>
-              <dgm:constr type="primFontSz" for="des" forName="Child6" refType="primFontSz" refFor="des" refForName="Parent5" op="lte"/>
-              <dgm:constr type="primFontSz" for="des" forName="Child1" refType="primFontSz" refFor="des" refForName="Parent6" op="lte"/>
-              <dgm:constr type="primFontSz" for="des" forName="Child2" refType="primFontSz" refFor="des" refForName="Parent6" op="lte"/>
-              <dgm:constr type="primFontSz" for="des" forName="Child3" refType="primFontSz" refFor="des" refForName="Parent6" op="lte"/>
-              <dgm:constr type="primFontSz" for="des" forName="Child4" refType="primFontSz" refFor="des" refForName="Parent6" op="lte"/>
-              <dgm:constr type="primFontSz" for="des" forName="Child5" refType="primFontSz" refFor="des" refForName="Parent6" op="lte"/>
-              <dgm:constr type="primFontSz" for="des" forName="Child6" refType="primFontSz" refFor="des" refForName="Parent6" op="lte"/>
-              <dgm:constr type="primFontSz" for="des" forName="Parent2" refType="primFontSz" refFor="des" refForName="Parent1" op="equ"/>
-              <dgm:constr type="primFontSz" for="des" forName="Parent3" refType="primFontSz" refFor="des" refForName="Parent1" op="equ"/>
-              <dgm:constr type="primFontSz" for="des" forName="Parent4" refType="primFontSz" refFor="des" refForName="Parent1" op="equ"/>
-              <dgm:constr type="primFontSz" for="des" forName="Parent5" refType="primFontSz" refFor="des" refForName="Parent1" op="equ"/>
-              <dgm:constr type="primFontSz" for="des" forName="Parent6" refType="primFontSz" refFor="des" refForName="Parent1" op="equ"/>
-              <dgm:constr type="primFontSz" for="des" forName="Child2" refType="primFontSz" refFor="des" refForName="Child1" op="equ"/>
-              <dgm:constr type="primFontSz" for="des" forName="Child3" refType="primFontSz" refFor="des" refForName="Child1" op="equ"/>
-              <dgm:constr type="primFontSz" for="des" forName="Child4" refType="primFontSz" refFor="des" refForName="Child1" op="equ"/>
-              <dgm:constr type="primFontSz" for="des" forName="Child5" refType="primFontSz" refFor="des" refForName="Child1" op="equ"/>
-              <dgm:constr type="primFontSz" for="des" forName="Child6" refType="primFontSz" refFor="des" refForName="Child1" op="equ"/>
-              <dgm:constr type="r" for="ch" forName="Parent6" refType="w" fact="0.1311"/>
-              <dgm:constr type="t" for="ch" forName="Parent6" refType="h" fact="0.2022"/>
-              <dgm:constr type="w" for="ch" forName="Parent6" refType="w" fact="0.1049"/>
-              <dgm:constr type="h" for="ch" forName="Parent6" refType="h" fact="0.3799"/>
-              <dgm:constr type="r" for="ch" forName="Parent5" refType="w" fact="0.2937"/>
-              <dgm:constr type="t" for="ch" forName="Parent5" refType="h" fact="0.2022"/>
-              <dgm:constr type="w" for="ch" forName="Parent5" refType="w" fact="0.1049"/>
-              <dgm:constr type="h" for="ch" forName="Parent5" refType="h" fact="0.3799"/>
-              <dgm:constr type="r" for="ch" forName="Parent4" refType="w" fact="0.4563"/>
-              <dgm:constr type="t" for="ch" forName="Parent4" refType="h" fact="0.2022"/>
-              <dgm:constr type="w" for="ch" forName="Parent4" refType="w" fact="0.1049"/>
-              <dgm:constr type="h" for="ch" forName="Parent4" refType="h" fact="0.3799"/>
-              <dgm:constr type="r" for="ch" forName="Parent3" refType="w" fact="0.619"/>
-              <dgm:constr type="t" for="ch" forName="Parent3" refType="h" fact="0.2022"/>
-              <dgm:constr type="w" for="ch" forName="Parent3" refType="w" fact="0.1049"/>
-              <dgm:constr type="h" for="ch" forName="Parent3" refType="h" fact="0.3799"/>
-              <dgm:constr type="r" for="ch" forName="Parent2" refType="w" fact="0.7816"/>
-              <dgm:constr type="t" for="ch" forName="Parent2" refType="h" fact="0.2022"/>
-              <dgm:constr type="w" for="ch" forName="Parent2" refType="w" fact="0.1049"/>
-              <dgm:constr type="h" for="ch" forName="Parent2" refType="h" fact="0.3799"/>
-              <dgm:constr type="r" for="ch" forName="Parent1" refType="w" fact="0.9442"/>
-              <dgm:constr type="t" for="ch" forName="Parent1" refType="h" fact="0.2022"/>
-              <dgm:constr type="w" for="ch" forName="Parent1" refType="w" fact="0.1049"/>
-              <dgm:constr type="h" for="ch" forName="Parent1" refType="h" fact="0.3799"/>
-              <dgm:constr type="r" for="ch" forName="Accent6" refType="w" fact="0.1574"/>
-              <dgm:constr type="t" for="ch" forName="Accent6" refType="h" fact="0.1072"/>
-              <dgm:constr type="w" for="ch" forName="Accent6" refType="w" fact="0.1574"/>
-              <dgm:constr type="h" for="ch" forName="Accent6" refType="h" fact="0.5699"/>
-              <dgm:constr type="r" for="ch" forName="ParentBackground6" refType="w" fact="0.1521"/>
-              <dgm:constr type="t" for="ch" forName="ParentBackground6" refType="h" fact="0.1262"/>
-              <dgm:constr type="w" for="ch" forName="ParentBackground6" refType="w" fact="0.1469"/>
-              <dgm:constr type="h" for="ch" forName="ParentBackground6" refType="h" fact="0.5319"/>
-              <dgm:constr type="r" for="ch" forName="Child6" refType="w" fact="0.1521"/>
-              <dgm:constr type="t" for="ch" forName="Child6" refType="h" fact="0.6876"/>
-              <dgm:constr type="w" for="ch" forName="Child6" refType="w" fact="0.1469"/>
-              <dgm:constr type="h" for="ch" forName="Child6" refType="h" fact="0.3124"/>
-              <dgm:constr type="r" for="ch" forName="Accent5" refType="w" fact="0.3526"/>
-              <dgm:constr type="t" for="ch" forName="Accent5" refType="h" fact="-0.0109"/>
-              <dgm:constr type="w" for="ch" forName="Accent5" refType="w" fact="0.2226"/>
-              <dgm:constr type="h" for="ch" forName="Accent5" refType="h" fact="0.806"/>
-              <dgm:constr type="r" for="ch" forName="ParentBackground5" refType="w" fact="0.3147"/>
-              <dgm:constr type="t" for="ch" forName="ParentBackground5" refType="h" fact="0.1262"/>
-              <dgm:constr type="w" for="ch" forName="ParentBackground5" refType="w" fact="0.1469"/>
-              <dgm:constr type="h" for="ch" forName="ParentBackground5" refType="h" fact="0.5319"/>
-              <dgm:constr type="r" for="ch" forName="Child5" refType="w" fact="0.3147"/>
-              <dgm:constr type="t" for="ch" forName="Child5" refType="h" fact="0.6876"/>
-              <dgm:constr type="w" for="ch" forName="Child5" refType="w" fact="0.1469"/>
-              <dgm:constr type="h" for="ch" forName="Child5" refType="h" fact="0.3124"/>
-              <dgm:constr type="r" for="ch" forName="Accent4" refType="w" fact="0.5152"/>
-              <dgm:constr type="t" for="ch" forName="Accent4" refType="h" fact="-0.0109"/>
-              <dgm:constr type="w" for="ch" forName="Accent4" refType="w" fact="0.2226"/>
-              <dgm:constr type="h" for="ch" forName="Accent4" refType="h" fact="0.806"/>
-              <dgm:constr type="r" for="ch" forName="ParentBackground4" refType="w" fact="0.4773"/>
-              <dgm:constr type="t" for="ch" forName="ParentBackground4" refType="h" fact="0.1262"/>
-              <dgm:constr type="w" for="ch" forName="ParentBackground4" refType="w" fact="0.1469"/>
-              <dgm:constr type="h" for="ch" forName="ParentBackground4" refType="h" fact="0.5319"/>
-              <dgm:constr type="r" for="ch" forName="Child4" refType="w" fact="0.4773"/>
-              <dgm:constr type="t" for="ch" forName="Child4" refType="h" fact="0.6876"/>
-              <dgm:constr type="w" for="ch" forName="Child4" refType="w" fact="0.1469"/>
-              <dgm:constr type="h" for="ch" forName="Child4" refType="h" fact="0.3124"/>
-              <dgm:constr type="r" for="ch" forName="Accent3" refType="w" fact="0.6778"/>
-              <dgm:constr type="t" for="ch" forName="Accent3" refType="h" fact="-0.0109"/>
-              <dgm:constr type="w" for="ch" forName="Accent3" refType="w" fact="0.2226"/>
-              <dgm:constr type="h" for="ch" forName="Accent3" refType="h" fact="0.806"/>
-              <dgm:constr type="r" for="ch" forName="ParentBackground3" refType="w" fact="0.6399"/>
-              <dgm:constr type="t" for="ch" forName="ParentBackground3" refType="h" fact="0.1262"/>
-              <dgm:constr type="w" for="ch" forName="ParentBackground3" refType="w" fact="0.1469"/>
-              <dgm:constr type="h" for="ch" forName="ParentBackground3" refType="h" fact="0.5319"/>
-              <dgm:constr type="r" for="ch" forName="Child3" refType="w" fact="0.6399"/>
-              <dgm:constr type="t" for="ch" forName="Child3" refType="h" fact="0.6876"/>
-              <dgm:constr type="w" for="ch" forName="Child3" refType="w" fact="0.1469"/>
-              <dgm:constr type="h" for="ch" forName="Child3" refType="h" fact="0.3124"/>
-              <dgm:constr type="r" for="ch" forName="Accent2" refType="w" fact="0.8404"/>
-              <dgm:constr type="t" for="ch" forName="Accent2" refType="h" fact="-0.0109"/>
-              <dgm:constr type="w" for="ch" forName="Accent2" refType="w" fact="0.2226"/>
-              <dgm:constr type="h" for="ch" forName="Accent2" refType="h" fact="0.806"/>
-              <dgm:constr type="r" for="ch" forName="ParentBackground2" refType="w" fact="0.8025"/>
-              <dgm:constr type="t" for="ch" forName="ParentBackground2" refType="h" fact="0.1262"/>
-              <dgm:constr type="w" for="ch" forName="ParentBackground2" refType="w" fact="0.1469"/>
-              <dgm:constr type="h" for="ch" forName="ParentBackground2" refType="h" fact="0.5319"/>
-              <dgm:constr type="r" for="ch" forName="Child2" refType="w" fact="0.8025"/>
-              <dgm:constr type="t" for="ch" forName="Child2" refType="h" fact="0.6876"/>
-              <dgm:constr type="w" for="ch" forName="Child2" refType="w" fact="0.1469"/>
-              <dgm:constr type="h" for="ch" forName="Child2" refType="h" fact="0.3124"/>
-              <dgm:constr type="r" for="ch" forName="Accent1" refType="w" fact="1.003"/>
-              <dgm:constr type="t" for="ch" forName="Accent1" refType="h" fact="-0.0109"/>
-              <dgm:constr type="w" for="ch" forName="Accent1" refType="w" fact="0.2226"/>
-              <dgm:constr type="h" for="ch" forName="Accent1" refType="h" fact="0.806"/>
-              <dgm:constr type="r" for="ch" forName="ParentBackground1" refType="w" fact="0.9652"/>
-              <dgm:constr type="t" for="ch" forName="ParentBackground1" refType="h" fact="0.1262"/>
-              <dgm:constr type="w" for="ch" forName="ParentBackground1" refType="w" fact="0.1469"/>
-              <dgm:constr type="h" for="ch" forName="ParentBackground1" refType="h" fact="0.5319"/>
-              <dgm:constr type="r" for="ch" forName="Child1" refType="w" fact="0.9652"/>
-              <dgm:constr type="t" for="ch" forName="Child1" refType="h" fact="0.6876"/>
-              <dgm:constr type="w" for="ch" forName="Child1" refType="w" fact="0.1469"/>
-              <dgm:constr type="h" for="ch" forName="Child1" refType="h" fact="0.3124"/>
-            </dgm:constrLst>
-          </dgm:if>
-          <dgm:if name="Name23" axis="ch" ptType="node" func="cnt" op="equ" val="7">
-            <dgm:alg type="composite">
-              <dgm:param type="ar" val="4.2103"/>
-            </dgm:alg>
-            <dgm:constrLst>
-              <dgm:constr type="primFontSz" for="des" forName="Child1" val="65"/>
-              <dgm:constr type="primFontSz" for="des" forName="Parent1" val="65"/>
-              <dgm:constr type="primFontSz" for="des" forName="Child1" refType="primFontSz" refFor="des" refForName="Parent1" op="lte"/>
-              <dgm:constr type="primFontSz" for="des" forName="Child2" refType="primFontSz" refFor="des" refForName="Parent1" op="lte"/>
-              <dgm:constr type="primFontSz" for="des" forName="Child3" refType="primFontSz" refFor="des" refForName="Parent1" op="lte"/>
-              <dgm:constr type="primFontSz" for="des" forName="Child4" refType="primFontSz" refFor="des" refForName="Parent1" op="lte"/>
-              <dgm:constr type="primFontSz" for="des" forName="Child5" refType="primFontSz" refFor="des" refForName="Parent1" op="lte"/>
-              <dgm:constr type="primFontSz" for="des" forName="Child6" refType="primFontSz" refFor="des" refForName="Parent1" op="lte"/>
-              <dgm:constr type="primFontSz" for="des" forName="Child7" refType="primFontSz" refFor="des" refForName="Parent1" op="lte"/>
-              <dgm:constr type="primFontSz" for="des" forName="Child1" refType="primFontSz" refFor="des" refForName="Parent2" op="lte"/>
-              <dgm:constr type="primFontSz" for="des" forName="Child2" refType="primFontSz" refFor="des" refForName="Parent2" op="lte"/>
-              <dgm:constr type="primFontSz" for="des" forName="Child3" refType="primFontSz" refFor="des" refForName="Parent2" op="lte"/>
-              <dgm:constr type="primFontSz" for="des" forName="Child4" refType="primFontSz" refFor="des" refForName="Parent2" op="lte"/>
-              <dgm:constr type="primFontSz" for="des" forName="Child5" refType="primFontSz" refFor="des" refForName="Parent2" op="lte"/>
-              <dgm:constr type="primFontSz" for="des" forName="Child6" refType="primFontSz" refFor="des" refForName="Parent2" op="lte"/>
-              <dgm:constr type="primFontSz" for="des" forName="Child7" refType="primFontSz" refFor="des" refForName="Parent2" op="lte"/>
-              <dgm:constr type="primFontSz" for="des" forName="Child1" refType="primFontSz" refFor="des" refForName="Parent3" op="lte"/>
-              <dgm:constr type="primFontSz" for="des" forName="Child2" refType="primFontSz" refFor="des" refForName="Parent3" op="lte"/>
-              <dgm:constr type="primFontSz" for="des" forName="Child3" refType="primFontSz" refFor="des" refForName="Parent3" op="lte"/>
-              <dgm:constr type="primFontSz" for="des" forName="Child4" refType="primFontSz" refFor="des" refForName="Parent3" op="lte"/>
-              <dgm:constr type="primFontSz" for="des" forName="Child5" refType="primFontSz" refFor="des" refForName="Parent3" op="lte"/>
-              <dgm:constr type="primFontSz" for="des" forName="Child6" refType="primFontSz" refFor="des" refForName="Parent3" op="lte"/>
-              <dgm:constr type="primFontSz" for="des" forName="Child7" refType="primFontSz" refFor="des" refForName="Parent3" op="lte"/>
-              <dgm:constr type="primFontSz" for="des" forName="Child1" refType="primFontSz" refFor="des" refForName="Parent4" op="lte"/>
-              <dgm:constr type="primFontSz" for="des" forName="Child2" refType="primFontSz" refFor="des" refForName="Parent4" op="lte"/>
-              <dgm:constr type="primFontSz" for="des" forName="Child3" refType="primFontSz" refFor="des" refForName="Parent4" op="lte"/>
-              <dgm:constr type="primFontSz" for="des" forName="Child4" refType="primFontSz" refFor="des" refForName="Parent4" op="lte"/>
-              <dgm:constr type="primFontSz" for="des" forName="Child5" refType="primFontSz" refFor="des" refForName="Parent4" op="lte"/>
-              <dgm:constr type="primFontSz" for="des" forName="Child6" refType="primFontSz" refFor="des" refForName="Parent4" op="lte"/>
-              <dgm:constr type="primFontSz" for="des" forName="Child7" refType="primFontSz" refFor="des" refForName="Parent4" op="lte"/>
-              <dgm:constr type="primFontSz" for="des" forName="Child1" refType="primFontSz" refFor="des" refForName="Parent5" op="lte"/>
-              <dgm:constr type="primFontSz" for="des" forName="Child2" refType="primFontSz" refFor="des" refForName="Parent5" op="lte"/>
-              <dgm:constr type="primFontSz" for="des" forName="Child3" refType="primFontSz" refFor="des" refForName="Parent5" op="lte"/>
-              <dgm:constr type="primFontSz" for="des" forName="Child4" refType="primFontSz" refFor="des" refForName="Parent5" op="lte"/>
-              <dgm:constr type="primFontSz" for="des" forName="Child5" refType="primFontSz" refFor="des" refForName="Parent5" op="lte"/>
-              <dgm:constr type="primFontSz" for="des" forName="Child6" refType="primFontSz" refFor="des" refForName="Parent5" op="lte"/>
-              <dgm:constr type="primFontSz" for="des" forName="Child7" refType="primFontSz" refFor="des" refForName="Parent5" op="lte"/>
-              <dgm:constr type="primFontSz" for="des" forName="Child1" refType="primFontSz" refFor="des" refForName="Parent6" op="lte"/>
-              <dgm:constr type="primFontSz" for="des" forName="Child2" refType="primFontSz" refFor="des" refForName="Parent6" op="lte"/>
-              <dgm:constr type="primFontSz" for="des" forName="Child3" refType="primFontSz" refFor="des" refForName="Parent6" op="lte"/>
-              <dgm:constr type="primFontSz" for="des" forName="Child4" refType="primFontSz" refFor="des" refForName="Parent6" op="lte"/>
-              <dgm:constr type="primFontSz" for="des" forName="Child5" refType="primFontSz" refFor="des" refForName="Parent6" op="lte"/>
-              <dgm:constr type="primFontSz" for="des" forName="Child6" refType="primFontSz" refFor="des" refForName="Parent6" op="lte"/>
-              <dgm:constr type="primFontSz" for="des" forName="Child7" refType="primFontSz" refFor="des" refForName="Parent6" op="lte"/>
-              <dgm:constr type="primFontSz" for="des" forName="Child1" refType="primFontSz" refFor="des" refForName="Parent7" op="lte"/>
-              <dgm:constr type="primFontSz" for="des" forName="Child2" refType="primFontSz" refFor="des" refForName="Parent7" op="lte"/>
-              <dgm:constr type="primFontSz" for="des" forName="Child3" refType="primFontSz" refFor="des" refForName="Parent7" op="lte"/>
-              <dgm:constr type="primFontSz" for="des" forName="Child4" refType="primFontSz" refFor="des" refForName="Parent7" op="lte"/>
-              <dgm:constr type="primFontSz" for="des" forName="Child5" refType="primFontSz" refFor="des" refForName="Parent7" op="lte"/>
-              <dgm:constr type="primFontSz" for="des" forName="Child6" refType="primFontSz" refFor="des" refForName="Parent7" op="lte"/>
-              <dgm:constr type="primFontSz" for="des" forName="Child7" refType="primFontSz" refFor="des" refForName="Parent7" op="lte"/>
-              <dgm:constr type="primFontSz" for="des" forName="Parent2" refType="primFontSz" refFor="des" refForName="Parent1" op="equ"/>
-              <dgm:constr type="primFontSz" for="des" forName="Parent3" refType="primFontSz" refFor="des" refForName="Parent1" op="equ"/>
-              <dgm:constr type="primFontSz" for="des" forName="Parent4" refType="primFontSz" refFor="des" refForName="Parent1" op="equ"/>
-              <dgm:constr type="primFontSz" for="des" forName="Parent5" refType="primFontSz" refFor="des" refForName="Parent1" op="equ"/>
-              <dgm:constr type="primFontSz" for="des" forName="Parent6" refType="primFontSz" refFor="des" refForName="Parent1" op="equ"/>
-              <dgm:constr type="primFontSz" for="des" forName="Parent7" refType="primFontSz" refFor="des" refForName="Parent1" op="equ"/>
-              <dgm:constr type="primFontSz" for="des" forName="Child2" refType="primFontSz" refFor="des" refForName="Child1" op="equ"/>
-              <dgm:constr type="primFontSz" for="des" forName="Child3" refType="primFontSz" refFor="des" refForName="Child1" op="equ"/>
-              <dgm:constr type="primFontSz" for="des" forName="Child4" refType="primFontSz" refFor="des" refForName="Child1" op="equ"/>
-              <dgm:constr type="primFontSz" for="des" forName="Child5" refType="primFontSz" refFor="des" refForName="Child1" op="equ"/>
-              <dgm:constr type="primFontSz" for="des" forName="Child6" refType="primFontSz" refFor="des" refForName="Child1" op="equ"/>
-              <dgm:constr type="primFontSz" for="des" forName="Child7" refType="primFontSz" refFor="des" refForName="Child1" op="equ"/>
-              <dgm:constr type="r" for="ch" forName="Parent7" refType="w" fact="0.1128"/>
-              <dgm:constr type="t" for="ch" forName="Parent7" refType="h" fact="0.2022"/>
-              <dgm:constr type="w" for="ch" forName="Parent7" refType="w" fact="0.0902"/>
-              <dgm:constr type="h" for="ch" forName="Parent7" refType="h" fact="0.3799"/>
-              <dgm:constr type="r" for="ch" forName="Parent6" refType="w" fact="0.2527"/>
-              <dgm:constr type="t" for="ch" forName="Parent6" refType="h" fact="0.2022"/>
-              <dgm:constr type="w" for="ch" forName="Parent6" refType="w" fact="0.0902"/>
-              <dgm:constr type="h" for="ch" forName="Parent6" refType="h" fact="0.3799"/>
-              <dgm:constr type="r" for="ch" forName="Parent5" refType="w" fact="0.3925"/>
-              <dgm:constr type="t" for="ch" forName="Parent5" refType="h" fact="0.2022"/>
-              <dgm:constr type="w" for="ch" forName="Parent5" refType="w" fact="0.0902"/>
-              <dgm:constr type="h" for="ch" forName="Parent5" refType="h" fact="0.3799"/>
-              <dgm:constr type="r" for="ch" forName="Parent4" refType="w" fact="0.5324"/>
-              <dgm:constr type="t" for="ch" forName="Parent4" refType="h" fact="0.2022"/>
-              <dgm:constr type="w" for="ch" forName="Parent4" refType="w" fact="0.0902"/>
-              <dgm:constr type="h" for="ch" forName="Parent4" refType="h" fact="0.3799"/>
-              <dgm:constr type="r" for="ch" forName="Parent3" refType="w" fact="0.6723"/>
-              <dgm:constr type="t" for="ch" forName="Parent3" refType="h" fact="0.2022"/>
-              <dgm:constr type="w" for="ch" forName="Parent3" refType="w" fact="0.0902"/>
-              <dgm:constr type="h" for="ch" forName="Parent3" refType="h" fact="0.3799"/>
-              <dgm:constr type="r" for="ch" forName="Parent2" refType="w" fact="0.8121"/>
-              <dgm:constr type="t" for="ch" forName="Parent2" refType="h" fact="0.2022"/>
-              <dgm:constr type="w" for="ch" forName="Parent2" refType="w" fact="0.0902"/>
-              <dgm:constr type="h" for="ch" forName="Parent2" refType="h" fact="0.3799"/>
-              <dgm:constr type="r" for="ch" forName="Parent1" refType="w" fact="0.952"/>
-              <dgm:constr type="t" for="ch" forName="Parent1" refType="h" fact="0.2022"/>
-              <dgm:constr type="w" for="ch" forName="Parent1" refType="w" fact="0.0902"/>
-              <dgm:constr type="h" for="ch" forName="Parent1" refType="h" fact="0.3799"/>
-              <dgm:constr type="r" for="ch" forName="Accent7" refType="w" fact="0.1354"/>
-              <dgm:constr type="t" for="ch" forName="Accent7" refType="h" fact="0.1072"/>
-              <dgm:constr type="w" for="ch" forName="Accent7" refType="w" fact="0.1354"/>
-              <dgm:constr type="h" for="ch" forName="Accent7" refType="h" fact="0.5699"/>
-              <dgm:constr type="r" for="ch" forName="ParentBackground7" refType="w" fact="0.1308"/>
-              <dgm:constr type="t" for="ch" forName="ParentBackground7" refType="h" fact="0.1262"/>
-              <dgm:constr type="w" for="ch" forName="ParentBackground7" refType="w" fact="0.1263"/>
-              <dgm:constr type="h" for="ch" forName="ParentBackground7" refType="h" fact="0.5319"/>
-              <dgm:constr type="r" for="ch" forName="Child7" refType="w" fact="0.1308"/>
-              <dgm:constr type="t" for="ch" forName="Child7" refType="h" fact="0.6876"/>
-              <dgm:constr type="w" for="ch" forName="Child7" refType="w" fact="0.1263"/>
-              <dgm:constr type="h" for="ch" forName="Child7" refType="h" fact="0.3124"/>
-              <dgm:constr type="r" for="ch" forName="Accent6" refType="w" fact="0.3033"/>
-              <dgm:constr type="t" for="ch" forName="Accent6" refType="h" fact="-0.0109"/>
-              <dgm:constr type="w" for="ch" forName="Accent6" refType="w" fact="0.1915"/>
-              <dgm:constr type="h" for="ch" forName="Accent6" refType="h" fact="0.806"/>
-              <dgm:constr type="r" for="ch" forName="ParentBackground6" refType="w" fact="0.2707"/>
-              <dgm:constr type="t" for="ch" forName="ParentBackground6" refType="h" fact="0.1262"/>
-              <dgm:constr type="w" for="ch" forName="ParentBackground6" refType="w" fact="0.1263"/>
-              <dgm:constr type="h" for="ch" forName="ParentBackground6" refType="h" fact="0.5319"/>
-              <dgm:constr type="r" for="ch" forName="Child6" refType="w" fact="0.2707"/>
-              <dgm:constr type="t" for="ch" forName="Child6" refType="h" fact="0.6876"/>
-              <dgm:constr type="w" for="ch" forName="Child6" refType="w" fact="0.1263"/>
-              <dgm:constr type="h" for="ch" forName="Child6" refType="h" fact="0.3124"/>
-              <dgm:constr type="r" for="ch" forName="Accent5" refType="w" fact="0.4431"/>
-              <dgm:constr type="t" for="ch" forName="Accent5" refType="h" fact="-0.0109"/>
-              <dgm:constr type="w" for="ch" forName="Accent5" refType="w" fact="0.1915"/>
-              <dgm:constr type="h" for="ch" forName="Accent5" refType="h" fact="0.806"/>
-              <dgm:constr type="r" for="ch" forName="ParentBackground5" refType="w" fact="0.4106"/>
-              <dgm:constr type="t" for="ch" forName="ParentBackground5" refType="h" fact="0.1262"/>
-              <dgm:constr type="w" for="ch" forName="ParentBackground5" refType="w" fact="0.1263"/>
-              <dgm:constr type="h" for="ch" forName="ParentBackground5" refType="h" fact="0.5319"/>
-              <dgm:constr type="r" for="ch" forName="Child5" refType="w" fact="0.4106"/>
-              <dgm:constr type="t" for="ch" forName="Child5" refType="h" fact="0.6876"/>
-              <dgm:constr type="w" for="ch" forName="Child5" refType="w" fact="0.1263"/>
-              <dgm:constr type="h" for="ch" forName="Child5" refType="h" fact="0.3124"/>
-              <dgm:constr type="r" for="ch" forName="Accent4" refType="w" fact="0.583"/>
-              <dgm:constr type="t" for="ch" forName="Accent4" refType="h" fact="-0.0109"/>
-              <dgm:constr type="w" for="ch" forName="Accent4" refType="w" fact="0.1915"/>
-              <dgm:constr type="h" for="ch" forName="Accent4" refType="h" fact="0.806"/>
-              <dgm:constr type="r" for="ch" forName="ParentBackground4" refType="w" fact="0.5504"/>
-              <dgm:constr type="t" for="ch" forName="ParentBackground4" refType="h" fact="0.1262"/>
-              <dgm:constr type="w" for="ch" forName="ParentBackground4" refType="w" fact="0.1263"/>
-              <dgm:constr type="h" for="ch" forName="ParentBackground4" refType="h" fact="0.5319"/>
-              <dgm:constr type="r" for="ch" forName="Child4" refType="w" fact="0.5504"/>
-              <dgm:constr type="t" for="ch" forName="Child4" refType="h" fact="0.6876"/>
-              <dgm:constr type="w" for="ch" forName="Child4" refType="w" fact="0.1263"/>
-              <dgm:constr type="h" for="ch" forName="Child4" refType="h" fact="0.3124"/>
-              <dgm:constr type="r" for="ch" forName="Accent3" refType="w" fact="0.7229"/>
-              <dgm:constr type="t" for="ch" forName="Accent3" refType="h" fact="-0.0109"/>
-              <dgm:constr type="w" for="ch" forName="Accent3" refType="w" fact="0.1915"/>
-              <dgm:constr type="h" for="ch" forName="Accent3" refType="h" fact="0.806"/>
-              <dgm:constr type="r" for="ch" forName="ParentBackground3" refType="w" fact="0.6903"/>
-              <dgm:constr type="t" for="ch" forName="ParentBackground3" refType="h" fact="0.1262"/>
-              <dgm:constr type="w" for="ch" forName="ParentBackground3" refType="w" fact="0.1263"/>
-              <dgm:constr type="h" for="ch" forName="ParentBackground3" refType="h" fact="0.5319"/>
-              <dgm:constr type="r" for="ch" forName="Child3" refType="w" fact="0.6903"/>
-              <dgm:constr type="t" for="ch" forName="Child3" refType="h" fact="0.6876"/>
-              <dgm:constr type="w" for="ch" forName="Child3" refType="w" fact="0.1263"/>
-              <dgm:constr type="h" for="ch" forName="Child3" refType="h" fact="0.3124"/>
-              <dgm:constr type="r" for="ch" forName="Accent2" refType="w" fact="0.8627"/>
-              <dgm:constr type="t" for="ch" forName="Accent2" refType="h" fact="-0.0109"/>
-              <dgm:constr type="w" for="ch" forName="Accent2" refType="w" fact="0.1915"/>
-              <dgm:constr type="h" for="ch" forName="Accent2" refType="h" fact="0.806"/>
-              <dgm:constr type="r" for="ch" forName="ParentBackground2" refType="w" fact="0.8302"/>
-              <dgm:constr type="t" for="ch" forName="ParentBackground2" refType="h" fact="0.1262"/>
-              <dgm:constr type="w" for="ch" forName="ParentBackground2" refType="w" fact="0.1263"/>
-              <dgm:constr type="h" for="ch" forName="ParentBackground2" refType="h" fact="0.5319"/>
-              <dgm:constr type="r" for="ch" forName="Child2" refType="w" fact="0.8302"/>
-              <dgm:constr type="t" for="ch" forName="Child2" refType="h" fact="0.6876"/>
-              <dgm:constr type="w" for="ch" forName="Child2" refType="w" fact="0.1263"/>
-              <dgm:constr type="h" for="ch" forName="Child2" refType="h" fact="0.3124"/>
-              <dgm:constr type="r" for="ch" forName="Accent1" refType="w" fact="1.0026"/>
-              <dgm:constr type="t" for="ch" forName="Accent1" refType="h" fact="-0.0109"/>
-              <dgm:constr type="w" for="ch" forName="Accent1" refType="w" fact="0.1915"/>
-              <dgm:constr type="h" for="ch" forName="Accent1" refType="h" fact="0.806"/>
-              <dgm:constr type="r" for="ch" forName="ParentBackground1" refType="w" fact="0.97"/>
-              <dgm:constr type="t" for="ch" forName="ParentBackground1" refType="h" fact="0.1262"/>
-              <dgm:constr type="w" for="ch" forName="ParentBackground1" refType="w" fact="0.1263"/>
-              <dgm:constr type="h" for="ch" forName="ParentBackground1" refType="h" fact="0.5319"/>
-              <dgm:constr type="r" for="ch" forName="Child1" refType="w" fact="0.97"/>
-              <dgm:constr type="t" for="ch" forName="Child1" refType="h" fact="0.6876"/>
-              <dgm:constr type="w" for="ch" forName="Child1" refType="w" fact="0.1263"/>
-              <dgm:constr type="h" for="ch" forName="Child1" refType="h" fact="0.3124"/>
-            </dgm:constrLst>
-          </dgm:if>
-          <dgm:if name="Name24" axis="ch" ptType="node" func="cnt" op="equ" val="8">
-            <dgm:alg type="composite">
-              <dgm:param type="ar" val="4.7991"/>
-            </dgm:alg>
-            <dgm:constrLst>
-              <dgm:constr type="primFontSz" for="des" forName="Child1" val="65"/>
-              <dgm:constr type="primFontSz" for="des" forName="Parent1" val="65"/>
-              <dgm:constr type="primFontSz" for="des" forName="Child1" refType="primFontSz" refFor="des" refForName="Parent1" op="lte"/>
-              <dgm:constr type="primFontSz" for="des" forName="Child2" refType="primFontSz" refFor="des" refForName="Parent1" op="lte"/>
-              <dgm:constr type="primFontSz" for="des" forName="Child3" refType="primFontSz" refFor="des" refForName="Parent1" op="lte"/>
-              <dgm:constr type="primFontSz" for="des" forName="Child4" refType="primFontSz" refFor="des" refForName="Parent1" op="lte"/>
-              <dgm:constr type="primFontSz" for="des" forName="Child5" refType="primFontSz" refFor="des" refForName="Parent1" op="lte"/>
-              <dgm:constr type="primFontSz" for="des" forName="Child6" refType="primFontSz" refFor="des" refForName="Parent1" op="lte"/>
-              <dgm:constr type="primFontSz" for="des" forName="Child7" refType="primFontSz" refFor="des" refForName="Parent1" op="lte"/>
-              <dgm:constr type="primFontSz" for="des" forName="Child8" refType="primFontSz" refFor="des" refForName="Parent1" op="lte"/>
-              <dgm:constr type="primFontSz" for="des" forName="Child1" refType="primFontSz" refFor="des" refForName="Parent2" op="lte"/>
-              <dgm:constr type="primFontSz" for="des" forName="Child2" refType="primFontSz" refFor="des" refForName="Parent2" op="lte"/>
-              <dgm:constr type="primFontSz" for="des" forName="Child3" refType="primFontSz" refFor="des" refForName="Parent2" op="lte"/>
-              <dgm:constr type="primFontSz" for="des" forName="Child4" refType="primFontSz" refFor="des" refForName="Parent2" op="lte"/>
-              <dgm:constr type="primFontSz" for="des" forName="Child5" refType="primFontSz" refFor="des" refForName="Parent2" op="lte"/>
-              <dgm:constr type="primFontSz" for="des" forName="Child6" refType="primFontSz" refFor="des" refForName="Parent2" op="lte"/>
-              <dgm:constr type="primFontSz" for="des" forName="Child7" refType="primFontSz" refFor="des" refForName="Parent2" op="lte"/>
-              <dgm:constr type="primFontSz" for="des" forName="Child8" refType="primFontSz" refFor="des" refForName="Parent2" op="lte"/>
-              <dgm:constr type="primFontSz" for="des" forName="Child1" refType="primFontSz" refFor="des" refForName="Parent3" op="lte"/>
-              <dgm:constr type="primFontSz" for="des" forName="Child2" refType="primFontSz" refFor="des" refForName="Parent3" op="lte"/>
-              <dgm:constr type="primFontSz" for="des" forName="Child3" refType="primFontSz" refFor="des" refForName="Parent3" op="lte"/>
-              <dgm:constr type="primFontSz" for="des" forName="Child4" refType="primFontSz" refFor="des" refForName="Parent3" op="lte"/>
-              <dgm:constr type="primFontSz" for="des" forName="Child5" refType="primFontSz" refFor="des" refForName="Parent3" op="lte"/>
-              <dgm:constr type="primFontSz" for="des" forName="Child6" refType="primFontSz" refFor="des" refForName="Parent3" op="lte"/>
-              <dgm:constr type="primFontSz" for="des" forName="Child7" refType="primFontSz" refFor="des" refForName="Parent3" op="lte"/>
-              <dgm:constr type="primFontSz" for="des" forName="Child8" refType="primFontSz" refFor="des" refForName="Parent3" op="lte"/>
-              <dgm:constr type="primFontSz" for="des" forName="Child1" refType="primFontSz" refFor="des" refForName="Parent4" op="lte"/>
-              <dgm:constr type="primFontSz" for="des" forName="Child2" refType="primFontSz" refFor="des" refForName="Parent4" op="lte"/>
-              <dgm:constr type="primFontSz" for="des" forName="Child3" refType="primFontSz" refFor="des" refForName="Parent4" op="lte"/>
-              <dgm:constr type="primFontSz" for="des" forName="Child4" refType="primFontSz" refFor="des" refForName="Parent4" op="lte"/>
-              <dgm:constr type="primFontSz" for="des" forName="Child5" refType="primFontSz" refFor="des" refForName="Parent4" op="lte"/>
-              <dgm:constr type="primFontSz" for="des" forName="Child6" refType="primFontSz" refFor="des" refForName="Parent4" op="lte"/>
-              <dgm:constr type="primFontSz" for="des" forName="Child7" refType="primFontSz" refFor="des" refForName="Parent4" op="lte"/>
-              <dgm:constr type="primFontSz" for="des" forName="Child8" refType="primFontSz" refFor="des" refForName="Parent4" op="lte"/>
-              <dgm:constr type="primFontSz" for="des" forName="Child1" refType="primFontSz" refFor="des" refForName="Parent5" op="lte"/>
-              <dgm:constr type="primFontSz" for="des" forName="Child2" refType="primFontSz" refFor="des" refForName="Parent5" op="lte"/>
-              <dgm:constr type="primFontSz" for="des" forName="Child3" refType="primFontSz" refFor="des" refForName="Parent5" op="lte"/>
-              <dgm:constr type="primFontSz" for="des" forName="Child4" refType="primFontSz" refFor="des" refForName="Parent5" op="lte"/>
-              <dgm:constr type="primFontSz" for="des" forName="Child5" refType="primFontSz" refFor="des" refForName="Parent5" op="lte"/>
-              <dgm:constr type="primFontSz" for="des" forName="Child6" refType="primFontSz" refFor="des" refForName="Parent5" op="lte"/>
-              <dgm:constr type="primFontSz" for="des" forName="Child7" refType="primFontSz" refFor="des" refForName="Parent5" op="lte"/>
-              <dgm:constr type="primFontSz" for="des" forName="Child8" refType="primFontSz" refFor="des" refForName="Parent5" op="lte"/>
-              <dgm:constr type="primFontSz" for="des" forName="Child1" refType="primFontSz" refFor="des" refForName="Parent6" op="lte"/>
-              <dgm:constr type="primFontSz" for="des" forName="Child2" refType="primFontSz" refFor="des" refForName="Parent6" op="lte"/>
-              <dgm:constr type="primFontSz" for="des" forName="Child3" refType="primFontSz" refFor="des" refForName="Parent6" op="lte"/>
-              <dgm:constr type="primFontSz" for="des" forName="Child4" refType="primFontSz" refFor="des" refForName="Parent6" op="lte"/>
-              <dgm:constr type="primFontSz" for="des" forName="Child5" refType="primFontSz" refFor="des" refForName="Parent6" op="lte"/>
-              <dgm:constr type="primFontSz" for="des" forName="Child6" refType="primFontSz" refFor="des" refForName="Parent6" op="lte"/>
-              <dgm:constr type="primFontSz" for="des" forName="Child7" refType="primFontSz" refFor="des" refForName="Parent6" op="lte"/>
-              <dgm:constr type="primFontSz" for="des" forName="Child8" refType="primFontSz" refFor="des" refForName="Parent6" op="lte"/>
-              <dgm:constr type="primFontSz" for="des" forName="Child1" refType="primFontSz" refFor="des" refForName="Parent7" op="lte"/>
-              <dgm:constr type="primFontSz" for="des" forName="Child2" refType="primFontSz" refFor="des" refForName="Parent7" op="lte"/>
-              <dgm:constr type="primFontSz" for="des" forName="Child3" refType="primFontSz" refFor="des" refForName="Parent7" op="lte"/>
-              <dgm:constr type="primFontSz" for="des" forName="Child4" refType="primFontSz" refFor="des" refForName="Parent7" op="lte"/>
-              <dgm:constr type="primFontSz" for="des" forName="Child5" refType="primFontSz" refFor="des" refForName="Parent7" op="lte"/>
-              <dgm:constr type="primFontSz" for="des" forName="Child6" refType="primFontSz" refFor="des" refForName="Parent7" op="lte"/>
-              <dgm:constr type="primFontSz" for="des" forName="Child7" refType="primFontSz" refFor="des" refForName="Parent7" op="lte"/>
-              <dgm:constr type="primFontSz" for="des" forName="Child8" refType="primFontSz" refFor="des" refForName="Parent7" op="lte"/>
-              <dgm:constr type="primFontSz" for="des" forName="Child1" refType="primFontSz" refFor="des" refForName="Parent8" op="lte"/>
-              <dgm:constr type="primFontSz" for="des" forName="Child2" refType="primFontSz" refFor="des" refForName="Parent8" op="lte"/>
-              <dgm:constr type="primFontSz" for="des" forName="Child3" refType="primFontSz" refFor="des" refForName="Parent8" op="lte"/>
-              <dgm:constr type="primFontSz" for="des" forName="Child4" refType="primFontSz" refFor="des" refForName="Parent8" op="lte"/>
-              <dgm:constr type="primFontSz" for="des" forName="Child5" refType="primFontSz" refFor="des" refForName="Parent8" op="lte"/>
-              <dgm:constr type="primFontSz" for="des" forName="Child6" refType="primFontSz" refFor="des" refForName="Parent8" op="lte"/>
-              <dgm:constr type="primFontSz" for="des" forName="Child7" refType="primFontSz" refFor="des" refForName="Parent8" op="lte"/>
-              <dgm:constr type="primFontSz" for="des" forName="Child8" refType="primFontSz" refFor="des" refForName="Parent8" op="lte"/>
-              <dgm:constr type="primFontSz" for="des" forName="Parent2" refType="primFontSz" refFor="des" refForName="Parent1" op="equ"/>
-              <dgm:constr type="primFontSz" for="des" forName="Parent3" refType="primFontSz" refFor="des" refForName="Parent1" op="equ"/>
-              <dgm:constr type="primFontSz" for="des" forName="Parent4" refType="primFontSz" refFor="des" refForName="Parent1" op="equ"/>
-              <dgm:constr type="primFontSz" for="des" forName="Parent5" refType="primFontSz" refFor="des" refForName="Parent1" op="equ"/>
-              <dgm:constr type="primFontSz" for="des" forName="Parent6" refType="primFontSz" refFor="des" refForName="Parent1" op="equ"/>
-              <dgm:constr type="primFontSz" for="des" forName="Parent7" refType="primFontSz" refFor="des" refForName="Parent1" op="equ"/>
-              <dgm:constr type="primFontSz" for="des" forName="Parent8" refType="primFontSz" refFor="des" refForName="Parent1" op="equ"/>
-              <dgm:constr type="primFontSz" for="des" forName="Child2" refType="primFontSz" refFor="des" refForName="Child1" op="equ"/>
-              <dgm:constr type="primFontSz" for="des" forName="Child3" refType="primFontSz" refFor="des" refForName="Child1" op="equ"/>
-              <dgm:constr type="primFontSz" for="des" forName="Child4" refType="primFontSz" refFor="des" refForName="Child1" op="equ"/>
-              <dgm:constr type="primFontSz" for="des" forName="Child5" refType="primFontSz" refFor="des" refForName="Child1" op="equ"/>
-              <dgm:constr type="primFontSz" for="des" forName="Child6" refType="primFontSz" refFor="des" refForName="Child1" op="equ"/>
-              <dgm:constr type="primFontSz" for="des" forName="Child7" refType="primFontSz" refFor="des" refForName="Child1" op="equ"/>
-              <dgm:constr type="primFontSz" for="des" forName="Child8" refType="primFontSz" refFor="des" refForName="Child1" op="equ"/>
-              <dgm:constr type="r" for="ch" forName="Parent8" refType="w" fact="0.099"/>
-              <dgm:constr type="t" for="ch" forName="Parent8" refType="h" fact="0.2022"/>
-              <dgm:constr type="w" for="ch" forName="Parent8" refType="w" fact="0.0792"/>
-              <dgm:constr type="h" for="ch" forName="Parent8" refType="h" fact="0.3799"/>
-              <dgm:constr type="r" for="ch" forName="Parent7" refType="w" fact="0.2217"/>
-              <dgm:constr type="t" for="ch" forName="Parent7" refType="h" fact="0.2022"/>
-              <dgm:constr type="w" for="ch" forName="Parent7" refType="w" fact="0.0792"/>
-              <dgm:constr type="h" for="ch" forName="Parent7" refType="h" fact="0.3799"/>
-              <dgm:constr type="r" for="ch" forName="Parent6" refType="w" fact="0.3444"/>
-              <dgm:constr type="t" for="ch" forName="Parent6" refType="h" fact="0.2022"/>
-              <dgm:constr type="w" for="ch" forName="Parent6" refType="w" fact="0.0792"/>
-              <dgm:constr type="h" for="ch" forName="Parent6" refType="h" fact="0.3799"/>
-              <dgm:constr type="r" for="ch" forName="Parent5" refType="w" fact="0.4671"/>
-              <dgm:constr type="t" for="ch" forName="Parent5" refType="h" fact="0.2022"/>
-              <dgm:constr type="w" for="ch" forName="Parent5" refType="w" fact="0.0792"/>
-              <dgm:constr type="h" for="ch" forName="Parent5" refType="h" fact="0.3799"/>
-              <dgm:constr type="r" for="ch" forName="Parent4" refType="w" fact="0.5898"/>
-              <dgm:constr type="t" for="ch" forName="Parent4" refType="h" fact="0.2022"/>
-              <dgm:constr type="w" for="ch" forName="Parent4" refType="w" fact="0.0792"/>
-              <dgm:constr type="h" for="ch" forName="Parent4" refType="h" fact="0.3799"/>
-              <dgm:constr type="r" for="ch" forName="Parent3" refType="w" fact="0.7125"/>
-              <dgm:constr type="t" for="ch" forName="Parent3" refType="h" fact="0.2022"/>
-              <dgm:constr type="w" for="ch" forName="Parent3" refType="w" fact="0.0792"/>
-              <dgm:constr type="h" for="ch" forName="Parent3" refType="h" fact="0.3799"/>
-              <dgm:constr type="r" for="ch" forName="Parent2" refType="w" fact="0.8352"/>
-              <dgm:constr type="t" for="ch" forName="Parent2" refType="h" fact="0.2022"/>
-              <dgm:constr type="w" for="ch" forName="Parent2" refType="w" fact="0.0792"/>
-              <dgm:constr type="h" for="ch" forName="Parent2" refType="h" fact="0.3799"/>
-              <dgm:constr type="r" for="ch" forName="Parent1" refType="w" fact="0.9579"/>
-              <dgm:constr type="t" for="ch" forName="Parent1" refType="h" fact="0.2022"/>
-              <dgm:constr type="w" for="ch" forName="Parent1" refType="w" fact="0.0792"/>
-              <dgm:constr type="h" for="ch" forName="Parent1" refType="h" fact="0.3799"/>
-              <dgm:constr type="r" for="ch" forName="Accent8" refType="w" fact="0.1187"/>
-              <dgm:constr type="t" for="ch" forName="Accent8" refType="h" fact="0.1072"/>
-              <dgm:constr type="w" for="ch" forName="Accent8" refType="w" fact="0.1187"/>
-              <dgm:constr type="h" for="ch" forName="Accent8" refType="h" fact="0.5699"/>
-              <dgm:constr type="r" for="ch" forName="ParentBackground8" refType="w" fact="0.1148"/>
-              <dgm:constr type="t" for="ch" forName="ParentBackground8" refType="h" fact="0.1262"/>
-              <dgm:constr type="w" for="ch" forName="ParentBackground8" refType="w" fact="0.1108"/>
-              <dgm:constr type="h" for="ch" forName="ParentBackground8" refType="h" fact="0.5319"/>
-              <dgm:constr type="r" for="ch" forName="Child8" refType="w" fact="0.1148"/>
-              <dgm:constr type="t" for="ch" forName="Child8" refType="h" fact="0.6876"/>
-              <dgm:constr type="w" for="ch" forName="Child8" refType="w" fact="0.1108"/>
-              <dgm:constr type="h" for="ch" forName="Child8" refType="h" fact="0.3124"/>
-              <dgm:constr type="r" for="ch" forName="Accent7" refType="w" fact="0.2661"/>
-              <dgm:constr type="t" for="ch" forName="Accent7" refType="h" fact="-0.0109"/>
-              <dgm:constr type="w" for="ch" forName="Accent7" refType="w" fact="0.1679"/>
-              <dgm:constr type="h" for="ch" forName="Accent7" refType="h" fact="0.806"/>
-              <dgm:constr type="r" for="ch" forName="ParentBackground7" refType="w" fact="0.2375"/>
-              <dgm:constr type="t" for="ch" forName="ParentBackground7" refType="h" fact="0.1262"/>
-              <dgm:constr type="w" for="ch" forName="ParentBackground7" refType="w" fact="0.1108"/>
-              <dgm:constr type="h" for="ch" forName="ParentBackground7" refType="h" fact="0.5319"/>
-              <dgm:constr type="r" for="ch" forName="Child7" refType="w" fact="0.2375"/>
-              <dgm:constr type="t" for="ch" forName="Child7" refType="h" fact="0.6876"/>
-              <dgm:constr type="w" for="ch" forName="Child7" refType="w" fact="0.1108"/>
-              <dgm:constr type="h" for="ch" forName="Child7" refType="h" fact="0.3124"/>
-              <dgm:constr type="r" for="ch" forName="Accent6" refType="w" fact="0.3888"/>
-              <dgm:constr type="t" for="ch" forName="Accent6" refType="h" fact="-0.0109"/>
-              <dgm:constr type="w" for="ch" forName="Accent6" refType="w" fact="0.1679"/>
-              <dgm:constr type="h" for="ch" forName="Accent6" refType="h" fact="0.806"/>
-              <dgm:constr type="r" for="ch" forName="ParentBackground6" refType="w" fact="0.3602"/>
-              <dgm:constr type="t" for="ch" forName="ParentBackground6" refType="h" fact="0.1262"/>
-              <dgm:constr type="w" for="ch" forName="ParentBackground6" refType="w" fact="0.1108"/>
-              <dgm:constr type="h" for="ch" forName="ParentBackground6" refType="h" fact="0.5319"/>
-              <dgm:constr type="r" for="ch" forName="Child6" refType="w" fact="0.3602"/>
-              <dgm:constr type="t" for="ch" forName="Child6" refType="h" fact="0.6876"/>
-              <dgm:constr type="w" for="ch" forName="Child6" refType="w" fact="0.1108"/>
-              <dgm:constr type="h" for="ch" forName="Child6" refType="h" fact="0.3124"/>
-              <dgm:constr type="r" for="ch" forName="Accent5" refType="w" fact="0.5115"/>
-              <dgm:constr type="t" for="ch" forName="Accent5" refType="h" fact="-0.0109"/>
-              <dgm:constr type="w" for="ch" forName="Accent5" refType="w" fact="0.1679"/>
-              <dgm:constr type="h" for="ch" forName="Accent5" refType="h" fact="0.806"/>
-              <dgm:constr type="r" for="ch" forName="ParentBackground5" refType="w" fact="0.4829"/>
-              <dgm:constr type="t" for="ch" forName="ParentBackground5" refType="h" fact="0.1262"/>
-              <dgm:constr type="w" for="ch" forName="ParentBackground5" refType="w" fact="0.1108"/>
-              <dgm:constr type="h" for="ch" forName="ParentBackground5" refType="h" fact="0.5319"/>
-              <dgm:constr type="r" for="ch" forName="Child5" refType="w" fact="0.4829"/>
-              <dgm:constr type="t" for="ch" forName="Child5" refType="h" fact="0.6876"/>
-              <dgm:constr type="w" for="ch" forName="Child5" refType="w" fact="0.1108"/>
-              <dgm:constr type="h" for="ch" forName="Child5" refType="h" fact="0.3124"/>
-              <dgm:constr type="r" for="ch" forName="Accent4" refType="w" fact="0.6342"/>
-              <dgm:constr type="t" for="ch" forName="Accent4" refType="h" fact="-0.0109"/>
-              <dgm:constr type="w" for="ch" forName="Accent4" refType="w" fact="0.1679"/>
-              <dgm:constr type="h" for="ch" forName="Accent4" refType="h" fact="0.806"/>
-              <dgm:constr type="r" for="ch" forName="ParentBackground4" refType="w" fact="0.6056"/>
-              <dgm:constr type="t" for="ch" forName="ParentBackground4" refType="h" fact="0.1262"/>
-              <dgm:constr type="w" for="ch" forName="ParentBackground4" refType="w" fact="0.1108"/>
-              <dgm:constr type="h" for="ch" forName="ParentBackground4" refType="h" fact="0.5319"/>
-              <dgm:constr type="r" for="ch" forName="Child4" refType="w" fact="0.6056"/>
-              <dgm:constr type="t" for="ch" forName="Child4" refType="h" fact="0.6876"/>
-              <dgm:constr type="w" for="ch" forName="Child4" refType="w" fact="0.1108"/>
-              <dgm:constr type="h" for="ch" forName="Child4" refType="h" fact="0.3124"/>
-              <dgm:constr type="r" for="ch" forName="Accent3" refType="w" fact="0.7569"/>
-              <dgm:constr type="t" for="ch" forName="Accent3" refType="h" fact="-0.0109"/>
-              <dgm:constr type="w" for="ch" forName="Accent3" refType="w" fact="0.1679"/>
-              <dgm:constr type="h" for="ch" forName="Accent3" refType="h" fact="0.806"/>
-              <dgm:constr type="r" for="ch" forName="ParentBackground3" refType="w" fact="0.7283"/>
-              <dgm:constr type="t" for="ch" forName="ParentBackground3" refType="h" fact="0.1262"/>
-              <dgm:constr type="w" for="ch" forName="ParentBackground3" refType="w" fact="0.1108"/>
-              <dgm:constr type="h" for="ch" forName="ParentBackground3" refType="h" fact="0.5319"/>
-              <dgm:constr type="r" for="ch" forName="Child3" refType="w" fact="0.7283"/>
-              <dgm:constr type="t" for="ch" forName="Child3" refType="h" fact="0.6876"/>
-              <dgm:constr type="w" for="ch" forName="Child3" refType="w" fact="0.1108"/>
-              <dgm:constr type="h" for="ch" forName="Child3" refType="h" fact="0.3124"/>
-              <dgm:constr type="r" for="ch" forName="Accent2" refType="w" fact="0.8796"/>
-              <dgm:constr type="t" for="ch" forName="Accent2" refType="h" fact="-0.0109"/>
-              <dgm:constr type="w" for="ch" forName="Accent2" refType="w" fact="0.1679"/>
-              <dgm:constr type="h" for="ch" forName="Accent2" refType="h" fact="0.806"/>
-              <dgm:constr type="r" for="ch" forName="ParentBackground2" refType="w" fact="0.851"/>
-              <dgm:constr type="t" for="ch" forName="ParentBackground2" refType="h" fact="0.1262"/>
-              <dgm:constr type="w" for="ch" forName="ParentBackground2" refType="w" fact="0.1108"/>
-              <dgm:constr type="h" for="ch" forName="ParentBackground2" refType="h" fact="0.5319"/>
-              <dgm:constr type="r" for="ch" forName="Child2" refType="w" fact="0.851"/>
-              <dgm:constr type="t" for="ch" forName="Child2" refType="h" fact="0.6876"/>
-              <dgm:constr type="w" for="ch" forName="Child2" refType="w" fact="0.1108"/>
-              <dgm:constr type="h" for="ch" forName="Child2" refType="h" fact="0.3124"/>
-              <dgm:constr type="r" for="ch" forName="Accent1" refType="w" fact="1.0023"/>
-              <dgm:constr type="t" for="ch" forName="Accent1" refType="h" fact="-0.0109"/>
-              <dgm:constr type="w" for="ch" forName="Accent1" refType="w" fact="0.1679"/>
-              <dgm:constr type="h" for="ch" forName="Accent1" refType="h" fact="0.806"/>
-              <dgm:constr type="r" for="ch" forName="ParentBackground1" refType="w" fact="0.9737"/>
-              <dgm:constr type="t" for="ch" forName="ParentBackground1" refType="h" fact="0.1262"/>
-              <dgm:constr type="w" for="ch" forName="ParentBackground1" refType="w" fact="0.1108"/>
-              <dgm:constr type="h" for="ch" forName="ParentBackground1" refType="h" fact="0.5319"/>
-              <dgm:constr type="r" for="ch" forName="Child1" refType="w" fact="0.9737"/>
-              <dgm:constr type="t" for="ch" forName="Child1" refType="h" fact="0.6876"/>
-              <dgm:constr type="w" for="ch" forName="Child1" refType="w" fact="0.1108"/>
-              <dgm:constr type="h" for="ch" forName="Child1" refType="h" fact="0.3124"/>
-            </dgm:constrLst>
-          </dgm:if>
-          <dgm:if name="Name25" axis="ch" ptType="node" func="cnt" op="equ" val="9">
-            <dgm:alg type="composite">
-              <dgm:param type="ar" val="5.388"/>
-            </dgm:alg>
-            <dgm:constrLst>
-              <dgm:constr type="primFontSz" for="des" forName="Child1" val="65"/>
-              <dgm:constr type="primFontSz" for="des" forName="Parent1" val="65"/>
-              <dgm:constr type="primFontSz" for="des" forName="Child1" refType="primFontSz" refFor="des" refForName="Parent1" op="lte"/>
-              <dgm:constr type="primFontSz" for="des" forName="Child2" refType="primFontSz" refFor="des" refForName="Parent1" op="lte"/>
-              <dgm:constr type="primFontSz" for="des" forName="Child3" refType="primFontSz" refFor="des" refForName="Parent1" op="lte"/>
-              <dgm:constr type="primFontSz" for="des" forName="Child4" refType="primFontSz" refFor="des" refForName="Parent1" op="lte"/>
-              <dgm:constr type="primFontSz" for="des" forName="Child5" refType="primFontSz" refFor="des" refForName="Parent1" op="lte"/>
-              <dgm:constr type="primFontSz" for="des" forName="Child6" refType="primFontSz" refFor="des" refForName="Parent1" op="lte"/>
-              <dgm:constr type="primFontSz" for="des" forName="Child7" refType="primFontSz" refFor="des" refForName="Parent1" op="lte"/>
-              <dgm:constr type="primFontSz" for="des" forName="Child8" refType="primFontSz" refFor="des" refForName="Parent1" op="lte"/>
-              <dgm:constr type="primFontSz" for="des" forName="Child9" refType="primFontSz" refFor="des" refForName="Parent1" op="lte"/>
-              <dgm:constr type="primFontSz" for="des" forName="Child1" refType="primFontSz" refFor="des" refForName="Parent2" op="lte"/>
-              <dgm:constr type="primFontSz" for="des" forName="Child2" refType="primFontSz" refFor="des" refForName="Parent2" op="lte"/>
-              <dgm:constr type="primFontSz" for="des" forName="Child3" refType="primFontSz" refFor="des" refForName="Parent2" op="lte"/>
-              <dgm:constr type="primFontSz" for="des" forName="Child4" refType="primFontSz" refFor="des" refForName="Parent2" op="lte"/>
-              <dgm:constr type="primFontSz" for="des" forName="Child5" refType="primFontSz" refFor="des" refForName="Parent2" op="lte"/>
-              <dgm:constr type="primFontSz" for="des" forName="Child6" refType="primFontSz" refFor="des" refForName="Parent2" op="lte"/>
-              <dgm:constr type="primFontSz" for="des" forName="Child7" refType="primFontSz" refFor="des" refForName="Parent2" op="lte"/>
-              <dgm:constr type="primFontSz" for="des" forName="Child8" refType="primFontSz" refFor="des" refForName="Parent2" op="lte"/>
-              <dgm:constr type="primFontSz" for="des" forName="Child9" refType="primFontSz" refFor="des" refForName="Parent2" op="lte"/>
-              <dgm:constr type="primFontSz" for="des" forName="Child1" refType="primFontSz" refFor="des" refForName="Parent3" op="lte"/>
-              <dgm:constr type="primFontSz" for="des" forName="Child2" refType="primFontSz" refFor="des" refForName="Parent3" op="lte"/>
-              <dgm:constr type="primFontSz" for="des" forName="Child3" refType="primFontSz" refFor="des" refForName="Parent3" op="lte"/>
-              <dgm:constr type="primFontSz" for="des" forName="Child4" refType="primFontSz" refFor="des" refForName="Parent3" op="lte"/>
-              <dgm:constr type="primFontSz" for="des" forName="Child5" refType="primFontSz" refFor="des" refForName="Parent3" op="lte"/>
-              <dgm:constr type="primFontSz" for="des" forName="Child6" refType="primFontSz" refFor="des" refForName="Parent3" op="lte"/>
-              <dgm:constr type="primFontSz" for="des" forName="Child7" refType="primFontSz" refFor="des" refForName="Parent3" op="lte"/>
-              <dgm:constr type="primFontSz" for="des" forName="Child8" refType="primFontSz" refFor="des" refForName="Parent3" op="lte"/>
-              <dgm:constr type="primFontSz" for="des" forName="Child9" refType="primFontSz" refFor="des" refForName="Parent3" op="lte"/>
-              <dgm:constr type="primFontSz" for="des" forName="Child1" refType="primFontSz" refFor="des" refForName="Parent4" op="lte"/>
-              <dgm:constr type="primFontSz" for="des" forName="Child2" refType="primFontSz" refFor="des" refForName="Parent4" op="lte"/>
-              <dgm:constr type="primFontSz" for="des" forName="Child3" refType="primFontSz" refFor="des" refForName="Parent4" op="lte"/>
-              <dgm:constr type="primFontSz" for="des" forName="Child4" refType="primFontSz" refFor="des" refForName="Parent4" op="lte"/>
-              <dgm:constr type="primFontSz" for="des" forName="Child5" refType="primFontSz" refFor="des" refForName="Parent4" op="lte"/>
-              <dgm:constr type="primFontSz" for="des" forName="Child6" refType="primFontSz" refFor="des" refForName="Parent4" op="lte"/>
-              <dgm:constr type="primFontSz" for="des" forName="Child7" refType="primFontSz" refFor="des" refForName="Parent4" op="lte"/>
-              <dgm:constr type="primFontSz" for="des" forName="Child8" refType="primFontSz" refFor="des" refForName="Parent4" op="lte"/>
-              <dgm:constr type="primFontSz" for="des" forName="Child9" refType="primFontSz" refFor="des" refForName="Parent4" op="lte"/>
-              <dgm:constr type="primFontSz" for="des" forName="Child1" refType="primFontSz" refFor="des" refForName="Parent5" op="lte"/>
-              <dgm:constr type="primFontSz" for="des" forName="Child2" refType="primFontSz" refFor="des" refForName="Parent5" op="lte"/>
-              <dgm:constr type="primFontSz" for="des" forName="Child3" refType="primFontSz" refFor="des" refForName="Parent5" op="lte"/>
-              <dgm:constr type="primFontSz" for="des" forName="Child4" refType="primFontSz" refFor="des" refForName="Parent5" op="lte"/>
-              <dgm:constr type="primFontSz" for="des" forName="Child5" refType="primFontSz" refFor="des" refForName="Parent5" op="lte"/>
-              <dgm:constr type="primFontSz" for="des" forName="Child6" refType="primFontSz" refFor="des" refForName="Parent5" op="lte"/>
-              <dgm:constr type="primFontSz" for="des" forName="Child7" refType="primFontSz" refFor="des" refForName="Parent5" op="lte"/>
-              <dgm:constr type="primFontSz" for="des" forName="Child8" refType="primFontSz" refFor="des" refForName="Parent5" op="lte"/>
-              <dgm:constr type="primFontSz" for="des" forName="Child9" refType="primFontSz" refFor="des" refForName="Parent5" op="lte"/>
-              <dgm:constr type="primFontSz" for="des" forName="Child1" refType="primFontSz" refFor="des" refForName="Parent6" op="lte"/>
-              <dgm:constr type="primFontSz" for="des" forName="Child2" refType="primFontSz" refFor="des" refForName="Parent6" op="lte"/>
-              <dgm:constr type="primFontSz" for="des" forName="Child3" refType="primFontSz" refFor="des" refForName="Parent6" op="lte"/>
-              <dgm:constr type="primFontSz" for="des" forName="Child4" refType="primFontSz" refFor="des" refForName="Parent6" op="lte"/>
-              <dgm:constr type="primFontSz" for="des" forName="Child5" refType="primFontSz" refFor="des" refForName="Parent6" op="lte"/>
-              <dgm:constr type="primFontSz" for="des" forName="Child6" refType="primFontSz" refFor="des" refForName="Parent6" op="lte"/>
-              <dgm:constr type="primFontSz" for="des" forName="Child7" refType="primFontSz" refFor="des" refForName="Parent6" op="lte"/>
-              <dgm:constr type="primFontSz" for="des" forName="Child8" refType="primFontSz" refFor="des" refForName="Parent6" op="lte"/>
-              <dgm:constr type="primFontSz" for="des" forName="Child9" refType="primFontSz" refFor="des" refForName="Parent6" op="lte"/>
-              <dgm:constr type="primFontSz" for="des" forName="Child1" refType="primFontSz" refFor="des" refForName="Parent7" op="lte"/>
-              <dgm:constr type="primFontSz" for="des" forName="Child2" refType="primFontSz" refFor="des" refForName="Parent7" op="lte"/>
-              <dgm:constr type="primFontSz" for="des" forName="Child3" refType="primFontSz" refFor="des" refForName="Parent7" op="lte"/>
-              <dgm:constr type="primFontSz" for="des" forName="Child4" refType="primFontSz" refFor="des" refForName="Parent7" op="lte"/>
-              <dgm:constr type="primFontSz" for="des" forName="Child5" refType="primFontSz" refFor="des" refForName="Parent7" op="lte"/>
-              <dgm:constr type="primFontSz" for="des" forName="Child6" refType="primFontSz" refFor="des" refForName="Parent7" op="lte"/>
-              <dgm:constr type="primFontSz" for="des" forName="Child7" refType="primFontSz" refFor="des" refForName="Parent7" op="lte"/>
-              <dgm:constr type="primFontSz" for="des" forName="Child8" refType="primFontSz" refFor="des" refForName="Parent7" op="lte"/>
-              <dgm:constr type="primFontSz" for="des" forName="Child9" refType="primFontSz" refFor="des" refForName="Parent7" op="lte"/>
-              <dgm:constr type="primFontSz" for="des" forName="Child1" refType="primFontSz" refFor="des" refForName="Parent8" op="lte"/>
-              <dgm:constr type="primFontSz" for="des" forName="Child2" refType="primFontSz" refFor="des" refForName="Parent8" op="lte"/>
-              <dgm:constr type="primFontSz" for="des" forName="Child3" refType="primFontSz" refFor="des" refForName="Parent8" op="lte"/>
-              <dgm:constr type="primFontSz" for="des" forName="Child4" refType="primFontSz" refFor="des" refForName="Parent8" op="lte"/>
-              <dgm:constr type="primFontSz" for="des" forName="Child5" refType="primFontSz" refFor="des" refForName="Parent8" op="lte"/>
-              <dgm:constr type="primFontSz" for="des" forName="Child6" refType="primFontSz" refFor="des" refForName="Parent8" op="lte"/>
-              <dgm:constr type="primFontSz" for="des" forName="Child7" refType="primFontSz" refFor="des" refForName="Parent8" op="lte"/>
-              <dgm:constr type="primFontSz" for="des" forName="Child8" refType="primFontSz" refFor="des" refForName="Parent8" op="lte"/>
-              <dgm:constr type="primFontSz" for="des" forName="Child9" refType="primFontSz" refFor="des" refForName="Parent8" op="lte"/>
-              <dgm:constr type="primFontSz" for="des" forName="Child1" refType="primFontSz" refFor="des" refForName="Parent9" op="lte"/>
-              <dgm:constr type="primFontSz" for="des" forName="Child2" refType="primFontSz" refFor="des" refForName="Parent9" op="lte"/>
-              <dgm:constr type="primFontSz" for="des" forName="Child3" refType="primFontSz" refFor="des" refForName="Parent9" op="lte"/>
-              <dgm:constr type="primFontSz" for="des" forName="Child4" refType="primFontSz" refFor="des" refForName="Parent9" op="lte"/>
-              <dgm:constr type="primFontSz" for="des" forName="Child5" refType="primFontSz" refFor="des" refForName="Parent9" op="lte"/>
-              <dgm:constr type="primFontSz" for="des" forName="Child6" refType="primFontSz" refFor="des" refForName="Parent9" op="lte"/>
-              <dgm:constr type="primFontSz" for="des" forName="Child7" refType="primFontSz" refFor="des" refForName="Parent9" op="lte"/>
-              <dgm:constr type="primFontSz" for="des" forName="Child8" refType="primFontSz" refFor="des" refForName="Parent9" op="lte"/>
-              <dgm:constr type="primFontSz" for="des" forName="Child9" refType="primFontSz" refFor="des" refForName="Parent9" op="lte"/>
-              <dgm:constr type="primFontSz" for="des" forName="Parent2" refType="primFontSz" refFor="des" refForName="Parent1" op="equ"/>
-              <dgm:constr type="primFontSz" for="des" forName="Parent3" refType="primFontSz" refFor="des" refForName="Parent1" op="equ"/>
-              <dgm:constr type="primFontSz" for="des" forName="Parent4" refType="primFontSz" refFor="des" refForName="Parent1" op="equ"/>
-              <dgm:constr type="primFontSz" for="des" forName="Parent5" refType="primFontSz" refFor="des" refForName="Parent1" op="equ"/>
-              <dgm:constr type="primFontSz" for="des" forName="Parent6" refType="primFontSz" refFor="des" refForName="Parent1" op="equ"/>
-              <dgm:constr type="primFontSz" for="des" forName="Parent7" refType="primFontSz" refFor="des" refForName="Parent1" op="equ"/>
-              <dgm:constr type="primFontSz" for="des" forName="Parent8" refType="primFontSz" refFor="des" refForName="Parent1" op="equ"/>
-              <dgm:constr type="primFontSz" for="des" forName="Parent9" refType="primFontSz" refFor="des" refForName="Parent1" op="equ"/>
-              <dgm:constr type="primFontSz" for="des" forName="Child2" refType="primFontSz" refFor="des" refForName="Child1" op="equ"/>
-              <dgm:constr type="primFontSz" for="des" forName="Child3" refType="primFontSz" refFor="des" refForName="Child1" op="equ"/>
-              <dgm:constr type="primFontSz" for="des" forName="Child4" refType="primFontSz" refFor="des" refForName="Child1" op="equ"/>
-              <dgm:constr type="primFontSz" for="des" forName="Child5" refType="primFontSz" refFor="des" refForName="Child1" op="equ"/>
-              <dgm:constr type="primFontSz" for="des" forName="Child6" refType="primFontSz" refFor="des" refForName="Child1" op="equ"/>
-              <dgm:constr type="primFontSz" for="des" forName="Child7" refType="primFontSz" refFor="des" refForName="Child1" op="equ"/>
-              <dgm:constr type="primFontSz" for="des" forName="Child8" refType="primFontSz" refFor="des" refForName="Child1" op="equ"/>
-              <dgm:constr type="primFontSz" for="des" forName="Child9" refType="primFontSz" refFor="des" refForName="Child1" op="equ"/>
-              <dgm:constr type="r" for="ch" forName="Parent9" refType="w" fact="0.0881"/>
-              <dgm:constr type="t" for="ch" forName="Parent9" refType="h" fact="0.2022"/>
-              <dgm:constr type="w" for="ch" forName="Parent9" refType="w" fact="0.0705"/>
-              <dgm:constr type="h" for="ch" forName="Parent9" refType="h" fact="0.3799"/>
-              <dgm:constr type="r" for="ch" forName="Parent8" refType="w" fact="0.1974"/>
-              <dgm:constr type="t" for="ch" forName="Parent8" refType="h" fact="0.2022"/>
-              <dgm:constr type="w" for="ch" forName="Parent8" refType="w" fact="0.0705"/>
-              <dgm:constr type="h" for="ch" forName="Parent8" refType="h" fact="0.3799"/>
-              <dgm:constr type="r" for="ch" forName="Parent7" refType="w" fact="0.3067"/>
-              <dgm:constr type="t" for="ch" forName="Parent7" refType="h" fact="0.2022"/>
-              <dgm:constr type="w" for="ch" forName="Parent7" refType="w" fact="0.0705"/>
-              <dgm:constr type="h" for="ch" forName="Parent7" refType="h" fact="0.3799"/>
-              <dgm:constr type="r" for="ch" forName="Parent6" refType="w" fact="0.416"/>
-              <dgm:constr type="t" for="ch" forName="Parent6" refType="h" fact="0.2022"/>
-              <dgm:constr type="w" for="ch" forName="Parent6" refType="w" fact="0.0705"/>
-              <dgm:constr type="h" for="ch" forName="Parent6" refType="h" fact="0.3799"/>
-              <dgm:constr type="r" for="ch" forName="Parent5" refType="w" fact="0.5253"/>
-              <dgm:constr type="t" for="ch" forName="Parent5" refType="h" fact="0.2022"/>
-              <dgm:constr type="w" for="ch" forName="Parent5" refType="w" fact="0.0705"/>
-              <dgm:constr type="h" for="ch" forName="Parent5" refType="h" fact="0.3799"/>
-              <dgm:constr type="r" for="ch" forName="Parent4" refType="w" fact="0.6346"/>
-              <dgm:constr type="t" for="ch" forName="Parent4" refType="h" fact="0.2022"/>
-              <dgm:constr type="w" for="ch" forName="Parent4" refType="w" fact="0.0705"/>
-              <dgm:constr type="h" for="ch" forName="Parent4" refType="h" fact="0.3799"/>
-              <dgm:constr type="r" for="ch" forName="Parent3" refType="w" fact="0.7439"/>
-              <dgm:constr type="t" for="ch" forName="Parent3" refType="h" fact="0.2022"/>
-              <dgm:constr type="w" for="ch" forName="Parent3" refType="w" fact="0.0705"/>
-              <dgm:constr type="h" for="ch" forName="Parent3" refType="h" fact="0.3799"/>
-              <dgm:constr type="r" for="ch" forName="Parent2" refType="w" fact="0.8532"/>
-              <dgm:constr type="t" for="ch" forName="Parent2" refType="h" fact="0.2022"/>
-              <dgm:constr type="w" for="ch" forName="Parent2" refType="w" fact="0.0705"/>
-              <dgm:constr type="h" for="ch" forName="Parent2" refType="h" fact="0.3799"/>
-              <dgm:constr type="r" for="ch" forName="Parent1" refType="w" fact="0.9625"/>
-              <dgm:constr type="t" for="ch" forName="Parent1" refType="h" fact="0.2022"/>
-              <dgm:constr type="w" for="ch" forName="Parent1" refType="w" fact="0.0705"/>
-              <dgm:constr type="h" for="ch" forName="Parent1" refType="h" fact="0.3799"/>
-              <dgm:constr type="r" for="ch" forName="Accent9" refType="w" fact="0.1058"/>
-              <dgm:constr type="t" for="ch" forName="Accent9" refType="h" fact="0.1072"/>
-              <dgm:constr type="w" for="ch" forName="Accent9" refType="w" fact="0.1058"/>
-              <dgm:constr type="h" for="ch" forName="Accent9" refType="h" fact="0.5699"/>
-              <dgm:constr type="r" for="ch" forName="ParentBackground9" refType="w" fact="0.1022"/>
-              <dgm:constr type="t" for="ch" forName="ParentBackground9" refType="h" fact="0.1262"/>
-              <dgm:constr type="w" for="ch" forName="ParentBackground9" refType="w" fact="0.0987"/>
-              <dgm:constr type="h" for="ch" forName="ParentBackground9" refType="h" fact="0.5319"/>
-              <dgm:constr type="r" for="ch" forName="Child9" refType="w" fact="0.1022"/>
-              <dgm:constr type="t" for="ch" forName="Child9" refType="h" fact="0.6876"/>
-              <dgm:constr type="w" for="ch" forName="Child9" refType="w" fact="0.0987"/>
-              <dgm:constr type="h" for="ch" forName="Child9" refType="h" fact="0.3124"/>
-              <dgm:constr type="r" for="ch" forName="Accent8" refType="w" fact="0.237"/>
-              <dgm:constr type="t" for="ch" forName="Accent8" refType="h" fact="-0.0109"/>
-              <dgm:constr type="w" for="ch" forName="Accent8" refType="w" fact="0.1496"/>
-              <dgm:constr type="h" for="ch" forName="Accent8" refType="h" fact="0.806"/>
-              <dgm:constr type="r" for="ch" forName="ParentBackground8" refType="w" fact="0.2115"/>
-              <dgm:constr type="t" for="ch" forName="ParentBackground8" refType="h" fact="0.1262"/>
-              <dgm:constr type="w" for="ch" forName="ParentBackground8" refType="w" fact="0.0987"/>
-              <dgm:constr type="h" for="ch" forName="ParentBackground8" refType="h" fact="0.5319"/>
-              <dgm:constr type="r" for="ch" forName="Child8" refType="w" fact="0.2115"/>
-              <dgm:constr type="t" for="ch" forName="Child8" refType="h" fact="0.6876"/>
-              <dgm:constr type="w" for="ch" forName="Child8" refType="w" fact="0.0987"/>
-              <dgm:constr type="h" for="ch" forName="Child8" refType="h" fact="0.3124"/>
-              <dgm:constr type="r" for="ch" forName="Accent7" refType="w" fact="0.3462"/>
-              <dgm:constr type="t" for="ch" forName="Accent7" refType="h" fact="-0.0109"/>
-              <dgm:constr type="w" for="ch" forName="Accent7" refType="w" fact="0.1496"/>
-              <dgm:constr type="h" for="ch" forName="Accent7" refType="h" fact="0.806"/>
-              <dgm:constr type="r" for="ch" forName="ParentBackground7" refType="w" fact="0.3208"/>
-              <dgm:constr type="t" for="ch" forName="ParentBackground7" refType="h" fact="0.1262"/>
-              <dgm:constr type="w" for="ch" forName="ParentBackground7" refType="w" fact="0.0987"/>
-              <dgm:constr type="h" for="ch" forName="ParentBackground7" refType="h" fact="0.5319"/>
-              <dgm:constr type="r" for="ch" forName="Child7" refType="w" fact="0.3208"/>
-              <dgm:constr type="t" for="ch" forName="Child7" refType="h" fact="0.6876"/>
-              <dgm:constr type="w" for="ch" forName="Child7" refType="w" fact="0.0987"/>
-              <dgm:constr type="h" for="ch" forName="Child7" refType="h" fact="0.3124"/>
-              <dgm:constr type="r" for="ch" forName="Accent6" refType="w" fact="0.4555"/>
-              <dgm:constr type="t" for="ch" forName="Accent6" refType="h" fact="-0.0109"/>
-              <dgm:constr type="w" for="ch" forName="Accent6" refType="w" fact="0.1496"/>
-              <dgm:constr type="h" for="ch" forName="Accent6" refType="h" fact="0.806"/>
-              <dgm:constr type="r" for="ch" forName="ParentBackground6" refType="w" fact="0.4301"/>
-              <dgm:constr type="t" for="ch" forName="ParentBackground6" refType="h" fact="0.1262"/>
-              <dgm:constr type="w" for="ch" forName="ParentBackground6" refType="w" fact="0.0987"/>
-              <dgm:constr type="h" for="ch" forName="ParentBackground6" refType="h" fact="0.5319"/>
-              <dgm:constr type="r" for="ch" forName="Child6" refType="w" fact="0.4301"/>
-              <dgm:constr type="t" for="ch" forName="Child6" refType="h" fact="0.6876"/>
-              <dgm:constr type="w" for="ch" forName="Child6" refType="w" fact="0.0987"/>
-              <dgm:constr type="h" for="ch" forName="Child6" refType="h" fact="0.3124"/>
-              <dgm:constr type="r" for="ch" forName="Accent5" refType="w" fact="0.5648"/>
-              <dgm:constr type="t" for="ch" forName="Accent5" refType="h" fact="-0.0109"/>
-              <dgm:constr type="w" for="ch" forName="Accent5" refType="w" fact="0.1496"/>
-              <dgm:constr type="h" for="ch" forName="Accent5" refType="h" fact="0.806"/>
-              <dgm:constr type="r" for="ch" forName="ParentBackground5" refType="w" fact="0.5394"/>
-              <dgm:constr type="t" for="ch" forName="ParentBackground5" refType="h" fact="0.1262"/>
-              <dgm:constr type="w" for="ch" forName="ParentBackground5" refType="w" fact="0.0987"/>
-              <dgm:constr type="h" for="ch" forName="ParentBackground5" refType="h" fact="0.5319"/>
-              <dgm:constr type="r" for="ch" forName="Child5" refType="w" fact="0.5394"/>
-              <dgm:constr type="t" for="ch" forName="Child5" refType="h" fact="0.6876"/>
-              <dgm:constr type="w" for="ch" forName="Child5" refType="w" fact="0.0987"/>
-              <dgm:constr type="h" for="ch" forName="Child5" refType="h" fact="0.3124"/>
-              <dgm:constr type="r" for="ch" forName="Accent4" refType="w" fact="0.6741"/>
-              <dgm:constr type="t" for="ch" forName="Accent4" refType="h" fact="-0.0109"/>
-              <dgm:constr type="w" for="ch" forName="Accent4" refType="w" fact="0.1496"/>
-              <dgm:constr type="h" for="ch" forName="Accent4" refType="h" fact="0.806"/>
-              <dgm:constr type="r" for="ch" forName="ParentBackground4" refType="w" fact="0.6487"/>
-              <dgm:constr type="t" for="ch" forName="ParentBackground4" refType="h" fact="0.1262"/>
-              <dgm:constr type="w" for="ch" forName="ParentBackground4" refType="w" fact="0.0987"/>
-              <dgm:constr type="h" for="ch" forName="ParentBackground4" refType="h" fact="0.5319"/>
-              <dgm:constr type="r" for="ch" forName="Child4" refType="w" fact="0.6487"/>
-              <dgm:constr type="t" for="ch" forName="Child4" refType="h" fact="0.6876"/>
-              <dgm:constr type="w" for="ch" forName="Child4" refType="w" fact="0.0987"/>
-              <dgm:constr type="h" for="ch" forName="Child4" refType="h" fact="0.3124"/>
-              <dgm:constr type="r" for="ch" forName="Accent3" refType="w" fact="0.7834"/>
-              <dgm:constr type="t" for="ch" forName="Accent3" refType="h" fact="-0.0109"/>
-              <dgm:constr type="w" for="ch" forName="Accent3" refType="w" fact="0.1496"/>
-              <dgm:constr type="h" for="ch" forName="Accent3" refType="h" fact="0.806"/>
-              <dgm:constr type="r" for="ch" forName="ParentBackground3" refType="w" fact="0.758"/>
-              <dgm:constr type="t" for="ch" forName="ParentBackground3" refType="h" fact="0.1262"/>
-              <dgm:constr type="w" for="ch" forName="ParentBackground3" refType="w" fact="0.0987"/>
-              <dgm:constr type="h" for="ch" forName="ParentBackground3" refType="h" fact="0.5319"/>
-              <dgm:constr type="r" for="ch" forName="Child3" refType="w" fact="0.758"/>
-              <dgm:constr type="t" for="ch" forName="Child3" refType="h" fact="0.6876"/>
-              <dgm:constr type="w" for="ch" forName="Child3" refType="w" fact="0.0987"/>
-              <dgm:constr type="h" for="ch" forName="Child3" refType="h" fact="0.3124"/>
-              <dgm:constr type="r" for="ch" forName="Accent2" refType="w" fact="0.8927"/>
-              <dgm:constr type="t" for="ch" forName="Accent2" refType="h" fact="-0.0109"/>
-              <dgm:constr type="w" for="ch" forName="Accent2" refType="w" fact="0.1496"/>
-              <dgm:constr type="h" for="ch" forName="Accent2" refType="h" fact="0.806"/>
-              <dgm:constr type="r" for="ch" forName="ParentBackground2" refType="w" fact="0.8673"/>
-              <dgm:constr type="t" for="ch" forName="ParentBackground2" refType="h" fact="0.1262"/>
-              <dgm:constr type="w" for="ch" forName="ParentBackground2" refType="w" fact="0.0987"/>
-              <dgm:constr type="h" for="ch" forName="ParentBackground2" refType="h" fact="0.5319"/>
-              <dgm:constr type="r" for="ch" forName="Child2" refType="w" fact="0.8673"/>
-              <dgm:constr type="t" for="ch" forName="Child2" refType="h" fact="0.6876"/>
-              <dgm:constr type="w" for="ch" forName="Child2" refType="w" fact="0.0987"/>
-              <dgm:constr type="h" for="ch" forName="Child2" refType="h" fact="0.3124"/>
-              <dgm:constr type="r" for="ch" forName="Accent1" refType="w" fact="1.002"/>
-              <dgm:constr type="t" for="ch" forName="Accent1" refType="h" fact="-0.0109"/>
-              <dgm:constr type="w" for="ch" forName="Accent1" refType="w" fact="0.1496"/>
-              <dgm:constr type="h" for="ch" forName="Accent1" refType="h" fact="0.806"/>
-              <dgm:constr type="r" for="ch" forName="ParentBackground1" refType="w" fact="0.9765"/>
-              <dgm:constr type="t" for="ch" forName="ParentBackground1" refType="h" fact="0.1262"/>
-              <dgm:constr type="w" for="ch" forName="ParentBackground1" refType="w" fact="0.0987"/>
-              <dgm:constr type="h" for="ch" forName="ParentBackground1" refType="h" fact="0.5319"/>
-              <dgm:constr type="r" for="ch" forName="Child1" refType="w" fact="0.9765"/>
-              <dgm:constr type="t" for="ch" forName="Child1" refType="h" fact="0.6876"/>
-              <dgm:constr type="w" for="ch" forName="Child1" refType="w" fact="0.0987"/>
-              <dgm:constr type="h" for="ch" forName="Child1" refType="h" fact="0.3124"/>
-            </dgm:constrLst>
-          </dgm:if>
-          <dgm:if name="Name26" axis="ch" ptType="node" func="cnt" op="equ" val="10">
-            <dgm:alg type="composite">
-              <dgm:param type="ar" val="5.9769"/>
-            </dgm:alg>
-            <dgm:constrLst>
-              <dgm:constr type="primFontSz" for="des" forName="Child1" val="65"/>
-              <dgm:constr type="primFontSz" for="des" forName="Parent1" val="65"/>
-              <dgm:constr type="primFontSz" for="des" forName="Child1" refType="primFontSz" refFor="des" refForName="Parent1" op="lte"/>
-              <dgm:constr type="primFontSz" for="des" forName="Child2" refType="primFontSz" refFor="des" refForName="Parent1" op="lte"/>
-              <dgm:constr type="primFontSz" for="des" forName="Child3" refType="primFontSz" refFor="des" refForName="Parent1" op="lte"/>
-              <dgm:constr type="primFontSz" for="des" forName="Child4" refType="primFontSz" refFor="des" refForName="Parent1" op="lte"/>
-              <dgm:constr type="primFontSz" for="des" forName="Child5" refType="primFontSz" refFor="des" refForName="Parent1" op="lte"/>
-              <dgm:constr type="primFontSz" for="des" forName="Child6" refType="primFontSz" refFor="des" refForName="Parent1" op="lte"/>
-              <dgm:constr type="primFontSz" for="des" forName="Child7" refType="primFontSz" refFor="des" refForName="Parent1" op="lte"/>
-              <dgm:constr type="primFontSz" for="des" forName="Child8" refType="primFontSz" refFor="des" refForName="Parent1" op="lte"/>
-              <dgm:constr type="primFontSz" for="des" forName="Child9" refType="primFontSz" refFor="des" refForName="Parent1" op="lte"/>
-              <dgm:constr type="primFontSz" for="des" forName="Child10" refType="primFontSz" refFor="des" refForName="Parent1" op="lte"/>
-              <dgm:constr type="primFontSz" for="des" forName="Child1" refType="primFontSz" refFor="des" refForName="Parent2" op="lte"/>
-              <dgm:constr type="primFontSz" for="des" forName="Child2" refType="primFontSz" refFor="des" refForName="Parent2" op="lte"/>
-              <dgm:constr type="primFontSz" for="des" forName="Child3" refType="primFontSz" refFor="des" refForName="Parent2" op="lte"/>
-              <dgm:constr type="primFontSz" for="des" forName="Child4" refType="primFontSz" refFor="des" refForName="Parent2" op="lte"/>
-              <dgm:constr type="primFontSz" for="des" forName="Child5" refType="primFontSz" refFor="des" refForName="Parent2" op="lte"/>
-              <dgm:constr type="primFontSz" for="des" forName="Child6" refType="primFontSz" refFor="des" refForName="Parent2" op="lte"/>
-              <dgm:constr type="primFontSz" for="des" forName="Child7" refType="primFontSz" refFor="des" refForName="Parent2" op="lte"/>
-              <dgm:constr type="primFontSz" for="des" forName="Child8" refType="primFontSz" refFor="des" refForName="Parent2" op="lte"/>
-              <dgm:constr type="primFontSz" for="des" forName="Child9" refType="primFontSz" refFor="des" refForName="Parent2" op="lte"/>
-              <dgm:constr type="primFontSz" for="des" forName="Child10" refType="primFontSz" refFor="des" refForName="Parent2" op="lte"/>
-              <dgm:constr type="primFontSz" for="des" forName="Child1" refType="primFontSz" refFor="des" refForName="Parent3" op="lte"/>
-              <dgm:constr type="primFontSz" for="des" forName="Child2" refType="primFontSz" refFor="des" refForName="Parent3" op="lte"/>
-              <dgm:constr type="primFontSz" for="des" forName="Child3" refType="primFontSz" refFor="des" refForName="Parent3" op="lte"/>
-              <dgm:constr type="primFontSz" for="des" forName="Child4" refType="primFontSz" refFor="des" refForName="Parent3" op="lte"/>
-              <dgm:constr type="primFontSz" for="des" forName="Child5" refType="primFontSz" refFor="des" refForName="Parent3" op="lte"/>
-              <dgm:constr type="primFontSz" for="des" forName="Child6" refType="primFontSz" refFor="des" refForName="Parent3" op="lte"/>
-              <dgm:constr type="primFontSz" for="des" forName="Child7" refType="primFontSz" refFor="des" refForName="Parent3" op="lte"/>
-              <dgm:constr type="primFontSz" for="des" forName="Child8" refType="primFontSz" refFor="des" refForName="Parent3" op="lte"/>
-              <dgm:constr type="primFontSz" for="des" forName="Child9" refType="primFontSz" refFor="des" refForName="Parent3" op="lte"/>
-              <dgm:constr type="primFontSz" for="des" forName="Child10" refType="primFontSz" refFor="des" refForName="Parent3" op="lte"/>
-              <dgm:constr type="primFontSz" for="des" forName="Child1" refType="primFontSz" refFor="des" refForName="Parent4" op="lte"/>
-              <dgm:constr type="primFontSz" for="des" forName="Child2" refType="primFontSz" refFor="des" refForName="Parent4" op="lte"/>
-              <dgm:constr type="primFontSz" for="des" forName="Child3" refType="primFontSz" refFor="des" refForName="Parent4" op="lte"/>
-              <dgm:constr type="primFontSz" for="des" forName="Child4" refType="primFontSz" refFor="des" refForName="Parent4" op="lte"/>
-              <dgm:constr type="primFontSz" for="des" forName="Child5" refType="primFontSz" refFor="des" refForName="Parent4" op="lte"/>
-              <dgm:constr type="primFontSz" for="des" forName="Child6" refType="primFontSz" refFor="des" refForName="Parent4" op="lte"/>
-              <dgm:constr type="primFontSz" for="des" forName="Child7" refType="primFontSz" refFor="des" refForName="Parent4" op="lte"/>
-              <dgm:constr type="primFontSz" for="des" forName="Child8" refType="primFontSz" refFor="des" refForName="Parent4" op="lte"/>
-              <dgm:constr type="primFontSz" for="des" forName="Child9" refType="primFontSz" refFor="des" refForName="Parent4" op="lte"/>
-              <dgm:constr type="primFontSz" for="des" forName="Child10" refType="primFontSz" refFor="des" refForName="Parent4" op="lte"/>
-              <dgm:constr type="primFontSz" for="des" forName="Child1" refType="primFontSz" refFor="des" refForName="Parent5" op="lte"/>
-              <dgm:constr type="primFontSz" for="des" forName="Child2" refType="primFontSz" refFor="des" refForName="Parent5" op="lte"/>
-              <dgm:constr type="primFontSz" for="des" forName="Child3" refType="primFontSz" refFor="des" refForName="Parent5" op="lte"/>
-              <dgm:constr type="primFontSz" for="des" forName="Child4" refType="primFontSz" refFor="des" refForName="Parent5" op="lte"/>
-              <dgm:constr type="primFontSz" for="des" forName="Child5" refType="primFontSz" refFor="des" refForName="Parent5" op="lte"/>
-              <dgm:constr type="primFontSz" for="des" forName="Child6" refType="primFontSz" refFor="des" refForName="Parent5" op="lte"/>
-              <dgm:constr type="primFontSz" for="des" forName="Child7" refType="primFontSz" refFor="des" refForName="Parent5" op="lte"/>
-              <dgm:constr type="primFontSz" for="des" forName="Child8" refType="primFontSz" refFor="des" refForName="Parent5" op="lte"/>
-              <dgm:constr type="primFontSz" for="des" forName="Child9" refType="primFontSz" refFor="des" refForName="Parent5" op="lte"/>
-              <dgm:constr type="primFontSz" for="des" forName="Child10" refType="primFontSz" refFor="des" refForName="Parent5" op="lte"/>
-              <dgm:constr type="primFontSz" for="des" forName="Child1" refType="primFontSz" refFor="des" refForName="Parent6" op="lte"/>
-              <dgm:constr type="primFontSz" for="des" forName="Child2" refType="primFontSz" refFor="des" refForName="Parent6" op="lte"/>
-              <dgm:constr type="primFontSz" for="des" forName="Child3" refType="primFontSz" refFor="des" refForName="Parent6" op="lte"/>
-              <dgm:constr type="primFontSz" for="des" forName="Child4" refType="primFontSz" refFor="des" refForName="Parent6" op="lte"/>
-              <dgm:constr type="primFontSz" for="des" forName="Child5" refType="primFontSz" refFor="des" refForName="Parent6" op="lte"/>
-              <dgm:constr type="primFontSz" for="des" forName="Child6" refType="primFontSz" refFor="des" refForName="Parent6" op="lte"/>
-              <dgm:constr type="primFontSz" for="des" forName="Child7" refType="primFontSz" refFor="des" refForName="Parent6" op="lte"/>
-              <dgm:constr type="primFontSz" for="des" forName="Child8" refType="primFontSz" refFor="des" refForName="Parent6" op="lte"/>
-              <dgm:constr type="primFontSz" for="des" forName="Child9" refType="primFontSz" refFor="des" refForName="Parent6" op="lte"/>
-              <dgm:constr type="primFontSz" for="des" forName="Child10" refType="primFontSz" refFor="des" refForName="Parent7" op="lte"/>
-              <dgm:constr type="primFontSz" for="des" forName="Child1" refType="primFontSz" refFor="des" refForName="Parent7" op="lte"/>
-              <dgm:constr type="primFontSz" for="des" forName="Child2" refType="primFontSz" refFor="des" refForName="Parent7" op="lte"/>
-              <dgm:constr type="primFontSz" for="des" forName="Child3" refType="primFontSz" refFor="des" refForName="Parent7" op="lte"/>
-              <dgm:constr type="primFontSz" for="des" forName="Child4" refType="primFontSz" refFor="des" refForName="Parent7" op="lte"/>
-              <dgm:constr type="primFontSz" for="des" forName="Child5" refType="primFontSz" refFor="des" refForName="Parent7" op="lte"/>
-              <dgm:constr type="primFontSz" for="des" forName="Child6" refType="primFontSz" refFor="des" refForName="Parent7" op="lte"/>
-              <dgm:constr type="primFontSz" for="des" forName="Child7" refType="primFontSz" refFor="des" refForName="Parent7" op="lte"/>
-              <dgm:constr type="primFontSz" for="des" forName="Child8" refType="primFontSz" refFor="des" refForName="Parent7" op="lte"/>
-              <dgm:constr type="primFontSz" for="des" forName="Child9" refType="primFontSz" refFor="des" refForName="Parent7" op="lte"/>
-              <dgm:constr type="primFontSz" for="des" forName="Child10" refType="primFontSz" refFor="des" refForName="Parent7" op="lte"/>
-              <dgm:constr type="primFontSz" for="des" forName="Child1" refType="primFontSz" refFor="des" refForName="Parent8" op="lte"/>
-              <dgm:constr type="primFontSz" for="des" forName="Child2" refType="primFontSz" refFor="des" refForName="Parent8" op="lte"/>
-              <dgm:constr type="primFontSz" for="des" forName="Child3" refType="primFontSz" refFor="des" refForName="Parent8" op="lte"/>
-              <dgm:constr type="primFontSz" for="des" forName="Child4" refType="primFontSz" refFor="des" refForName="Parent8" op="lte"/>
-              <dgm:constr type="primFontSz" for="des" forName="Child5" refType="primFontSz" refFor="des" refForName="Parent8" op="lte"/>
-              <dgm:constr type="primFontSz" for="des" forName="Child6" refType="primFontSz" refFor="des" refForName="Parent8" op="lte"/>
-              <dgm:constr type="primFontSz" for="des" forName="Child7" refType="primFontSz" refFor="des" refForName="Parent8" op="lte"/>
-              <dgm:constr type="primFontSz" for="des" forName="Child8" refType="primFontSz" refFor="des" refForName="Parent8" op="lte"/>
-              <dgm:constr type="primFontSz" for="des" forName="Child9" refType="primFontSz" refFor="des" refForName="Parent8" op="lte"/>
-              <dgm:constr type="primFontSz" for="des" forName="Child10" refType="primFontSz" refFor="des" refForName="Parent8" op="lte"/>
-              <dgm:constr type="primFontSz" for="des" forName="Child1" refType="primFontSz" refFor="des" refForName="Parent9" op="lte"/>
-              <dgm:constr type="primFontSz" for="des" forName="Child2" refType="primFontSz" refFor="des" refForName="Parent9" op="lte"/>
-              <dgm:constr type="primFontSz" for="des" forName="Child3" refType="primFontSz" refFor="des" refForName="Parent9" op="lte"/>
-              <dgm:constr type="primFontSz" for="des" forName="Child4" refType="primFontSz" refFor="des" refForName="Parent9" op="lte"/>
-              <dgm:constr type="primFontSz" for="des" forName="Child5" refType="primFontSz" refFor="des" refForName="Parent9" op="lte"/>
-              <dgm:constr type="primFontSz" for="des" forName="Child6" refType="primFontSz" refFor="des" refForName="Parent9" op="lte"/>
-              <dgm:constr type="primFontSz" for="des" forName="Child7" refType="primFontSz" refFor="des" refForName="Parent9" op="lte"/>
-              <dgm:constr type="primFontSz" for="des" forName="Child8" refType="primFontSz" refFor="des" refForName="Parent9" op="lte"/>
-              <dgm:constr type="primFontSz" for="des" forName="Child9" refType="primFontSz" refFor="des" refForName="Parent9" op="lte"/>
-              <dgm:constr type="primFontSz" for="des" forName="Child10" refType="primFontSz" refFor="des" refForName="Parent9" op="lte"/>
-              <dgm:constr type="primFontSz" for="des" forName="Child1" refType="primFontSz" refFor="des" refForName="Parent10" op="lte"/>
-              <dgm:constr type="primFontSz" for="des" forName="Child2" refType="primFontSz" refFor="des" refForName="Parent10" op="lte"/>
-              <dgm:constr type="primFontSz" for="des" forName="Child3" refType="primFontSz" refFor="des" refForName="Parent10" op="lte"/>
-              <dgm:constr type="primFontSz" for="des" forName="Child4" refType="primFontSz" refFor="des" refForName="Parent10" op="lte"/>
-              <dgm:constr type="primFontSz" for="des" forName="Child5" refType="primFontSz" refFor="des" refForName="Parent10" op="lte"/>
-              <dgm:constr type="primFontSz" for="des" forName="Child6" refType="primFontSz" refFor="des" refForName="Parent10" op="lte"/>
-              <dgm:constr type="primFontSz" for="des" forName="Child7" refType="primFontSz" refFor="des" refForName="Parent10" op="lte"/>
-              <dgm:constr type="primFontSz" for="des" forName="Child8" refType="primFontSz" refFor="des" refForName="Parent10" op="lte"/>
-              <dgm:constr type="primFontSz" for="des" forName="Child9" refType="primFontSz" refFor="des" refForName="Parent10" op="lte"/>
-              <dgm:constr type="primFontSz" for="des" forName="Child10" refType="primFontSz" refFor="des" refForName="Parent10" op="lte"/>
-              <dgm:constr type="primFontSz" for="des" forName="Parent2" refType="primFontSz" refFor="des" refForName="Parent1" op="equ"/>
-              <dgm:constr type="primFontSz" for="des" forName="Parent3" refType="primFontSz" refFor="des" refForName="Parent1" op="equ"/>
-              <dgm:constr type="primFontSz" for="des" forName="Parent4" refType="primFontSz" refFor="des" refForName="Parent1" op="equ"/>
-              <dgm:constr type="primFontSz" for="des" forName="Parent5" refType="primFontSz" refFor="des" refForName="Parent1" op="equ"/>
-              <dgm:constr type="primFontSz" for="des" forName="Parent6" refType="primFontSz" refFor="des" refForName="Parent1" op="equ"/>
-              <dgm:constr type="primFontSz" for="des" forName="Parent7" refType="primFontSz" refFor="des" refForName="Parent1" op="equ"/>
-              <dgm:constr type="primFontSz" for="des" forName="Parent8" refType="primFontSz" refFor="des" refForName="Parent1" op="equ"/>
-              <dgm:constr type="primFontSz" for="des" forName="Parent9" refType="primFontSz" refFor="des" refForName="Parent1" op="equ"/>
-              <dgm:constr type="primFontSz" for="des" forName="Parent10" refType="primFontSz" refFor="des" refForName="Parent1" op="equ"/>
-              <dgm:constr type="primFontSz" for="des" forName="Child2" refType="primFontSz" refFor="des" refForName="Child1" op="equ"/>
-              <dgm:constr type="primFontSz" for="des" forName="Child3" refType="primFontSz" refFor="des" refForName="Child1" op="equ"/>
-              <dgm:constr type="primFontSz" for="des" forName="Child4" refType="primFontSz" refFor="des" refForName="Child1" op="equ"/>
-              <dgm:constr type="primFontSz" for="des" forName="Child5" refType="primFontSz" refFor="des" refForName="Child1" op="equ"/>
-              <dgm:constr type="primFontSz" for="des" forName="Child6" refType="primFontSz" refFor="des" refForName="Child1" op="equ"/>
-              <dgm:constr type="primFontSz" for="des" forName="Child7" refType="primFontSz" refFor="des" refForName="Child1" op="equ"/>
-              <dgm:constr type="primFontSz" for="des" forName="Child8" refType="primFontSz" refFor="des" refForName="Child1" op="equ"/>
-              <dgm:constr type="primFontSz" for="des" forName="Child9" refType="primFontSz" refFor="des" refForName="Child1" op="equ"/>
-              <dgm:constr type="primFontSz" for="des" forName="Child10" refType="primFontSz" refFor="des" refForName="Child1" op="equ"/>
-              <dgm:constr type="r" for="ch" forName="Parent10" refType="w" fact="0.0795"/>
-              <dgm:constr type="t" for="ch" forName="Parent10" refType="h" fact="0.2022"/>
-              <dgm:constr type="w" for="ch" forName="Parent10" refType="w" fact="0.0636"/>
-              <dgm:constr type="h" for="ch" forName="Parent10" refType="h" fact="0.3799"/>
-              <dgm:constr type="r" for="ch" forName="Parent9" refType="w" fact="0.178"/>
-              <dgm:constr type="t" for="ch" forName="Parent9" refType="h" fact="0.2022"/>
-              <dgm:constr type="w" for="ch" forName="Parent9" refType="w" fact="0.0636"/>
-              <dgm:constr type="h" for="ch" forName="Parent9" refType="h" fact="0.3799"/>
-              <dgm:constr type="r" for="ch" forName="Parent8" refType="w" fact="0.2765"/>
-              <dgm:constr type="t" for="ch" forName="Parent8" refType="h" fact="0.2022"/>
-              <dgm:constr type="w" for="ch" forName="Parent8" refType="w" fact="0.0636"/>
-              <dgm:constr type="h" for="ch" forName="Parent8" refType="h" fact="0.3799"/>
-              <dgm:constr type="r" for="ch" forName="Parent7" refType="w" fact="0.375"/>
-              <dgm:constr type="t" for="ch" forName="Parent7" refType="h" fact="0.2022"/>
-              <dgm:constr type="w" for="ch" forName="Parent7" refType="w" fact="0.0636"/>
-              <dgm:constr type="h" for="ch" forName="Parent7" refType="h" fact="0.3799"/>
-              <dgm:constr type="r" for="ch" forName="Parent6" refType="w" fact="0.4736"/>
-              <dgm:constr type="t" for="ch" forName="Parent6" refType="h" fact="0.2022"/>
-              <dgm:constr type="w" for="ch" forName="Parent6" refType="w" fact="0.0636"/>
-              <dgm:constr type="h" for="ch" forName="Parent6" refType="h" fact="0.3799"/>
-              <dgm:constr type="r" for="ch" forName="Parent5" refType="w" fact="0.5721"/>
-              <dgm:constr type="t" for="ch" forName="Parent5" refType="h" fact="0.2022"/>
-              <dgm:constr type="w" for="ch" forName="Parent5" refType="w" fact="0.0636"/>
-              <dgm:constr type="h" for="ch" forName="Parent5" refType="h" fact="0.3799"/>
-              <dgm:constr type="r" for="ch" forName="Parent4" refType="w" fact="0.6706"/>
-              <dgm:constr type="t" for="ch" forName="Parent4" refType="h" fact="0.2022"/>
-              <dgm:constr type="w" for="ch" forName="Parent4" refType="w" fact="0.0636"/>
-              <dgm:constr type="h" for="ch" forName="Parent4" refType="h" fact="0.3799"/>
-              <dgm:constr type="r" for="ch" forName="Parent3" refType="w" fact="0.7691"/>
-              <dgm:constr type="t" for="ch" forName="Parent3" refType="h" fact="0.2022"/>
-              <dgm:constr type="w" for="ch" forName="Parent3" refType="w" fact="0.0636"/>
-              <dgm:constr type="h" for="ch" forName="Parent3" refType="h" fact="0.3799"/>
-              <dgm:constr type="r" for="ch" forName="Parent2" refType="w" fact="0.8676"/>
-              <dgm:constr type="t" for="ch" forName="Parent2" refType="h" fact="0.2022"/>
-              <dgm:constr type="w" for="ch" forName="Parent2" refType="w" fact="0.0636"/>
-              <dgm:constr type="h" for="ch" forName="Parent2" refType="h" fact="0.3799"/>
-              <dgm:constr type="r" for="ch" forName="Parent1" refType="w" fact="0.9662"/>
-              <dgm:constr type="t" for="ch" forName="Parent1" refType="h" fact="0.2022"/>
-              <dgm:constr type="w" for="ch" forName="Parent1" refType="w" fact="0.0636"/>
-              <dgm:constr type="h" for="ch" forName="Parent1" refType="h" fact="0.3799"/>
-              <dgm:constr type="r" for="ch" forName="Accent10" refType="w" fact="0.0953"/>
-              <dgm:constr type="t" for="ch" forName="Accent10" refType="h" fact="0.1072"/>
-              <dgm:constr type="w" for="ch" forName="Accent10" refType="w" fact="0.0953"/>
-              <dgm:constr type="h" for="ch" forName="Accent10" refType="h" fact="0.5699"/>
-              <dgm:constr type="r" for="ch" forName="ParentBackground10" refType="w" fact="0.0922"/>
-              <dgm:constr type="t" for="ch" forName="ParentBackground10" refType="h" fact="0.1262"/>
-              <dgm:constr type="w" for="ch" forName="ParentBackground10" refType="w" fact="0.089"/>
-              <dgm:constr type="h" for="ch" forName="ParentBackground10" refType="h" fact="0.5319"/>
-              <dgm:constr type="r" for="ch" forName="Child10" refType="w" fact="0.0922"/>
-              <dgm:constr type="t" for="ch" forName="Child10" refType="h" fact="0.6876"/>
-              <dgm:constr type="w" for="ch" forName="Child10" refType="w" fact="0.089"/>
-              <dgm:constr type="h" for="ch" forName="Child10" refType="h" fact="0.3124"/>
-              <dgm:constr type="r" for="ch" forName="Accent9" refType="w" fact="0.2136"/>
-              <dgm:constr type="t" for="ch" forName="Accent9" refType="h" fact="-0.0109"/>
-              <dgm:constr type="w" for="ch" forName="Accent9" refType="w" fact="0.1348"/>
-              <dgm:constr type="h" for="ch" forName="Accent9" refType="h" fact="0.806"/>
-              <dgm:constr type="r" for="ch" forName="ParentBackground9" refType="w" fact="0.1907"/>
-              <dgm:constr type="t" for="ch" forName="ParentBackground9" refType="h" fact="0.1262"/>
-              <dgm:constr type="w" for="ch" forName="ParentBackground9" refType="w" fact="0.089"/>
-              <dgm:constr type="h" for="ch" forName="ParentBackground9" refType="h" fact="0.5319"/>
-              <dgm:constr type="r" for="ch" forName="Child9" refType="w" fact="0.1907"/>
-              <dgm:constr type="t" for="ch" forName="Child9" refType="h" fact="0.6876"/>
-              <dgm:constr type="w" for="ch" forName="Child9" refType="w" fact="0.089"/>
-              <dgm:constr type="h" for="ch" forName="Child9" refType="h" fact="0.3124"/>
-              <dgm:constr type="r" for="ch" forName="Accent8" refType="w" fact="0.3121"/>
-              <dgm:constr type="t" for="ch" forName="Accent8" refType="h" fact="-0.0109"/>
-              <dgm:constr type="w" for="ch" forName="Accent8" refType="w" fact="0.1348"/>
-              <dgm:constr type="h" for="ch" forName="Accent8" refType="h" fact="0.806"/>
-              <dgm:constr type="r" for="ch" forName="ParentBackground8" refType="w" fact="0.2892"/>
-              <dgm:constr type="t" for="ch" forName="ParentBackground8" refType="h" fact="0.1262"/>
-              <dgm:constr type="w" for="ch" forName="ParentBackground8" refType="w" fact="0.089"/>
-              <dgm:constr type="h" for="ch" forName="ParentBackground8" refType="h" fact="0.5319"/>
-              <dgm:constr type="r" for="ch" forName="Child8" refType="w" fact="0.2892"/>
-              <dgm:constr type="t" for="ch" forName="Child8" refType="h" fact="0.6876"/>
-              <dgm:constr type="w" for="ch" forName="Child8" refType="w" fact="0.089"/>
-              <dgm:constr type="h" for="ch" forName="Child8" refType="h" fact="0.3124"/>
-              <dgm:constr type="r" for="ch" forName="Accent7" refType="w" fact="0.4107"/>
-              <dgm:constr type="t" for="ch" forName="Accent7" refType="h" fact="-0.0109"/>
-              <dgm:constr type="w" for="ch" forName="Accent7" refType="w" fact="0.1348"/>
-              <dgm:constr type="h" for="ch" forName="Accent7" refType="h" fact="0.806"/>
-              <dgm:constr type="r" for="ch" forName="ParentBackground7" refType="w" fact="0.3877"/>
-              <dgm:constr type="t" for="ch" forName="ParentBackground7" refType="h" fact="0.1262"/>
-              <dgm:constr type="w" for="ch" forName="ParentBackground7" refType="w" fact="0.089"/>
-              <dgm:constr type="h" for="ch" forName="ParentBackground7" refType="h" fact="0.5319"/>
-              <dgm:constr type="r" for="ch" forName="Child7" refType="w" fact="0.3877"/>
-              <dgm:constr type="t" for="ch" forName="Child7" refType="h" fact="0.6876"/>
-              <dgm:constr type="w" for="ch" forName="Child7" refType="w" fact="0.089"/>
-              <dgm:constr type="h" for="ch" forName="Child7" refType="h" fact="0.3124"/>
-              <dgm:constr type="r" for="ch" forName="Accent6" refType="w" fact="0.5092"/>
-              <dgm:constr type="t" for="ch" forName="Accent6" refType="h" fact="-0.0109"/>
-              <dgm:constr type="w" for="ch" forName="Accent6" refType="w" fact="0.1348"/>
-              <dgm:constr type="h" for="ch" forName="Accent6" refType="h" fact="0.806"/>
-              <dgm:constr type="r" for="ch" forName="ParentBackground6" refType="w" fact="0.4863"/>
-              <dgm:constr type="t" for="ch" forName="ParentBackground6" refType="h" fact="0.1262"/>
-              <dgm:constr type="w" for="ch" forName="ParentBackground6" refType="w" fact="0.089"/>
-              <dgm:constr type="h" for="ch" forName="ParentBackground6" refType="h" fact="0.5319"/>
-              <dgm:constr type="r" for="ch" forName="Child6" refType="w" fact="0.4863"/>
-              <dgm:constr type="t" for="ch" forName="Child6" refType="h" fact="0.6876"/>
-              <dgm:constr type="w" for="ch" forName="Child6" refType="w" fact="0.089"/>
-              <dgm:constr type="h" for="ch" forName="Child6" refType="h" fact="0.3124"/>
-              <dgm:constr type="r" for="ch" forName="Accent5" refType="w" fact="0.6077"/>
-              <dgm:constr type="t" for="ch" forName="Accent5" refType="h" fact="-0.0109"/>
-              <dgm:constr type="w" for="ch" forName="Accent5" refType="w" fact="0.1348"/>
-              <dgm:constr type="h" for="ch" forName="Accent5" refType="h" fact="0.806"/>
-              <dgm:constr type="r" for="ch" forName="ParentBackground5" refType="w" fact="0.5848"/>
-              <dgm:constr type="t" for="ch" forName="ParentBackground5" refType="h" fact="0.1262"/>
-              <dgm:constr type="w" for="ch" forName="ParentBackground5" refType="w" fact="0.089"/>
-              <dgm:constr type="h" for="ch" forName="ParentBackground5" refType="h" fact="0.5319"/>
-              <dgm:constr type="r" for="ch" forName="Child5" refType="w" fact="0.5848"/>
-              <dgm:constr type="t" for="ch" forName="Child5" refType="h" fact="0.6876"/>
-              <dgm:constr type="w" for="ch" forName="Child5" refType="w" fact="0.089"/>
-              <dgm:constr type="h" for="ch" forName="Child5" refType="h" fact="0.3124"/>
-              <dgm:constr type="r" for="ch" forName="Accent4" refType="w" fact="0.7062"/>
-              <dgm:constr type="t" for="ch" forName="Accent4" refType="h" fact="-0.0109"/>
-              <dgm:constr type="w" for="ch" forName="Accent4" refType="w" fact="0.1348"/>
-              <dgm:constr type="h" for="ch" forName="Accent4" refType="h" fact="0.806"/>
-              <dgm:constr type="r" for="ch" forName="ParentBackground4" refType="w" fact="0.6833"/>
-              <dgm:constr type="t" for="ch" forName="ParentBackground4" refType="h" fact="0.1262"/>
-              <dgm:constr type="w" for="ch" forName="ParentBackground4" refType="w" fact="0.089"/>
-              <dgm:constr type="h" for="ch" forName="ParentBackground4" refType="h" fact="0.5319"/>
-              <dgm:constr type="r" for="ch" forName="Child4" refType="w" fact="0.6833"/>
-              <dgm:constr type="t" for="ch" forName="Child4" refType="h" fact="0.6876"/>
-              <dgm:constr type="w" for="ch" forName="Child4" refType="w" fact="0.089"/>
-              <dgm:constr type="h" for="ch" forName="Child4" refType="h" fact="0.3124"/>
-              <dgm:constr type="r" for="ch" forName="Accent3" refType="w" fact="0.8048"/>
-              <dgm:constr type="t" for="ch" forName="Accent3" refType="h" fact="-0.0109"/>
-              <dgm:constr type="w" for="ch" forName="Accent3" refType="w" fact="0.1348"/>
-              <dgm:constr type="h" for="ch" forName="Accent3" refType="h" fact="0.806"/>
-              <dgm:constr type="r" for="ch" forName="ParentBackground3" refType="w" fact="0.7818"/>
-              <dgm:constr type="t" for="ch" forName="ParentBackground3" refType="h" fact="0.1262"/>
-              <dgm:constr type="w" for="ch" forName="ParentBackground3" refType="w" fact="0.089"/>
-              <dgm:constr type="h" for="ch" forName="ParentBackground3" refType="h" fact="0.5319"/>
-              <dgm:constr type="r" for="ch" forName="Child3" refType="w" fact="0.7818"/>
-              <dgm:constr type="t" for="ch" forName="Child3" refType="h" fact="0.6876"/>
-              <dgm:constr type="w" for="ch" forName="Child3" refType="w" fact="0.089"/>
-              <dgm:constr type="h" for="ch" forName="Child3" refType="h" fact="0.3124"/>
-              <dgm:constr type="r" for="ch" forName="Accent2" refType="w" fact="0.9033"/>
-              <dgm:constr type="t" for="ch" forName="Accent2" refType="h" fact="-0.0109"/>
-              <dgm:constr type="w" for="ch" forName="Accent2" refType="w" fact="0.1348"/>
-              <dgm:constr type="h" for="ch" forName="Accent2" refType="h" fact="0.806"/>
-              <dgm:constr type="r" for="ch" forName="ParentBackground2" refType="w" fact="0.8804"/>
-              <dgm:constr type="t" for="ch" forName="ParentBackground2" refType="h" fact="0.1262"/>
-              <dgm:constr type="w" for="ch" forName="ParentBackground2" refType="w" fact="0.089"/>
-              <dgm:constr type="h" for="ch" forName="ParentBackground2" refType="h" fact="0.5319"/>
-              <dgm:constr type="r" for="ch" forName="Child2" refType="w" fact="0.8804"/>
-              <dgm:constr type="t" for="ch" forName="Child2" refType="h" fact="0.6876"/>
-              <dgm:constr type="w" for="ch" forName="Child2" refType="w" fact="0.089"/>
-              <dgm:constr type="h" for="ch" forName="Child2" refType="h" fact="0.3124"/>
-              <dgm:constr type="r" for="ch" forName="Accent1" refType="w" fact="1.0018"/>
-              <dgm:constr type="t" for="ch" forName="Accent1" refType="h" fact="-0.0109"/>
-              <dgm:constr type="w" for="ch" forName="Accent1" refType="w" fact="0.1348"/>
-              <dgm:constr type="h" for="ch" forName="Accent1" refType="h" fact="0.806"/>
-              <dgm:constr type="r" for="ch" forName="ParentBackground1" refType="w" fact="0.9789"/>
-              <dgm:constr type="t" for="ch" forName="ParentBackground1" refType="h" fact="0.1262"/>
-              <dgm:constr type="w" for="ch" forName="ParentBackground1" refType="w" fact="0.089"/>
-              <dgm:constr type="h" for="ch" forName="ParentBackground1" refType="h" fact="0.5319"/>
-              <dgm:constr type="r" for="ch" forName="Child1" refType="w" fact="0.9789"/>
-              <dgm:constr type="t" for="ch" forName="Child1" refType="h" fact="0.6876"/>
-              <dgm:constr type="w" for="ch" forName="Child1" refType="w" fact="0.089"/>
-              <dgm:constr type="h" for="ch" forName="Child1" refType="h" fact="0.3124"/>
-            </dgm:constrLst>
-          </dgm:if>
-          <dgm:else name="Name27">
-            <dgm:alg type="composite">
-              <dgm:param type="ar" val="6.5658"/>
-            </dgm:alg>
-            <dgm:constrLst>
-              <dgm:constr type="primFontSz" for="des" forName="Child1" val="65"/>
-              <dgm:constr type="primFontSz" for="des" forName="Parent1" val="65"/>
-              <dgm:constr type="primFontSz" for="des" forName="Child1" refType="primFontSz" refFor="des" refForName="Parent1" op="lte"/>
-              <dgm:constr type="primFontSz" for="des" forName="Child2" refType="primFontSz" refFor="des" refForName="Parent1" op="lte"/>
-              <dgm:constr type="primFontSz" for="des" forName="Child3" refType="primFontSz" refFor="des" refForName="Parent1" op="lte"/>
-              <dgm:constr type="primFontSz" for="des" forName="Child4" refType="primFontSz" refFor="des" refForName="Parent1" op="lte"/>
-              <dgm:constr type="primFontSz" for="des" forName="Child5" refType="primFontSz" refFor="des" refForName="Parent1" op="lte"/>
-              <dgm:constr type="primFontSz" for="des" forName="Child6" refType="primFontSz" refFor="des" refForName="Parent1" op="lte"/>
-              <dgm:constr type="primFontSz" for="des" forName="Child7" refType="primFontSz" refFor="des" refForName="Parent1" op="lte"/>
-              <dgm:constr type="primFontSz" for="des" forName="Child8" refType="primFontSz" refFor="des" refForName="Parent1" op="lte"/>
-              <dgm:constr type="primFontSz" for="des" forName="Child9" refType="primFontSz" refFor="des" refForName="Parent1" op="lte"/>
-              <dgm:constr type="primFontSz" for="des" forName="Child10" refType="primFontSz" refFor="des" refForName="Parent1" op="lte"/>
-              <dgm:constr type="primFontSz" for="des" forName="Child11" refType="primFontSz" refFor="des" refForName="Parent1" op="lte"/>
-              <dgm:constr type="primFontSz" for="des" forName="Child1" refType="primFontSz" refFor="des" refForName="Parent2" op="lte"/>
-              <dgm:constr type="primFontSz" for="des" forName="Child2" refType="primFontSz" refFor="des" refForName="Parent2" op="lte"/>
-              <dgm:constr type="primFontSz" for="des" forName="Child3" refType="primFontSz" refFor="des" refForName="Parent2" op="lte"/>
-              <dgm:constr type="primFontSz" for="des" forName="Child4" refType="primFontSz" refFor="des" refForName="Parent2" op="lte"/>
-              <dgm:constr type="primFontSz" for="des" forName="Child5" refType="primFontSz" refFor="des" refForName="Parent2" op="lte"/>
-              <dgm:constr type="primFontSz" for="des" forName="Child6" refType="primFontSz" refFor="des" refForName="Parent2" op="lte"/>
-              <dgm:constr type="primFontSz" for="des" forName="Child7" refType="primFontSz" refFor="des" refForName="Parent2" op="lte"/>
-              <dgm:constr type="primFontSz" for="des" forName="Child8" refType="primFontSz" refFor="des" refForName="Parent2" op="lte"/>
-              <dgm:constr type="primFontSz" for="des" forName="Child9" refType="primFontSz" refFor="des" refForName="Parent2" op="lte"/>
-              <dgm:constr type="primFontSz" for="des" forName="Child10" refType="primFontSz" refFor="des" refForName="Parent2" op="lte"/>
-              <dgm:constr type="primFontSz" for="des" forName="Child11" refType="primFontSz" refFor="des" refForName="Parent2" op="lte"/>
-              <dgm:constr type="primFontSz" for="des" forName="Child1" refType="primFontSz" refFor="des" refForName="Parent3" op="lte"/>
-              <dgm:constr type="primFontSz" for="des" forName="Child2" refType="primFontSz" refFor="des" refForName="Parent3" op="lte"/>
-              <dgm:constr type="primFontSz" for="des" forName="Child3" refType="primFontSz" refFor="des" refForName="Parent3" op="lte"/>
-              <dgm:constr type="primFontSz" for="des" forName="Child4" refType="primFontSz" refFor="des" refForName="Parent3" op="lte"/>
-              <dgm:constr type="primFontSz" for="des" forName="Child5" refType="primFontSz" refFor="des" refForName="Parent3" op="lte"/>
-              <dgm:constr type="primFontSz" for="des" forName="Child6" refType="primFontSz" refFor="des" refForName="Parent3" op="lte"/>
-              <dgm:constr type="primFontSz" for="des" forName="Child7" refType="primFontSz" refFor="des" refForName="Parent3" op="lte"/>
-              <dgm:constr type="primFontSz" for="des" forName="Child8" refType="primFontSz" refFor="des" refForName="Parent3" op="lte"/>
-              <dgm:constr type="primFontSz" for="des" forName="Child9" refType="primFontSz" refFor="des" refForName="Parent3" op="lte"/>
-              <dgm:constr type="primFontSz" for="des" forName="Child10" refType="primFontSz" refFor="des" refForName="Parent3" op="lte"/>
-              <dgm:constr type="primFontSz" for="des" forName="Child11" refType="primFontSz" refFor="des" refForName="Parent3" op="lte"/>
-              <dgm:constr type="primFontSz" for="des" forName="Child1" refType="primFontSz" refFor="des" refForName="Parent4" op="lte"/>
-              <dgm:constr type="primFontSz" for="des" forName="Child2" refType="primFontSz" refFor="des" refForName="Parent4" op="lte"/>
-              <dgm:constr type="primFontSz" for="des" forName="Child3" refType="primFontSz" refFor="des" refForName="Parent4" op="lte"/>
-              <dgm:constr type="primFontSz" for="des" forName="Child4" refType="primFontSz" refFor="des" refForName="Parent4" op="lte"/>
-              <dgm:constr type="primFontSz" for="des" forName="Child5" refType="primFontSz" refFor="des" refForName="Parent4" op="lte"/>
-              <dgm:constr type="primFontSz" for="des" forName="Child6" refType="primFontSz" refFor="des" refForName="Parent4" op="lte"/>
-              <dgm:constr type="primFontSz" for="des" forName="Child7" refType="primFontSz" refFor="des" refForName="Parent4" op="lte"/>
-              <dgm:constr type="primFontSz" for="des" forName="Child8" refType="primFontSz" refFor="des" refForName="Parent4" op="lte"/>
-              <dgm:constr type="primFontSz" for="des" forName="Child9" refType="primFontSz" refFor="des" refForName="Parent4" op="lte"/>
-              <dgm:constr type="primFontSz" for="des" forName="Child10" refType="primFontSz" refFor="des" refForName="Parent4" op="lte"/>
-              <dgm:constr type="primFontSz" for="des" forName="Child11" refType="primFontSz" refFor="des" refForName="Parent4" op="lte"/>
-              <dgm:constr type="primFontSz" for="des" forName="Child1" refType="primFontSz" refFor="des" refForName="Parent5" op="lte"/>
-              <dgm:constr type="primFontSz" for="des" forName="Child2" refType="primFontSz" refFor="des" refForName="Parent5" op="lte"/>
-              <dgm:constr type="primFontSz" for="des" forName="Child3" refType="primFontSz" refFor="des" refForName="Parent5" op="lte"/>
-              <dgm:constr type="primFontSz" for="des" forName="Child4" refType="primFontSz" refFor="des" refForName="Parent5" op="lte"/>
-              <dgm:constr type="primFontSz" for="des" forName="Child5" refType="primFontSz" refFor="des" refForName="Parent5" op="lte"/>
-              <dgm:constr type="primFontSz" for="des" forName="Child6" refType="primFontSz" refFor="des" refForName="Parent5" op="lte"/>
-              <dgm:constr type="primFontSz" for="des" forName="Child7" refType="primFontSz" refFor="des" refForName="Parent5" op="lte"/>
-              <dgm:constr type="primFontSz" for="des" forName="Child8" refType="primFontSz" refFor="des" refForName="Parent5" op="lte"/>
-              <dgm:constr type="primFontSz" for="des" forName="Child9" refType="primFontSz" refFor="des" refForName="Parent5" op="lte"/>
-              <dgm:constr type="primFontSz" for="des" forName="Child10" refType="primFontSz" refFor="des" refForName="Parent5" op="lte"/>
-              <dgm:constr type="primFontSz" for="des" forName="Child11" refType="primFontSz" refFor="des" refForName="Parent5" op="lte"/>
-              <dgm:constr type="primFontSz" for="des" forName="Child1" refType="primFontSz" refFor="des" refForName="Parent6" op="lte"/>
-              <dgm:constr type="primFontSz" for="des" forName="Child2" refType="primFontSz" refFor="des" refForName="Parent6" op="lte"/>
-              <dgm:constr type="primFontSz" for="des" forName="Child3" refType="primFontSz" refFor="des" refForName="Parent6" op="lte"/>
-              <dgm:constr type="primFontSz" for="des" forName="Child4" refType="primFontSz" refFor="des" refForName="Parent6" op="lte"/>
-              <dgm:constr type="primFontSz" for="des" forName="Child5" refType="primFontSz" refFor="des" refForName="Parent6" op="lte"/>
-              <dgm:constr type="primFontSz" for="des" forName="Child6" refType="primFontSz" refFor="des" refForName="Parent6" op="lte"/>
-              <dgm:constr type="primFontSz" for="des" forName="Child7" refType="primFontSz" refFor="des" refForName="Parent6" op="lte"/>
-              <dgm:constr type="primFontSz" for="des" forName="Child8" refType="primFontSz" refFor="des" refForName="Parent6" op="lte"/>
-              <dgm:constr type="primFontSz" for="des" forName="Child9" refType="primFontSz" refFor="des" refForName="Parent6" op="lte"/>
-              <dgm:constr type="primFontSz" for="des" forName="Child10" refType="primFontSz" refFor="des" refForName="Parent6" op="lte"/>
-              <dgm:constr type="primFontSz" for="des" forName="Child11" refType="primFontSz" refFor="des" refForName="Parent6" op="lte"/>
-              <dgm:constr type="primFontSz" for="des" forName="Child1" refType="primFontSz" refFor="des" refForName="Parent7" op="lte"/>
-              <dgm:constr type="primFontSz" for="des" forName="Child2" refType="primFontSz" refFor="des" refForName="Parent7" op="lte"/>
-              <dgm:constr type="primFontSz" for="des" forName="Child3" refType="primFontSz" refFor="des" refForName="Parent7" op="lte"/>
-              <dgm:constr type="primFontSz" for="des" forName="Child4" refType="primFontSz" refFor="des" refForName="Parent7" op="lte"/>
-              <dgm:constr type="primFontSz" for="des" forName="Child5" refType="primFontSz" refFor="des" refForName="Parent7" op="lte"/>
-              <dgm:constr type="primFontSz" for="des" forName="Child6" refType="primFontSz" refFor="des" refForName="Parent7" op="lte"/>
-              <dgm:constr type="primFontSz" for="des" forName="Child7" refType="primFontSz" refFor="des" refForName="Parent7" op="lte"/>
-              <dgm:constr type="primFontSz" for="des" forName="Child8" refType="primFontSz" refFor="des" refForName="Parent7" op="lte"/>
-              <dgm:constr type="primFontSz" for="des" forName="Child9" refType="primFontSz" refFor="des" refForName="Parent7" op="lte"/>
-              <dgm:constr type="primFontSz" for="des" forName="Child10" refType="primFontSz" refFor="des" refForName="Parent7" op="lte"/>
-              <dgm:constr type="primFontSz" for="des" forName="Child11" refType="primFontSz" refFor="des" refForName="Parent7" op="lte"/>
-              <dgm:constr type="primFontSz" for="des" forName="Child1" refType="primFontSz" refFor="des" refForName="Parent8" op="lte"/>
-              <dgm:constr type="primFontSz" for="des" forName="Child2" refType="primFontSz" refFor="des" refForName="Parent8" op="lte"/>
-              <dgm:constr type="primFontSz" for="des" forName="Child3" refType="primFontSz" refFor="des" refForName="Parent8" op="lte"/>
-              <dgm:constr type="primFontSz" for="des" forName="Child4" refType="primFontSz" refFor="des" refForName="Parent8" op="lte"/>
-              <dgm:constr type="primFontSz" for="des" forName="Child5" refType="primFontSz" refFor="des" refForName="Parent8" op="lte"/>
-              <dgm:constr type="primFontSz" for="des" forName="Child6" refType="primFontSz" refFor="des" refForName="Parent8" op="lte"/>
-              <dgm:constr type="primFontSz" for="des" forName="Child7" refType="primFontSz" refFor="des" refForName="Parent8" op="lte"/>
-              <dgm:constr type="primFontSz" for="des" forName="Child8" refType="primFontSz" refFor="des" refForName="Parent8" op="lte"/>
-              <dgm:constr type="primFontSz" for="des" forName="Child9" refType="primFontSz" refFor="des" refForName="Parent8" op="lte"/>
-              <dgm:constr type="primFontSz" for="des" forName="Child10" refType="primFontSz" refFor="des" refForName="Parent8" op="lte"/>
-              <dgm:constr type="primFontSz" for="des" forName="Child11" refType="primFontSz" refFor="des" refForName="Parent8" op="lte"/>
-              <dgm:constr type="primFontSz" for="des" forName="Child1" refType="primFontSz" refFor="des" refForName="Parent9" op="lte"/>
-              <dgm:constr type="primFontSz" for="des" forName="Child2" refType="primFontSz" refFor="des" refForName="Parent9" op="lte"/>
-              <dgm:constr type="primFontSz" for="des" forName="Child3" refType="primFontSz" refFor="des" refForName="Parent9" op="lte"/>
-              <dgm:constr type="primFontSz" for="des" forName="Child4" refType="primFontSz" refFor="des" refForName="Parent9" op="lte"/>
-              <dgm:constr type="primFontSz" for="des" forName="Child5" refType="primFontSz" refFor="des" refForName="Parent9" op="lte"/>
-              <dgm:constr type="primFontSz" for="des" forName="Child6" refType="primFontSz" refFor="des" refForName="Parent9" op="lte"/>
-              <dgm:constr type="primFontSz" for="des" forName="Child7" refType="primFontSz" refFor="des" refForName="Parent9" op="lte"/>
-              <dgm:constr type="primFontSz" for="des" forName="Child8" refType="primFontSz" refFor="des" refForName="Parent9" op="lte"/>
-              <dgm:constr type="primFontSz" for="des" forName="Child9" refType="primFontSz" refFor="des" refForName="Parent9" op="lte"/>
-              <dgm:constr type="primFontSz" for="des" forName="Child10" refType="primFontSz" refFor="des" refForName="Parent9" op="lte"/>
-              <dgm:constr type="primFontSz" for="des" forName="Child11" refType="primFontSz" refFor="des" refForName="Parent9" op="lte"/>
-              <dgm:constr type="primFontSz" for="des" forName="Child1" refType="primFontSz" refFor="des" refForName="Parent10" op="lte"/>
-              <dgm:constr type="primFontSz" for="des" forName="Child2" refType="primFontSz" refFor="des" refForName="Parent10" op="lte"/>
-              <dgm:constr type="primFontSz" for="des" forName="Child3" refType="primFontSz" refFor="des" refForName="Parent10" op="lte"/>
-              <dgm:constr type="primFontSz" for="des" forName="Child4" refType="primFontSz" refFor="des" refForName="Parent10" op="lte"/>
-              <dgm:constr type="primFontSz" for="des" forName="Child5" refType="primFontSz" refFor="des" refForName="Parent10" op="lte"/>
-              <dgm:constr type="primFontSz" for="des" forName="Child6" refType="primFontSz" refFor="des" refForName="Parent10" op="lte"/>
-              <dgm:constr type="primFontSz" for="des" forName="Child7" refType="primFontSz" refFor="des" refForName="Parent10" op="lte"/>
-              <dgm:constr type="primFontSz" for="des" forName="Child8" refType="primFontSz" refFor="des" refForName="Parent10" op="lte"/>
-              <dgm:constr type="primFontSz" for="des" forName="Child9" refType="primFontSz" refFor="des" refForName="Parent10" op="lte"/>
-              <dgm:constr type="primFontSz" for="des" forName="Child10" refType="primFontSz" refFor="des" refForName="Parent10" op="lte"/>
-              <dgm:constr type="primFontSz" for="des" forName="Child11" refType="primFontSz" refFor="des" refForName="Parent10" op="lte"/>
-              <dgm:constr type="primFontSz" for="des" forName="Child1" refType="primFontSz" refFor="des" refForName="Parent11" op="lte"/>
-              <dgm:constr type="primFontSz" for="des" forName="Child2" refType="primFontSz" refFor="des" refForName="Parent11" op="lte"/>
-              <dgm:constr type="primFontSz" for="des" forName="Child3" refType="primFontSz" refFor="des" refForName="Parent11" op="lte"/>
-              <dgm:constr type="primFontSz" for="des" forName="Child4" refType="primFontSz" refFor="des" refForName="Parent11" op="lte"/>
-              <dgm:constr type="primFontSz" for="des" forName="Child5" refType="primFontSz" refFor="des" refForName="Parent11" op="lte"/>
-              <dgm:constr type="primFontSz" for="des" forName="Child6" refType="primFontSz" refFor="des" refForName="Parent11" op="lte"/>
-              <dgm:constr type="primFontSz" for="des" forName="Child7" refType="primFontSz" refFor="des" refForName="Parent11" op="lte"/>
-              <dgm:constr type="primFontSz" for="des" forName="Child8" refType="primFontSz" refFor="des" refForName="Parent11" op="lte"/>
-              <dgm:constr type="primFontSz" for="des" forName="Child9" refType="primFontSz" refFor="des" refForName="Parent11" op="lte"/>
-              <dgm:constr type="primFontSz" for="des" forName="Child10" refType="primFontSz" refFor="des" refForName="Parent11" op="lte"/>
-              <dgm:constr type="primFontSz" for="des" forName="Child11" refType="primFontSz" refFor="des" refForName="Parent11" op="lte"/>
-              <dgm:constr type="primFontSz" for="des" forName="Parent2" refType="primFontSz" refFor="des" refForName="Parent1" op="equ"/>
-              <dgm:constr type="primFontSz" for="des" forName="Parent3" refType="primFontSz" refFor="des" refForName="Parent1" op="equ"/>
-              <dgm:constr type="primFontSz" for="des" forName="Parent4" refType="primFontSz" refFor="des" refForName="Parent1" op="equ"/>
-              <dgm:constr type="primFontSz" for="des" forName="Parent5" refType="primFontSz" refFor="des" refForName="Parent1" op="equ"/>
-              <dgm:constr type="primFontSz" for="des" forName="Parent6" refType="primFontSz" refFor="des" refForName="Parent1" op="equ"/>
-              <dgm:constr type="primFontSz" for="des" forName="Parent7" refType="primFontSz" refFor="des" refForName="Parent1" op="equ"/>
-              <dgm:constr type="primFontSz" for="des" forName="Parent8" refType="primFontSz" refFor="des" refForName="Parent1" op="equ"/>
-              <dgm:constr type="primFontSz" for="des" forName="Parent9" refType="primFontSz" refFor="des" refForName="Parent1" op="equ"/>
-              <dgm:constr type="primFontSz" for="des" forName="Parent10" refType="primFontSz" refFor="des" refForName="Parent1" op="equ"/>
-              <dgm:constr type="primFontSz" for="des" forName="Parent11" refType="primFontSz" refFor="des" refForName="Parent1" op="equ"/>
-              <dgm:constr type="primFontSz" for="des" forName="Child2" refType="primFontSz" refFor="des" refForName="Child1" op="equ"/>
-              <dgm:constr type="primFontSz" for="des" forName="Child3" refType="primFontSz" refFor="des" refForName="Child1" op="equ"/>
-              <dgm:constr type="primFontSz" for="des" forName="Child4" refType="primFontSz" refFor="des" refForName="Child1" op="equ"/>
-              <dgm:constr type="primFontSz" for="des" forName="Child5" refType="primFontSz" refFor="des" refForName="Child1" op="equ"/>
-              <dgm:constr type="primFontSz" for="des" forName="Child6" refType="primFontSz" refFor="des" refForName="Child1" op="equ"/>
-              <dgm:constr type="primFontSz" for="des" forName="Child7" refType="primFontSz" refFor="des" refForName="Child1" op="equ"/>
-              <dgm:constr type="primFontSz" for="des" forName="Child8" refType="primFontSz" refFor="des" refForName="Child1" op="equ"/>
-              <dgm:constr type="primFontSz" for="des" forName="Child9" refType="primFontSz" refFor="des" refForName="Child1" op="equ"/>
-              <dgm:constr type="primFontSz" for="des" forName="Child10" refType="primFontSz" refFor="des" refForName="Child1" op="equ"/>
-              <dgm:constr type="primFontSz" for="des" forName="Child11" refType="primFontSz" refFor="des" refForName="Child1" op="equ"/>
-              <dgm:constr type="r" for="ch" forName="Parent11" refType="w" fact="0.0723"/>
-              <dgm:constr type="t" for="ch" forName="Parent11" refType="h" fact="0.2022"/>
-              <dgm:constr type="w" for="ch" forName="Parent11" refType="w" fact="0.0579"/>
-              <dgm:constr type="h" for="ch" forName="Parent11" refType="h" fact="0.3799"/>
-              <dgm:constr type="r" for="ch" forName="Parent10" refType="w" fact="0.162"/>
-              <dgm:constr type="t" for="ch" forName="Parent10" refType="h" fact="0.2022"/>
-              <dgm:constr type="w" for="ch" forName="Parent10" refType="w" fact="0.0579"/>
-              <dgm:constr type="h" for="ch" forName="Parent10" refType="h" fact="0.3799"/>
-              <dgm:constr type="r" for="ch" forName="Parent9" refType="w" fact="0.2517"/>
-              <dgm:constr type="t" for="ch" forName="Parent9" refType="h" fact="0.2022"/>
-              <dgm:constr type="w" for="ch" forName="Parent9" refType="w" fact="0.0579"/>
-              <dgm:constr type="h" for="ch" forName="Parent9" refType="h" fact="0.3799"/>
-              <dgm:constr type="r" for="ch" forName="Parent8" refType="w" fact="0.3414"/>
-              <dgm:constr type="t" for="ch" forName="Parent8" refType="h" fact="0.2022"/>
-              <dgm:constr type="w" for="ch" forName="Parent8" refType="w" fact="0.0579"/>
-              <dgm:constr type="h" for="ch" forName="Parent8" refType="h" fact="0.3799"/>
-              <dgm:constr type="r" for="ch" forName="Parent7" refType="w" fact="0.4311"/>
-              <dgm:constr type="t" for="ch" forName="Parent7" refType="h" fact="0.2022"/>
-              <dgm:constr type="w" for="ch" forName="Parent7" refType="w" fact="0.0579"/>
-              <dgm:constr type="h" for="ch" forName="Parent7" refType="h" fact="0.3799"/>
-              <dgm:constr type="r" for="ch" forName="Parent6" refType="w" fact="0.5208"/>
-              <dgm:constr type="t" for="ch" forName="Parent6" refType="h" fact="0.2022"/>
-              <dgm:constr type="w" for="ch" forName="Parent6" refType="w" fact="0.0579"/>
-              <dgm:constr type="h" for="ch" forName="Parent6" refType="h" fact="0.3799"/>
-              <dgm:constr type="r" for="ch" forName="Parent5" refType="w" fact="0.6105"/>
-              <dgm:constr type="t" for="ch" forName="Parent5" refType="h" fact="0.2022"/>
-              <dgm:constr type="w" for="ch" forName="Parent5" refType="w" fact="0.0579"/>
-              <dgm:constr type="h" for="ch" forName="Parent5" refType="h" fact="0.3799"/>
-              <dgm:constr type="r" for="ch" forName="Parent4" refType="w" fact="0.7001"/>
-              <dgm:constr type="t" for="ch" forName="Parent4" refType="h" fact="0.2022"/>
-              <dgm:constr type="w" for="ch" forName="Parent4" refType="w" fact="0.0579"/>
-              <dgm:constr type="h" for="ch" forName="Parent4" refType="h" fact="0.3799"/>
-              <dgm:constr type="r" for="ch" forName="Parent3" refType="w" fact="0.7898"/>
-              <dgm:constr type="t" for="ch" forName="Parent3" refType="h" fact="0.2022"/>
-              <dgm:constr type="w" for="ch" forName="Parent3" refType="w" fact="0.0579"/>
-              <dgm:constr type="h" for="ch" forName="Parent3" refType="h" fact="0.3799"/>
-              <dgm:constr type="r" for="ch" forName="Parent2" refType="w" fact="0.8795"/>
-              <dgm:constr type="t" for="ch" forName="Parent2" refType="h" fact="0.2022"/>
-              <dgm:constr type="w" for="ch" forName="Parent2" refType="w" fact="0.0579"/>
-              <dgm:constr type="h" for="ch" forName="Parent2" refType="h" fact="0.3799"/>
-              <dgm:constr type="r" for="ch" forName="Parent1" refType="w" fact="0.9692"/>
-              <dgm:constr type="t" for="ch" forName="Parent1" refType="h" fact="0.2022"/>
-              <dgm:constr type="w" for="ch" forName="Parent1" refType="w" fact="0.0579"/>
-              <dgm:constr type="h" for="ch" forName="Parent1" refType="h" fact="0.3799"/>
-              <dgm:constr type="r" for="ch" forName="Accent11" refType="w" fact="0.0868"/>
-              <dgm:constr type="t" for="ch" forName="Accent11" refType="h" fact="0.1072"/>
-              <dgm:constr type="w" for="ch" forName="Accent11" refType="w" fact="0.0868"/>
-              <dgm:constr type="h" for="ch" forName="Accent11" refType="h" fact="0.5699"/>
-              <dgm:constr type="r" for="ch" forName="ParentBackground11" refType="w" fact="0.0839"/>
-              <dgm:constr type="t" for="ch" forName="ParentBackground11" refType="h" fact="0.1262"/>
-              <dgm:constr type="w" for="ch" forName="ParentBackground11" refType="w" fact="0.081"/>
-              <dgm:constr type="h" for="ch" forName="ParentBackground11" refType="h" fact="0.5319"/>
-              <dgm:constr type="r" for="ch" forName="Child11" refType="w" fact="0.0839"/>
-              <dgm:constr type="t" for="ch" forName="Child11" refType="h" fact="0.6876"/>
-              <dgm:constr type="w" for="ch" forName="Child11" refType="w" fact="0.081"/>
-              <dgm:constr type="h" for="ch" forName="Child11" refType="h" fact="0.3124"/>
-              <dgm:constr type="r" for="ch" forName="Accent10" refType="w" fact="0.1945"/>
-              <dgm:constr type="t" for="ch" forName="Accent10" refType="h" fact="-0.0109"/>
-              <dgm:constr type="w" for="ch" forName="Accent10" refType="w" fact="0.1228"/>
-              <dgm:constr type="h" for="ch" forName="Accent10" refType="h" fact="0.806"/>
-              <dgm:constr type="r" for="ch" forName="ParentBackground10" refType="w" fact="0.1736"/>
-              <dgm:constr type="t" for="ch" forName="ParentBackground10" refType="h" fact="0.1262"/>
-              <dgm:constr type="w" for="ch" forName="ParentBackground10" refType="w" fact="0.081"/>
-              <dgm:constr type="h" for="ch" forName="ParentBackground10" refType="h" fact="0.5319"/>
-              <dgm:constr type="r" for="ch" forName="Child10" refType="w" fact="0.1736"/>
-              <dgm:constr type="t" for="ch" forName="Child10" refType="h" fact="0.6876"/>
-              <dgm:constr type="w" for="ch" forName="Child10" refType="w" fact="0.081"/>
-              <dgm:constr type="h" for="ch" forName="Child10" refType="h" fact="0.3124"/>
-              <dgm:constr type="r" for="ch" forName="Accent9" refType="w" fact="0.2842"/>
-              <dgm:constr type="t" for="ch" forName="Accent9" refType="h" fact="-0.0109"/>
-              <dgm:constr type="w" for="ch" forName="Accent9" refType="w" fact="0.1228"/>
-              <dgm:constr type="h" for="ch" forName="Accent9" refType="h" fact="0.806"/>
-              <dgm:constr type="r" for="ch" forName="ParentBackground9" refType="w" fact="0.2633"/>
-              <dgm:constr type="t" for="ch" forName="ParentBackground9" refType="h" fact="0.1262"/>
-              <dgm:constr type="w" for="ch" forName="ParentBackground9" refType="w" fact="0.081"/>
-              <dgm:constr type="h" for="ch" forName="ParentBackground9" refType="h" fact="0.5319"/>
-              <dgm:constr type="r" for="ch" forName="Child9" refType="w" fact="0.2633"/>
-              <dgm:constr type="t" for="ch" forName="Child9" refType="h" fact="0.6876"/>
-              <dgm:constr type="w" for="ch" forName="Child9" refType="w" fact="0.081"/>
-              <dgm:constr type="h" for="ch" forName="Child9" refType="h" fact="0.3124"/>
-              <dgm:constr type="r" for="ch" forName="Accent8" refType="w" fact="0.3739"/>
-              <dgm:constr type="t" for="ch" forName="Accent8" refType="h" fact="-0.0109"/>
-              <dgm:constr type="w" for="ch" forName="Accent8" refType="w" fact="0.1228"/>
-              <dgm:constr type="h" for="ch" forName="Accent8" refType="h" fact="0.806"/>
-              <dgm:constr type="r" for="ch" forName="ParentBackground8" refType="w" fact="0.353"/>
-              <dgm:constr type="t" for="ch" forName="ParentBackground8" refType="h" fact="0.1262"/>
-              <dgm:constr type="w" for="ch" forName="ParentBackground8" refType="w" fact="0.081"/>
-              <dgm:constr type="h" for="ch" forName="ParentBackground8" refType="h" fact="0.5319"/>
-              <dgm:constr type="r" for="ch" forName="Child8" refType="w" fact="0.353"/>
-              <dgm:constr type="t" for="ch" forName="Child8" refType="h" fact="0.6876"/>
-              <dgm:constr type="w" for="ch" forName="Child8" refType="w" fact="0.081"/>
-              <dgm:constr type="h" for="ch" forName="Child8" refType="h" fact="0.3124"/>
-              <dgm:constr type="r" for="ch" forName="Accent7" refType="w" fact="0.4636"/>
-              <dgm:constr type="t" for="ch" forName="Accent7" refType="h" fact="-0.0109"/>
-              <dgm:constr type="w" for="ch" forName="Accent7" refType="w" fact="0.1228"/>
-              <dgm:constr type="h" for="ch" forName="Accent7" refType="h" fact="0.806"/>
-              <dgm:constr type="r" for="ch" forName="ParentBackground7" refType="w" fact="0.4427"/>
-              <dgm:constr type="t" for="ch" forName="ParentBackground7" refType="h" fact="0.1262"/>
-              <dgm:constr type="w" for="ch" forName="ParentBackground7" refType="w" fact="0.081"/>
-              <dgm:constr type="h" for="ch" forName="ParentBackground7" refType="h" fact="0.5319"/>
-              <dgm:constr type="r" for="ch" forName="Child7" refType="w" fact="0.4427"/>
-              <dgm:constr type="t" for="ch" forName="Child7" refType="h" fact="0.6876"/>
-              <dgm:constr type="w" for="ch" forName="Child7" refType="w" fact="0.081"/>
-              <dgm:constr type="h" for="ch" forName="Child7" refType="h" fact="0.3124"/>
-              <dgm:constr type="r" for="ch" forName="Accent6" refType="w" fact="0.5533"/>
-              <dgm:constr type="t" for="ch" forName="Accent6" refType="h" fact="-0.0109"/>
-              <dgm:constr type="w" for="ch" forName="Accent6" refType="w" fact="0.1228"/>
-              <dgm:constr type="h" for="ch" forName="Accent6" refType="h" fact="0.806"/>
-              <dgm:constr type="r" for="ch" forName="ParentBackground6" refType="w" fact="0.5323"/>
-              <dgm:constr type="t" for="ch" forName="ParentBackground6" refType="h" fact="0.1262"/>
-              <dgm:constr type="w" for="ch" forName="ParentBackground6" refType="w" fact="0.081"/>
-              <dgm:constr type="h" for="ch" forName="ParentBackground6" refType="h" fact="0.5319"/>
-              <dgm:constr type="r" for="ch" forName="Child6" refType="w" fact="0.5323"/>
-              <dgm:constr type="t" for="ch" forName="Child6" refType="h" fact="0.6876"/>
-              <dgm:constr type="w" for="ch" forName="Child6" refType="w" fact="0.081"/>
-              <dgm:constr type="h" for="ch" forName="Child6" refType="h" fact="0.3124"/>
-              <dgm:constr type="r" for="ch" forName="Accent5" refType="w" fact="0.6429"/>
-              <dgm:constr type="t" for="ch" forName="Accent5" refType="h" fact="-0.0109"/>
-              <dgm:constr type="w" for="ch" forName="Accent5" refType="w" fact="0.1228"/>
-              <dgm:constr type="h" for="ch" forName="Accent5" refType="h" fact="0.806"/>
-              <dgm:constr type="r" for="ch" forName="ParentBackground5" refType="w" fact="0.622"/>
-              <dgm:constr type="t" for="ch" forName="ParentBackground5" refType="h" fact="0.1262"/>
-              <dgm:constr type="w" for="ch" forName="ParentBackground5" refType="w" fact="0.081"/>
-              <dgm:constr type="h" for="ch" forName="ParentBackground5" refType="h" fact="0.5319"/>
-              <dgm:constr type="r" for="ch" forName="Child5" refType="w" fact="0.622"/>
-              <dgm:constr type="t" for="ch" forName="Child5" refType="h" fact="0.6876"/>
-              <dgm:constr type="w" for="ch" forName="Child5" refType="w" fact="0.081"/>
-              <dgm:constr type="h" for="ch" forName="Child5" refType="h" fact="0.3124"/>
-              <dgm:constr type="r" for="ch" forName="Accent4" refType="w" fact="0.7326"/>
-              <dgm:constr type="t" for="ch" forName="Accent4" refType="h" fact="-0.0109"/>
-              <dgm:constr type="w" for="ch" forName="Accent4" refType="w" fact="0.1228"/>
-              <dgm:constr type="h" for="ch" forName="Accent4" refType="h" fact="0.806"/>
-              <dgm:constr type="r" for="ch" forName="ParentBackground4" refType="w" fact="0.7117"/>
-              <dgm:constr type="t" for="ch" forName="ParentBackground4" refType="h" fact="0.1262"/>
-              <dgm:constr type="w" for="ch" forName="ParentBackground4" refType="w" fact="0.081"/>
-              <dgm:constr type="h" for="ch" forName="ParentBackground4" refType="h" fact="0.5319"/>
-              <dgm:constr type="r" for="ch" forName="Child4" refType="w" fact="0.7117"/>
-              <dgm:constr type="t" for="ch" forName="Child4" refType="h" fact="0.6876"/>
-              <dgm:constr type="w" for="ch" forName="Child4" refType="w" fact="0.081"/>
-              <dgm:constr type="h" for="ch" forName="Child4" refType="h" fact="0.3124"/>
-              <dgm:constr type="r" for="ch" forName="Accent3" refType="w" fact="0.8223"/>
-              <dgm:constr type="t" for="ch" forName="Accent3" refType="h" fact="-0.0109"/>
-              <dgm:constr type="w" for="ch" forName="Accent3" refType="w" fact="0.1228"/>
-              <dgm:constr type="h" for="ch" forName="Accent3" refType="h" fact="0.806"/>
-              <dgm:constr type="r" for="ch" forName="ParentBackground3" refType="w" fact="0.8014"/>
-              <dgm:constr type="t" for="ch" forName="ParentBackground3" refType="h" fact="0.1262"/>
-              <dgm:constr type="w" for="ch" forName="ParentBackground3" refType="w" fact="0.081"/>
-              <dgm:constr type="h" for="ch" forName="ParentBackground3" refType="h" fact="0.5319"/>
-              <dgm:constr type="r" for="ch" forName="Child3" refType="w" fact="0.8014"/>
-              <dgm:constr type="t" for="ch" forName="Child3" refType="h" fact="0.6876"/>
-              <dgm:constr type="w" for="ch" forName="Child3" refType="w" fact="0.081"/>
-              <dgm:constr type="h" for="ch" forName="Child3" refType="h" fact="0.3124"/>
-              <dgm:constr type="r" for="ch" forName="Accent2" refType="w" fact="0.912"/>
-              <dgm:constr type="t" for="ch" forName="Accent2" refType="h" fact="-0.0109"/>
-              <dgm:constr type="w" for="ch" forName="Accent2" refType="w" fact="0.1228"/>
-              <dgm:constr type="h" for="ch" forName="Accent2" refType="h" fact="0.806"/>
-              <dgm:constr type="r" for="ch" forName="ParentBackground2" refType="w" fact="0.8911"/>
-              <dgm:constr type="t" for="ch" forName="ParentBackground2" refType="h" fact="0.1262"/>
-              <dgm:constr type="w" for="ch" forName="ParentBackground2" refType="w" fact="0.081"/>
-              <dgm:constr type="h" for="ch" forName="ParentBackground2" refType="h" fact="0.5319"/>
-              <dgm:constr type="r" for="ch" forName="Child2" refType="w" fact="0.8911"/>
-              <dgm:constr type="t" for="ch" forName="Child2" refType="h" fact="0.6876"/>
-              <dgm:constr type="w" for="ch" forName="Child2" refType="w" fact="0.081"/>
-              <dgm:constr type="h" for="ch" forName="Child2" refType="h" fact="0.3124"/>
-              <dgm:constr type="r" for="ch" forName="Accent1" refType="w" fact="1.0017"/>
-              <dgm:constr type="t" for="ch" forName="Accent1" refType="h" fact="-0.0109"/>
-              <dgm:constr type="w" for="ch" forName="Accent1" refType="w" fact="0.1228"/>
-              <dgm:constr type="h" for="ch" forName="Accent1" refType="h" fact="0.806"/>
-              <dgm:constr type="r" for="ch" forName="ParentBackground1" refType="w" fact="0.9808"/>
-              <dgm:constr type="t" for="ch" forName="ParentBackground1" refType="h" fact="0.1262"/>
-              <dgm:constr type="w" for="ch" forName="ParentBackground1" refType="w" fact="0.081"/>
-              <dgm:constr type="h" for="ch" forName="ParentBackground1" refType="h" fact="0.5319"/>
-              <dgm:constr type="r" for="ch" forName="Child1" refType="w" fact="0.9808"/>
-              <dgm:constr type="t" for="ch" forName="Child1" refType="h" fact="0.6876"/>
-              <dgm:constr type="w" for="ch" forName="Child1" refType="w" fact="0.081"/>
-              <dgm:constr type="h" for="ch" forName="Child1" refType="h" fact="0.3124"/>
-            </dgm:constrLst>
-          </dgm:else>
-        </dgm:choose>
-      </dgm:else>
-    </dgm:choose>
-    <dgm:forEach name="wrapper" axis="self" ptType="parTrans">
-      <dgm:forEach name="accentRepeat" axis="self">
-        <dgm:layoutNode name="Accent" styleLbl="node1">
-          <dgm:alg type="sp"/>
-          <dgm:choose name="Name28">
-            <dgm:if name="Name29" axis="followSib" ptType="node" func="cnt" op="equ" val="0">
-              <dgm:shape xmlns:r="http://schemas.openxmlformats.org/officeDocument/2006/relationships" type="ellipse" r:blip="">
-                <dgm:adjLst/>
-              </dgm:shape>
-            </dgm:if>
-            <dgm:else name="Name30">
-              <dgm:choose name="Name31">
-                <dgm:if name="Name32" axis="precedSib" ptType="node" func="cnt" op="equ" val="10">
-                  <dgm:shape xmlns:r="http://schemas.openxmlformats.org/officeDocument/2006/relationships" type="ellipse" r:blip="">
-                    <dgm:adjLst/>
-                  </dgm:shape>
-                </dgm:if>
-                <dgm:else name="Name33">
-                  <dgm:choose name="Name34">
-                    <dgm:if name="Name35" func="var" arg="dir" op="equ" val="norm">
-                      <dgm:shape xmlns:r="http://schemas.openxmlformats.org/officeDocument/2006/relationships" rot="45" type="teardrop" r:blip="">
-                        <dgm:adjLst>
-                          <dgm:adj idx="1" val="1"/>
-                        </dgm:adjLst>
-                      </dgm:shape>
-                    </dgm:if>
-                    <dgm:else name="Name36">
-                      <dgm:shape xmlns:r="http://schemas.openxmlformats.org/officeDocument/2006/relationships" rot="225" type="teardrop" r:blip="">
-                        <dgm:adjLst>
-                          <dgm:adj idx="1" val="1"/>
-                        </dgm:adjLst>
-                      </dgm:shape>
-                    </dgm:else>
-                  </dgm:choose>
-                </dgm:else>
-              </dgm:choose>
-            </dgm:else>
-          </dgm:choose>
-          <dgm:presOf/>
-        </dgm:layoutNode>
-      </dgm:forEach>
-      <dgm:forEach name="parentBackgroundRepeat" axis="self">
-        <dgm:layoutNode name="ParentBackground" styleLbl="fgAcc1">
-          <dgm:alg type="sp"/>
-          <dgm:shape xmlns:r="http://schemas.openxmlformats.org/officeDocument/2006/relationships" type="ellipse" r:blip="">
-            <dgm:adjLst/>
-          </dgm:shape>
-          <dgm:presOf axis="self" ptType="node"/>
-        </dgm:layoutNode>
-      </dgm:forEach>
-    </dgm:forEach>
-    <dgm:forEach name="Name37" axis="ch" ptType="node" st="11" cnt="1">
-      <dgm:layoutNode name="Accent11">
-        <dgm:alg type="sp"/>
-        <dgm:shape xmlns:r="http://schemas.openxmlformats.org/officeDocument/2006/relationships" r:blip="">
-          <dgm:adjLst/>
-        </dgm:shape>
-        <dgm:presOf/>
-        <dgm:constrLst/>
-        <dgm:forEach name="Name38" ref="accentRepeat"/>
-      </dgm:layoutNode>
-      <dgm:layoutNode name="ParentBackground11">
-        <dgm:alg type="sp"/>
-        <dgm:shape xmlns:r="http://schemas.openxmlformats.org/officeDocument/2006/relationships" r:blip="">
-          <dgm:adjLst/>
-        </dgm:shape>
-        <dgm:presOf/>
-        <dgm:forEach name="Name39" ref="parentBackgroundRepeat"/>
-      </dgm:layoutNode>
-      <dgm:choose name="Name40">
-        <dgm:if name="Name41" axis="ch" ptType="node" func="cnt" op="gte" val="1">
-          <dgm:layoutNode name="Child11" styleLbl="revTx">
-            <dgm:varLst>
-              <dgm:chMax val="0"/>
-              <dgm:chPref val="0"/>
-              <dgm:bulletEnabled val="1"/>
-            </dgm:varLst>
-            <dgm:alg type="tx">
-              <dgm:param type="stBulletLvl" val="1"/>
-              <dgm:param type="parTxLTRAlign" val="l"/>
-              <dgm:param type="txAnchorVert" val="t"/>
-            </dgm:alg>
-            <dgm:shape xmlns:r="http://schemas.openxmlformats.org/officeDocument/2006/relationships" type="rect" r:blip="">
-              <dgm:adjLst/>
-            </dgm:shape>
-            <dgm:presOf axis="des" ptType="node"/>
-            <dgm:constrLst>
-              <dgm:constr type="lMarg" refType="primFontSz" fact="0.3"/>
-              <dgm:constr type="rMarg" refType="primFontSz" fact="0.3"/>
-              <dgm:constr type="tMarg" refType="primFontSz" fact="0.3"/>
-              <dgm:constr type="bMarg" refType="primFontSz" fact="0.3"/>
-            </dgm:constrLst>
-            <dgm:ruleLst>
-              <dgm:rule type="primFontSz" val="5" fact="NaN" max="NaN"/>
-            </dgm:ruleLst>
-          </dgm:layoutNode>
-        </dgm:if>
-        <dgm:else name="Name42"/>
-      </dgm:choose>
-      <dgm:layoutNode name="Parent11" styleLbl="revTx">
-        <dgm:varLst>
-          <dgm:chMax val="1"/>
-          <dgm:chPref val="1"/>
-          <dgm:bulletEnabled val="1"/>
-        </dgm:varLst>
-        <dgm:alg type="tx">
-          <dgm:param type="shpTxLTRAlignCh" val="ctr"/>
-          <dgm:param type="txAnchorVertCh" val="mid"/>
-        </dgm:alg>
-        <dgm:shape xmlns:r="http://schemas.openxmlformats.org/officeDocument/2006/relationships" type="rect" r:blip="" hideGeom="1">
-          <dgm:adjLst/>
-        </dgm:shape>
-        <dgm:presOf axis="self" ptType="node"/>
-        <dgm:constrLst>
-          <dgm:constr type="lMarg" refType="primFontSz" fact="0.1"/>
-          <dgm:constr type="rMarg" refType="primFontSz" fact="0.1"/>
-          <dgm:constr type="tMarg" refType="primFontSz" fact="0.1"/>
-          <dgm:constr type="bMarg" refType="primFontSz" fact="0.1"/>
-        </dgm:constrLst>
-        <dgm:ruleLst>
-          <dgm:rule type="primFontSz" val="5" fact="NaN" max="NaN"/>
-        </dgm:ruleLst>
-      </dgm:layoutNode>
-    </dgm:forEach>
-    <dgm:forEach name="Name43" axis="ch" ptType="node" st="10" cnt="1">
-      <dgm:layoutNode name="Accent10">
-        <dgm:alg type="sp"/>
-        <dgm:shape xmlns:r="http://schemas.openxmlformats.org/officeDocument/2006/relationships" r:blip="">
-          <dgm:adjLst/>
-        </dgm:shape>
-        <dgm:presOf/>
-        <dgm:constrLst/>
-        <dgm:forEach name="Name44" ref="accentRepeat"/>
-      </dgm:layoutNode>
-      <dgm:layoutNode name="ParentBackground10">
-        <dgm:alg type="sp"/>
-        <dgm:shape xmlns:r="http://schemas.openxmlformats.org/officeDocument/2006/relationships" r:blip="">
-          <dgm:adjLst/>
-        </dgm:shape>
-        <dgm:presOf/>
-        <dgm:forEach name="Name45" ref="parentBackgroundRepeat"/>
-      </dgm:layoutNode>
-      <dgm:choose name="Name46">
-        <dgm:if name="Name47" axis="ch" ptType="node" func="cnt" op="gte" val="1">
-          <dgm:layoutNode name="Child10" styleLbl="revTx">
-            <dgm:varLst>
-              <dgm:chMax val="0"/>
-              <dgm:chPref val="0"/>
-              <dgm:bulletEnabled val="1"/>
-            </dgm:varLst>
-            <dgm:alg type="tx">
-              <dgm:param type="stBulletLvl" val="1"/>
-              <dgm:param type="parTxLTRAlign" val="l"/>
-              <dgm:param type="txAnchorVert" val="t"/>
-            </dgm:alg>
-            <dgm:shape xmlns:r="http://schemas.openxmlformats.org/officeDocument/2006/relationships" type="rect" r:blip="">
-              <dgm:adjLst/>
-            </dgm:shape>
-            <dgm:presOf axis="des" ptType="node"/>
-            <dgm:constrLst>
-              <dgm:constr type="lMarg" refType="primFontSz" fact="0.3"/>
-              <dgm:constr type="rMarg" refType="primFontSz" fact="0.3"/>
-              <dgm:constr type="tMarg" refType="primFontSz" fact="0.3"/>
-              <dgm:constr type="bMarg" refType="primFontSz" fact="0.3"/>
-            </dgm:constrLst>
-            <dgm:ruleLst>
-              <dgm:rule type="primFontSz" val="5" fact="NaN" max="NaN"/>
-            </dgm:ruleLst>
-          </dgm:layoutNode>
-        </dgm:if>
-        <dgm:else name="Name48"/>
-      </dgm:choose>
-      <dgm:layoutNode name="Parent10" styleLbl="revTx">
-        <dgm:varLst>
-          <dgm:chMax val="1"/>
-          <dgm:chPref val="1"/>
-          <dgm:bulletEnabled val="1"/>
-        </dgm:varLst>
-        <dgm:alg type="tx">
-          <dgm:param type="shpTxLTRAlignCh" val="ctr"/>
-          <dgm:param type="txAnchorVertCh" val="mid"/>
-        </dgm:alg>
-        <dgm:shape xmlns:r="http://schemas.openxmlformats.org/officeDocument/2006/relationships" type="rect" r:blip="" hideGeom="1">
-          <dgm:adjLst/>
-        </dgm:shape>
-        <dgm:presOf axis="self" ptType="node"/>
-        <dgm:constrLst>
-          <dgm:constr type="lMarg" refType="primFontSz" fact="0.1"/>
-          <dgm:constr type="rMarg" refType="primFontSz" fact="0.1"/>
-          <dgm:constr type="tMarg" refType="primFontSz" fact="0.1"/>
-          <dgm:constr type="bMarg" refType="primFontSz" fact="0.1"/>
-        </dgm:constrLst>
-        <dgm:ruleLst>
-          <dgm:rule type="primFontSz" val="5" fact="NaN" max="NaN"/>
-        </dgm:ruleLst>
-      </dgm:layoutNode>
-    </dgm:forEach>
-    <dgm:forEach name="Name49" axis="ch" ptType="node" st="9" cnt="1">
-      <dgm:layoutNode name="Accent9">
-        <dgm:alg type="sp"/>
-        <dgm:shape xmlns:r="http://schemas.openxmlformats.org/officeDocument/2006/relationships" r:blip="">
-          <dgm:adjLst/>
-        </dgm:shape>
-        <dgm:presOf/>
-        <dgm:constrLst/>
-        <dgm:forEach name="Name50" ref="accentRepeat"/>
-      </dgm:layoutNode>
-      <dgm:layoutNode name="ParentBackground9">
-        <dgm:alg type="sp"/>
-        <dgm:shape xmlns:r="http://schemas.openxmlformats.org/officeDocument/2006/relationships" r:blip="">
-          <dgm:adjLst/>
-        </dgm:shape>
-        <dgm:presOf/>
-        <dgm:forEach name="Name51" ref="parentBackgroundRepeat"/>
-      </dgm:layoutNode>
-      <dgm:choose name="Name52">
-        <dgm:if name="Name53" axis="ch" ptType="node" func="cnt" op="gte" val="1">
-          <dgm:layoutNode name="Child9" styleLbl="revTx">
-            <dgm:varLst>
-              <dgm:chMax val="0"/>
-              <dgm:chPref val="0"/>
-              <dgm:bulletEnabled val="1"/>
-            </dgm:varLst>
-            <dgm:alg type="tx">
-              <dgm:param type="stBulletLvl" val="1"/>
-              <dgm:param type="parTxLTRAlign" val="l"/>
-              <dgm:param type="txAnchorVert" val="t"/>
-            </dgm:alg>
-            <dgm:shape xmlns:r="http://schemas.openxmlformats.org/officeDocument/2006/relationships" type="rect" r:blip="">
-              <dgm:adjLst/>
-            </dgm:shape>
-            <dgm:presOf axis="des" ptType="node"/>
-            <dgm:constrLst>
-              <dgm:constr type="lMarg" refType="primFontSz" fact="0.3"/>
-              <dgm:constr type="rMarg" refType="primFontSz" fact="0.3"/>
-              <dgm:constr type="tMarg" refType="primFontSz" fact="0.3"/>
-              <dgm:constr type="bMarg" refType="primFontSz" fact="0.3"/>
-            </dgm:constrLst>
-            <dgm:ruleLst>
-              <dgm:rule type="primFontSz" val="5" fact="NaN" max="NaN"/>
-            </dgm:ruleLst>
-          </dgm:layoutNode>
-        </dgm:if>
-        <dgm:else name="Name54"/>
-      </dgm:choose>
-      <dgm:layoutNode name="Parent9" styleLbl="revTx">
-        <dgm:varLst>
-          <dgm:chMax val="1"/>
-          <dgm:chPref val="1"/>
-          <dgm:bulletEnabled val="1"/>
-        </dgm:varLst>
-        <dgm:alg type="tx">
-          <dgm:param type="shpTxLTRAlignCh" val="ctr"/>
-          <dgm:param type="txAnchorVertCh" val="mid"/>
-        </dgm:alg>
-        <dgm:shape xmlns:r="http://schemas.openxmlformats.org/officeDocument/2006/relationships" type="rect" r:blip="" hideGeom="1">
-          <dgm:adjLst/>
-        </dgm:shape>
-        <dgm:presOf axis="self" ptType="node"/>
-        <dgm:constrLst>
-          <dgm:constr type="lMarg" refType="primFontSz" fact="0.1"/>
-          <dgm:constr type="rMarg" refType="primFontSz" fact="0.1"/>
-          <dgm:constr type="tMarg" refType="primFontSz" fact="0.1"/>
-          <dgm:constr type="bMarg" refType="primFontSz" fact="0.1"/>
-        </dgm:constrLst>
-        <dgm:ruleLst>
-          <dgm:rule type="primFontSz" val="5" fact="NaN" max="NaN"/>
-        </dgm:ruleLst>
-      </dgm:layoutNode>
-    </dgm:forEach>
-    <dgm:forEach name="Name55" axis="ch" ptType="node" st="8" cnt="1">
-      <dgm:layoutNode name="Accent8">
-        <dgm:alg type="sp"/>
-        <dgm:shape xmlns:r="http://schemas.openxmlformats.org/officeDocument/2006/relationships" r:blip="">
-          <dgm:adjLst/>
-        </dgm:shape>
-        <dgm:presOf/>
-        <dgm:constrLst/>
-        <dgm:forEach name="Name56" ref="accentRepeat"/>
-      </dgm:layoutNode>
-      <dgm:layoutNode name="ParentBackground8">
-        <dgm:alg type="sp"/>
-        <dgm:shape xmlns:r="http://schemas.openxmlformats.org/officeDocument/2006/relationships" r:blip="">
-          <dgm:adjLst/>
-        </dgm:shape>
-        <dgm:presOf/>
-        <dgm:forEach name="Name57" ref="parentBackgroundRepeat"/>
-      </dgm:layoutNode>
-      <dgm:choose name="Name58">
-        <dgm:if name="Name59" axis="ch" ptType="node" func="cnt" op="gte" val="1">
-          <dgm:layoutNode name="Child8" styleLbl="revTx">
-            <dgm:varLst>
-              <dgm:chMax val="0"/>
-              <dgm:chPref val="0"/>
-              <dgm:bulletEnabled val="1"/>
-            </dgm:varLst>
-            <dgm:alg type="tx">
-              <dgm:param type="stBulletLvl" val="1"/>
-              <dgm:param type="parTxLTRAlign" val="l"/>
-              <dgm:param type="txAnchorVert" val="t"/>
-            </dgm:alg>
-            <dgm:shape xmlns:r="http://schemas.openxmlformats.org/officeDocument/2006/relationships" type="rect" r:blip="">
-              <dgm:adjLst/>
-            </dgm:shape>
-            <dgm:presOf axis="des" ptType="node"/>
-            <dgm:constrLst>
-              <dgm:constr type="lMarg" refType="primFontSz" fact="0.3"/>
-              <dgm:constr type="rMarg" refType="primFontSz" fact="0.3"/>
-              <dgm:constr type="tMarg" refType="primFontSz" fact="0.3"/>
-              <dgm:constr type="bMarg" refType="primFontSz" fact="0.3"/>
-            </dgm:constrLst>
-            <dgm:ruleLst>
-              <dgm:rule type="primFontSz" val="5" fact="NaN" max="NaN"/>
-            </dgm:ruleLst>
-          </dgm:layoutNode>
-        </dgm:if>
-        <dgm:else name="Name60"/>
-      </dgm:choose>
-      <dgm:layoutNode name="Parent8" styleLbl="revTx">
-        <dgm:varLst>
-          <dgm:chMax val="1"/>
-          <dgm:chPref val="1"/>
-          <dgm:bulletEnabled val="1"/>
-        </dgm:varLst>
-        <dgm:alg type="tx">
-          <dgm:param type="shpTxLTRAlignCh" val="ctr"/>
-          <dgm:param type="txAnchorVertCh" val="mid"/>
-        </dgm:alg>
-        <dgm:shape xmlns:r="http://schemas.openxmlformats.org/officeDocument/2006/relationships" type="rect" r:blip="" hideGeom="1">
-          <dgm:adjLst/>
-        </dgm:shape>
-        <dgm:presOf axis="self" ptType="node"/>
-        <dgm:constrLst>
-          <dgm:constr type="lMarg" refType="primFontSz" fact="0.1"/>
-          <dgm:constr type="rMarg" refType="primFontSz" fact="0.1"/>
-          <dgm:constr type="tMarg" refType="primFontSz" fact="0.1"/>
-          <dgm:constr type="bMarg" refType="primFontSz" fact="0.1"/>
-        </dgm:constrLst>
-        <dgm:ruleLst>
-          <dgm:rule type="primFontSz" val="5" fact="NaN" max="NaN"/>
-        </dgm:ruleLst>
-      </dgm:layoutNode>
-    </dgm:forEach>
-    <dgm:forEach name="Name61" axis="ch" ptType="node" st="7" cnt="1">
-      <dgm:layoutNode name="Accent7">
-        <dgm:alg type="sp"/>
-        <dgm:shape xmlns:r="http://schemas.openxmlformats.org/officeDocument/2006/relationships" r:blip="">
-          <dgm:adjLst/>
-        </dgm:shape>
-        <dgm:presOf/>
-        <dgm:constrLst/>
-        <dgm:forEach name="Name62" ref="accentRepeat"/>
-      </dgm:layoutNode>
-      <dgm:layoutNode name="ParentBackground7">
-        <dgm:alg type="sp"/>
-        <dgm:shape xmlns:r="http://schemas.openxmlformats.org/officeDocument/2006/relationships" r:blip="">
-          <dgm:adjLst/>
-        </dgm:shape>
-        <dgm:presOf/>
-        <dgm:forEach name="Name63" ref="parentBackgroundRepeat"/>
-      </dgm:layoutNode>
-      <dgm:choose name="Name64">
-        <dgm:if name="Name65" axis="ch" ptType="node" func="cnt" op="gte" val="1">
-          <dgm:layoutNode name="Child7" styleLbl="revTx">
-            <dgm:varLst>
-              <dgm:chMax val="0"/>
-              <dgm:chPref val="0"/>
-              <dgm:bulletEnabled val="1"/>
-            </dgm:varLst>
-            <dgm:alg type="tx">
-              <dgm:param type="stBulletLvl" val="1"/>
-              <dgm:param type="parTxLTRAlign" val="l"/>
-              <dgm:param type="txAnchorVert" val="t"/>
-            </dgm:alg>
-            <dgm:shape xmlns:r="http://schemas.openxmlformats.org/officeDocument/2006/relationships" type="rect" r:blip="">
-              <dgm:adjLst/>
-            </dgm:shape>
-            <dgm:presOf axis="des" ptType="node"/>
-            <dgm:constrLst>
-              <dgm:constr type="lMarg" refType="primFontSz" fact="0.3"/>
-              <dgm:constr type="rMarg" refType="primFontSz" fact="0.3"/>
-              <dgm:constr type="tMarg" refType="primFontSz" fact="0.3"/>
-              <dgm:constr type="bMarg" refType="primFontSz" fact="0.3"/>
-            </dgm:constrLst>
-            <dgm:ruleLst>
-              <dgm:rule type="primFontSz" val="5" fact="NaN" max="NaN"/>
-            </dgm:ruleLst>
-          </dgm:layoutNode>
-        </dgm:if>
-        <dgm:else name="Name66"/>
-      </dgm:choose>
-      <dgm:layoutNode name="Parent7" styleLbl="revTx">
-        <dgm:varLst>
-          <dgm:chMax val="1"/>
-          <dgm:chPref val="1"/>
-          <dgm:bulletEnabled val="1"/>
-        </dgm:varLst>
-        <dgm:alg type="tx">
-          <dgm:param type="shpTxLTRAlignCh" val="ctr"/>
-          <dgm:param type="txAnchorVertCh" val="mid"/>
-        </dgm:alg>
-        <dgm:shape xmlns:r="http://schemas.openxmlformats.org/officeDocument/2006/relationships" type="rect" r:blip="" hideGeom="1">
-          <dgm:adjLst/>
-        </dgm:shape>
-        <dgm:presOf axis="self" ptType="node"/>
-        <dgm:constrLst>
-          <dgm:constr type="lMarg" refType="primFontSz" fact="0.1"/>
-          <dgm:constr type="rMarg" refType="primFontSz" fact="0.1"/>
-          <dgm:constr type="tMarg" refType="primFontSz" fact="0.1"/>
-          <dgm:constr type="bMarg" refType="primFontSz" fact="0.1"/>
-        </dgm:constrLst>
-        <dgm:ruleLst>
-          <dgm:rule type="primFontSz" val="5" fact="NaN" max="NaN"/>
-        </dgm:ruleLst>
-      </dgm:layoutNode>
-    </dgm:forEach>
-    <dgm:forEach name="Name67" axis="ch" ptType="node" st="6" cnt="1">
-      <dgm:layoutNode name="Accent6">
-        <dgm:alg type="sp"/>
-        <dgm:shape xmlns:r="http://schemas.openxmlformats.org/officeDocument/2006/relationships" r:blip="">
-          <dgm:adjLst/>
-        </dgm:shape>
-        <dgm:presOf/>
-        <dgm:constrLst/>
-        <dgm:forEach name="Name68" ref="accentRepeat"/>
-      </dgm:layoutNode>
-      <dgm:layoutNode name="ParentBackground6">
-        <dgm:alg type="sp"/>
-        <dgm:shape xmlns:r="http://schemas.openxmlformats.org/officeDocument/2006/relationships" r:blip="">
-          <dgm:adjLst/>
-        </dgm:shape>
-        <dgm:presOf/>
-        <dgm:forEach name="Name69" ref="parentBackgroundRepeat"/>
-      </dgm:layoutNode>
-      <dgm:choose name="Name70">
-        <dgm:if name="Name71" axis="ch" ptType="node" func="cnt" op="gte" val="1">
-          <dgm:layoutNode name="Child6" styleLbl="revTx">
-            <dgm:varLst>
-              <dgm:chMax val="0"/>
-              <dgm:chPref val="0"/>
-              <dgm:bulletEnabled val="1"/>
-            </dgm:varLst>
-            <dgm:alg type="tx">
-              <dgm:param type="stBulletLvl" val="1"/>
-              <dgm:param type="parTxLTRAlign" val="l"/>
-              <dgm:param type="txAnchorVert" val="t"/>
-            </dgm:alg>
-            <dgm:shape xmlns:r="http://schemas.openxmlformats.org/officeDocument/2006/relationships" type="rect" r:blip="">
-              <dgm:adjLst/>
-            </dgm:shape>
-            <dgm:presOf axis="des" ptType="node"/>
-            <dgm:constrLst>
-              <dgm:constr type="lMarg" refType="primFontSz" fact="0.3"/>
-              <dgm:constr type="rMarg" refType="primFontSz" fact="0.3"/>
-              <dgm:constr type="tMarg" refType="primFontSz" fact="0.3"/>
-              <dgm:constr type="bMarg" refType="primFontSz" fact="0.3"/>
-            </dgm:constrLst>
-            <dgm:ruleLst>
-              <dgm:rule type="primFontSz" val="5" fact="NaN" max="NaN"/>
-            </dgm:ruleLst>
-          </dgm:layoutNode>
-        </dgm:if>
-        <dgm:else name="Name72"/>
-      </dgm:choose>
-      <dgm:layoutNode name="Parent6" styleLbl="revTx">
-        <dgm:varLst>
-          <dgm:chMax val="1"/>
-          <dgm:chPref val="1"/>
-          <dgm:bulletEnabled val="1"/>
-        </dgm:varLst>
-        <dgm:alg type="tx">
-          <dgm:param type="shpTxLTRAlignCh" val="ctr"/>
-          <dgm:param type="txAnchorVertCh" val="mid"/>
-        </dgm:alg>
-        <dgm:shape xmlns:r="http://schemas.openxmlformats.org/officeDocument/2006/relationships" type="rect" r:blip="" hideGeom="1">
-          <dgm:adjLst/>
-        </dgm:shape>
-        <dgm:presOf axis="self" ptType="node"/>
-        <dgm:constrLst>
-          <dgm:constr type="lMarg" refType="primFontSz" fact="0.1"/>
-          <dgm:constr type="rMarg" refType="primFontSz" fact="0.1"/>
-          <dgm:constr type="tMarg" refType="primFontSz" fact="0.1"/>
-          <dgm:constr type="bMarg" refType="primFontSz" fact="0.1"/>
-        </dgm:constrLst>
-        <dgm:ruleLst>
-          <dgm:rule type="primFontSz" val="5" fact="NaN" max="NaN"/>
-        </dgm:ruleLst>
-      </dgm:layoutNode>
-    </dgm:forEach>
-    <dgm:forEach name="Name73" axis="ch" ptType="node" st="5" cnt="1">
-      <dgm:layoutNode name="Accent5">
-        <dgm:alg type="sp"/>
-        <dgm:shape xmlns:r="http://schemas.openxmlformats.org/officeDocument/2006/relationships" r:blip="">
-          <dgm:adjLst/>
-        </dgm:shape>
-        <dgm:presOf/>
-        <dgm:constrLst/>
-        <dgm:forEach name="Name74" ref="accentRepeat"/>
-      </dgm:layoutNode>
-      <dgm:layoutNode name="ParentBackground5">
-        <dgm:alg type="sp"/>
-        <dgm:shape xmlns:r="http://schemas.openxmlformats.org/officeDocument/2006/relationships" r:blip="">
-          <dgm:adjLst/>
-        </dgm:shape>
-        <dgm:presOf/>
-        <dgm:forEach name="Name75" ref="parentBackgroundRepeat"/>
-      </dgm:layoutNode>
-      <dgm:choose name="Name76">
-        <dgm:if name="Name77" axis="ch" ptType="node" func="cnt" op="gte" val="1">
-          <dgm:layoutNode name="Child5" styleLbl="revTx">
-            <dgm:varLst>
-              <dgm:chMax val="0"/>
-              <dgm:chPref val="0"/>
-              <dgm:bulletEnabled val="1"/>
-            </dgm:varLst>
-            <dgm:alg type="tx">
-              <dgm:param type="stBulletLvl" val="1"/>
-              <dgm:param type="parTxLTRAlign" val="l"/>
-              <dgm:param type="txAnchorVert" val="t"/>
-            </dgm:alg>
-            <dgm:shape xmlns:r="http://schemas.openxmlformats.org/officeDocument/2006/relationships" type="rect" r:blip="">
-              <dgm:adjLst/>
-            </dgm:shape>
-            <dgm:presOf axis="des" ptType="node"/>
-            <dgm:constrLst>
-              <dgm:constr type="lMarg" refType="primFontSz" fact="0.3"/>
-              <dgm:constr type="rMarg" refType="primFontSz" fact="0.3"/>
-              <dgm:constr type="tMarg" refType="primFontSz" fact="0.3"/>
-              <dgm:constr type="bMarg" refType="primFontSz" fact="0.3"/>
-            </dgm:constrLst>
-            <dgm:ruleLst>
-              <dgm:rule type="primFontSz" val="5" fact="NaN" max="NaN"/>
-            </dgm:ruleLst>
-          </dgm:layoutNode>
-        </dgm:if>
-        <dgm:else name="Name78"/>
-      </dgm:choose>
-      <dgm:layoutNode name="Parent5" styleLbl="revTx">
-        <dgm:varLst>
-          <dgm:chMax val="1"/>
-          <dgm:chPref val="1"/>
-          <dgm:bulletEnabled val="1"/>
-        </dgm:varLst>
-        <dgm:alg type="tx">
-          <dgm:param type="shpTxLTRAlignCh" val="ctr"/>
-          <dgm:param type="txAnchorVertCh" val="mid"/>
-        </dgm:alg>
-        <dgm:shape xmlns:r="http://schemas.openxmlformats.org/officeDocument/2006/relationships" type="rect" r:blip="" hideGeom="1">
-          <dgm:adjLst/>
-        </dgm:shape>
-        <dgm:presOf axis="self" ptType="node"/>
-        <dgm:constrLst>
-          <dgm:constr type="lMarg" refType="primFontSz" fact="0.1"/>
-          <dgm:constr type="rMarg" refType="primFontSz" fact="0.1"/>
-          <dgm:constr type="tMarg" refType="primFontSz" fact="0.1"/>
-          <dgm:constr type="bMarg" refType="primFontSz" fact="0.1"/>
-        </dgm:constrLst>
-        <dgm:ruleLst>
-          <dgm:rule type="primFontSz" val="5" fact="NaN" max="NaN"/>
-        </dgm:ruleLst>
-      </dgm:layoutNode>
-    </dgm:forEach>
-    <dgm:forEach name="Name79" axis="ch" ptType="node" st="4" cnt="1">
-      <dgm:layoutNode name="Accent4">
-        <dgm:alg type="sp"/>
-        <dgm:shape xmlns:r="http://schemas.openxmlformats.org/officeDocument/2006/relationships" r:blip="">
-          <dgm:adjLst/>
-        </dgm:shape>
-        <dgm:presOf/>
-        <dgm:constrLst/>
-        <dgm:forEach name="Name80" ref="accentRepeat"/>
-      </dgm:layoutNode>
-      <dgm:layoutNode name="ParentBackground4">
-        <dgm:alg type="sp"/>
-        <dgm:shape xmlns:r="http://schemas.openxmlformats.org/officeDocument/2006/relationships" r:blip="">
-          <dgm:adjLst/>
-        </dgm:shape>
-        <dgm:presOf/>
-        <dgm:forEach name="Name81" ref="parentBackgroundRepeat"/>
-      </dgm:layoutNode>
-      <dgm:choose name="Name82">
-        <dgm:if name="Name83" axis="ch" ptType="node" func="cnt" op="gte" val="1">
-          <dgm:layoutNode name="Child4" styleLbl="revTx">
-            <dgm:varLst>
-              <dgm:chMax val="0"/>
-              <dgm:chPref val="0"/>
-              <dgm:bulletEnabled val="1"/>
-            </dgm:varLst>
-            <dgm:alg type="tx">
-              <dgm:param type="stBulletLvl" val="1"/>
-              <dgm:param type="parTxLTRAlign" val="l"/>
-              <dgm:param type="txAnchorVert" val="t"/>
-            </dgm:alg>
-            <dgm:shape xmlns:r="http://schemas.openxmlformats.org/officeDocument/2006/relationships" type="rect" r:blip="">
-              <dgm:adjLst/>
-            </dgm:shape>
-            <dgm:presOf axis="des" ptType="node"/>
-            <dgm:constrLst>
-              <dgm:constr type="lMarg" refType="primFontSz" fact="0.3"/>
-              <dgm:constr type="rMarg" refType="primFontSz" fact="0.3"/>
-              <dgm:constr type="tMarg" refType="primFontSz" fact="0.3"/>
-              <dgm:constr type="bMarg" refType="primFontSz" fact="0.3"/>
-            </dgm:constrLst>
-            <dgm:ruleLst>
-              <dgm:rule type="primFontSz" val="5" fact="NaN" max="NaN"/>
-            </dgm:ruleLst>
-          </dgm:layoutNode>
-        </dgm:if>
-        <dgm:else name="Name84"/>
-      </dgm:choose>
-      <dgm:layoutNode name="Parent4" styleLbl="revTx">
-        <dgm:varLst>
-          <dgm:chMax val="1"/>
-          <dgm:chPref val="1"/>
-          <dgm:bulletEnabled val="1"/>
-        </dgm:varLst>
-        <dgm:alg type="tx">
-          <dgm:param type="shpTxLTRAlignCh" val="ctr"/>
-          <dgm:param type="txAnchorVertCh" val="mid"/>
-        </dgm:alg>
-        <dgm:shape xmlns:r="http://schemas.openxmlformats.org/officeDocument/2006/relationships" type="rect" r:blip="" hideGeom="1">
-          <dgm:adjLst/>
-        </dgm:shape>
-        <dgm:presOf axis="self" ptType="node"/>
-        <dgm:constrLst>
-          <dgm:constr type="lMarg" refType="primFontSz" fact="0.1"/>
-          <dgm:constr type="rMarg" refType="primFontSz" fact="0.1"/>
-          <dgm:constr type="tMarg" refType="primFontSz" fact="0.1"/>
-          <dgm:constr type="bMarg" refType="primFontSz" fact="0.1"/>
-        </dgm:constrLst>
-        <dgm:ruleLst>
-          <dgm:rule type="primFontSz" val="5" fact="NaN" max="NaN"/>
-        </dgm:ruleLst>
-      </dgm:layoutNode>
-    </dgm:forEach>
-    <dgm:forEach name="Name85" axis="ch" ptType="node" st="3" cnt="1">
-      <dgm:layoutNode name="Accent3">
-        <dgm:alg type="sp"/>
-        <dgm:shape xmlns:r="http://schemas.openxmlformats.org/officeDocument/2006/relationships" r:blip="">
-          <dgm:adjLst/>
-        </dgm:shape>
-        <dgm:presOf/>
-        <dgm:constrLst/>
-        <dgm:forEach name="Name86" ref="accentRepeat"/>
-      </dgm:layoutNode>
-      <dgm:layoutNode name="ParentBackground3">
-        <dgm:alg type="sp"/>
-        <dgm:shape xmlns:r="http://schemas.openxmlformats.org/officeDocument/2006/relationships" r:blip="">
-          <dgm:adjLst/>
-        </dgm:shape>
-        <dgm:presOf/>
-        <dgm:forEach name="Name87" ref="parentBackgroundRepeat"/>
-      </dgm:layoutNode>
-      <dgm:choose name="Name88">
-        <dgm:if name="Name89" axis="ch" ptType="node" func="cnt" op="gte" val="1">
-          <dgm:layoutNode name="Child3" styleLbl="revTx">
-            <dgm:varLst>
-              <dgm:chMax val="0"/>
-              <dgm:chPref val="0"/>
-              <dgm:bulletEnabled val="1"/>
-            </dgm:varLst>
-            <dgm:alg type="tx">
-              <dgm:param type="stBulletLvl" val="1"/>
-              <dgm:param type="parTxLTRAlign" val="l"/>
-              <dgm:param type="txAnchorVert" val="t"/>
-            </dgm:alg>
-            <dgm:shape xmlns:r="http://schemas.openxmlformats.org/officeDocument/2006/relationships" type="rect" r:blip="">
-              <dgm:adjLst/>
-            </dgm:shape>
-            <dgm:presOf axis="des" ptType="node"/>
-            <dgm:constrLst>
-              <dgm:constr type="lMarg" refType="primFontSz" fact="0.3"/>
-              <dgm:constr type="rMarg" refType="primFontSz" fact="0.3"/>
-              <dgm:constr type="tMarg" refType="primFontSz" fact="0.3"/>
-              <dgm:constr type="bMarg" refType="primFontSz" fact="0.3"/>
-            </dgm:constrLst>
-            <dgm:ruleLst>
-              <dgm:rule type="primFontSz" val="5" fact="NaN" max="NaN"/>
-            </dgm:ruleLst>
-          </dgm:layoutNode>
-        </dgm:if>
-        <dgm:else name="Name90"/>
-      </dgm:choose>
-      <dgm:layoutNode name="Parent3" styleLbl="revTx">
-        <dgm:varLst>
-          <dgm:chMax val="1"/>
-          <dgm:chPref val="1"/>
-          <dgm:bulletEnabled val="1"/>
-        </dgm:varLst>
-        <dgm:alg type="tx">
-          <dgm:param type="shpTxLTRAlignCh" val="ctr"/>
-          <dgm:param type="txAnchorVertCh" val="mid"/>
-        </dgm:alg>
-        <dgm:shape xmlns:r="http://schemas.openxmlformats.org/officeDocument/2006/relationships" type="rect" r:blip="" hideGeom="1">
-          <dgm:adjLst/>
-        </dgm:shape>
-        <dgm:presOf axis="self" ptType="node"/>
-        <dgm:constrLst>
-          <dgm:constr type="lMarg" refType="primFontSz" fact="0.1"/>
-          <dgm:constr type="rMarg" refType="primFontSz" fact="0.1"/>
-          <dgm:constr type="tMarg" refType="primFontSz" fact="0.1"/>
-          <dgm:constr type="bMarg" refType="primFontSz" fact="0.1"/>
-        </dgm:constrLst>
-        <dgm:ruleLst>
-          <dgm:rule type="primFontSz" val="5" fact="NaN" max="NaN"/>
-        </dgm:ruleLst>
-      </dgm:layoutNode>
-    </dgm:forEach>
-    <dgm:forEach name="Name91" axis="ch" ptType="node" st="2" cnt="1">
-      <dgm:layoutNode name="Accent2">
-        <dgm:alg type="sp"/>
-        <dgm:shape xmlns:r="http://schemas.openxmlformats.org/officeDocument/2006/relationships" r:blip="">
-          <dgm:adjLst/>
-        </dgm:shape>
-        <dgm:presOf/>
-        <dgm:constrLst/>
-        <dgm:forEach name="Name92" ref="accentRepeat"/>
-      </dgm:layoutNode>
-      <dgm:layoutNode name="ParentBackground2" styleLbl="fgAcc1">
-        <dgm:alg type="sp"/>
-        <dgm:shape xmlns:r="http://schemas.openxmlformats.org/officeDocument/2006/relationships" r:blip="">
-          <dgm:adjLst/>
-        </dgm:shape>
-        <dgm:presOf/>
-        <dgm:forEach name="Name93" ref="parentBackgroundRepeat"/>
-      </dgm:layoutNode>
-      <dgm:choose name="Name94">
-        <dgm:if name="Name95" axis="ch" ptType="node" func="cnt" op="gte" val="1">
-          <dgm:layoutNode name="Child2" styleLbl="revTx">
-            <dgm:varLst>
-              <dgm:chMax val="0"/>
-              <dgm:chPref val="0"/>
-              <dgm:bulletEnabled val="1"/>
-            </dgm:varLst>
-            <dgm:alg type="tx">
-              <dgm:param type="stBulletLvl" val="1"/>
-              <dgm:param type="parTxLTRAlign" val="l"/>
-              <dgm:param type="txAnchorVert" val="t"/>
-            </dgm:alg>
-            <dgm:shape xmlns:r="http://schemas.openxmlformats.org/officeDocument/2006/relationships" type="rect" r:blip="">
-              <dgm:adjLst/>
-            </dgm:shape>
-            <dgm:presOf axis="des" ptType="node"/>
-            <dgm:constrLst>
-              <dgm:constr type="lMarg" refType="primFontSz" fact="0.3"/>
-              <dgm:constr type="rMarg" refType="primFontSz" fact="0.3"/>
-              <dgm:constr type="tMarg" refType="primFontSz" fact="0.3"/>
-              <dgm:constr type="bMarg" refType="primFontSz" fact="0.3"/>
-            </dgm:constrLst>
-            <dgm:ruleLst>
-              <dgm:rule type="primFontSz" val="5" fact="NaN" max="NaN"/>
-            </dgm:ruleLst>
-          </dgm:layoutNode>
-        </dgm:if>
-        <dgm:else name="Name96"/>
-      </dgm:choose>
-      <dgm:layoutNode name="Parent2" styleLbl="revTx">
-        <dgm:varLst>
-          <dgm:chMax val="1"/>
-          <dgm:chPref val="1"/>
-          <dgm:bulletEnabled val="1"/>
-        </dgm:varLst>
-        <dgm:alg type="tx">
-          <dgm:param type="shpTxLTRAlignCh" val="ctr"/>
-          <dgm:param type="txAnchorVertCh" val="mid"/>
-        </dgm:alg>
-        <dgm:shape xmlns:r="http://schemas.openxmlformats.org/officeDocument/2006/relationships" type="rect" r:blip="" hideGeom="1">
-          <dgm:adjLst/>
-        </dgm:shape>
-        <dgm:presOf axis="self" ptType="node"/>
-        <dgm:constrLst>
-          <dgm:constr type="lMarg" refType="primFontSz" fact="0.1"/>
-          <dgm:constr type="rMarg" refType="primFontSz" fact="0.1"/>
-          <dgm:constr type="tMarg" refType="primFontSz" fact="0.1"/>
-          <dgm:constr type="bMarg" refType="primFontSz" fact="0.1"/>
-        </dgm:constrLst>
-        <dgm:ruleLst>
-          <dgm:rule type="primFontSz" val="5" fact="NaN" max="NaN"/>
-        </dgm:ruleLst>
-      </dgm:layoutNode>
-    </dgm:forEach>
-    <dgm:forEach name="Name97" axis="ch" ptType="node" cnt="1">
-      <dgm:layoutNode name="Accent1">
-        <dgm:alg type="sp"/>
-        <dgm:shape xmlns:r="http://schemas.openxmlformats.org/officeDocument/2006/relationships" r:blip="">
-          <dgm:adjLst/>
-        </dgm:shape>
-        <dgm:presOf/>
-        <dgm:constrLst/>
-        <dgm:forEach name="Name98" ref="accentRepeat"/>
-      </dgm:layoutNode>
-      <dgm:layoutNode name="ParentBackground1">
-        <dgm:alg type="sp"/>
-        <dgm:shape xmlns:r="http://schemas.openxmlformats.org/officeDocument/2006/relationships" r:blip="">
-          <dgm:adjLst/>
-        </dgm:shape>
-        <dgm:presOf/>
-        <dgm:forEach name="Name99" ref="parentBackgroundRepeat"/>
-      </dgm:layoutNode>
-      <dgm:choose name="Name100">
-        <dgm:if name="Name101" axis="ch" ptType="node" func="cnt" op="gte" val="1">
-          <dgm:layoutNode name="Child1" styleLbl="revTx">
-            <dgm:varLst>
-              <dgm:chMax val="0"/>
-              <dgm:chPref val="0"/>
-              <dgm:bulletEnabled val="1"/>
-            </dgm:varLst>
-            <dgm:alg type="tx">
-              <dgm:param type="stBulletLvl" val="1"/>
-              <dgm:param type="parTxLTRAlign" val="l"/>
-              <dgm:param type="txAnchorVert" val="t"/>
-            </dgm:alg>
-            <dgm:shape xmlns:r="http://schemas.openxmlformats.org/officeDocument/2006/relationships" type="rect" r:blip="">
-              <dgm:adjLst/>
-            </dgm:shape>
-            <dgm:presOf axis="des" ptType="node"/>
-            <dgm:constrLst>
-              <dgm:constr type="lMarg" refType="primFontSz" fact="0.3"/>
-              <dgm:constr type="rMarg" refType="primFontSz" fact="0.3"/>
-              <dgm:constr type="tMarg" refType="primFontSz" fact="0.3"/>
-              <dgm:constr type="bMarg" refType="primFontSz" fact="0.3"/>
-            </dgm:constrLst>
-            <dgm:ruleLst>
-              <dgm:rule type="primFontSz" val="5" fact="NaN" max="NaN"/>
-            </dgm:ruleLst>
-          </dgm:layoutNode>
-        </dgm:if>
-        <dgm:else name="Name102"/>
-      </dgm:choose>
-      <dgm:layoutNode name="Parent1" styleLbl="revTx">
-        <dgm:varLst>
-          <dgm:chMax val="1"/>
-          <dgm:chPref val="1"/>
-          <dgm:bulletEnabled val="1"/>
-        </dgm:varLst>
-        <dgm:alg type="tx">
-          <dgm:param type="shpTxLTRAlignCh" val="ctr"/>
-          <dgm:param type="txAnchorVertCh" val="mid"/>
-        </dgm:alg>
-        <dgm:shape xmlns:r="http://schemas.openxmlformats.org/officeDocument/2006/relationships" type="rect" r:blip="" hideGeom="1">
-          <dgm:adjLst/>
-        </dgm:shape>
-        <dgm:presOf axis="self" ptType="node"/>
-        <dgm:constrLst>
-          <dgm:constr type="lMarg" refType="primFontSz" fact="0.1"/>
-          <dgm:constr type="rMarg" refType="primFontSz" fact="0.1"/>
-          <dgm:constr type="tMarg" refType="primFontSz" fact="0.1"/>
-          <dgm:constr type="bMarg" refType="primFontSz" fact="0.1"/>
-        </dgm:constrLst>
-        <dgm:ruleLst>
-          <dgm:rule type="primFontSz" val="5" fact="NaN" max="NaN"/>
-        </dgm:ruleLst>
-      </dgm:layoutNode>
-    </dgm:forEach>
-  </dgm:layoutNode>
-</dgm:layoutDef>
-</file>
-
-<file path=ppt/diagrams/layout2.xml><?xml version="1.0" encoding="utf-8"?>
 <dgm:layoutDef xmlns:dgm="http://schemas.openxmlformats.org/drawingml/2006/diagram" xmlns:a="http://schemas.openxmlformats.org/drawingml/2006/main" uniqueId="urn:microsoft.com/office/officeart/2011/layout/CircleProcess">
   <dgm:title val="Circle Process"/>
   <dgm:desc val="Use to show sequential steps in a process. Limited to eleven Level 1 shapes with an unlimited number of Level 2 shapes. Works best with small amounts of text. Unused text does not appear, but remains available if you switch layouts."/>
@@ -13184,1040 +7260,6 @@
 </dgm:styleDef>
 </file>
 
-<file path=ppt/diagrams/quickStyle2.xml><?xml version="1.0" encoding="utf-8"?>
-<dgm:styleDef xmlns:dgm="http://schemas.openxmlformats.org/drawingml/2006/diagram" xmlns:a="http://schemas.openxmlformats.org/drawingml/2006/main" uniqueId="urn:microsoft.com/office/officeart/2005/8/quickstyle/simple1">
-  <dgm:title val=""/>
-  <dgm:desc val=""/>
-  <dgm:catLst>
-    <dgm:cat type="simple" pri="10100"/>
-  </dgm:catLst>
-  <dgm:scene3d>
-    <a:camera prst="orthographicFront"/>
-    <a:lightRig rig="threePt" dir="t"/>
-  </dgm:scene3d>
-  <dgm:styleLbl name="node0">
-    <dgm:scene3d>
-      <a:camera prst="orthographicFront"/>
-      <a:lightRig rig="threePt" dir="t"/>
-    </dgm:scene3d>
-    <dgm:sp3d/>
-    <dgm:txPr/>
-    <dgm:style>
-      <a:lnRef idx="2">
-        <a:scrgbClr r="0" g="0" b="0"/>
-      </a:lnRef>
-      <a:fillRef idx="1">
-        <a:scrgbClr r="0" g="0" b="0"/>
-      </a:fillRef>
-      <a:effectRef idx="0">
-        <a:scrgbClr r="0" g="0" b="0"/>
-      </a:effectRef>
-      <a:fontRef idx="minor">
-        <a:schemeClr val="lt1"/>
-      </a:fontRef>
-    </dgm:style>
-  </dgm:styleLbl>
-  <dgm:styleLbl name="lnNode1">
-    <dgm:scene3d>
-      <a:camera prst="orthographicFront"/>
-      <a:lightRig rig="threePt" dir="t"/>
-    </dgm:scene3d>
-    <dgm:sp3d/>
-    <dgm:txPr/>
-    <dgm:style>
-      <a:lnRef idx="2">
-        <a:scrgbClr r="0" g="0" b="0"/>
-      </a:lnRef>
-      <a:fillRef idx="1">
-        <a:scrgbClr r="0" g="0" b="0"/>
-      </a:fillRef>
-      <a:effectRef idx="0">
-        <a:scrgbClr r="0" g="0" b="0"/>
-      </a:effectRef>
-      <a:fontRef idx="minor">
-        <a:schemeClr val="lt1"/>
-      </a:fontRef>
-    </dgm:style>
-  </dgm:styleLbl>
-  <dgm:styleLbl name="vennNode1">
-    <dgm:scene3d>
-      <a:camera prst="orthographicFront"/>
-      <a:lightRig rig="threePt" dir="t"/>
-    </dgm:scene3d>
-    <dgm:sp3d/>
-    <dgm:txPr/>
-    <dgm:style>
-      <a:lnRef idx="2">
-        <a:scrgbClr r="0" g="0" b="0"/>
-      </a:lnRef>
-      <a:fillRef idx="1">
-        <a:scrgbClr r="0" g="0" b="0"/>
-      </a:fillRef>
-      <a:effectRef idx="0">
-        <a:scrgbClr r="0" g="0" b="0"/>
-      </a:effectRef>
-      <a:fontRef idx="minor">
-        <a:schemeClr val="tx1"/>
-      </a:fontRef>
-    </dgm:style>
-  </dgm:styleLbl>
-  <dgm:styleLbl name="alignNode1">
-    <dgm:scene3d>
-      <a:camera prst="orthographicFront"/>
-      <a:lightRig rig="threePt" dir="t"/>
-    </dgm:scene3d>
-    <dgm:sp3d/>
-    <dgm:txPr/>
-    <dgm:style>
-      <a:lnRef idx="2">
-        <a:scrgbClr r="0" g="0" b="0"/>
-      </a:lnRef>
-      <a:fillRef idx="1">
-        <a:scrgbClr r="0" g="0" b="0"/>
-      </a:fillRef>
-      <a:effectRef idx="0">
-        <a:scrgbClr r="0" g="0" b="0"/>
-      </a:effectRef>
-      <a:fontRef idx="minor">
-        <a:schemeClr val="lt1"/>
-      </a:fontRef>
-    </dgm:style>
-  </dgm:styleLbl>
-  <dgm:styleLbl name="node1">
-    <dgm:scene3d>
-      <a:camera prst="orthographicFront"/>
-      <a:lightRig rig="threePt" dir="t"/>
-    </dgm:scene3d>
-    <dgm:sp3d/>
-    <dgm:txPr/>
-    <dgm:style>
-      <a:lnRef idx="2">
-        <a:scrgbClr r="0" g="0" b="0"/>
-      </a:lnRef>
-      <a:fillRef idx="1">
-        <a:scrgbClr r="0" g="0" b="0"/>
-      </a:fillRef>
-      <a:effectRef idx="0">
-        <a:scrgbClr r="0" g="0" b="0"/>
-      </a:effectRef>
-      <a:fontRef idx="minor">
-        <a:schemeClr val="lt1"/>
-      </a:fontRef>
-    </dgm:style>
-  </dgm:styleLbl>
-  <dgm:styleLbl name="node2">
-    <dgm:scene3d>
-      <a:camera prst="orthographicFront"/>
-      <a:lightRig rig="threePt" dir="t"/>
-    </dgm:scene3d>
-    <dgm:sp3d/>
-    <dgm:txPr/>
-    <dgm:style>
-      <a:lnRef idx="2">
-        <a:scrgbClr r="0" g="0" b="0"/>
-      </a:lnRef>
-      <a:fillRef idx="1">
-        <a:scrgbClr r="0" g="0" b="0"/>
-      </a:fillRef>
-      <a:effectRef idx="0">
-        <a:scrgbClr r="0" g="0" b="0"/>
-      </a:effectRef>
-      <a:fontRef idx="minor">
-        <a:schemeClr val="lt1"/>
-      </a:fontRef>
-    </dgm:style>
-  </dgm:styleLbl>
-  <dgm:styleLbl name="node3">
-    <dgm:scene3d>
-      <a:camera prst="orthographicFront"/>
-      <a:lightRig rig="threePt" dir="t"/>
-    </dgm:scene3d>
-    <dgm:sp3d/>
-    <dgm:txPr/>
-    <dgm:style>
-      <a:lnRef idx="2">
-        <a:scrgbClr r="0" g="0" b="0"/>
-      </a:lnRef>
-      <a:fillRef idx="1">
-        <a:scrgbClr r="0" g="0" b="0"/>
-      </a:fillRef>
-      <a:effectRef idx="0">
-        <a:scrgbClr r="0" g="0" b="0"/>
-      </a:effectRef>
-      <a:fontRef idx="minor">
-        <a:schemeClr val="lt1"/>
-      </a:fontRef>
-    </dgm:style>
-  </dgm:styleLbl>
-  <dgm:styleLbl name="node4">
-    <dgm:scene3d>
-      <a:camera prst="orthographicFront"/>
-      <a:lightRig rig="threePt" dir="t"/>
-    </dgm:scene3d>
-    <dgm:sp3d/>
-    <dgm:txPr/>
-    <dgm:style>
-      <a:lnRef idx="2">
-        <a:scrgbClr r="0" g="0" b="0"/>
-      </a:lnRef>
-      <a:fillRef idx="1">
-        <a:scrgbClr r="0" g="0" b="0"/>
-      </a:fillRef>
-      <a:effectRef idx="0">
-        <a:scrgbClr r="0" g="0" b="0"/>
-      </a:effectRef>
-      <a:fontRef idx="minor">
-        <a:schemeClr val="lt1"/>
-      </a:fontRef>
-    </dgm:style>
-  </dgm:styleLbl>
-  <dgm:styleLbl name="fgImgPlace1">
-    <dgm:scene3d>
-      <a:camera prst="orthographicFront"/>
-      <a:lightRig rig="threePt" dir="t"/>
-    </dgm:scene3d>
-    <dgm:sp3d/>
-    <dgm:txPr/>
-    <dgm:style>
-      <a:lnRef idx="2">
-        <a:scrgbClr r="0" g="0" b="0"/>
-      </a:lnRef>
-      <a:fillRef idx="1">
-        <a:scrgbClr r="0" g="0" b="0"/>
-      </a:fillRef>
-      <a:effectRef idx="0">
-        <a:scrgbClr r="0" g="0" b="0"/>
-      </a:effectRef>
-      <a:fontRef idx="minor"/>
-    </dgm:style>
-  </dgm:styleLbl>
-  <dgm:styleLbl name="alignImgPlace1">
-    <dgm:scene3d>
-      <a:camera prst="orthographicFront"/>
-      <a:lightRig rig="threePt" dir="t"/>
-    </dgm:scene3d>
-    <dgm:sp3d/>
-    <dgm:txPr/>
-    <dgm:style>
-      <a:lnRef idx="2">
-        <a:scrgbClr r="0" g="0" b="0"/>
-      </a:lnRef>
-      <a:fillRef idx="1">
-        <a:scrgbClr r="0" g="0" b="0"/>
-      </a:fillRef>
-      <a:effectRef idx="0">
-        <a:scrgbClr r="0" g="0" b="0"/>
-      </a:effectRef>
-      <a:fontRef idx="minor"/>
-    </dgm:style>
-  </dgm:styleLbl>
-  <dgm:styleLbl name="bgImgPlace1">
-    <dgm:scene3d>
-      <a:camera prst="orthographicFront"/>
-      <a:lightRig rig="threePt" dir="t"/>
-    </dgm:scene3d>
-    <dgm:sp3d/>
-    <dgm:txPr/>
-    <dgm:style>
-      <a:lnRef idx="2">
-        <a:scrgbClr r="0" g="0" b="0"/>
-      </a:lnRef>
-      <a:fillRef idx="1">
-        <a:scrgbClr r="0" g="0" b="0"/>
-      </a:fillRef>
-      <a:effectRef idx="0">
-        <a:scrgbClr r="0" g="0" b="0"/>
-      </a:effectRef>
-      <a:fontRef idx="minor"/>
-    </dgm:style>
-  </dgm:styleLbl>
-  <dgm:styleLbl name="sibTrans2D1">
-    <dgm:scene3d>
-      <a:camera prst="orthographicFront"/>
-      <a:lightRig rig="threePt" dir="t"/>
-    </dgm:scene3d>
-    <dgm:sp3d/>
-    <dgm:txPr/>
-    <dgm:style>
-      <a:lnRef idx="0">
-        <a:scrgbClr r="0" g="0" b="0"/>
-      </a:lnRef>
-      <a:fillRef idx="1">
-        <a:scrgbClr r="0" g="0" b="0"/>
-      </a:fillRef>
-      <a:effectRef idx="0">
-        <a:scrgbClr r="0" g="0" b="0"/>
-      </a:effectRef>
-      <a:fontRef idx="minor">
-        <a:schemeClr val="lt1"/>
-      </a:fontRef>
-    </dgm:style>
-  </dgm:styleLbl>
-  <dgm:styleLbl name="fgSibTrans2D1">
-    <dgm:scene3d>
-      <a:camera prst="orthographicFront"/>
-      <a:lightRig rig="threePt" dir="t"/>
-    </dgm:scene3d>
-    <dgm:sp3d/>
-    <dgm:txPr/>
-    <dgm:style>
-      <a:lnRef idx="0">
-        <a:scrgbClr r="0" g="0" b="0"/>
-      </a:lnRef>
-      <a:fillRef idx="1">
-        <a:scrgbClr r="0" g="0" b="0"/>
-      </a:fillRef>
-      <a:effectRef idx="0">
-        <a:scrgbClr r="0" g="0" b="0"/>
-      </a:effectRef>
-      <a:fontRef idx="minor">
-        <a:schemeClr val="lt1"/>
-      </a:fontRef>
-    </dgm:style>
-  </dgm:styleLbl>
-  <dgm:styleLbl name="bgSibTrans2D1">
-    <dgm:scene3d>
-      <a:camera prst="orthographicFront"/>
-      <a:lightRig rig="threePt" dir="t"/>
-    </dgm:scene3d>
-    <dgm:sp3d/>
-    <dgm:txPr/>
-    <dgm:style>
-      <a:lnRef idx="0">
-        <a:scrgbClr r="0" g="0" b="0"/>
-      </a:lnRef>
-      <a:fillRef idx="1">
-        <a:scrgbClr r="0" g="0" b="0"/>
-      </a:fillRef>
-      <a:effectRef idx="0">
-        <a:scrgbClr r="0" g="0" b="0"/>
-      </a:effectRef>
-      <a:fontRef idx="minor">
-        <a:schemeClr val="lt1"/>
-      </a:fontRef>
-    </dgm:style>
-  </dgm:styleLbl>
-  <dgm:styleLbl name="sibTrans1D1">
-    <dgm:scene3d>
-      <a:camera prst="orthographicFront"/>
-      <a:lightRig rig="threePt" dir="t"/>
-    </dgm:scene3d>
-    <dgm:sp3d/>
-    <dgm:txPr/>
-    <dgm:style>
-      <a:lnRef idx="1">
-        <a:scrgbClr r="0" g="0" b="0"/>
-      </a:lnRef>
-      <a:fillRef idx="0">
-        <a:scrgbClr r="0" g="0" b="0"/>
-      </a:fillRef>
-      <a:effectRef idx="0">
-        <a:scrgbClr r="0" g="0" b="0"/>
-      </a:effectRef>
-      <a:fontRef idx="minor"/>
-    </dgm:style>
-  </dgm:styleLbl>
-  <dgm:styleLbl name="callout">
-    <dgm:scene3d>
-      <a:camera prst="orthographicFront"/>
-      <a:lightRig rig="threePt" dir="t"/>
-    </dgm:scene3d>
-    <dgm:sp3d/>
-    <dgm:txPr/>
-    <dgm:style>
-      <a:lnRef idx="2">
-        <a:scrgbClr r="0" g="0" b="0"/>
-      </a:lnRef>
-      <a:fillRef idx="1">
-        <a:scrgbClr r="0" g="0" b="0"/>
-      </a:fillRef>
-      <a:effectRef idx="0">
-        <a:scrgbClr r="0" g="0" b="0"/>
-      </a:effectRef>
-      <a:fontRef idx="minor"/>
-    </dgm:style>
-  </dgm:styleLbl>
-  <dgm:styleLbl name="asst0">
-    <dgm:scene3d>
-      <a:camera prst="orthographicFront"/>
-      <a:lightRig rig="threePt" dir="t"/>
-    </dgm:scene3d>
-    <dgm:sp3d/>
-    <dgm:txPr/>
-    <dgm:style>
-      <a:lnRef idx="2">
-        <a:scrgbClr r="0" g="0" b="0"/>
-      </a:lnRef>
-      <a:fillRef idx="1">
-        <a:scrgbClr r="0" g="0" b="0"/>
-      </a:fillRef>
-      <a:effectRef idx="0">
-        <a:scrgbClr r="0" g="0" b="0"/>
-      </a:effectRef>
-      <a:fontRef idx="minor">
-        <a:schemeClr val="lt1"/>
-      </a:fontRef>
-    </dgm:style>
-  </dgm:styleLbl>
-  <dgm:styleLbl name="asst1">
-    <dgm:scene3d>
-      <a:camera prst="orthographicFront"/>
-      <a:lightRig rig="threePt" dir="t"/>
-    </dgm:scene3d>
-    <dgm:sp3d/>
-    <dgm:txPr/>
-    <dgm:style>
-      <a:lnRef idx="2">
-        <a:scrgbClr r="0" g="0" b="0"/>
-      </a:lnRef>
-      <a:fillRef idx="1">
-        <a:scrgbClr r="0" g="0" b="0"/>
-      </a:fillRef>
-      <a:effectRef idx="0">
-        <a:scrgbClr r="0" g="0" b="0"/>
-      </a:effectRef>
-      <a:fontRef idx="minor">
-        <a:schemeClr val="lt1"/>
-      </a:fontRef>
-    </dgm:style>
-  </dgm:styleLbl>
-  <dgm:styleLbl name="asst2">
-    <dgm:scene3d>
-      <a:camera prst="orthographicFront"/>
-      <a:lightRig rig="threePt" dir="t"/>
-    </dgm:scene3d>
-    <dgm:sp3d/>
-    <dgm:txPr/>
-    <dgm:style>
-      <a:lnRef idx="2">
-        <a:scrgbClr r="0" g="0" b="0"/>
-      </a:lnRef>
-      <a:fillRef idx="1">
-        <a:scrgbClr r="0" g="0" b="0"/>
-      </a:fillRef>
-      <a:effectRef idx="0">
-        <a:scrgbClr r="0" g="0" b="0"/>
-      </a:effectRef>
-      <a:fontRef idx="minor">
-        <a:schemeClr val="lt1"/>
-      </a:fontRef>
-    </dgm:style>
-  </dgm:styleLbl>
-  <dgm:styleLbl name="asst3">
-    <dgm:scene3d>
-      <a:camera prst="orthographicFront"/>
-      <a:lightRig rig="threePt" dir="t"/>
-    </dgm:scene3d>
-    <dgm:sp3d/>
-    <dgm:txPr/>
-    <dgm:style>
-      <a:lnRef idx="2">
-        <a:scrgbClr r="0" g="0" b="0"/>
-      </a:lnRef>
-      <a:fillRef idx="1">
-        <a:scrgbClr r="0" g="0" b="0"/>
-      </a:fillRef>
-      <a:effectRef idx="0">
-        <a:scrgbClr r="0" g="0" b="0"/>
-      </a:effectRef>
-      <a:fontRef idx="minor">
-        <a:schemeClr val="lt1"/>
-      </a:fontRef>
-    </dgm:style>
-  </dgm:styleLbl>
-  <dgm:styleLbl name="asst4">
-    <dgm:scene3d>
-      <a:camera prst="orthographicFront"/>
-      <a:lightRig rig="threePt" dir="t"/>
-    </dgm:scene3d>
-    <dgm:sp3d/>
-    <dgm:txPr/>
-    <dgm:style>
-      <a:lnRef idx="2">
-        <a:scrgbClr r="0" g="0" b="0"/>
-      </a:lnRef>
-      <a:fillRef idx="1">
-        <a:scrgbClr r="0" g="0" b="0"/>
-      </a:fillRef>
-      <a:effectRef idx="0">
-        <a:scrgbClr r="0" g="0" b="0"/>
-      </a:effectRef>
-      <a:fontRef idx="minor">
-        <a:schemeClr val="lt1"/>
-      </a:fontRef>
-    </dgm:style>
-  </dgm:styleLbl>
-  <dgm:styleLbl name="parChTrans2D1">
-    <dgm:scene3d>
-      <a:camera prst="orthographicFront"/>
-      <a:lightRig rig="threePt" dir="t"/>
-    </dgm:scene3d>
-    <dgm:sp3d/>
-    <dgm:txPr/>
-    <dgm:style>
-      <a:lnRef idx="2">
-        <a:scrgbClr r="0" g="0" b="0"/>
-      </a:lnRef>
-      <a:fillRef idx="1">
-        <a:scrgbClr r="0" g="0" b="0"/>
-      </a:fillRef>
-      <a:effectRef idx="0">
-        <a:scrgbClr r="0" g="0" b="0"/>
-      </a:effectRef>
-      <a:fontRef idx="minor">
-        <a:schemeClr val="lt1"/>
-      </a:fontRef>
-    </dgm:style>
-  </dgm:styleLbl>
-  <dgm:styleLbl name="parChTrans2D2">
-    <dgm:scene3d>
-      <a:camera prst="orthographicFront"/>
-      <a:lightRig rig="threePt" dir="t"/>
-    </dgm:scene3d>
-    <dgm:sp3d/>
-    <dgm:txPr/>
-    <dgm:style>
-      <a:lnRef idx="2">
-        <a:scrgbClr r="0" g="0" b="0"/>
-      </a:lnRef>
-      <a:fillRef idx="1">
-        <a:scrgbClr r="0" g="0" b="0"/>
-      </a:fillRef>
-      <a:effectRef idx="0">
-        <a:scrgbClr r="0" g="0" b="0"/>
-      </a:effectRef>
-      <a:fontRef idx="minor">
-        <a:schemeClr val="lt1"/>
-      </a:fontRef>
-    </dgm:style>
-  </dgm:styleLbl>
-  <dgm:styleLbl name="parChTrans2D3">
-    <dgm:scene3d>
-      <a:camera prst="orthographicFront"/>
-      <a:lightRig rig="threePt" dir="t"/>
-    </dgm:scene3d>
-    <dgm:sp3d/>
-    <dgm:txPr/>
-    <dgm:style>
-      <a:lnRef idx="2">
-        <a:scrgbClr r="0" g="0" b="0"/>
-      </a:lnRef>
-      <a:fillRef idx="1">
-        <a:scrgbClr r="0" g="0" b="0"/>
-      </a:fillRef>
-      <a:effectRef idx="0">
-        <a:scrgbClr r="0" g="0" b="0"/>
-      </a:effectRef>
-      <a:fontRef idx="minor">
-        <a:schemeClr val="lt1"/>
-      </a:fontRef>
-    </dgm:style>
-  </dgm:styleLbl>
-  <dgm:styleLbl name="parChTrans2D4">
-    <dgm:scene3d>
-      <a:camera prst="orthographicFront"/>
-      <a:lightRig rig="threePt" dir="t"/>
-    </dgm:scene3d>
-    <dgm:sp3d/>
-    <dgm:txPr/>
-    <dgm:style>
-      <a:lnRef idx="2">
-        <a:scrgbClr r="0" g="0" b="0"/>
-      </a:lnRef>
-      <a:fillRef idx="1">
-        <a:scrgbClr r="0" g="0" b="0"/>
-      </a:fillRef>
-      <a:effectRef idx="0">
-        <a:scrgbClr r="0" g="0" b="0"/>
-      </a:effectRef>
-      <a:fontRef idx="minor">
-        <a:schemeClr val="lt1"/>
-      </a:fontRef>
-    </dgm:style>
-  </dgm:styleLbl>
-  <dgm:styleLbl name="parChTrans1D1">
-    <dgm:scene3d>
-      <a:camera prst="orthographicFront"/>
-      <a:lightRig rig="threePt" dir="t"/>
-    </dgm:scene3d>
-    <dgm:sp3d/>
-    <dgm:txPr/>
-    <dgm:style>
-      <a:lnRef idx="2">
-        <a:scrgbClr r="0" g="0" b="0"/>
-      </a:lnRef>
-      <a:fillRef idx="0">
-        <a:scrgbClr r="0" g="0" b="0"/>
-      </a:fillRef>
-      <a:effectRef idx="0">
-        <a:scrgbClr r="0" g="0" b="0"/>
-      </a:effectRef>
-      <a:fontRef idx="minor"/>
-    </dgm:style>
-  </dgm:styleLbl>
-  <dgm:styleLbl name="parChTrans1D2">
-    <dgm:scene3d>
-      <a:camera prst="orthographicFront"/>
-      <a:lightRig rig="threePt" dir="t"/>
-    </dgm:scene3d>
-    <dgm:sp3d/>
-    <dgm:txPr/>
-    <dgm:style>
-      <a:lnRef idx="2">
-        <a:scrgbClr r="0" g="0" b="0"/>
-      </a:lnRef>
-      <a:fillRef idx="0">
-        <a:scrgbClr r="0" g="0" b="0"/>
-      </a:fillRef>
-      <a:effectRef idx="0">
-        <a:scrgbClr r="0" g="0" b="0"/>
-      </a:effectRef>
-      <a:fontRef idx="minor"/>
-    </dgm:style>
-  </dgm:styleLbl>
-  <dgm:styleLbl name="parChTrans1D3">
-    <dgm:scene3d>
-      <a:camera prst="orthographicFront"/>
-      <a:lightRig rig="threePt" dir="t"/>
-    </dgm:scene3d>
-    <dgm:sp3d/>
-    <dgm:txPr/>
-    <dgm:style>
-      <a:lnRef idx="2">
-        <a:scrgbClr r="0" g="0" b="0"/>
-      </a:lnRef>
-      <a:fillRef idx="0">
-        <a:scrgbClr r="0" g="0" b="0"/>
-      </a:fillRef>
-      <a:effectRef idx="0">
-        <a:scrgbClr r="0" g="0" b="0"/>
-      </a:effectRef>
-      <a:fontRef idx="minor"/>
-    </dgm:style>
-  </dgm:styleLbl>
-  <dgm:styleLbl name="parChTrans1D4">
-    <dgm:scene3d>
-      <a:camera prst="orthographicFront"/>
-      <a:lightRig rig="threePt" dir="t"/>
-    </dgm:scene3d>
-    <dgm:sp3d/>
-    <dgm:txPr/>
-    <dgm:style>
-      <a:lnRef idx="2">
-        <a:scrgbClr r="0" g="0" b="0"/>
-      </a:lnRef>
-      <a:fillRef idx="0">
-        <a:scrgbClr r="0" g="0" b="0"/>
-      </a:fillRef>
-      <a:effectRef idx="0">
-        <a:scrgbClr r="0" g="0" b="0"/>
-      </a:effectRef>
-      <a:fontRef idx="minor"/>
-    </dgm:style>
-  </dgm:styleLbl>
-  <dgm:styleLbl name="fgAcc1">
-    <dgm:scene3d>
-      <a:camera prst="orthographicFront"/>
-      <a:lightRig rig="threePt" dir="t"/>
-    </dgm:scene3d>
-    <dgm:sp3d/>
-    <dgm:txPr/>
-    <dgm:style>
-      <a:lnRef idx="2">
-        <a:scrgbClr r="0" g="0" b="0"/>
-      </a:lnRef>
-      <a:fillRef idx="1">
-        <a:scrgbClr r="0" g="0" b="0"/>
-      </a:fillRef>
-      <a:effectRef idx="0">
-        <a:scrgbClr r="0" g="0" b="0"/>
-      </a:effectRef>
-      <a:fontRef idx="minor"/>
-    </dgm:style>
-  </dgm:styleLbl>
-  <dgm:styleLbl name="conFgAcc1">
-    <dgm:scene3d>
-      <a:camera prst="orthographicFront"/>
-      <a:lightRig rig="threePt" dir="t"/>
-    </dgm:scene3d>
-    <dgm:sp3d/>
-    <dgm:txPr/>
-    <dgm:style>
-      <a:lnRef idx="2">
-        <a:scrgbClr r="0" g="0" b="0"/>
-      </a:lnRef>
-      <a:fillRef idx="1">
-        <a:scrgbClr r="0" g="0" b="0"/>
-      </a:fillRef>
-      <a:effectRef idx="0">
-        <a:scrgbClr r="0" g="0" b="0"/>
-      </a:effectRef>
-      <a:fontRef idx="minor"/>
-    </dgm:style>
-  </dgm:styleLbl>
-  <dgm:styleLbl name="alignAcc1">
-    <dgm:scene3d>
-      <a:camera prst="orthographicFront"/>
-      <a:lightRig rig="threePt" dir="t"/>
-    </dgm:scene3d>
-    <dgm:sp3d/>
-    <dgm:txPr/>
-    <dgm:style>
-      <a:lnRef idx="2">
-        <a:scrgbClr r="0" g="0" b="0"/>
-      </a:lnRef>
-      <a:fillRef idx="1">
-        <a:scrgbClr r="0" g="0" b="0"/>
-      </a:fillRef>
-      <a:effectRef idx="0">
-        <a:scrgbClr r="0" g="0" b="0"/>
-      </a:effectRef>
-      <a:fontRef idx="minor"/>
-    </dgm:style>
-  </dgm:styleLbl>
-  <dgm:styleLbl name="trAlignAcc1">
-    <dgm:scene3d>
-      <a:camera prst="orthographicFront"/>
-      <a:lightRig rig="threePt" dir="t"/>
-    </dgm:scene3d>
-    <dgm:sp3d/>
-    <dgm:txPr/>
-    <dgm:style>
-      <a:lnRef idx="1">
-        <a:scrgbClr r="0" g="0" b="0"/>
-      </a:lnRef>
-      <a:fillRef idx="1">
-        <a:scrgbClr r="0" g="0" b="0"/>
-      </a:fillRef>
-      <a:effectRef idx="0">
-        <a:scrgbClr r="0" g="0" b="0"/>
-      </a:effectRef>
-      <a:fontRef idx="minor"/>
-    </dgm:style>
-  </dgm:styleLbl>
-  <dgm:styleLbl name="bgAcc1">
-    <dgm:scene3d>
-      <a:camera prst="orthographicFront"/>
-      <a:lightRig rig="threePt" dir="t"/>
-    </dgm:scene3d>
-    <dgm:sp3d/>
-    <dgm:txPr/>
-    <dgm:style>
-      <a:lnRef idx="2">
-        <a:scrgbClr r="0" g="0" b="0"/>
-      </a:lnRef>
-      <a:fillRef idx="1">
-        <a:scrgbClr r="0" g="0" b="0"/>
-      </a:fillRef>
-      <a:effectRef idx="0">
-        <a:scrgbClr r="0" g="0" b="0"/>
-      </a:effectRef>
-      <a:fontRef idx="minor"/>
-    </dgm:style>
-  </dgm:styleLbl>
-  <dgm:styleLbl name="solidFgAcc1">
-    <dgm:scene3d>
-      <a:camera prst="orthographicFront"/>
-      <a:lightRig rig="threePt" dir="t"/>
-    </dgm:scene3d>
-    <dgm:sp3d/>
-    <dgm:txPr/>
-    <dgm:style>
-      <a:lnRef idx="2">
-        <a:scrgbClr r="0" g="0" b="0"/>
-      </a:lnRef>
-      <a:fillRef idx="1">
-        <a:scrgbClr r="0" g="0" b="0"/>
-      </a:fillRef>
-      <a:effectRef idx="0">
-        <a:scrgbClr r="0" g="0" b="0"/>
-      </a:effectRef>
-      <a:fontRef idx="minor"/>
-    </dgm:style>
-  </dgm:styleLbl>
-  <dgm:styleLbl name="solidAlignAcc1">
-    <dgm:scene3d>
-      <a:camera prst="orthographicFront"/>
-      <a:lightRig rig="threePt" dir="t"/>
-    </dgm:scene3d>
-    <dgm:sp3d/>
-    <dgm:txPr/>
-    <dgm:style>
-      <a:lnRef idx="2">
-        <a:scrgbClr r="0" g="0" b="0"/>
-      </a:lnRef>
-      <a:fillRef idx="1">
-        <a:scrgbClr r="0" g="0" b="0"/>
-      </a:fillRef>
-      <a:effectRef idx="0">
-        <a:scrgbClr r="0" g="0" b="0"/>
-      </a:effectRef>
-      <a:fontRef idx="minor"/>
-    </dgm:style>
-  </dgm:styleLbl>
-  <dgm:styleLbl name="solidBgAcc1">
-    <dgm:scene3d>
-      <a:camera prst="orthographicFront"/>
-      <a:lightRig rig="threePt" dir="t"/>
-    </dgm:scene3d>
-    <dgm:sp3d/>
-    <dgm:txPr/>
-    <dgm:style>
-      <a:lnRef idx="2">
-        <a:scrgbClr r="0" g="0" b="0"/>
-      </a:lnRef>
-      <a:fillRef idx="1">
-        <a:scrgbClr r="0" g="0" b="0"/>
-      </a:fillRef>
-      <a:effectRef idx="0">
-        <a:scrgbClr r="0" g="0" b="0"/>
-      </a:effectRef>
-      <a:fontRef idx="minor"/>
-    </dgm:style>
-  </dgm:styleLbl>
-  <dgm:styleLbl name="fgAccFollowNode1">
-    <dgm:scene3d>
-      <a:camera prst="orthographicFront"/>
-      <a:lightRig rig="threePt" dir="t"/>
-    </dgm:scene3d>
-    <dgm:sp3d/>
-    <dgm:txPr/>
-    <dgm:style>
-      <a:lnRef idx="2">
-        <a:scrgbClr r="0" g="0" b="0"/>
-      </a:lnRef>
-      <a:fillRef idx="1">
-        <a:scrgbClr r="0" g="0" b="0"/>
-      </a:fillRef>
-      <a:effectRef idx="0">
-        <a:scrgbClr r="0" g="0" b="0"/>
-      </a:effectRef>
-      <a:fontRef idx="minor"/>
-    </dgm:style>
-  </dgm:styleLbl>
-  <dgm:styleLbl name="alignAccFollowNode1">
-    <dgm:scene3d>
-      <a:camera prst="orthographicFront"/>
-      <a:lightRig rig="threePt" dir="t"/>
-    </dgm:scene3d>
-    <dgm:sp3d/>
-    <dgm:txPr/>
-    <dgm:style>
-      <a:lnRef idx="2">
-        <a:scrgbClr r="0" g="0" b="0"/>
-      </a:lnRef>
-      <a:fillRef idx="1">
-        <a:scrgbClr r="0" g="0" b="0"/>
-      </a:fillRef>
-      <a:effectRef idx="0">
-        <a:scrgbClr r="0" g="0" b="0"/>
-      </a:effectRef>
-      <a:fontRef idx="minor"/>
-    </dgm:style>
-  </dgm:styleLbl>
-  <dgm:styleLbl name="bgAccFollowNode1">
-    <dgm:scene3d>
-      <a:camera prst="orthographicFront"/>
-      <a:lightRig rig="threePt" dir="t"/>
-    </dgm:scene3d>
-    <dgm:sp3d/>
-    <dgm:txPr/>
-    <dgm:style>
-      <a:lnRef idx="2">
-        <a:scrgbClr r="0" g="0" b="0"/>
-      </a:lnRef>
-      <a:fillRef idx="1">
-        <a:scrgbClr r="0" g="0" b="0"/>
-      </a:fillRef>
-      <a:effectRef idx="0">
-        <a:scrgbClr r="0" g="0" b="0"/>
-      </a:effectRef>
-      <a:fontRef idx="minor"/>
-    </dgm:style>
-  </dgm:styleLbl>
-  <dgm:styleLbl name="fgAcc0">
-    <dgm:scene3d>
-      <a:camera prst="orthographicFront"/>
-      <a:lightRig rig="threePt" dir="t"/>
-    </dgm:scene3d>
-    <dgm:sp3d/>
-    <dgm:txPr/>
-    <dgm:style>
-      <a:lnRef idx="2">
-        <a:scrgbClr r="0" g="0" b="0"/>
-      </a:lnRef>
-      <a:fillRef idx="1">
-        <a:scrgbClr r="0" g="0" b="0"/>
-      </a:fillRef>
-      <a:effectRef idx="0">
-        <a:scrgbClr r="0" g="0" b="0"/>
-      </a:effectRef>
-      <a:fontRef idx="minor"/>
-    </dgm:style>
-  </dgm:styleLbl>
-  <dgm:styleLbl name="fgAcc2">
-    <dgm:scene3d>
-      <a:camera prst="orthographicFront"/>
-      <a:lightRig rig="threePt" dir="t"/>
-    </dgm:scene3d>
-    <dgm:sp3d/>
-    <dgm:txPr/>
-    <dgm:style>
-      <a:lnRef idx="2">
-        <a:scrgbClr r="0" g="0" b="0"/>
-      </a:lnRef>
-      <a:fillRef idx="1">
-        <a:scrgbClr r="0" g="0" b="0"/>
-      </a:fillRef>
-      <a:effectRef idx="0">
-        <a:scrgbClr r="0" g="0" b="0"/>
-      </a:effectRef>
-      <a:fontRef idx="minor"/>
-    </dgm:style>
-  </dgm:styleLbl>
-  <dgm:styleLbl name="fgAcc3">
-    <dgm:scene3d>
-      <a:camera prst="orthographicFront"/>
-      <a:lightRig rig="threePt" dir="t"/>
-    </dgm:scene3d>
-    <dgm:sp3d/>
-    <dgm:txPr/>
-    <dgm:style>
-      <a:lnRef idx="2">
-        <a:scrgbClr r="0" g="0" b="0"/>
-      </a:lnRef>
-      <a:fillRef idx="1">
-        <a:scrgbClr r="0" g="0" b="0"/>
-      </a:fillRef>
-      <a:effectRef idx="0">
-        <a:scrgbClr r="0" g="0" b="0"/>
-      </a:effectRef>
-      <a:fontRef idx="minor"/>
-    </dgm:style>
-  </dgm:styleLbl>
-  <dgm:styleLbl name="fgAcc4">
-    <dgm:scene3d>
-      <a:camera prst="orthographicFront"/>
-      <a:lightRig rig="threePt" dir="t"/>
-    </dgm:scene3d>
-    <dgm:sp3d/>
-    <dgm:txPr/>
-    <dgm:style>
-      <a:lnRef idx="2">
-        <a:scrgbClr r="0" g="0" b="0"/>
-      </a:lnRef>
-      <a:fillRef idx="1">
-        <a:scrgbClr r="0" g="0" b="0"/>
-      </a:fillRef>
-      <a:effectRef idx="0">
-        <a:scrgbClr r="0" g="0" b="0"/>
-      </a:effectRef>
-      <a:fontRef idx="minor"/>
-    </dgm:style>
-  </dgm:styleLbl>
-  <dgm:styleLbl name="bgShp">
-    <dgm:scene3d>
-      <a:camera prst="orthographicFront"/>
-      <a:lightRig rig="threePt" dir="t"/>
-    </dgm:scene3d>
-    <dgm:sp3d/>
-    <dgm:txPr/>
-    <dgm:style>
-      <a:lnRef idx="0">
-        <a:scrgbClr r="0" g="0" b="0"/>
-      </a:lnRef>
-      <a:fillRef idx="1">
-        <a:scrgbClr r="0" g="0" b="0"/>
-      </a:fillRef>
-      <a:effectRef idx="0">
-        <a:scrgbClr r="0" g="0" b="0"/>
-      </a:effectRef>
-      <a:fontRef idx="minor"/>
-    </dgm:style>
-  </dgm:styleLbl>
-  <dgm:styleLbl name="dkBgShp">
-    <dgm:scene3d>
-      <a:camera prst="orthographicFront"/>
-      <a:lightRig rig="threePt" dir="t"/>
-    </dgm:scene3d>
-    <dgm:sp3d/>
-    <dgm:txPr/>
-    <dgm:style>
-      <a:lnRef idx="0">
-        <a:scrgbClr r="0" g="0" b="0"/>
-      </a:lnRef>
-      <a:fillRef idx="1">
-        <a:scrgbClr r="0" g="0" b="0"/>
-      </a:fillRef>
-      <a:effectRef idx="0">
-        <a:scrgbClr r="0" g="0" b="0"/>
-      </a:effectRef>
-      <a:fontRef idx="minor"/>
-    </dgm:style>
-  </dgm:styleLbl>
-  <dgm:styleLbl name="trBgShp">
-    <dgm:scene3d>
-      <a:camera prst="orthographicFront"/>
-      <a:lightRig rig="threePt" dir="t"/>
-    </dgm:scene3d>
-    <dgm:sp3d/>
-    <dgm:txPr/>
-    <dgm:style>
-      <a:lnRef idx="0">
-        <a:scrgbClr r="0" g="0" b="0"/>
-      </a:lnRef>
-      <a:fillRef idx="1">
-        <a:scrgbClr r="0" g="0" b="0"/>
-      </a:fillRef>
-      <a:effectRef idx="0">
-        <a:scrgbClr r="0" g="0" b="0"/>
-      </a:effectRef>
-      <a:fontRef idx="minor"/>
-    </dgm:style>
-  </dgm:styleLbl>
-  <dgm:styleLbl name="fgShp">
-    <dgm:scene3d>
-      <a:camera prst="orthographicFront"/>
-      <a:lightRig rig="threePt" dir="t"/>
-    </dgm:scene3d>
-    <dgm:sp3d/>
-    <dgm:txPr/>
-    <dgm:style>
-      <a:lnRef idx="2">
-        <a:scrgbClr r="0" g="0" b="0"/>
-      </a:lnRef>
-      <a:fillRef idx="1">
-        <a:scrgbClr r="0" g="0" b="0"/>
-      </a:fillRef>
-      <a:effectRef idx="0">
-        <a:scrgbClr r="0" g="0" b="0"/>
-      </a:effectRef>
-      <a:fontRef idx="minor"/>
-    </dgm:style>
-  </dgm:styleLbl>
-  <dgm:styleLbl name="revTx">
-    <dgm:scene3d>
-      <a:camera prst="orthographicFront"/>
-      <a:lightRig rig="threePt" dir="t"/>
-    </dgm:scene3d>
-    <dgm:sp3d/>
-    <dgm:txPr/>
-    <dgm:style>
-      <a:lnRef idx="0">
-        <a:scrgbClr r="0" g="0" b="0"/>
-      </a:lnRef>
-      <a:fillRef idx="0">
-        <a:scrgbClr r="0" g="0" b="0"/>
-      </a:fillRef>
-      <a:effectRef idx="0">
-        <a:scrgbClr r="0" g="0" b="0"/>
-      </a:effectRef>
-      <a:fontRef idx="minor"/>
-    </dgm:style>
-  </dgm:styleLbl>
-</dgm:styleDef>
-</file>
-
 <file path=ppt/notesMasters/notesMaster1.xml><?xml version="1.0" encoding="utf-8"?>
 <p:notesMaster xmlns:a="http://schemas.openxmlformats.org/drawingml/2006/main" xmlns:r="http://schemas.openxmlformats.org/officeDocument/2006/relationships" xmlns:p="http://schemas.openxmlformats.org/presentationml/2006/main">
   <p:cSld>
@@ -14647,7 +7689,7 @@
           <a:p>
             <a:fld id="{D3D81EF4-3756-4F33-813F-6BA2609B14C7}" type="slidenum">
               <a:rPr lang="en-US" smtClean="0"/>
-              <a:t>3</a:t>
+              <a:t>1</a:t>
             </a:fld>
             <a:endParaRPr lang="en-US"/>
           </a:p>
@@ -20335,7 +13377,7 @@
             <a:spLocks noGrp="1"/>
           </p:cNvSpPr>
           <p:nvPr>
-            <p:ph type="ctrTitle"/>
+            <p:ph type="title"/>
           </p:nvPr>
         </p:nvSpPr>
         <p:spPr/>
@@ -20344,58 +13386,45 @@
           <a:lstStyle/>
           <a:p>
             <a:r>
-              <a:rPr lang="en-US" b="1" dirty="0" smtClean="0"/>
-              <a:t>A Model FOR Predicting Blood Transfusions</a:t>
+              <a:rPr lang="en-US" dirty="0" smtClean="0"/>
+              <a:t>Business Model	</a:t>
             </a:r>
             <a:endParaRPr lang="en-US" dirty="0"/>
           </a:p>
         </p:txBody>
       </p:sp>
-      <p:sp>
-        <p:nvSpPr>
-          <p:cNvPr id="3" name="Subtitle 2"/>
-          <p:cNvSpPr>
-            <a:spLocks noGrp="1"/>
-          </p:cNvSpPr>
+      <p:graphicFrame>
+        <p:nvGraphicFramePr>
+          <p:cNvPr id="4" name="Diagram 3"/>
+          <p:cNvGraphicFramePr/>
           <p:nvPr>
-            <p:ph type="subTitle" idx="1"/>
+            <p:extLst>
+              <p:ext uri="{D42A27DB-BD31-4B8C-83A1-F6EECF244321}">
+                <p14:modId xmlns:p14="http://schemas.microsoft.com/office/powerpoint/2010/main" val="4037528557"/>
+              </p:ext>
+            </p:extLst>
           </p:nvPr>
-        </p:nvSpPr>
-        <p:spPr>
-          <a:xfrm>
-            <a:off x="2991394" y="4385732"/>
-            <a:ext cx="8168731" cy="1405467"/>
-          </a:xfrm>
-        </p:spPr>
-        <p:txBody>
-          <a:bodyPr/>
-          <a:lstStyle/>
-          <a:p>
-            <a:r>
-              <a:rPr lang="en-US" dirty="0" smtClean="0"/>
-              <a:t>TEAM NAME: Data Warriors (MAJU)</a:t>
-            </a:r>
-            <a:endParaRPr lang="en-US" dirty="0"/>
-          </a:p>
-        </p:txBody>
-      </p:sp>
+        </p:nvGraphicFramePr>
+        <p:xfrm>
+          <a:off x="1981200" y="1137282"/>
+          <a:ext cx="7751186" cy="5083410"/>
+        </p:xfrm>
+        <a:graphic>
+          <a:graphicData uri="http://schemas.openxmlformats.org/drawingml/2006/diagram">
+            <dgm:relIds xmlns:dgm="http://schemas.openxmlformats.org/drawingml/2006/diagram" xmlns:r="http://schemas.openxmlformats.org/officeDocument/2006/relationships" r:dm="rId3" r:lo="rId4" r:qs="rId5" r:cs="rId6"/>
+          </a:graphicData>
+        </a:graphic>
+      </p:graphicFrame>
     </p:spTree>
     <p:extLst>
       <p:ext uri="{BB962C8B-B14F-4D97-AF65-F5344CB8AC3E}">
-        <p14:creationId xmlns:p14="http://schemas.microsoft.com/office/powerpoint/2010/main" val="3430247422"/>
+        <p14:creationId xmlns:p14="http://schemas.microsoft.com/office/powerpoint/2010/main" val="3962216251"/>
       </p:ext>
     </p:extLst>
   </p:cSld>
   <p:clrMapOvr>
     <a:masterClrMapping/>
   </p:clrMapOvr>
-  <p:timing>
-    <p:tnLst>
-      <p:par>
-        <p:cTn id="1" dur="indefinite" restart="never" nodeType="tmRoot"/>
-      </p:par>
-    </p:tnLst>
-  </p:timing>
 </p:sld>
 </file>
 
@@ -20433,41 +13462,138 @@
           <a:p>
             <a:r>
               <a:rPr lang="en-US" dirty="0" smtClean="0"/>
-              <a:t>Glimpse of our Pipeline</a:t>
+              <a:t>Solution No 1</a:t>
             </a:r>
             <a:endParaRPr lang="en-US" dirty="0"/>
           </a:p>
         </p:txBody>
       </p:sp>
-      <p:graphicFrame>
-        <p:nvGraphicFramePr>
-          <p:cNvPr id="4" name="Content Placeholder 3"/>
-          <p:cNvGraphicFramePr>
-            <a:graphicFrameLocks noGrp="1"/>
-          </p:cNvGraphicFramePr>
+      <p:sp>
+        <p:nvSpPr>
+          <p:cNvPr id="3" name="Content Placeholder 2"/>
+          <p:cNvSpPr>
+            <a:spLocks noGrp="1"/>
+          </p:cNvSpPr>
           <p:nvPr>
             <p:ph idx="1"/>
-            <p:extLst>
-              <p:ext uri="{D42A27DB-BD31-4B8C-83A1-F6EECF244321}">
-                <p14:modId xmlns:p14="http://schemas.microsoft.com/office/powerpoint/2010/main" val="4076937576"/>
-              </p:ext>
-            </p:extLst>
           </p:nvPr>
-        </p:nvGraphicFramePr>
-        <p:xfrm>
-          <a:off x="685800" y="2141538"/>
-          <a:ext cx="10131425" cy="3649662"/>
-        </p:xfrm>
-        <a:graphic>
-          <a:graphicData uri="http://schemas.openxmlformats.org/drawingml/2006/diagram">
-            <dgm:relIds xmlns:dgm="http://schemas.openxmlformats.org/drawingml/2006/diagram" xmlns:r="http://schemas.openxmlformats.org/officeDocument/2006/relationships" r:dm="rId2" r:lo="rId3" r:qs="rId4" r:cs="rId5"/>
-          </a:graphicData>
-        </a:graphic>
-      </p:graphicFrame>
+        </p:nvSpPr>
+        <p:spPr>
+          <a:xfrm>
+            <a:off x="1" y="1201689"/>
+            <a:ext cx="4587498" cy="3649133"/>
+          </a:xfrm>
+        </p:spPr>
+        <p:txBody>
+          <a:bodyPr>
+            <a:normAutofit/>
+          </a:bodyPr>
+          <a:lstStyle/>
+          <a:p>
+            <a:r>
+              <a:rPr lang="en-US" sz="3200" dirty="0" smtClean="0"/>
+              <a:t>Predicting test1, test2, test3.</a:t>
+            </a:r>
+          </a:p>
+          <a:p>
+            <a:endParaRPr lang="en-US" sz="3200" dirty="0"/>
+          </a:p>
+        </p:txBody>
+      </p:sp>
+      <p:pic>
+        <p:nvPicPr>
+          <p:cNvPr id="4" name="Picture 3"/>
+          <p:cNvPicPr>
+            <a:picLocks noChangeAspect="1"/>
+          </p:cNvPicPr>
+          <p:nvPr/>
+        </p:nvPicPr>
+        <p:blipFill>
+          <a:blip r:embed="rId2">
+            <a:extLst>
+              <a:ext uri="{28A0092B-C50C-407E-A947-70E740481C1C}">
+                <a14:useLocalDpi xmlns:a14="http://schemas.microsoft.com/office/drawing/2010/main" val="0"/>
+              </a:ext>
+            </a:extLst>
+          </a:blip>
+          <a:stretch>
+            <a:fillRect/>
+          </a:stretch>
+        </p:blipFill>
+        <p:spPr>
+          <a:xfrm>
+            <a:off x="4448011" y="444085"/>
+            <a:ext cx="7593287" cy="2086781"/>
+          </a:xfrm>
+          <a:prstGeom prst="rect">
+            <a:avLst/>
+          </a:prstGeom>
+        </p:spPr>
+      </p:pic>
+      <p:pic>
+        <p:nvPicPr>
+          <p:cNvPr id="5" name="Picture 4"/>
+          <p:cNvPicPr>
+            <a:picLocks noChangeAspect="1"/>
+          </p:cNvPicPr>
+          <p:nvPr/>
+        </p:nvPicPr>
+        <p:blipFill>
+          <a:blip r:embed="rId3">
+            <a:extLst>
+              <a:ext uri="{28A0092B-C50C-407E-A947-70E740481C1C}">
+                <a14:useLocalDpi xmlns:a14="http://schemas.microsoft.com/office/drawing/2010/main" val="0"/>
+              </a:ext>
+            </a:extLst>
+          </a:blip>
+          <a:stretch>
+            <a:fillRect/>
+          </a:stretch>
+        </p:blipFill>
+        <p:spPr>
+          <a:xfrm>
+            <a:off x="4448010" y="2781104"/>
+            <a:ext cx="7593287" cy="1991532"/>
+          </a:xfrm>
+          <a:prstGeom prst="rect">
+            <a:avLst/>
+          </a:prstGeom>
+        </p:spPr>
+      </p:pic>
+      <p:pic>
+        <p:nvPicPr>
+          <p:cNvPr id="6" name="Picture 5"/>
+          <p:cNvPicPr>
+            <a:picLocks noChangeAspect="1"/>
+          </p:cNvPicPr>
+          <p:nvPr/>
+        </p:nvPicPr>
+        <p:blipFill>
+          <a:blip r:embed="rId4">
+            <a:extLst>
+              <a:ext uri="{28A0092B-C50C-407E-A947-70E740481C1C}">
+                <a14:useLocalDpi xmlns:a14="http://schemas.microsoft.com/office/drawing/2010/main" val="0"/>
+              </a:ext>
+            </a:extLst>
+          </a:blip>
+          <a:stretch>
+            <a:fillRect/>
+          </a:stretch>
+        </p:blipFill>
+        <p:spPr>
+          <a:xfrm>
+            <a:off x="4317187" y="4850822"/>
+            <a:ext cx="7854931" cy="1726898"/>
+          </a:xfrm>
+          <a:prstGeom prst="rect">
+            <a:avLst/>
+          </a:prstGeom>
+        </p:spPr>
+      </p:pic>
     </p:spTree>
     <p:extLst>
       <p:ext uri="{BB962C8B-B14F-4D97-AF65-F5344CB8AC3E}">
-        <p14:creationId xmlns:p14="http://schemas.microsoft.com/office/powerpoint/2010/main" val="3941678832"/>
+        <p14:creationId xmlns:p14="http://schemas.microsoft.com/office/powerpoint/2010/main" val="32732097"/>
       </p:ext>
     </p:extLst>
   </p:cSld>
@@ -20509,40 +13635,69 @@
           <a:bodyPr/>
           <a:lstStyle/>
           <a:p>
-            <a:r>
-              <a:rPr lang="en-US" dirty="0" smtClean="0"/>
-              <a:t>Business Model	</a:t>
-            </a:r>
             <a:endParaRPr lang="en-US" dirty="0"/>
           </a:p>
         </p:txBody>
       </p:sp>
-      <p:graphicFrame>
-        <p:nvGraphicFramePr>
-          <p:cNvPr id="4" name="Diagram 3"/>
-          <p:cNvGraphicFramePr/>
+      <p:sp>
+        <p:nvSpPr>
+          <p:cNvPr id="3" name="Content Placeholder 2"/>
+          <p:cNvSpPr>
+            <a:spLocks noGrp="1"/>
+          </p:cNvSpPr>
           <p:nvPr>
-            <p:extLst>
-              <p:ext uri="{D42A27DB-BD31-4B8C-83A1-F6EECF244321}">
-                <p14:modId xmlns:p14="http://schemas.microsoft.com/office/powerpoint/2010/main" val="1719948413"/>
-              </p:ext>
-            </p:extLst>
+            <p:ph idx="1"/>
           </p:nvPr>
-        </p:nvGraphicFramePr>
-        <p:xfrm>
-          <a:off x="1981200" y="1137282"/>
-          <a:ext cx="7751186" cy="5083410"/>
-        </p:xfrm>
-        <a:graphic>
-          <a:graphicData uri="http://schemas.openxmlformats.org/drawingml/2006/diagram">
-            <dgm:relIds xmlns:dgm="http://schemas.openxmlformats.org/drawingml/2006/diagram" xmlns:r="http://schemas.openxmlformats.org/officeDocument/2006/relationships" r:dm="rId3" r:lo="rId4" r:qs="rId5" r:cs="rId6"/>
-          </a:graphicData>
-        </a:graphic>
-      </p:graphicFrame>
+        </p:nvSpPr>
+        <p:spPr/>
+        <p:txBody>
+          <a:bodyPr>
+            <a:normAutofit/>
+          </a:bodyPr>
+          <a:lstStyle/>
+          <a:p>
+            <a:r>
+              <a:rPr lang="en-US" sz="2800" dirty="0" smtClean="0"/>
+              <a:t>Our Approach</a:t>
+            </a:r>
+            <a:endParaRPr lang="en-US" sz="2800" dirty="0"/>
+          </a:p>
+        </p:txBody>
+      </p:sp>
+      <p:pic>
+        <p:nvPicPr>
+          <p:cNvPr id="4" name="Picture 3"/>
+          <p:cNvPicPr>
+            <a:picLocks noChangeAspect="1"/>
+          </p:cNvPicPr>
+          <p:nvPr/>
+        </p:nvPicPr>
+        <p:blipFill>
+          <a:blip r:embed="rId2">
+            <a:extLst>
+              <a:ext uri="{28A0092B-C50C-407E-A947-70E740481C1C}">
+                <a14:useLocalDpi xmlns:a14="http://schemas.microsoft.com/office/drawing/2010/main" val="0"/>
+              </a:ext>
+            </a:extLst>
+          </a:blip>
+          <a:stretch>
+            <a:fillRect/>
+          </a:stretch>
+        </p:blipFill>
+        <p:spPr>
+          <a:xfrm>
+            <a:off x="-39185" y="232475"/>
+            <a:ext cx="12231185" cy="6323308"/>
+          </a:xfrm>
+          <a:prstGeom prst="rect">
+            <a:avLst/>
+          </a:prstGeom>
+        </p:spPr>
+      </p:pic>
     </p:spTree>
     <p:extLst>
       <p:ext uri="{BB962C8B-B14F-4D97-AF65-F5344CB8AC3E}">
-        <p14:creationId xmlns:p14="http://schemas.microsoft.com/office/powerpoint/2010/main" val="3962216251"/>
+        <p14:creationId xmlns:p14="http://schemas.microsoft.com/office/powerpoint/2010/main" val="1683045593"/>
       </p:ext>
     </p:extLst>
   </p:cSld>
